--- a/masterpom/PROJET UML.pptx
+++ b/masterpom/PROJET UML.pptx
@@ -7,9 +7,14 @@
   <p:sldIdLst>
     <p:sldId id="256" r:id="rId2"/>
     <p:sldId id="257" r:id="rId3"/>
-    <p:sldId id="258" r:id="rId4"/>
-    <p:sldId id="259" r:id="rId5"/>
-    <p:sldId id="260" r:id="rId6"/>
+    <p:sldId id="265" r:id="rId4"/>
+    <p:sldId id="258" r:id="rId5"/>
+    <p:sldId id="259" r:id="rId6"/>
+    <p:sldId id="260" r:id="rId7"/>
+    <p:sldId id="261" r:id="rId8"/>
+    <p:sldId id="262" r:id="rId9"/>
+    <p:sldId id="263" r:id="rId10"/>
+    <p:sldId id="264" r:id="rId11"/>
   </p:sldIdLst>
   <p:sldSz cx="12192000" cy="6858000"/>
   <p:notesSz cx="6858000" cy="9144000"/>
@@ -108,6 +113,11 @@
       </a:defRPr>
     </a:lvl9pPr>
   </p:defaultTextStyle>
+  <p:extLst>
+    <p:ext uri="{EFAFB233-063F-42B5-8137-9DF3F51BA10A}">
+      <p15:sldGuideLst xmlns:p15="http://schemas.microsoft.com/office/powerpoint/2012/main"/>
+    </p:ext>
+  </p:extLst>
 </p:presentation>
 </file>
 
@@ -2978,35 +2988,68 @@
             <p:ph type="ctrTitle"/>
           </p:nvPr>
         </p:nvSpPr>
-        <p:spPr/>
-        <p:txBody>
-          <a:bodyPr/>
+        <p:spPr>
+          <a:xfrm>
+            <a:off x="-1" y="182879"/>
+            <a:ext cx="12192001" cy="5451231"/>
+          </a:xfrm>
+        </p:spPr>
+        <p:txBody>
+          <a:bodyPr>
+            <a:noAutofit/>
+            <a:scene3d>
+              <a:camera prst="orthographicFront"/>
+              <a:lightRig rig="threePt" dir="t"/>
+            </a:scene3d>
+            <a:sp3d extrusionH="57150">
+              <a:bevelT w="38100" h="38100"/>
+            </a:sp3d>
+          </a:bodyPr>
           <a:lstStyle/>
           <a:p>
             <a:r>
-              <a:rPr lang="fr-FR" dirty="0" smtClean="0"/>
+              <a:rPr lang="fr-FR" sz="18000" b="1" dirty="0" smtClean="0">
+                <a:solidFill>
+                  <a:srgbClr val="FF0000"/>
+                </a:solidFill>
+                <a:effectLst>
+                  <a:glow rad="228600">
+                    <a:schemeClr val="accent2">
+                      <a:satMod val="175000"/>
+                      <a:alpha val="40000"/>
+                    </a:schemeClr>
+                  </a:glow>
+                  <a:outerShdw blurRad="50800" dist="38100" dir="10800000" algn="r" rotWithShape="0">
+                    <a:prstClr val="black">
+                      <a:alpha val="40000"/>
+                    </a:prstClr>
+                  </a:outerShdw>
+                </a:effectLst>
+                <a:latin typeface="Times New Roman" panose="02020603050405020304" pitchFamily="18" charset="0"/>
+                <a:cs typeface="Times New Roman" panose="02020603050405020304" pitchFamily="18" charset="0"/>
+              </a:rPr>
               <a:t>PROJET UML/JAVA</a:t>
             </a:r>
-            <a:endParaRPr lang="fr-FR" dirty="0"/>
-          </a:p>
-        </p:txBody>
-      </p:sp>
-      <p:sp>
-        <p:nvSpPr>
-          <p:cNvPr id="3" name="Sous-titre 2"/>
-          <p:cNvSpPr>
-            <a:spLocks noGrp="1"/>
-          </p:cNvSpPr>
-          <p:nvPr>
-            <p:ph type="subTitle" idx="1"/>
-          </p:nvPr>
-        </p:nvSpPr>
-        <p:spPr/>
-        <p:txBody>
-          <a:bodyPr/>
-          <a:lstStyle/>
-          <a:p>
-            <a:endParaRPr lang="fr-FR"/>
+            <a:endParaRPr lang="fr-FR" sz="18000" b="1" dirty="0">
+              <a:solidFill>
+                <a:srgbClr val="FF0000"/>
+              </a:solidFill>
+              <a:effectLst>
+                <a:glow rad="228600">
+                  <a:schemeClr val="accent2">
+                    <a:satMod val="175000"/>
+                    <a:alpha val="40000"/>
+                  </a:schemeClr>
+                </a:glow>
+                <a:outerShdw blurRad="50800" dist="38100" dir="10800000" algn="r" rotWithShape="0">
+                  <a:prstClr val="black">
+                    <a:alpha val="40000"/>
+                  </a:prstClr>
+                </a:outerShdw>
+              </a:effectLst>
+              <a:latin typeface="Times New Roman" panose="02020603050405020304" pitchFamily="18" charset="0"/>
+              <a:cs typeface="Times New Roman" panose="02020603050405020304" pitchFamily="18" charset="0"/>
+            </a:endParaRPr>
           </a:p>
         </p:txBody>
       </p:sp>
@@ -3014,6 +3057,91 @@
     <p:extLst>
       <p:ext uri="{BB962C8B-B14F-4D97-AF65-F5344CB8AC3E}">
         <p14:creationId xmlns:p14="http://schemas.microsoft.com/office/powerpoint/2010/main" val="3073571592"/>
+      </p:ext>
+    </p:extLst>
+  </p:cSld>
+  <p:clrMapOvr>
+    <a:masterClrMapping/>
+  </p:clrMapOvr>
+</p:sld>
+</file>
+
+<file path=ppt/slides/slide10.xml><?xml version="1.0" encoding="utf-8"?>
+<p:sld xmlns:a="http://schemas.openxmlformats.org/drawingml/2006/main" xmlns:r="http://schemas.openxmlformats.org/officeDocument/2006/relationships" xmlns:p="http://schemas.openxmlformats.org/presentationml/2006/main">
+  <p:cSld>
+    <p:spTree>
+      <p:nvGrpSpPr>
+        <p:cNvPr id="1" name=""/>
+        <p:cNvGrpSpPr/>
+        <p:nvPr/>
+      </p:nvGrpSpPr>
+      <p:grpSpPr>
+        <a:xfrm>
+          <a:off x="0" y="0"/>
+          <a:ext cx="0" cy="0"/>
+          <a:chOff x="0" y="0"/>
+          <a:chExt cx="0" cy="0"/>
+        </a:xfrm>
+      </p:grpSpPr>
+      <p:sp>
+        <p:nvSpPr>
+          <p:cNvPr id="2" name="Titre 1"/>
+          <p:cNvSpPr>
+            <a:spLocks noGrp="1"/>
+          </p:cNvSpPr>
+          <p:nvPr>
+            <p:ph type="title"/>
+          </p:nvPr>
+        </p:nvSpPr>
+        <p:spPr/>
+        <p:txBody>
+          <a:bodyPr/>
+          <a:lstStyle/>
+          <a:p>
+            <a:pPr algn="ctr"/>
+            <a:r>
+              <a:rPr lang="fr-FR" b="1" dirty="0" smtClean="0">
+                <a:solidFill>
+                  <a:srgbClr val="FF0000"/>
+                </a:solidFill>
+                <a:latin typeface="Times New Roman" panose="02020603050405020304" pitchFamily="18" charset="0"/>
+                <a:cs typeface="Times New Roman" panose="02020603050405020304" pitchFamily="18" charset="0"/>
+              </a:rPr>
+              <a:t>CONCLUSIONS</a:t>
+            </a:r>
+            <a:endParaRPr lang="fr-FR" b="1" dirty="0">
+              <a:solidFill>
+                <a:srgbClr val="FF0000"/>
+              </a:solidFill>
+              <a:latin typeface="Times New Roman" panose="02020603050405020304" pitchFamily="18" charset="0"/>
+              <a:cs typeface="Times New Roman" panose="02020603050405020304" pitchFamily="18" charset="0"/>
+            </a:endParaRPr>
+          </a:p>
+        </p:txBody>
+      </p:sp>
+      <p:sp>
+        <p:nvSpPr>
+          <p:cNvPr id="3" name="Espace réservé du contenu 2"/>
+          <p:cNvSpPr>
+            <a:spLocks noGrp="1"/>
+          </p:cNvSpPr>
+          <p:nvPr>
+            <p:ph idx="1"/>
+          </p:nvPr>
+        </p:nvSpPr>
+        <p:spPr/>
+        <p:txBody>
+          <a:bodyPr/>
+          <a:lstStyle/>
+          <a:p>
+            <a:endParaRPr lang="fr-FR"/>
+          </a:p>
+        </p:txBody>
+      </p:sp>
+    </p:spTree>
+    <p:extLst>
+      <p:ext uri="{BB962C8B-B14F-4D97-AF65-F5344CB8AC3E}">
+        <p14:creationId xmlns:p14="http://schemas.microsoft.com/office/powerpoint/2010/main" val="2302074517"/>
       </p:ext>
     </p:extLst>
   </p:cSld>
@@ -3050,12 +3178,36 @@
             <p:ph type="title"/>
           </p:nvPr>
         </p:nvSpPr>
-        <p:spPr/>
-        <p:txBody>
-          <a:bodyPr/>
+        <p:spPr>
+          <a:xfrm>
+            <a:off x="838200" y="0"/>
+            <a:ext cx="10515600" cy="892198"/>
+          </a:xfrm>
+        </p:spPr>
+        <p:txBody>
+          <a:bodyPr>
+            <a:normAutofit/>
+          </a:bodyPr>
           <a:lstStyle/>
           <a:p>
-            <a:endParaRPr lang="fr-FR"/>
+            <a:pPr algn="ctr"/>
+            <a:r>
+              <a:rPr lang="fr-FR" b="1" dirty="0" smtClean="0">
+                <a:solidFill>
+                  <a:srgbClr val="FF0000"/>
+                </a:solidFill>
+                <a:latin typeface="Times New Roman" panose="02020603050405020304" pitchFamily="18" charset="0"/>
+                <a:cs typeface="Times New Roman" panose="02020603050405020304" pitchFamily="18" charset="0"/>
+              </a:rPr>
+              <a:t>TEAM PRESENTATION</a:t>
+            </a:r>
+            <a:endParaRPr lang="fr-FR" b="1" dirty="0">
+              <a:solidFill>
+                <a:srgbClr val="FF0000"/>
+              </a:solidFill>
+              <a:latin typeface="Times New Roman" panose="02020603050405020304" pitchFamily="18" charset="0"/>
+              <a:cs typeface="Times New Roman" panose="02020603050405020304" pitchFamily="18" charset="0"/>
+            </a:endParaRPr>
           </a:p>
         </p:txBody>
       </p:sp>
@@ -3069,12 +3221,123 @@
             <p:ph idx="1"/>
           </p:nvPr>
         </p:nvSpPr>
-        <p:spPr/>
-        <p:txBody>
-          <a:bodyPr/>
+        <p:spPr>
+          <a:xfrm>
+            <a:off x="0" y="1336431"/>
+            <a:ext cx="12192000" cy="5050301"/>
+          </a:xfrm>
+        </p:spPr>
+        <p:txBody>
+          <a:bodyPr>
+            <a:noAutofit/>
+          </a:bodyPr>
           <a:lstStyle/>
           <a:p>
-            <a:endParaRPr lang="fr-FR"/>
+            <a:pPr marL="0" indent="0" algn="ctr">
+              <a:buNone/>
+            </a:pPr>
+            <a:r>
+              <a:rPr lang="fr-FR" sz="4500" b="1" dirty="0">
+                <a:latin typeface="Times New Roman" panose="02020603050405020304" pitchFamily="18" charset="0"/>
+                <a:cs typeface="Times New Roman" panose="02020603050405020304" pitchFamily="18" charset="0"/>
+              </a:rPr>
+              <a:t>KENGNE DEFO Heidy </a:t>
+            </a:r>
+            <a:r>
+              <a:rPr lang="fr-FR" sz="4500" b="1" dirty="0" smtClean="0">
+                <a:latin typeface="Times New Roman" panose="02020603050405020304" pitchFamily="18" charset="0"/>
+                <a:cs typeface="Times New Roman" panose="02020603050405020304" pitchFamily="18" charset="0"/>
+              </a:rPr>
+              <a:t>Giraud(Chef Projet)</a:t>
+            </a:r>
+          </a:p>
+          <a:p>
+            <a:pPr marL="0" indent="0" algn="ctr">
+              <a:buNone/>
+            </a:pPr>
+            <a:endParaRPr lang="fr-FR" sz="4500" dirty="0" smtClean="0">
+              <a:latin typeface="Times New Roman" panose="02020603050405020304" pitchFamily="18" charset="0"/>
+              <a:cs typeface="Times New Roman" panose="02020603050405020304" pitchFamily="18" charset="0"/>
+            </a:endParaRPr>
+          </a:p>
+          <a:p>
+            <a:pPr marL="0" indent="0" algn="ctr">
+              <a:buNone/>
+            </a:pPr>
+            <a:r>
+              <a:rPr lang="fr-FR" sz="4500" b="1" dirty="0" smtClean="0">
+                <a:latin typeface="Times New Roman" panose="02020603050405020304" pitchFamily="18" charset="0"/>
+                <a:cs typeface="Times New Roman" panose="02020603050405020304" pitchFamily="18" charset="0"/>
+              </a:rPr>
+              <a:t>NODJIMADJI Souar Ndolebeye</a:t>
+            </a:r>
+          </a:p>
+          <a:p>
+            <a:pPr marL="0" indent="0" algn="ctr">
+              <a:buNone/>
+            </a:pPr>
+            <a:endParaRPr lang="fr-FR" sz="4500" dirty="0" smtClean="0">
+              <a:latin typeface="Times New Roman" panose="02020603050405020304" pitchFamily="18" charset="0"/>
+              <a:cs typeface="Times New Roman" panose="02020603050405020304" pitchFamily="18" charset="0"/>
+            </a:endParaRPr>
+          </a:p>
+          <a:p>
+            <a:pPr marL="0" indent="0" algn="ctr">
+              <a:buNone/>
+            </a:pPr>
+            <a:r>
+              <a:rPr lang="fr-FR" sz="4500" b="1" dirty="0">
+                <a:latin typeface="Times New Roman" panose="02020603050405020304" pitchFamily="18" charset="0"/>
+                <a:cs typeface="Times New Roman" panose="02020603050405020304" pitchFamily="18" charset="0"/>
+              </a:rPr>
+              <a:t>FENYOM MEYOU </a:t>
+            </a:r>
+            <a:r>
+              <a:rPr lang="fr-FR" sz="4500" b="1" dirty="0" smtClean="0">
+                <a:latin typeface="Times New Roman" panose="02020603050405020304" pitchFamily="18" charset="0"/>
+                <a:cs typeface="Times New Roman" panose="02020603050405020304" pitchFamily="18" charset="0"/>
+              </a:rPr>
+              <a:t>Bryan</a:t>
+            </a:r>
+          </a:p>
+          <a:p>
+            <a:pPr marL="0" indent="0" algn="ctr">
+              <a:buNone/>
+            </a:pPr>
+            <a:endParaRPr lang="fr-FR" sz="4500" b="1" dirty="0" smtClean="0">
+              <a:latin typeface="Times New Roman" panose="02020603050405020304" pitchFamily="18" charset="0"/>
+              <a:cs typeface="Times New Roman" panose="02020603050405020304" pitchFamily="18" charset="0"/>
+            </a:endParaRPr>
+          </a:p>
+          <a:p>
+            <a:pPr marL="0" indent="0" algn="ctr">
+              <a:buNone/>
+            </a:pPr>
+            <a:r>
+              <a:rPr lang="fr-FR" sz="4500" b="1" dirty="0" smtClean="0">
+                <a:latin typeface="Times New Roman" panose="02020603050405020304" pitchFamily="18" charset="0"/>
+                <a:cs typeface="Times New Roman" panose="02020603050405020304" pitchFamily="18" charset="0"/>
+              </a:rPr>
+              <a:t>NGUESSIE </a:t>
+            </a:r>
+            <a:r>
+              <a:rPr lang="fr-FR" sz="4500" b="1" dirty="0">
+                <a:latin typeface="Times New Roman" panose="02020603050405020304" pitchFamily="18" charset="0"/>
+                <a:cs typeface="Times New Roman" panose="02020603050405020304" pitchFamily="18" charset="0"/>
+              </a:rPr>
+              <a:t>CHENDJOU </a:t>
+            </a:r>
+            <a:r>
+              <a:rPr lang="fr-FR" sz="4500" b="1" dirty="0" smtClean="0">
+                <a:latin typeface="Times New Roman" panose="02020603050405020304" pitchFamily="18" charset="0"/>
+                <a:cs typeface="Times New Roman" panose="02020603050405020304" pitchFamily="18" charset="0"/>
+              </a:rPr>
+              <a:t>Fabiola</a:t>
+            </a:r>
+            <a:endParaRPr lang="fr-FR" sz="4500" b="1" dirty="0">
+              <a:latin typeface="Times New Roman" panose="02020603050405020304" pitchFamily="18" charset="0"/>
+              <a:cs typeface="Times New Roman" panose="02020603050405020304" pitchFamily="18" charset="0"/>
+            </a:endParaRPr>
           </a:p>
         </p:txBody>
       </p:sp>
@@ -3118,12 +3381,34 @@
             <p:ph type="title"/>
           </p:nvPr>
         </p:nvSpPr>
-        <p:spPr/>
+        <p:spPr>
+          <a:xfrm>
+            <a:off x="767862" y="17372"/>
+            <a:ext cx="10515600" cy="1325563"/>
+          </a:xfrm>
+        </p:spPr>
         <p:txBody>
           <a:bodyPr/>
           <a:lstStyle/>
           <a:p>
-            <a:endParaRPr lang="fr-FR"/>
+            <a:pPr algn="ctr"/>
+            <a:r>
+              <a:rPr lang="fr-FR" b="1" dirty="0" smtClean="0">
+                <a:solidFill>
+                  <a:srgbClr val="FF0000"/>
+                </a:solidFill>
+                <a:latin typeface="Times New Roman" panose="02020603050405020304" pitchFamily="18" charset="0"/>
+                <a:cs typeface="Times New Roman" panose="02020603050405020304" pitchFamily="18" charset="0"/>
+              </a:rPr>
+              <a:t>ROLES ATTRIBUTED</a:t>
+            </a:r>
+            <a:endParaRPr lang="fr-FR" b="1" dirty="0">
+              <a:solidFill>
+                <a:srgbClr val="FF0000"/>
+              </a:solidFill>
+              <a:latin typeface="Times New Roman" panose="02020603050405020304" pitchFamily="18" charset="0"/>
+              <a:cs typeface="Times New Roman" panose="02020603050405020304" pitchFamily="18" charset="0"/>
+            </a:endParaRPr>
           </a:p>
         </p:txBody>
       </p:sp>
@@ -3137,19 +3422,2735 @@
             <p:ph idx="1"/>
           </p:nvPr>
         </p:nvSpPr>
-        <p:spPr/>
-        <p:txBody>
-          <a:bodyPr/>
+        <p:spPr>
+          <a:xfrm>
+            <a:off x="6938297" y="1417963"/>
+            <a:ext cx="2223285" cy="2155532"/>
+          </a:xfrm>
+        </p:spPr>
+        <p:txBody>
+          <a:bodyPr>
+            <a:normAutofit fontScale="55000" lnSpcReduction="20000"/>
+          </a:bodyPr>
           <a:lstStyle/>
           <a:p>
-            <a:endParaRPr lang="fr-FR"/>
+            <a:pPr marL="0" indent="0">
+              <a:buNone/>
+            </a:pPr>
+            <a:r>
+              <a:rPr lang="fr-FR" sz="3000" b="1" dirty="0" smtClean="0">
+                <a:solidFill>
+                  <a:srgbClr val="FF0000"/>
+                </a:solidFill>
+                <a:latin typeface="Times New Roman" panose="02020603050405020304" pitchFamily="18" charset="0"/>
+                <a:cs typeface="Times New Roman" panose="02020603050405020304" pitchFamily="18" charset="0"/>
+              </a:rPr>
+              <a:t>3.Game Code</a:t>
+            </a:r>
+          </a:p>
+          <a:p>
+            <a:pPr>
+              <a:buFont typeface="Wingdings" panose="05000000000000000000" pitchFamily="2" charset="2"/>
+              <a:buChar char="Ø"/>
+            </a:pPr>
+            <a:r>
+              <a:rPr lang="en-US" dirty="0">
+                <a:solidFill>
+                  <a:srgbClr val="7030A0"/>
+                </a:solidFill>
+                <a:latin typeface="Times New Roman" panose="02020603050405020304" pitchFamily="18" charset="0"/>
+                <a:cs typeface="Times New Roman" panose="02020603050405020304" pitchFamily="18" charset="0"/>
+              </a:rPr>
+              <a:t>C</a:t>
+            </a:r>
+            <a:r>
+              <a:rPr lang="en-US" dirty="0" smtClean="0">
+                <a:solidFill>
+                  <a:srgbClr val="7030A0"/>
+                </a:solidFill>
+                <a:latin typeface="Times New Roman" panose="02020603050405020304" pitchFamily="18" charset="0"/>
+                <a:cs typeface="Times New Roman" panose="02020603050405020304" pitchFamily="18" charset="0"/>
+              </a:rPr>
+              <a:t>ontroller</a:t>
+            </a:r>
+            <a:endParaRPr lang="en-US" dirty="0">
+              <a:solidFill>
+                <a:srgbClr val="7030A0"/>
+              </a:solidFill>
+              <a:latin typeface="Times New Roman" panose="02020603050405020304" pitchFamily="18" charset="0"/>
+              <a:cs typeface="Times New Roman" panose="02020603050405020304" pitchFamily="18" charset="0"/>
+            </a:endParaRPr>
+          </a:p>
+          <a:p>
+            <a:pPr>
+              <a:buFont typeface="Wingdings" panose="05000000000000000000" pitchFamily="2" charset="2"/>
+              <a:buChar char="Ø"/>
+            </a:pPr>
+            <a:r>
+              <a:rPr lang="en-US" dirty="0" smtClean="0">
+                <a:solidFill>
+                  <a:srgbClr val="00B0F0"/>
+                </a:solidFill>
+                <a:latin typeface="Times New Roman" panose="02020603050405020304" pitchFamily="18" charset="0"/>
+                <a:cs typeface="Times New Roman" panose="02020603050405020304" pitchFamily="18" charset="0"/>
+              </a:rPr>
+              <a:t>Entity</a:t>
+            </a:r>
+            <a:endParaRPr lang="en-US" dirty="0">
+              <a:solidFill>
+                <a:srgbClr val="00B0F0"/>
+              </a:solidFill>
+              <a:latin typeface="Times New Roman" panose="02020603050405020304" pitchFamily="18" charset="0"/>
+              <a:cs typeface="Times New Roman" panose="02020603050405020304" pitchFamily="18" charset="0"/>
+            </a:endParaRPr>
+          </a:p>
+          <a:p>
+            <a:pPr>
+              <a:buFont typeface="Wingdings" panose="05000000000000000000" pitchFamily="2" charset="2"/>
+              <a:buChar char="Ø"/>
+            </a:pPr>
+            <a:r>
+              <a:rPr lang="en-US" dirty="0">
+                <a:solidFill>
+                  <a:srgbClr val="00B0F0"/>
+                </a:solidFill>
+                <a:latin typeface="Times New Roman" panose="02020603050405020304" pitchFamily="18" charset="0"/>
+                <a:cs typeface="Times New Roman" panose="02020603050405020304" pitchFamily="18" charset="0"/>
+              </a:rPr>
+              <a:t>M</a:t>
+            </a:r>
+            <a:r>
+              <a:rPr lang="en-US" dirty="0" smtClean="0">
+                <a:solidFill>
+                  <a:srgbClr val="00B0F0"/>
+                </a:solidFill>
+                <a:latin typeface="Times New Roman" panose="02020603050405020304" pitchFamily="18" charset="0"/>
+                <a:cs typeface="Times New Roman" panose="02020603050405020304" pitchFamily="18" charset="0"/>
+              </a:rPr>
+              <a:t>odel</a:t>
+            </a:r>
+            <a:endParaRPr lang="en-US" dirty="0">
+              <a:solidFill>
+                <a:srgbClr val="00B0F0"/>
+              </a:solidFill>
+              <a:latin typeface="Times New Roman" panose="02020603050405020304" pitchFamily="18" charset="0"/>
+              <a:cs typeface="Times New Roman" panose="02020603050405020304" pitchFamily="18" charset="0"/>
+            </a:endParaRPr>
+          </a:p>
+          <a:p>
+            <a:pPr>
+              <a:buFont typeface="Wingdings" panose="05000000000000000000" pitchFamily="2" charset="2"/>
+              <a:buChar char="Ø"/>
+            </a:pPr>
+            <a:r>
+              <a:rPr lang="en-US" dirty="0">
+                <a:solidFill>
+                  <a:srgbClr val="FF0066"/>
+                </a:solidFill>
+                <a:latin typeface="Times New Roman" panose="02020603050405020304" pitchFamily="18" charset="0"/>
+                <a:cs typeface="Times New Roman" panose="02020603050405020304" pitchFamily="18" charset="0"/>
+              </a:rPr>
+              <a:t>V</a:t>
+            </a:r>
+            <a:r>
+              <a:rPr lang="en-US" dirty="0" smtClean="0">
+                <a:solidFill>
+                  <a:srgbClr val="FF0066"/>
+                </a:solidFill>
+                <a:latin typeface="Times New Roman" panose="02020603050405020304" pitchFamily="18" charset="0"/>
+                <a:cs typeface="Times New Roman" panose="02020603050405020304" pitchFamily="18" charset="0"/>
+              </a:rPr>
+              <a:t>iew</a:t>
+            </a:r>
+            <a:endParaRPr lang="en-US" dirty="0">
+              <a:solidFill>
+                <a:srgbClr val="FF0066"/>
+              </a:solidFill>
+              <a:latin typeface="Times New Roman" panose="02020603050405020304" pitchFamily="18" charset="0"/>
+              <a:cs typeface="Times New Roman" panose="02020603050405020304" pitchFamily="18" charset="0"/>
+            </a:endParaRPr>
+          </a:p>
+          <a:p>
+            <a:pPr>
+              <a:buFont typeface="Wingdings" panose="05000000000000000000" pitchFamily="2" charset="2"/>
+              <a:buChar char="Ø"/>
+            </a:pPr>
+            <a:r>
+              <a:rPr lang="en-US" dirty="0">
+                <a:solidFill>
+                  <a:srgbClr val="663300"/>
+                </a:solidFill>
+                <a:latin typeface="Times New Roman" panose="02020603050405020304" pitchFamily="18" charset="0"/>
+                <a:cs typeface="Times New Roman" panose="02020603050405020304" pitchFamily="18" charset="0"/>
+              </a:rPr>
+              <a:t>C</a:t>
+            </a:r>
+            <a:r>
+              <a:rPr lang="en-US" dirty="0" smtClean="0">
+                <a:solidFill>
+                  <a:srgbClr val="663300"/>
+                </a:solidFill>
+                <a:latin typeface="Times New Roman" panose="02020603050405020304" pitchFamily="18" charset="0"/>
+                <a:cs typeface="Times New Roman" panose="02020603050405020304" pitchFamily="18" charset="0"/>
+              </a:rPr>
+              <a:t>ontract</a:t>
+            </a:r>
+            <a:endParaRPr lang="en-US" dirty="0">
+              <a:solidFill>
+                <a:srgbClr val="663300"/>
+              </a:solidFill>
+              <a:latin typeface="Times New Roman" panose="02020603050405020304" pitchFamily="18" charset="0"/>
+              <a:cs typeface="Times New Roman" panose="02020603050405020304" pitchFamily="18" charset="0"/>
+            </a:endParaRPr>
+          </a:p>
+          <a:p>
+            <a:pPr>
+              <a:buFont typeface="Wingdings" panose="05000000000000000000" pitchFamily="2" charset="2"/>
+              <a:buChar char="Ø"/>
+            </a:pPr>
+            <a:r>
+              <a:rPr lang="en-US" dirty="0">
+                <a:solidFill>
+                  <a:srgbClr val="FF0066"/>
+                </a:solidFill>
+                <a:latin typeface="Times New Roman" panose="02020603050405020304" pitchFamily="18" charset="0"/>
+                <a:cs typeface="Times New Roman" panose="02020603050405020304" pitchFamily="18" charset="0"/>
+              </a:rPr>
+              <a:t>M</a:t>
+            </a:r>
+            <a:r>
+              <a:rPr lang="en-US" dirty="0" smtClean="0">
+                <a:solidFill>
+                  <a:srgbClr val="FF0066"/>
+                </a:solidFill>
+                <a:latin typeface="Times New Roman" panose="02020603050405020304" pitchFamily="18" charset="0"/>
+                <a:cs typeface="Times New Roman" panose="02020603050405020304" pitchFamily="18" charset="0"/>
+              </a:rPr>
+              <a:t>ain</a:t>
+            </a:r>
+            <a:endParaRPr lang="fr-FR" dirty="0" smtClean="0">
+              <a:solidFill>
+                <a:srgbClr val="FF0066"/>
+              </a:solidFill>
+              <a:latin typeface="Times New Roman" panose="02020603050405020304" pitchFamily="18" charset="0"/>
+              <a:cs typeface="Times New Roman" panose="02020603050405020304" pitchFamily="18" charset="0"/>
+            </a:endParaRPr>
+          </a:p>
+          <a:p>
+            <a:pPr marL="0" indent="0">
+              <a:buNone/>
+            </a:pPr>
+            <a:endParaRPr lang="fr-FR" dirty="0" smtClean="0"/>
+          </a:p>
+          <a:p>
+            <a:pPr marL="0" indent="0">
+              <a:buNone/>
+            </a:pPr>
+            <a:endParaRPr lang="fr-FR" dirty="0"/>
+          </a:p>
+          <a:p>
+            <a:pPr marL="0" indent="0">
+              <a:buNone/>
+            </a:pPr>
+            <a:endParaRPr lang="fr-FR" dirty="0" smtClean="0"/>
+          </a:p>
+        </p:txBody>
+      </p:sp>
+      <p:sp>
+        <p:nvSpPr>
+          <p:cNvPr id="5" name="Espace réservé du contenu 2"/>
+          <p:cNvSpPr txBox="1">
+            <a:spLocks/>
+          </p:cNvSpPr>
+          <p:nvPr/>
+        </p:nvSpPr>
+        <p:spPr>
+          <a:xfrm>
+            <a:off x="7391682" y="3535981"/>
+            <a:ext cx="4800318" cy="3216511"/>
+          </a:xfrm>
+          <a:prstGeom prst="rect">
+            <a:avLst/>
+          </a:prstGeom>
+        </p:spPr>
+        <p:txBody>
+          <a:bodyPr vert="horz" lIns="91440" tIns="45720" rIns="91440" bIns="45720" rtlCol="0">
+            <a:normAutofit/>
+          </a:bodyPr>
+          <a:lstStyle>
+            <a:lvl1pPr marL="228600" indent="-228600" algn="l" defTabSz="914400" rtl="0" eaLnBrk="1" latinLnBrk="0" hangingPunct="1">
+              <a:lnSpc>
+                <a:spcPct val="90000"/>
+              </a:lnSpc>
+              <a:spcBef>
+                <a:spcPts val="1000"/>
+              </a:spcBef>
+              <a:buFont typeface="Arial" panose="020B0604020202020204" pitchFamily="34" charset="0"/>
+              <a:buChar char="•"/>
+              <a:defRPr sz="2800" kern="1200">
+                <a:solidFill>
+                  <a:schemeClr val="tx1"/>
+                </a:solidFill>
+                <a:latin typeface="+mn-lt"/>
+                <a:ea typeface="+mn-ea"/>
+                <a:cs typeface="+mn-cs"/>
+              </a:defRPr>
+            </a:lvl1pPr>
+            <a:lvl2pPr marL="685800" indent="-228600" algn="l" defTabSz="914400" rtl="0" eaLnBrk="1" latinLnBrk="0" hangingPunct="1">
+              <a:lnSpc>
+                <a:spcPct val="90000"/>
+              </a:lnSpc>
+              <a:spcBef>
+                <a:spcPts val="500"/>
+              </a:spcBef>
+              <a:buFont typeface="Arial" panose="020B0604020202020204" pitchFamily="34" charset="0"/>
+              <a:buChar char="•"/>
+              <a:defRPr sz="2400" kern="1200">
+                <a:solidFill>
+                  <a:schemeClr val="tx1"/>
+                </a:solidFill>
+                <a:latin typeface="+mn-lt"/>
+                <a:ea typeface="+mn-ea"/>
+                <a:cs typeface="+mn-cs"/>
+              </a:defRPr>
+            </a:lvl2pPr>
+            <a:lvl3pPr marL="1143000" indent="-228600" algn="l" defTabSz="914400" rtl="0" eaLnBrk="1" latinLnBrk="0" hangingPunct="1">
+              <a:lnSpc>
+                <a:spcPct val="90000"/>
+              </a:lnSpc>
+              <a:spcBef>
+                <a:spcPts val="500"/>
+              </a:spcBef>
+              <a:buFont typeface="Arial" panose="020B0604020202020204" pitchFamily="34" charset="0"/>
+              <a:buChar char="•"/>
+              <a:defRPr sz="2000" kern="1200">
+                <a:solidFill>
+                  <a:schemeClr val="tx1"/>
+                </a:solidFill>
+                <a:latin typeface="+mn-lt"/>
+                <a:ea typeface="+mn-ea"/>
+                <a:cs typeface="+mn-cs"/>
+              </a:defRPr>
+            </a:lvl3pPr>
+            <a:lvl4pPr marL="1600200" indent="-228600" algn="l" defTabSz="914400" rtl="0" eaLnBrk="1" latinLnBrk="0" hangingPunct="1">
+              <a:lnSpc>
+                <a:spcPct val="90000"/>
+              </a:lnSpc>
+              <a:spcBef>
+                <a:spcPts val="500"/>
+              </a:spcBef>
+              <a:buFont typeface="Arial" panose="020B0604020202020204" pitchFamily="34" charset="0"/>
+              <a:buChar char="•"/>
+              <a:defRPr sz="1800" kern="1200">
+                <a:solidFill>
+                  <a:schemeClr val="tx1"/>
+                </a:solidFill>
+                <a:latin typeface="+mn-lt"/>
+                <a:ea typeface="+mn-ea"/>
+                <a:cs typeface="+mn-cs"/>
+              </a:defRPr>
+            </a:lvl4pPr>
+            <a:lvl5pPr marL="2057400" indent="-228600" algn="l" defTabSz="914400" rtl="0" eaLnBrk="1" latinLnBrk="0" hangingPunct="1">
+              <a:lnSpc>
+                <a:spcPct val="90000"/>
+              </a:lnSpc>
+              <a:spcBef>
+                <a:spcPts val="500"/>
+              </a:spcBef>
+              <a:buFont typeface="Arial" panose="020B0604020202020204" pitchFamily="34" charset="0"/>
+              <a:buChar char="•"/>
+              <a:defRPr sz="1800" kern="1200">
+                <a:solidFill>
+                  <a:schemeClr val="tx1"/>
+                </a:solidFill>
+                <a:latin typeface="+mn-lt"/>
+                <a:ea typeface="+mn-ea"/>
+                <a:cs typeface="+mn-cs"/>
+              </a:defRPr>
+            </a:lvl5pPr>
+            <a:lvl6pPr marL="2514600" indent="-228600" algn="l" defTabSz="914400" rtl="0" eaLnBrk="1" latinLnBrk="0" hangingPunct="1">
+              <a:lnSpc>
+                <a:spcPct val="90000"/>
+              </a:lnSpc>
+              <a:spcBef>
+                <a:spcPts val="500"/>
+              </a:spcBef>
+              <a:buFont typeface="Arial" panose="020B0604020202020204" pitchFamily="34" charset="0"/>
+              <a:buChar char="•"/>
+              <a:defRPr sz="1800" kern="1200">
+                <a:solidFill>
+                  <a:schemeClr val="tx1"/>
+                </a:solidFill>
+                <a:latin typeface="+mn-lt"/>
+                <a:ea typeface="+mn-ea"/>
+                <a:cs typeface="+mn-cs"/>
+              </a:defRPr>
+            </a:lvl6pPr>
+            <a:lvl7pPr marL="2971800" indent="-228600" algn="l" defTabSz="914400" rtl="0" eaLnBrk="1" latinLnBrk="0" hangingPunct="1">
+              <a:lnSpc>
+                <a:spcPct val="90000"/>
+              </a:lnSpc>
+              <a:spcBef>
+                <a:spcPts val="500"/>
+              </a:spcBef>
+              <a:buFont typeface="Arial" panose="020B0604020202020204" pitchFamily="34" charset="0"/>
+              <a:buChar char="•"/>
+              <a:defRPr sz="1800" kern="1200">
+                <a:solidFill>
+                  <a:schemeClr val="tx1"/>
+                </a:solidFill>
+                <a:latin typeface="+mn-lt"/>
+                <a:ea typeface="+mn-ea"/>
+                <a:cs typeface="+mn-cs"/>
+              </a:defRPr>
+            </a:lvl7pPr>
+            <a:lvl8pPr marL="3429000" indent="-228600" algn="l" defTabSz="914400" rtl="0" eaLnBrk="1" latinLnBrk="0" hangingPunct="1">
+              <a:lnSpc>
+                <a:spcPct val="90000"/>
+              </a:lnSpc>
+              <a:spcBef>
+                <a:spcPts val="500"/>
+              </a:spcBef>
+              <a:buFont typeface="Arial" panose="020B0604020202020204" pitchFamily="34" charset="0"/>
+              <a:buChar char="•"/>
+              <a:defRPr sz="1800" kern="1200">
+                <a:solidFill>
+                  <a:schemeClr val="tx1"/>
+                </a:solidFill>
+                <a:latin typeface="+mn-lt"/>
+                <a:ea typeface="+mn-ea"/>
+                <a:cs typeface="+mn-cs"/>
+              </a:defRPr>
+            </a:lvl8pPr>
+            <a:lvl9pPr marL="3886200" indent="-228600" algn="l" defTabSz="914400" rtl="0" eaLnBrk="1" latinLnBrk="0" hangingPunct="1">
+              <a:lnSpc>
+                <a:spcPct val="90000"/>
+              </a:lnSpc>
+              <a:spcBef>
+                <a:spcPts val="500"/>
+              </a:spcBef>
+              <a:buFont typeface="Arial" panose="020B0604020202020204" pitchFamily="34" charset="0"/>
+              <a:buChar char="•"/>
+              <a:defRPr sz="1800" kern="1200">
+                <a:solidFill>
+                  <a:schemeClr val="tx1"/>
+                </a:solidFill>
+                <a:latin typeface="+mn-lt"/>
+                <a:ea typeface="+mn-ea"/>
+                <a:cs typeface="+mn-cs"/>
+              </a:defRPr>
+            </a:lvl9pPr>
+          </a:lstStyle>
+          <a:p>
+            <a:pPr marL="0" indent="0">
+              <a:buFont typeface="Arial" panose="020B0604020202020204" pitchFamily="34" charset="0"/>
+              <a:buNone/>
+            </a:pPr>
+            <a:r>
+              <a:rPr lang="fr-FR" b="1" u="sng" dirty="0" smtClean="0">
+                <a:solidFill>
+                  <a:srgbClr val="FF0000"/>
+                </a:solidFill>
+                <a:effectLst>
+                  <a:outerShdw blurRad="38100" dist="38100" dir="2700000" algn="tl">
+                    <a:srgbClr val="000000">
+                      <a:alpha val="43137"/>
+                    </a:srgbClr>
+                  </a:outerShdw>
+                </a:effectLst>
+                <a:latin typeface="Times New Roman" panose="02020603050405020304" pitchFamily="18" charset="0"/>
+                <a:cs typeface="Times New Roman" panose="02020603050405020304" pitchFamily="18" charset="0"/>
+              </a:rPr>
+              <a:t>INDICATION:</a:t>
+            </a:r>
+          </a:p>
+          <a:p>
+            <a:pPr marL="0" indent="0">
+              <a:buFont typeface="Arial" panose="020B0604020202020204" pitchFamily="34" charset="0"/>
+              <a:buNone/>
+            </a:pPr>
+            <a:r>
+              <a:rPr lang="fr-FR" dirty="0" smtClean="0">
+                <a:solidFill>
+                  <a:srgbClr val="00B050"/>
+                </a:solidFill>
+                <a:latin typeface="Times New Roman" panose="02020603050405020304" pitchFamily="18" charset="0"/>
+                <a:cs typeface="Times New Roman" panose="02020603050405020304" pitchFamily="18" charset="0"/>
+              </a:rPr>
+              <a:t>Green : All the </a:t>
+            </a:r>
+            <a:r>
+              <a:rPr lang="fr-FR" dirty="0" err="1" smtClean="0">
+                <a:solidFill>
+                  <a:srgbClr val="00B050"/>
+                </a:solidFill>
+                <a:latin typeface="Times New Roman" panose="02020603050405020304" pitchFamily="18" charset="0"/>
+                <a:cs typeface="Times New Roman" panose="02020603050405020304" pitchFamily="18" charset="0"/>
+              </a:rPr>
+              <a:t>Members</a:t>
+            </a:r>
+            <a:endParaRPr lang="fr-FR" dirty="0" smtClean="0">
+              <a:solidFill>
+                <a:srgbClr val="00B050"/>
+              </a:solidFill>
+              <a:latin typeface="Times New Roman" panose="02020603050405020304" pitchFamily="18" charset="0"/>
+              <a:cs typeface="Times New Roman" panose="02020603050405020304" pitchFamily="18" charset="0"/>
+            </a:endParaRPr>
+          </a:p>
+          <a:p>
+            <a:pPr marL="0" indent="0">
+              <a:buFont typeface="Arial" panose="020B0604020202020204" pitchFamily="34" charset="0"/>
+              <a:buNone/>
+            </a:pPr>
+            <a:r>
+              <a:rPr lang="fr-FR" dirty="0" err="1" smtClean="0">
+                <a:solidFill>
+                  <a:srgbClr val="FF0066"/>
+                </a:solidFill>
+                <a:latin typeface="Times New Roman" panose="02020603050405020304" pitchFamily="18" charset="0"/>
+                <a:cs typeface="Times New Roman" panose="02020603050405020304" pitchFamily="18" charset="0"/>
+              </a:rPr>
+              <a:t>Pink</a:t>
+            </a:r>
+            <a:r>
+              <a:rPr lang="fr-FR" dirty="0" smtClean="0">
+                <a:solidFill>
+                  <a:srgbClr val="FF0066"/>
+                </a:solidFill>
+                <a:latin typeface="Times New Roman" panose="02020603050405020304" pitchFamily="18" charset="0"/>
+                <a:cs typeface="Times New Roman" panose="02020603050405020304" pitchFamily="18" charset="0"/>
+              </a:rPr>
+              <a:t> : </a:t>
+            </a:r>
+            <a:r>
+              <a:rPr lang="fr-FR" dirty="0" err="1" smtClean="0">
+                <a:solidFill>
+                  <a:srgbClr val="FF0066"/>
+                </a:solidFill>
+                <a:latin typeface="Times New Roman" panose="02020603050405020304" pitchFamily="18" charset="0"/>
+                <a:cs typeface="Times New Roman" panose="02020603050405020304" pitchFamily="18" charset="0"/>
+              </a:rPr>
+              <a:t>Kegne</a:t>
+            </a:r>
+            <a:r>
+              <a:rPr lang="fr-FR" dirty="0" smtClean="0">
+                <a:solidFill>
+                  <a:srgbClr val="FF0066"/>
+                </a:solidFill>
+                <a:latin typeface="Times New Roman" panose="02020603050405020304" pitchFamily="18" charset="0"/>
+                <a:cs typeface="Times New Roman" panose="02020603050405020304" pitchFamily="18" charset="0"/>
+              </a:rPr>
+              <a:t> </a:t>
+            </a:r>
+            <a:r>
+              <a:rPr lang="fr-FR" dirty="0" err="1" smtClean="0">
+                <a:solidFill>
+                  <a:srgbClr val="FF0066"/>
+                </a:solidFill>
+                <a:latin typeface="Times New Roman" panose="02020603050405020304" pitchFamily="18" charset="0"/>
+                <a:cs typeface="Times New Roman" panose="02020603050405020304" pitchFamily="18" charset="0"/>
+              </a:rPr>
+              <a:t>Hidy</a:t>
+            </a:r>
+            <a:endParaRPr lang="fr-FR" dirty="0" smtClean="0">
+              <a:solidFill>
+                <a:srgbClr val="FF0066"/>
+              </a:solidFill>
+              <a:latin typeface="Times New Roman" panose="02020603050405020304" pitchFamily="18" charset="0"/>
+              <a:cs typeface="Times New Roman" panose="02020603050405020304" pitchFamily="18" charset="0"/>
+            </a:endParaRPr>
+          </a:p>
+          <a:p>
+            <a:pPr marL="0" indent="0">
+              <a:buFont typeface="Arial" panose="020B0604020202020204" pitchFamily="34" charset="0"/>
+              <a:buNone/>
+            </a:pPr>
+            <a:r>
+              <a:rPr lang="fr-FR" dirty="0" smtClean="0">
+                <a:solidFill>
+                  <a:srgbClr val="00B0F0"/>
+                </a:solidFill>
+                <a:latin typeface="Times New Roman" panose="02020603050405020304" pitchFamily="18" charset="0"/>
+                <a:cs typeface="Times New Roman" panose="02020603050405020304" pitchFamily="18" charset="0"/>
+              </a:rPr>
+              <a:t>Blue : </a:t>
+            </a:r>
+            <a:r>
+              <a:rPr lang="fr-FR" dirty="0" err="1" smtClean="0">
+                <a:solidFill>
+                  <a:srgbClr val="00B0F0"/>
+                </a:solidFill>
+                <a:latin typeface="Times New Roman" panose="02020603050405020304" pitchFamily="18" charset="0"/>
+                <a:cs typeface="Times New Roman" panose="02020603050405020304" pitchFamily="18" charset="0"/>
+              </a:rPr>
+              <a:t>Nodjimadji</a:t>
+            </a:r>
+            <a:r>
+              <a:rPr lang="fr-FR" dirty="0" smtClean="0">
+                <a:solidFill>
+                  <a:srgbClr val="00B0F0"/>
+                </a:solidFill>
+                <a:latin typeface="Times New Roman" panose="02020603050405020304" pitchFamily="18" charset="0"/>
+                <a:cs typeface="Times New Roman" panose="02020603050405020304" pitchFamily="18" charset="0"/>
+              </a:rPr>
+              <a:t> Souar</a:t>
+            </a:r>
+          </a:p>
+          <a:p>
+            <a:pPr marL="0" indent="0">
+              <a:buFont typeface="Arial" panose="020B0604020202020204" pitchFamily="34" charset="0"/>
+              <a:buNone/>
+            </a:pPr>
+            <a:r>
+              <a:rPr lang="fr-FR" dirty="0" smtClean="0">
+                <a:solidFill>
+                  <a:srgbClr val="663300"/>
+                </a:solidFill>
+                <a:latin typeface="Times New Roman" panose="02020603050405020304" pitchFamily="18" charset="0"/>
+                <a:cs typeface="Times New Roman" panose="02020603050405020304" pitchFamily="18" charset="0"/>
+              </a:rPr>
+              <a:t>Brown : </a:t>
+            </a:r>
+            <a:r>
+              <a:rPr lang="fr-FR" dirty="0" err="1" smtClean="0">
+                <a:solidFill>
+                  <a:srgbClr val="663300"/>
+                </a:solidFill>
+                <a:latin typeface="Times New Roman" panose="02020603050405020304" pitchFamily="18" charset="0"/>
+                <a:cs typeface="Times New Roman" panose="02020603050405020304" pitchFamily="18" charset="0"/>
+              </a:rPr>
+              <a:t>Fenyom</a:t>
+            </a:r>
+            <a:r>
+              <a:rPr lang="fr-FR" dirty="0" smtClean="0">
+                <a:solidFill>
+                  <a:srgbClr val="663300"/>
+                </a:solidFill>
+                <a:latin typeface="Times New Roman" panose="02020603050405020304" pitchFamily="18" charset="0"/>
+                <a:cs typeface="Times New Roman" panose="02020603050405020304" pitchFamily="18" charset="0"/>
+              </a:rPr>
+              <a:t> Bryan</a:t>
+            </a:r>
+          </a:p>
+          <a:p>
+            <a:pPr marL="0" indent="0">
+              <a:buFont typeface="Arial" panose="020B0604020202020204" pitchFamily="34" charset="0"/>
+              <a:buNone/>
+            </a:pPr>
+            <a:r>
+              <a:rPr lang="fr-FR" dirty="0" err="1" smtClean="0">
+                <a:solidFill>
+                  <a:srgbClr val="7030A0"/>
+                </a:solidFill>
+                <a:latin typeface="Times New Roman" panose="02020603050405020304" pitchFamily="18" charset="0"/>
+                <a:cs typeface="Times New Roman" panose="02020603050405020304" pitchFamily="18" charset="0"/>
+              </a:rPr>
+              <a:t>Purple</a:t>
+            </a:r>
+            <a:r>
+              <a:rPr lang="fr-FR" dirty="0" smtClean="0">
+                <a:solidFill>
+                  <a:srgbClr val="7030A0"/>
+                </a:solidFill>
+                <a:latin typeface="Times New Roman" panose="02020603050405020304" pitchFamily="18" charset="0"/>
+                <a:cs typeface="Times New Roman" panose="02020603050405020304" pitchFamily="18" charset="0"/>
+              </a:rPr>
+              <a:t> : </a:t>
+            </a:r>
+            <a:r>
+              <a:rPr lang="fr-FR" dirty="0" err="1" smtClean="0">
+                <a:solidFill>
+                  <a:srgbClr val="7030A0"/>
+                </a:solidFill>
+                <a:latin typeface="Times New Roman" panose="02020603050405020304" pitchFamily="18" charset="0"/>
+                <a:cs typeface="Times New Roman" panose="02020603050405020304" pitchFamily="18" charset="0"/>
+              </a:rPr>
+              <a:t>Nguessie</a:t>
+            </a:r>
+            <a:r>
+              <a:rPr lang="fr-FR" dirty="0" smtClean="0">
+                <a:solidFill>
+                  <a:srgbClr val="7030A0"/>
+                </a:solidFill>
+                <a:latin typeface="Times New Roman" panose="02020603050405020304" pitchFamily="18" charset="0"/>
+                <a:cs typeface="Times New Roman" panose="02020603050405020304" pitchFamily="18" charset="0"/>
+              </a:rPr>
+              <a:t> Fabiola</a:t>
+            </a:r>
+          </a:p>
+          <a:p>
+            <a:pPr marL="0" indent="0">
+              <a:buFont typeface="Arial" panose="020B0604020202020204" pitchFamily="34" charset="0"/>
+              <a:buNone/>
+            </a:pPr>
+            <a:endParaRPr lang="fr-FR" dirty="0" smtClean="0"/>
+          </a:p>
+          <a:p>
+            <a:pPr marL="0" indent="0">
+              <a:buFont typeface="Arial" panose="020B0604020202020204" pitchFamily="34" charset="0"/>
+              <a:buNone/>
+            </a:pPr>
+            <a:endParaRPr lang="fr-FR" dirty="0" smtClean="0"/>
+          </a:p>
+        </p:txBody>
+      </p:sp>
+      <p:sp>
+        <p:nvSpPr>
+          <p:cNvPr id="6" name="Espace réservé du contenu 2"/>
+          <p:cNvSpPr txBox="1">
+            <a:spLocks/>
+          </p:cNvSpPr>
+          <p:nvPr/>
+        </p:nvSpPr>
+        <p:spPr>
+          <a:xfrm>
+            <a:off x="3452444" y="3729371"/>
+            <a:ext cx="3467686" cy="1980858"/>
+          </a:xfrm>
+          <a:prstGeom prst="rect">
+            <a:avLst/>
+          </a:prstGeom>
+        </p:spPr>
+        <p:txBody>
+          <a:bodyPr vert="horz" lIns="91440" tIns="45720" rIns="91440" bIns="45720" rtlCol="0">
+            <a:normAutofit/>
+          </a:bodyPr>
+          <a:lstStyle>
+            <a:lvl1pPr marL="228600" indent="-228600" algn="l" defTabSz="914400" rtl="0" eaLnBrk="1" latinLnBrk="0" hangingPunct="1">
+              <a:lnSpc>
+                <a:spcPct val="90000"/>
+              </a:lnSpc>
+              <a:spcBef>
+                <a:spcPts val="1000"/>
+              </a:spcBef>
+              <a:buFont typeface="Arial" panose="020B0604020202020204" pitchFamily="34" charset="0"/>
+              <a:buChar char="•"/>
+              <a:defRPr sz="2800" kern="1200">
+                <a:solidFill>
+                  <a:schemeClr val="tx1"/>
+                </a:solidFill>
+                <a:latin typeface="+mn-lt"/>
+                <a:ea typeface="+mn-ea"/>
+                <a:cs typeface="+mn-cs"/>
+              </a:defRPr>
+            </a:lvl1pPr>
+            <a:lvl2pPr marL="685800" indent="-228600" algn="l" defTabSz="914400" rtl="0" eaLnBrk="1" latinLnBrk="0" hangingPunct="1">
+              <a:lnSpc>
+                <a:spcPct val="90000"/>
+              </a:lnSpc>
+              <a:spcBef>
+                <a:spcPts val="500"/>
+              </a:spcBef>
+              <a:buFont typeface="Arial" panose="020B0604020202020204" pitchFamily="34" charset="0"/>
+              <a:buChar char="•"/>
+              <a:defRPr sz="2400" kern="1200">
+                <a:solidFill>
+                  <a:schemeClr val="tx1"/>
+                </a:solidFill>
+                <a:latin typeface="+mn-lt"/>
+                <a:ea typeface="+mn-ea"/>
+                <a:cs typeface="+mn-cs"/>
+              </a:defRPr>
+            </a:lvl2pPr>
+            <a:lvl3pPr marL="1143000" indent="-228600" algn="l" defTabSz="914400" rtl="0" eaLnBrk="1" latinLnBrk="0" hangingPunct="1">
+              <a:lnSpc>
+                <a:spcPct val="90000"/>
+              </a:lnSpc>
+              <a:spcBef>
+                <a:spcPts val="500"/>
+              </a:spcBef>
+              <a:buFont typeface="Arial" panose="020B0604020202020204" pitchFamily="34" charset="0"/>
+              <a:buChar char="•"/>
+              <a:defRPr sz="2000" kern="1200">
+                <a:solidFill>
+                  <a:schemeClr val="tx1"/>
+                </a:solidFill>
+                <a:latin typeface="+mn-lt"/>
+                <a:ea typeface="+mn-ea"/>
+                <a:cs typeface="+mn-cs"/>
+              </a:defRPr>
+            </a:lvl3pPr>
+            <a:lvl4pPr marL="1600200" indent="-228600" algn="l" defTabSz="914400" rtl="0" eaLnBrk="1" latinLnBrk="0" hangingPunct="1">
+              <a:lnSpc>
+                <a:spcPct val="90000"/>
+              </a:lnSpc>
+              <a:spcBef>
+                <a:spcPts val="500"/>
+              </a:spcBef>
+              <a:buFont typeface="Arial" panose="020B0604020202020204" pitchFamily="34" charset="0"/>
+              <a:buChar char="•"/>
+              <a:defRPr sz="1800" kern="1200">
+                <a:solidFill>
+                  <a:schemeClr val="tx1"/>
+                </a:solidFill>
+                <a:latin typeface="+mn-lt"/>
+                <a:ea typeface="+mn-ea"/>
+                <a:cs typeface="+mn-cs"/>
+              </a:defRPr>
+            </a:lvl4pPr>
+            <a:lvl5pPr marL="2057400" indent="-228600" algn="l" defTabSz="914400" rtl="0" eaLnBrk="1" latinLnBrk="0" hangingPunct="1">
+              <a:lnSpc>
+                <a:spcPct val="90000"/>
+              </a:lnSpc>
+              <a:spcBef>
+                <a:spcPts val="500"/>
+              </a:spcBef>
+              <a:buFont typeface="Arial" panose="020B0604020202020204" pitchFamily="34" charset="0"/>
+              <a:buChar char="•"/>
+              <a:defRPr sz="1800" kern="1200">
+                <a:solidFill>
+                  <a:schemeClr val="tx1"/>
+                </a:solidFill>
+                <a:latin typeface="+mn-lt"/>
+                <a:ea typeface="+mn-ea"/>
+                <a:cs typeface="+mn-cs"/>
+              </a:defRPr>
+            </a:lvl5pPr>
+            <a:lvl6pPr marL="2514600" indent="-228600" algn="l" defTabSz="914400" rtl="0" eaLnBrk="1" latinLnBrk="0" hangingPunct="1">
+              <a:lnSpc>
+                <a:spcPct val="90000"/>
+              </a:lnSpc>
+              <a:spcBef>
+                <a:spcPts val="500"/>
+              </a:spcBef>
+              <a:buFont typeface="Arial" panose="020B0604020202020204" pitchFamily="34" charset="0"/>
+              <a:buChar char="•"/>
+              <a:defRPr sz="1800" kern="1200">
+                <a:solidFill>
+                  <a:schemeClr val="tx1"/>
+                </a:solidFill>
+                <a:latin typeface="+mn-lt"/>
+                <a:ea typeface="+mn-ea"/>
+                <a:cs typeface="+mn-cs"/>
+              </a:defRPr>
+            </a:lvl6pPr>
+            <a:lvl7pPr marL="2971800" indent="-228600" algn="l" defTabSz="914400" rtl="0" eaLnBrk="1" latinLnBrk="0" hangingPunct="1">
+              <a:lnSpc>
+                <a:spcPct val="90000"/>
+              </a:lnSpc>
+              <a:spcBef>
+                <a:spcPts val="500"/>
+              </a:spcBef>
+              <a:buFont typeface="Arial" panose="020B0604020202020204" pitchFamily="34" charset="0"/>
+              <a:buChar char="•"/>
+              <a:defRPr sz="1800" kern="1200">
+                <a:solidFill>
+                  <a:schemeClr val="tx1"/>
+                </a:solidFill>
+                <a:latin typeface="+mn-lt"/>
+                <a:ea typeface="+mn-ea"/>
+                <a:cs typeface="+mn-cs"/>
+              </a:defRPr>
+            </a:lvl7pPr>
+            <a:lvl8pPr marL="3429000" indent="-228600" algn="l" defTabSz="914400" rtl="0" eaLnBrk="1" latinLnBrk="0" hangingPunct="1">
+              <a:lnSpc>
+                <a:spcPct val="90000"/>
+              </a:lnSpc>
+              <a:spcBef>
+                <a:spcPts val="500"/>
+              </a:spcBef>
+              <a:buFont typeface="Arial" panose="020B0604020202020204" pitchFamily="34" charset="0"/>
+              <a:buChar char="•"/>
+              <a:defRPr sz="1800" kern="1200">
+                <a:solidFill>
+                  <a:schemeClr val="tx1"/>
+                </a:solidFill>
+                <a:latin typeface="+mn-lt"/>
+                <a:ea typeface="+mn-ea"/>
+                <a:cs typeface="+mn-cs"/>
+              </a:defRPr>
+            </a:lvl8pPr>
+            <a:lvl9pPr marL="3886200" indent="-228600" algn="l" defTabSz="914400" rtl="0" eaLnBrk="1" latinLnBrk="0" hangingPunct="1">
+              <a:lnSpc>
+                <a:spcPct val="90000"/>
+              </a:lnSpc>
+              <a:spcBef>
+                <a:spcPts val="500"/>
+              </a:spcBef>
+              <a:buFont typeface="Arial" panose="020B0604020202020204" pitchFamily="34" charset="0"/>
+              <a:buChar char="•"/>
+              <a:defRPr sz="1800" kern="1200">
+                <a:solidFill>
+                  <a:schemeClr val="tx1"/>
+                </a:solidFill>
+                <a:latin typeface="+mn-lt"/>
+                <a:ea typeface="+mn-ea"/>
+                <a:cs typeface="+mn-cs"/>
+              </a:defRPr>
+            </a:lvl9pPr>
+          </a:lstStyle>
+          <a:p>
+            <a:pPr marL="0" indent="0">
+              <a:buFont typeface="Arial" panose="020B0604020202020204" pitchFamily="34" charset="0"/>
+              <a:buNone/>
+            </a:pPr>
+            <a:r>
+              <a:rPr lang="fr-FR" sz="3000" b="1" dirty="0" smtClean="0">
+                <a:solidFill>
+                  <a:srgbClr val="FF0000"/>
+                </a:solidFill>
+                <a:latin typeface="Times New Roman" panose="02020603050405020304" pitchFamily="18" charset="0"/>
+                <a:cs typeface="Times New Roman" panose="02020603050405020304" pitchFamily="18" charset="0"/>
+              </a:rPr>
+              <a:t>6.JavaDoc</a:t>
+            </a:r>
+          </a:p>
+          <a:p>
+            <a:pPr>
+              <a:buFont typeface="Wingdings" panose="05000000000000000000" pitchFamily="2" charset="2"/>
+              <a:buChar char="Ø"/>
+            </a:pPr>
+            <a:r>
+              <a:rPr lang="fr-FR" sz="2900" dirty="0" err="1" smtClean="0">
+                <a:solidFill>
+                  <a:srgbClr val="00B050"/>
+                </a:solidFill>
+                <a:latin typeface="Times New Roman" panose="02020603050405020304" pitchFamily="18" charset="0"/>
+                <a:cs typeface="Times New Roman" panose="02020603050405020304" pitchFamily="18" charset="0"/>
+              </a:rPr>
+              <a:t>Javadoc</a:t>
+            </a:r>
+            <a:r>
+              <a:rPr lang="fr-FR" sz="2900" dirty="0" smtClean="0">
+                <a:solidFill>
+                  <a:srgbClr val="00B050"/>
+                </a:solidFill>
+                <a:latin typeface="Times New Roman" panose="02020603050405020304" pitchFamily="18" charset="0"/>
+                <a:cs typeface="Times New Roman" panose="02020603050405020304" pitchFamily="18" charset="0"/>
+              </a:rPr>
+              <a:t> </a:t>
+            </a:r>
+            <a:r>
+              <a:rPr lang="fr-FR" sz="2900" dirty="0" err="1" smtClean="0">
+                <a:solidFill>
+                  <a:srgbClr val="00B050"/>
+                </a:solidFill>
+                <a:latin typeface="Times New Roman" panose="02020603050405020304" pitchFamily="18" charset="0"/>
+                <a:cs typeface="Times New Roman" panose="02020603050405020304" pitchFamily="18" charset="0"/>
+              </a:rPr>
+              <a:t>creation</a:t>
+            </a:r>
+            <a:endParaRPr lang="fr-FR" sz="2900" dirty="0" smtClean="0">
+              <a:solidFill>
+                <a:srgbClr val="00B050"/>
+              </a:solidFill>
+              <a:latin typeface="Times New Roman" panose="02020603050405020304" pitchFamily="18" charset="0"/>
+              <a:cs typeface="Times New Roman" panose="02020603050405020304" pitchFamily="18" charset="0"/>
+            </a:endParaRPr>
+          </a:p>
+          <a:p>
+            <a:pPr marL="0" indent="0">
+              <a:buFont typeface="Arial" panose="020B0604020202020204" pitchFamily="34" charset="0"/>
+              <a:buNone/>
+            </a:pPr>
+            <a:endParaRPr lang="fr-FR" dirty="0" smtClean="0"/>
+          </a:p>
+          <a:p>
+            <a:pPr marL="0" indent="0">
+              <a:buFont typeface="Arial" panose="020B0604020202020204" pitchFamily="34" charset="0"/>
+              <a:buNone/>
+            </a:pPr>
+            <a:endParaRPr lang="fr-FR" dirty="0" smtClean="0"/>
+          </a:p>
+          <a:p>
+            <a:pPr marL="0" indent="0">
+              <a:buFont typeface="Arial" panose="020B0604020202020204" pitchFamily="34" charset="0"/>
+              <a:buNone/>
+            </a:pPr>
+            <a:endParaRPr lang="fr-FR" dirty="0" smtClean="0"/>
+          </a:p>
+        </p:txBody>
+      </p:sp>
+      <p:sp>
+        <p:nvSpPr>
+          <p:cNvPr id="7" name="Espace réservé du contenu 2"/>
+          <p:cNvSpPr txBox="1">
+            <a:spLocks/>
+          </p:cNvSpPr>
+          <p:nvPr/>
+        </p:nvSpPr>
+        <p:spPr>
+          <a:xfrm>
+            <a:off x="179362" y="1425430"/>
+            <a:ext cx="3649394" cy="2155532"/>
+          </a:xfrm>
+          <a:prstGeom prst="rect">
+            <a:avLst/>
+          </a:prstGeom>
+        </p:spPr>
+        <p:txBody>
+          <a:bodyPr vert="horz" lIns="91440" tIns="45720" rIns="91440" bIns="45720" rtlCol="0">
+            <a:normAutofit fontScale="77500" lnSpcReduction="20000"/>
+          </a:bodyPr>
+          <a:lstStyle>
+            <a:lvl1pPr marL="228600" indent="-228600" algn="l" defTabSz="914400" rtl="0" eaLnBrk="1" latinLnBrk="0" hangingPunct="1">
+              <a:lnSpc>
+                <a:spcPct val="90000"/>
+              </a:lnSpc>
+              <a:spcBef>
+                <a:spcPts val="1000"/>
+              </a:spcBef>
+              <a:buFont typeface="Arial" panose="020B0604020202020204" pitchFamily="34" charset="0"/>
+              <a:buChar char="•"/>
+              <a:defRPr sz="2800" kern="1200">
+                <a:solidFill>
+                  <a:schemeClr val="tx1"/>
+                </a:solidFill>
+                <a:latin typeface="+mn-lt"/>
+                <a:ea typeface="+mn-ea"/>
+                <a:cs typeface="+mn-cs"/>
+              </a:defRPr>
+            </a:lvl1pPr>
+            <a:lvl2pPr marL="685800" indent="-228600" algn="l" defTabSz="914400" rtl="0" eaLnBrk="1" latinLnBrk="0" hangingPunct="1">
+              <a:lnSpc>
+                <a:spcPct val="90000"/>
+              </a:lnSpc>
+              <a:spcBef>
+                <a:spcPts val="500"/>
+              </a:spcBef>
+              <a:buFont typeface="Arial" panose="020B0604020202020204" pitchFamily="34" charset="0"/>
+              <a:buChar char="•"/>
+              <a:defRPr sz="2400" kern="1200">
+                <a:solidFill>
+                  <a:schemeClr val="tx1"/>
+                </a:solidFill>
+                <a:latin typeface="+mn-lt"/>
+                <a:ea typeface="+mn-ea"/>
+                <a:cs typeface="+mn-cs"/>
+              </a:defRPr>
+            </a:lvl2pPr>
+            <a:lvl3pPr marL="1143000" indent="-228600" algn="l" defTabSz="914400" rtl="0" eaLnBrk="1" latinLnBrk="0" hangingPunct="1">
+              <a:lnSpc>
+                <a:spcPct val="90000"/>
+              </a:lnSpc>
+              <a:spcBef>
+                <a:spcPts val="500"/>
+              </a:spcBef>
+              <a:buFont typeface="Arial" panose="020B0604020202020204" pitchFamily="34" charset="0"/>
+              <a:buChar char="•"/>
+              <a:defRPr sz="2000" kern="1200">
+                <a:solidFill>
+                  <a:schemeClr val="tx1"/>
+                </a:solidFill>
+                <a:latin typeface="+mn-lt"/>
+                <a:ea typeface="+mn-ea"/>
+                <a:cs typeface="+mn-cs"/>
+              </a:defRPr>
+            </a:lvl3pPr>
+            <a:lvl4pPr marL="1600200" indent="-228600" algn="l" defTabSz="914400" rtl="0" eaLnBrk="1" latinLnBrk="0" hangingPunct="1">
+              <a:lnSpc>
+                <a:spcPct val="90000"/>
+              </a:lnSpc>
+              <a:spcBef>
+                <a:spcPts val="500"/>
+              </a:spcBef>
+              <a:buFont typeface="Arial" panose="020B0604020202020204" pitchFamily="34" charset="0"/>
+              <a:buChar char="•"/>
+              <a:defRPr sz="1800" kern="1200">
+                <a:solidFill>
+                  <a:schemeClr val="tx1"/>
+                </a:solidFill>
+                <a:latin typeface="+mn-lt"/>
+                <a:ea typeface="+mn-ea"/>
+                <a:cs typeface="+mn-cs"/>
+              </a:defRPr>
+            </a:lvl4pPr>
+            <a:lvl5pPr marL="2057400" indent="-228600" algn="l" defTabSz="914400" rtl="0" eaLnBrk="1" latinLnBrk="0" hangingPunct="1">
+              <a:lnSpc>
+                <a:spcPct val="90000"/>
+              </a:lnSpc>
+              <a:spcBef>
+                <a:spcPts val="500"/>
+              </a:spcBef>
+              <a:buFont typeface="Arial" panose="020B0604020202020204" pitchFamily="34" charset="0"/>
+              <a:buChar char="•"/>
+              <a:defRPr sz="1800" kern="1200">
+                <a:solidFill>
+                  <a:schemeClr val="tx1"/>
+                </a:solidFill>
+                <a:latin typeface="+mn-lt"/>
+                <a:ea typeface="+mn-ea"/>
+                <a:cs typeface="+mn-cs"/>
+              </a:defRPr>
+            </a:lvl5pPr>
+            <a:lvl6pPr marL="2514600" indent="-228600" algn="l" defTabSz="914400" rtl="0" eaLnBrk="1" latinLnBrk="0" hangingPunct="1">
+              <a:lnSpc>
+                <a:spcPct val="90000"/>
+              </a:lnSpc>
+              <a:spcBef>
+                <a:spcPts val="500"/>
+              </a:spcBef>
+              <a:buFont typeface="Arial" panose="020B0604020202020204" pitchFamily="34" charset="0"/>
+              <a:buChar char="•"/>
+              <a:defRPr sz="1800" kern="1200">
+                <a:solidFill>
+                  <a:schemeClr val="tx1"/>
+                </a:solidFill>
+                <a:latin typeface="+mn-lt"/>
+                <a:ea typeface="+mn-ea"/>
+                <a:cs typeface="+mn-cs"/>
+              </a:defRPr>
+            </a:lvl6pPr>
+            <a:lvl7pPr marL="2971800" indent="-228600" algn="l" defTabSz="914400" rtl="0" eaLnBrk="1" latinLnBrk="0" hangingPunct="1">
+              <a:lnSpc>
+                <a:spcPct val="90000"/>
+              </a:lnSpc>
+              <a:spcBef>
+                <a:spcPts val="500"/>
+              </a:spcBef>
+              <a:buFont typeface="Arial" panose="020B0604020202020204" pitchFamily="34" charset="0"/>
+              <a:buChar char="•"/>
+              <a:defRPr sz="1800" kern="1200">
+                <a:solidFill>
+                  <a:schemeClr val="tx1"/>
+                </a:solidFill>
+                <a:latin typeface="+mn-lt"/>
+                <a:ea typeface="+mn-ea"/>
+                <a:cs typeface="+mn-cs"/>
+              </a:defRPr>
+            </a:lvl7pPr>
+            <a:lvl8pPr marL="3429000" indent="-228600" algn="l" defTabSz="914400" rtl="0" eaLnBrk="1" latinLnBrk="0" hangingPunct="1">
+              <a:lnSpc>
+                <a:spcPct val="90000"/>
+              </a:lnSpc>
+              <a:spcBef>
+                <a:spcPts val="500"/>
+              </a:spcBef>
+              <a:buFont typeface="Arial" panose="020B0604020202020204" pitchFamily="34" charset="0"/>
+              <a:buChar char="•"/>
+              <a:defRPr sz="1800" kern="1200">
+                <a:solidFill>
+                  <a:schemeClr val="tx1"/>
+                </a:solidFill>
+                <a:latin typeface="+mn-lt"/>
+                <a:ea typeface="+mn-ea"/>
+                <a:cs typeface="+mn-cs"/>
+              </a:defRPr>
+            </a:lvl8pPr>
+            <a:lvl9pPr marL="3886200" indent="-228600" algn="l" defTabSz="914400" rtl="0" eaLnBrk="1" latinLnBrk="0" hangingPunct="1">
+              <a:lnSpc>
+                <a:spcPct val="90000"/>
+              </a:lnSpc>
+              <a:spcBef>
+                <a:spcPts val="500"/>
+              </a:spcBef>
+              <a:buFont typeface="Arial" panose="020B0604020202020204" pitchFamily="34" charset="0"/>
+              <a:buChar char="•"/>
+              <a:defRPr sz="1800" kern="1200">
+                <a:solidFill>
+                  <a:schemeClr val="tx1"/>
+                </a:solidFill>
+                <a:latin typeface="+mn-lt"/>
+                <a:ea typeface="+mn-ea"/>
+                <a:cs typeface="+mn-cs"/>
+              </a:defRPr>
+            </a:lvl9pPr>
+          </a:lstStyle>
+          <a:p>
+            <a:pPr marL="0" indent="0">
+              <a:buFont typeface="Arial" panose="020B0604020202020204" pitchFamily="34" charset="0"/>
+              <a:buNone/>
+            </a:pPr>
+            <a:r>
+              <a:rPr lang="fr-FR" sz="3000" b="1" dirty="0" smtClean="0">
+                <a:solidFill>
+                  <a:srgbClr val="FF0000"/>
+                </a:solidFill>
+                <a:latin typeface="Times New Roman" panose="02020603050405020304" pitchFamily="18" charset="0"/>
+                <a:cs typeface="Times New Roman" panose="02020603050405020304" pitchFamily="18" charset="0"/>
+              </a:rPr>
+              <a:t>1.UML Diagrams</a:t>
+            </a:r>
+          </a:p>
+          <a:p>
+            <a:pPr>
+              <a:buFont typeface="Wingdings" panose="05000000000000000000" pitchFamily="2" charset="2"/>
+              <a:buChar char="Ø"/>
+            </a:pPr>
+            <a:r>
+              <a:rPr lang="pt-BR" dirty="0">
+                <a:solidFill>
+                  <a:srgbClr val="00B050"/>
+                </a:solidFill>
+                <a:latin typeface="Times New Roman" panose="02020603050405020304" pitchFamily="18" charset="0"/>
+                <a:cs typeface="Times New Roman" panose="02020603050405020304" pitchFamily="18" charset="0"/>
+              </a:rPr>
+              <a:t>C</a:t>
+            </a:r>
+            <a:r>
+              <a:rPr lang="pt-BR" dirty="0" smtClean="0">
+                <a:solidFill>
+                  <a:srgbClr val="00B050"/>
+                </a:solidFill>
+                <a:latin typeface="Times New Roman" panose="02020603050405020304" pitchFamily="18" charset="0"/>
+                <a:cs typeface="Times New Roman" panose="02020603050405020304" pitchFamily="18" charset="0"/>
+              </a:rPr>
+              <a:t>omponent </a:t>
+            </a:r>
+            <a:r>
+              <a:rPr lang="pt-BR" dirty="0">
+                <a:solidFill>
+                  <a:srgbClr val="00B050"/>
+                </a:solidFill>
+                <a:latin typeface="Times New Roman" panose="02020603050405020304" pitchFamily="18" charset="0"/>
+                <a:cs typeface="Times New Roman" panose="02020603050405020304" pitchFamily="18" charset="0"/>
+              </a:rPr>
+              <a:t>diagram</a:t>
+            </a:r>
+          </a:p>
+          <a:p>
+            <a:pPr>
+              <a:buFont typeface="Wingdings" panose="05000000000000000000" pitchFamily="2" charset="2"/>
+              <a:buChar char="Ø"/>
+            </a:pPr>
+            <a:r>
+              <a:rPr lang="pt-BR" dirty="0">
+                <a:solidFill>
+                  <a:srgbClr val="00B050"/>
+                </a:solidFill>
+                <a:latin typeface="Times New Roman" panose="02020603050405020304" pitchFamily="18" charset="0"/>
+                <a:cs typeface="Times New Roman" panose="02020603050405020304" pitchFamily="18" charset="0"/>
+              </a:rPr>
+              <a:t>P</a:t>
+            </a:r>
+            <a:r>
+              <a:rPr lang="pt-BR" dirty="0" smtClean="0">
+                <a:solidFill>
+                  <a:srgbClr val="00B050"/>
+                </a:solidFill>
+                <a:latin typeface="Times New Roman" panose="02020603050405020304" pitchFamily="18" charset="0"/>
+                <a:cs typeface="Times New Roman" panose="02020603050405020304" pitchFamily="18" charset="0"/>
+              </a:rPr>
+              <a:t>ackage </a:t>
+            </a:r>
+            <a:r>
+              <a:rPr lang="pt-BR" dirty="0">
+                <a:solidFill>
+                  <a:srgbClr val="00B050"/>
+                </a:solidFill>
+                <a:latin typeface="Times New Roman" panose="02020603050405020304" pitchFamily="18" charset="0"/>
+                <a:cs typeface="Times New Roman" panose="02020603050405020304" pitchFamily="18" charset="0"/>
+              </a:rPr>
+              <a:t>diagram</a:t>
+            </a:r>
+          </a:p>
+          <a:p>
+            <a:pPr>
+              <a:buFont typeface="Wingdings" panose="05000000000000000000" pitchFamily="2" charset="2"/>
+              <a:buChar char="Ø"/>
+            </a:pPr>
+            <a:r>
+              <a:rPr lang="pt-BR" dirty="0" smtClean="0">
+                <a:solidFill>
+                  <a:srgbClr val="00B050"/>
+                </a:solidFill>
+                <a:latin typeface="Times New Roman" panose="02020603050405020304" pitchFamily="18" charset="0"/>
+                <a:cs typeface="Times New Roman" panose="02020603050405020304" pitchFamily="18" charset="0"/>
+              </a:rPr>
+              <a:t>A Class </a:t>
+            </a:r>
+            <a:r>
+              <a:rPr lang="pt-BR" dirty="0">
+                <a:solidFill>
+                  <a:srgbClr val="00B050"/>
+                </a:solidFill>
+                <a:latin typeface="Times New Roman" panose="02020603050405020304" pitchFamily="18" charset="0"/>
+                <a:cs typeface="Times New Roman" panose="02020603050405020304" pitchFamily="18" charset="0"/>
+              </a:rPr>
+              <a:t>diagram per </a:t>
+            </a:r>
+            <a:r>
+              <a:rPr lang="pt-BR" dirty="0" smtClean="0">
+                <a:solidFill>
+                  <a:srgbClr val="00B050"/>
+                </a:solidFill>
+                <a:latin typeface="Times New Roman" panose="02020603050405020304" pitchFamily="18" charset="0"/>
+                <a:cs typeface="Times New Roman" panose="02020603050405020304" pitchFamily="18" charset="0"/>
+              </a:rPr>
+              <a:t>package</a:t>
+            </a:r>
+          </a:p>
+          <a:p>
+            <a:pPr>
+              <a:buFont typeface="Wingdings" panose="05000000000000000000" pitchFamily="2" charset="2"/>
+              <a:buChar char="Ø"/>
+            </a:pPr>
+            <a:r>
+              <a:rPr lang="fr-FR" dirty="0">
+                <a:solidFill>
+                  <a:srgbClr val="00B050"/>
+                </a:solidFill>
+                <a:latin typeface="Times New Roman" panose="02020603050405020304" pitchFamily="18" charset="0"/>
+                <a:cs typeface="Times New Roman" panose="02020603050405020304" pitchFamily="18" charset="0"/>
+              </a:rPr>
+              <a:t>Sequence diagram</a:t>
+            </a:r>
+          </a:p>
+          <a:p>
+            <a:pPr marL="0" indent="0">
+              <a:buFont typeface="Arial" panose="020B0604020202020204" pitchFamily="34" charset="0"/>
+              <a:buNone/>
+            </a:pPr>
+            <a:endParaRPr lang="fr-FR" dirty="0" smtClean="0"/>
+          </a:p>
+          <a:p>
+            <a:pPr marL="0" indent="0">
+              <a:buFont typeface="Arial" panose="020B0604020202020204" pitchFamily="34" charset="0"/>
+              <a:buNone/>
+            </a:pPr>
+            <a:endParaRPr lang="fr-FR" dirty="0" smtClean="0"/>
+          </a:p>
+        </p:txBody>
+      </p:sp>
+      <p:sp>
+        <p:nvSpPr>
+          <p:cNvPr id="8" name="Espace réservé du contenu 2"/>
+          <p:cNvSpPr txBox="1">
+            <a:spLocks/>
+          </p:cNvSpPr>
+          <p:nvPr/>
+        </p:nvSpPr>
+        <p:spPr>
+          <a:xfrm>
+            <a:off x="3452444" y="1425430"/>
+            <a:ext cx="3649394" cy="2155532"/>
+          </a:xfrm>
+          <a:prstGeom prst="rect">
+            <a:avLst/>
+          </a:prstGeom>
+        </p:spPr>
+        <p:txBody>
+          <a:bodyPr vert="horz" lIns="91440" tIns="45720" rIns="91440" bIns="45720" rtlCol="0">
+            <a:normAutofit fontScale="77500" lnSpcReduction="20000"/>
+          </a:bodyPr>
+          <a:lstStyle>
+            <a:lvl1pPr marL="228600" indent="-228600" algn="l" defTabSz="914400" rtl="0" eaLnBrk="1" latinLnBrk="0" hangingPunct="1">
+              <a:lnSpc>
+                <a:spcPct val="90000"/>
+              </a:lnSpc>
+              <a:spcBef>
+                <a:spcPts val="1000"/>
+              </a:spcBef>
+              <a:buFont typeface="Arial" panose="020B0604020202020204" pitchFamily="34" charset="0"/>
+              <a:buChar char="•"/>
+              <a:defRPr sz="2800" kern="1200">
+                <a:solidFill>
+                  <a:schemeClr val="tx1"/>
+                </a:solidFill>
+                <a:latin typeface="+mn-lt"/>
+                <a:ea typeface="+mn-ea"/>
+                <a:cs typeface="+mn-cs"/>
+              </a:defRPr>
+            </a:lvl1pPr>
+            <a:lvl2pPr marL="685800" indent="-228600" algn="l" defTabSz="914400" rtl="0" eaLnBrk="1" latinLnBrk="0" hangingPunct="1">
+              <a:lnSpc>
+                <a:spcPct val="90000"/>
+              </a:lnSpc>
+              <a:spcBef>
+                <a:spcPts val="500"/>
+              </a:spcBef>
+              <a:buFont typeface="Arial" panose="020B0604020202020204" pitchFamily="34" charset="0"/>
+              <a:buChar char="•"/>
+              <a:defRPr sz="2400" kern="1200">
+                <a:solidFill>
+                  <a:schemeClr val="tx1"/>
+                </a:solidFill>
+                <a:latin typeface="+mn-lt"/>
+                <a:ea typeface="+mn-ea"/>
+                <a:cs typeface="+mn-cs"/>
+              </a:defRPr>
+            </a:lvl2pPr>
+            <a:lvl3pPr marL="1143000" indent="-228600" algn="l" defTabSz="914400" rtl="0" eaLnBrk="1" latinLnBrk="0" hangingPunct="1">
+              <a:lnSpc>
+                <a:spcPct val="90000"/>
+              </a:lnSpc>
+              <a:spcBef>
+                <a:spcPts val="500"/>
+              </a:spcBef>
+              <a:buFont typeface="Arial" panose="020B0604020202020204" pitchFamily="34" charset="0"/>
+              <a:buChar char="•"/>
+              <a:defRPr sz="2000" kern="1200">
+                <a:solidFill>
+                  <a:schemeClr val="tx1"/>
+                </a:solidFill>
+                <a:latin typeface="+mn-lt"/>
+                <a:ea typeface="+mn-ea"/>
+                <a:cs typeface="+mn-cs"/>
+              </a:defRPr>
+            </a:lvl3pPr>
+            <a:lvl4pPr marL="1600200" indent="-228600" algn="l" defTabSz="914400" rtl="0" eaLnBrk="1" latinLnBrk="0" hangingPunct="1">
+              <a:lnSpc>
+                <a:spcPct val="90000"/>
+              </a:lnSpc>
+              <a:spcBef>
+                <a:spcPts val="500"/>
+              </a:spcBef>
+              <a:buFont typeface="Arial" panose="020B0604020202020204" pitchFamily="34" charset="0"/>
+              <a:buChar char="•"/>
+              <a:defRPr sz="1800" kern="1200">
+                <a:solidFill>
+                  <a:schemeClr val="tx1"/>
+                </a:solidFill>
+                <a:latin typeface="+mn-lt"/>
+                <a:ea typeface="+mn-ea"/>
+                <a:cs typeface="+mn-cs"/>
+              </a:defRPr>
+            </a:lvl4pPr>
+            <a:lvl5pPr marL="2057400" indent="-228600" algn="l" defTabSz="914400" rtl="0" eaLnBrk="1" latinLnBrk="0" hangingPunct="1">
+              <a:lnSpc>
+                <a:spcPct val="90000"/>
+              </a:lnSpc>
+              <a:spcBef>
+                <a:spcPts val="500"/>
+              </a:spcBef>
+              <a:buFont typeface="Arial" panose="020B0604020202020204" pitchFamily="34" charset="0"/>
+              <a:buChar char="•"/>
+              <a:defRPr sz="1800" kern="1200">
+                <a:solidFill>
+                  <a:schemeClr val="tx1"/>
+                </a:solidFill>
+                <a:latin typeface="+mn-lt"/>
+                <a:ea typeface="+mn-ea"/>
+                <a:cs typeface="+mn-cs"/>
+              </a:defRPr>
+            </a:lvl5pPr>
+            <a:lvl6pPr marL="2514600" indent="-228600" algn="l" defTabSz="914400" rtl="0" eaLnBrk="1" latinLnBrk="0" hangingPunct="1">
+              <a:lnSpc>
+                <a:spcPct val="90000"/>
+              </a:lnSpc>
+              <a:spcBef>
+                <a:spcPts val="500"/>
+              </a:spcBef>
+              <a:buFont typeface="Arial" panose="020B0604020202020204" pitchFamily="34" charset="0"/>
+              <a:buChar char="•"/>
+              <a:defRPr sz="1800" kern="1200">
+                <a:solidFill>
+                  <a:schemeClr val="tx1"/>
+                </a:solidFill>
+                <a:latin typeface="+mn-lt"/>
+                <a:ea typeface="+mn-ea"/>
+                <a:cs typeface="+mn-cs"/>
+              </a:defRPr>
+            </a:lvl6pPr>
+            <a:lvl7pPr marL="2971800" indent="-228600" algn="l" defTabSz="914400" rtl="0" eaLnBrk="1" latinLnBrk="0" hangingPunct="1">
+              <a:lnSpc>
+                <a:spcPct val="90000"/>
+              </a:lnSpc>
+              <a:spcBef>
+                <a:spcPts val="500"/>
+              </a:spcBef>
+              <a:buFont typeface="Arial" panose="020B0604020202020204" pitchFamily="34" charset="0"/>
+              <a:buChar char="•"/>
+              <a:defRPr sz="1800" kern="1200">
+                <a:solidFill>
+                  <a:schemeClr val="tx1"/>
+                </a:solidFill>
+                <a:latin typeface="+mn-lt"/>
+                <a:ea typeface="+mn-ea"/>
+                <a:cs typeface="+mn-cs"/>
+              </a:defRPr>
+            </a:lvl7pPr>
+            <a:lvl8pPr marL="3429000" indent="-228600" algn="l" defTabSz="914400" rtl="0" eaLnBrk="1" latinLnBrk="0" hangingPunct="1">
+              <a:lnSpc>
+                <a:spcPct val="90000"/>
+              </a:lnSpc>
+              <a:spcBef>
+                <a:spcPts val="500"/>
+              </a:spcBef>
+              <a:buFont typeface="Arial" panose="020B0604020202020204" pitchFamily="34" charset="0"/>
+              <a:buChar char="•"/>
+              <a:defRPr sz="1800" kern="1200">
+                <a:solidFill>
+                  <a:schemeClr val="tx1"/>
+                </a:solidFill>
+                <a:latin typeface="+mn-lt"/>
+                <a:ea typeface="+mn-ea"/>
+                <a:cs typeface="+mn-cs"/>
+              </a:defRPr>
+            </a:lvl8pPr>
+            <a:lvl9pPr marL="3886200" indent="-228600" algn="l" defTabSz="914400" rtl="0" eaLnBrk="1" latinLnBrk="0" hangingPunct="1">
+              <a:lnSpc>
+                <a:spcPct val="90000"/>
+              </a:lnSpc>
+              <a:spcBef>
+                <a:spcPts val="500"/>
+              </a:spcBef>
+              <a:buFont typeface="Arial" panose="020B0604020202020204" pitchFamily="34" charset="0"/>
+              <a:buChar char="•"/>
+              <a:defRPr sz="1800" kern="1200">
+                <a:solidFill>
+                  <a:schemeClr val="tx1"/>
+                </a:solidFill>
+                <a:latin typeface="+mn-lt"/>
+                <a:ea typeface="+mn-ea"/>
+                <a:cs typeface="+mn-cs"/>
+              </a:defRPr>
+            </a:lvl9pPr>
+          </a:lstStyle>
+          <a:p>
+            <a:pPr marL="0" indent="0">
+              <a:buFont typeface="Arial" panose="020B0604020202020204" pitchFamily="34" charset="0"/>
+              <a:buNone/>
+            </a:pPr>
+            <a:r>
+              <a:rPr lang="fr-FR" sz="3000" b="1" dirty="0" smtClean="0">
+                <a:solidFill>
+                  <a:srgbClr val="FF0000"/>
+                </a:solidFill>
+                <a:latin typeface="Times New Roman" panose="02020603050405020304" pitchFamily="18" charset="0"/>
+                <a:cs typeface="Times New Roman" panose="02020603050405020304" pitchFamily="18" charset="0"/>
+              </a:rPr>
+              <a:t>2.Database</a:t>
+            </a:r>
+          </a:p>
+          <a:p>
+            <a:pPr>
+              <a:buFont typeface="Wingdings" panose="05000000000000000000" pitchFamily="2" charset="2"/>
+              <a:buChar char="Ø"/>
+            </a:pPr>
+            <a:r>
+              <a:rPr lang="en-US" dirty="0">
+                <a:solidFill>
+                  <a:srgbClr val="00B050"/>
+                </a:solidFill>
+                <a:latin typeface="Times New Roman" panose="02020603050405020304" pitchFamily="18" charset="0"/>
+                <a:cs typeface="Times New Roman" panose="02020603050405020304" pitchFamily="18" charset="0"/>
+              </a:rPr>
+              <a:t>T</a:t>
+            </a:r>
+            <a:r>
+              <a:rPr lang="en-US" dirty="0" smtClean="0">
+                <a:solidFill>
+                  <a:srgbClr val="00B050"/>
+                </a:solidFill>
+                <a:latin typeface="Times New Roman" panose="02020603050405020304" pitchFamily="18" charset="0"/>
+                <a:cs typeface="Times New Roman" panose="02020603050405020304" pitchFamily="18" charset="0"/>
+              </a:rPr>
+              <a:t>he </a:t>
+            </a:r>
+            <a:r>
+              <a:rPr lang="en-US" dirty="0">
+                <a:solidFill>
+                  <a:srgbClr val="00B050"/>
+                </a:solidFill>
+                <a:latin typeface="Times New Roman" panose="02020603050405020304" pitchFamily="18" charset="0"/>
+                <a:cs typeface="Times New Roman" panose="02020603050405020304" pitchFamily="18" charset="0"/>
+              </a:rPr>
+              <a:t>conceptual data model</a:t>
+            </a:r>
+          </a:p>
+          <a:p>
+            <a:pPr>
+              <a:buFont typeface="Wingdings" panose="05000000000000000000" pitchFamily="2" charset="2"/>
+              <a:buChar char="Ø"/>
+            </a:pPr>
+            <a:r>
+              <a:rPr lang="en-US" dirty="0" smtClean="0">
+                <a:solidFill>
+                  <a:srgbClr val="00B0F0"/>
+                </a:solidFill>
+                <a:latin typeface="Times New Roman" panose="02020603050405020304" pitchFamily="18" charset="0"/>
+                <a:cs typeface="Times New Roman" panose="02020603050405020304" pitchFamily="18" charset="0"/>
+              </a:rPr>
+              <a:t>The </a:t>
+            </a:r>
+            <a:r>
+              <a:rPr lang="en-US" dirty="0">
+                <a:solidFill>
+                  <a:srgbClr val="00B0F0"/>
+                </a:solidFill>
+                <a:latin typeface="Times New Roman" panose="02020603050405020304" pitchFamily="18" charset="0"/>
+                <a:cs typeface="Times New Roman" panose="02020603050405020304" pitchFamily="18" charset="0"/>
+              </a:rPr>
+              <a:t>logical data model</a:t>
+            </a:r>
+          </a:p>
+          <a:p>
+            <a:pPr>
+              <a:buFont typeface="Wingdings" panose="05000000000000000000" pitchFamily="2" charset="2"/>
+              <a:buChar char="Ø"/>
+            </a:pPr>
+            <a:r>
+              <a:rPr lang="en-US" dirty="0" smtClean="0">
+                <a:solidFill>
+                  <a:srgbClr val="00B0F0"/>
+                </a:solidFill>
+                <a:latin typeface="Times New Roman" panose="02020603050405020304" pitchFamily="18" charset="0"/>
+                <a:cs typeface="Times New Roman" panose="02020603050405020304" pitchFamily="18" charset="0"/>
+              </a:rPr>
+              <a:t>The </a:t>
+            </a:r>
+            <a:r>
+              <a:rPr lang="en-US" dirty="0">
+                <a:solidFill>
+                  <a:srgbClr val="00B0F0"/>
+                </a:solidFill>
+                <a:latin typeface="Times New Roman" panose="02020603050405020304" pitchFamily="18" charset="0"/>
+                <a:cs typeface="Times New Roman" panose="02020603050405020304" pitchFamily="18" charset="0"/>
+              </a:rPr>
+              <a:t>physical data </a:t>
+            </a:r>
+            <a:r>
+              <a:rPr lang="en-US" dirty="0" smtClean="0">
+                <a:solidFill>
+                  <a:srgbClr val="00B0F0"/>
+                </a:solidFill>
+                <a:latin typeface="Times New Roman" panose="02020603050405020304" pitchFamily="18" charset="0"/>
+                <a:cs typeface="Times New Roman" panose="02020603050405020304" pitchFamily="18" charset="0"/>
+              </a:rPr>
+              <a:t>model</a:t>
+            </a:r>
+          </a:p>
+          <a:p>
+            <a:pPr>
+              <a:buFont typeface="Wingdings" panose="05000000000000000000" pitchFamily="2" charset="2"/>
+              <a:buChar char="Ø"/>
+            </a:pPr>
+            <a:r>
+              <a:rPr lang="fr-FR" dirty="0" smtClean="0">
+                <a:solidFill>
+                  <a:srgbClr val="00B0F0"/>
+                </a:solidFill>
+                <a:latin typeface="Times New Roman" panose="02020603050405020304" pitchFamily="18" charset="0"/>
+                <a:cs typeface="Times New Roman" panose="02020603050405020304" pitchFamily="18" charset="0"/>
+              </a:rPr>
+              <a:t>Store procedure</a:t>
+            </a:r>
+          </a:p>
+          <a:p>
+            <a:pPr marL="0" indent="0">
+              <a:buFont typeface="Arial" panose="020B0604020202020204" pitchFamily="34" charset="0"/>
+              <a:buNone/>
+            </a:pPr>
+            <a:endParaRPr lang="fr-FR" dirty="0" smtClean="0"/>
+          </a:p>
+          <a:p>
+            <a:pPr marL="0" indent="0">
+              <a:buFont typeface="Arial" panose="020B0604020202020204" pitchFamily="34" charset="0"/>
+              <a:buNone/>
+            </a:pPr>
+            <a:endParaRPr lang="fr-FR" dirty="0" smtClean="0"/>
+          </a:p>
+          <a:p>
+            <a:pPr marL="0" indent="0">
+              <a:buFont typeface="Arial" panose="020B0604020202020204" pitchFamily="34" charset="0"/>
+              <a:buNone/>
+            </a:pPr>
+            <a:endParaRPr lang="fr-FR" dirty="0" smtClean="0"/>
+          </a:p>
+        </p:txBody>
+      </p:sp>
+      <p:sp>
+        <p:nvSpPr>
+          <p:cNvPr id="9" name="Espace réservé du contenu 2"/>
+          <p:cNvSpPr txBox="1">
+            <a:spLocks/>
+          </p:cNvSpPr>
+          <p:nvPr/>
+        </p:nvSpPr>
+        <p:spPr>
+          <a:xfrm>
+            <a:off x="9161582" y="1380449"/>
+            <a:ext cx="2851056" cy="2155532"/>
+          </a:xfrm>
+          <a:prstGeom prst="rect">
+            <a:avLst/>
+          </a:prstGeom>
+        </p:spPr>
+        <p:txBody>
+          <a:bodyPr vert="horz" lIns="91440" tIns="45720" rIns="91440" bIns="45720" rtlCol="0">
+            <a:normAutofit/>
+          </a:bodyPr>
+          <a:lstStyle>
+            <a:lvl1pPr marL="228600" indent="-228600" algn="l" defTabSz="914400" rtl="0" eaLnBrk="1" latinLnBrk="0" hangingPunct="1">
+              <a:lnSpc>
+                <a:spcPct val="90000"/>
+              </a:lnSpc>
+              <a:spcBef>
+                <a:spcPts val="1000"/>
+              </a:spcBef>
+              <a:buFont typeface="Arial" panose="020B0604020202020204" pitchFamily="34" charset="0"/>
+              <a:buChar char="•"/>
+              <a:defRPr sz="2800" kern="1200">
+                <a:solidFill>
+                  <a:schemeClr val="tx1"/>
+                </a:solidFill>
+                <a:latin typeface="+mn-lt"/>
+                <a:ea typeface="+mn-ea"/>
+                <a:cs typeface="+mn-cs"/>
+              </a:defRPr>
+            </a:lvl1pPr>
+            <a:lvl2pPr marL="685800" indent="-228600" algn="l" defTabSz="914400" rtl="0" eaLnBrk="1" latinLnBrk="0" hangingPunct="1">
+              <a:lnSpc>
+                <a:spcPct val="90000"/>
+              </a:lnSpc>
+              <a:spcBef>
+                <a:spcPts val="500"/>
+              </a:spcBef>
+              <a:buFont typeface="Arial" panose="020B0604020202020204" pitchFamily="34" charset="0"/>
+              <a:buChar char="•"/>
+              <a:defRPr sz="2400" kern="1200">
+                <a:solidFill>
+                  <a:schemeClr val="tx1"/>
+                </a:solidFill>
+                <a:latin typeface="+mn-lt"/>
+                <a:ea typeface="+mn-ea"/>
+                <a:cs typeface="+mn-cs"/>
+              </a:defRPr>
+            </a:lvl2pPr>
+            <a:lvl3pPr marL="1143000" indent="-228600" algn="l" defTabSz="914400" rtl="0" eaLnBrk="1" latinLnBrk="0" hangingPunct="1">
+              <a:lnSpc>
+                <a:spcPct val="90000"/>
+              </a:lnSpc>
+              <a:spcBef>
+                <a:spcPts val="500"/>
+              </a:spcBef>
+              <a:buFont typeface="Arial" panose="020B0604020202020204" pitchFamily="34" charset="0"/>
+              <a:buChar char="•"/>
+              <a:defRPr sz="2000" kern="1200">
+                <a:solidFill>
+                  <a:schemeClr val="tx1"/>
+                </a:solidFill>
+                <a:latin typeface="+mn-lt"/>
+                <a:ea typeface="+mn-ea"/>
+                <a:cs typeface="+mn-cs"/>
+              </a:defRPr>
+            </a:lvl3pPr>
+            <a:lvl4pPr marL="1600200" indent="-228600" algn="l" defTabSz="914400" rtl="0" eaLnBrk="1" latinLnBrk="0" hangingPunct="1">
+              <a:lnSpc>
+                <a:spcPct val="90000"/>
+              </a:lnSpc>
+              <a:spcBef>
+                <a:spcPts val="500"/>
+              </a:spcBef>
+              <a:buFont typeface="Arial" panose="020B0604020202020204" pitchFamily="34" charset="0"/>
+              <a:buChar char="•"/>
+              <a:defRPr sz="1800" kern="1200">
+                <a:solidFill>
+                  <a:schemeClr val="tx1"/>
+                </a:solidFill>
+                <a:latin typeface="+mn-lt"/>
+                <a:ea typeface="+mn-ea"/>
+                <a:cs typeface="+mn-cs"/>
+              </a:defRPr>
+            </a:lvl4pPr>
+            <a:lvl5pPr marL="2057400" indent="-228600" algn="l" defTabSz="914400" rtl="0" eaLnBrk="1" latinLnBrk="0" hangingPunct="1">
+              <a:lnSpc>
+                <a:spcPct val="90000"/>
+              </a:lnSpc>
+              <a:spcBef>
+                <a:spcPts val="500"/>
+              </a:spcBef>
+              <a:buFont typeface="Arial" panose="020B0604020202020204" pitchFamily="34" charset="0"/>
+              <a:buChar char="•"/>
+              <a:defRPr sz="1800" kern="1200">
+                <a:solidFill>
+                  <a:schemeClr val="tx1"/>
+                </a:solidFill>
+                <a:latin typeface="+mn-lt"/>
+                <a:ea typeface="+mn-ea"/>
+                <a:cs typeface="+mn-cs"/>
+              </a:defRPr>
+            </a:lvl5pPr>
+            <a:lvl6pPr marL="2514600" indent="-228600" algn="l" defTabSz="914400" rtl="0" eaLnBrk="1" latinLnBrk="0" hangingPunct="1">
+              <a:lnSpc>
+                <a:spcPct val="90000"/>
+              </a:lnSpc>
+              <a:spcBef>
+                <a:spcPts val="500"/>
+              </a:spcBef>
+              <a:buFont typeface="Arial" panose="020B0604020202020204" pitchFamily="34" charset="0"/>
+              <a:buChar char="•"/>
+              <a:defRPr sz="1800" kern="1200">
+                <a:solidFill>
+                  <a:schemeClr val="tx1"/>
+                </a:solidFill>
+                <a:latin typeface="+mn-lt"/>
+                <a:ea typeface="+mn-ea"/>
+                <a:cs typeface="+mn-cs"/>
+              </a:defRPr>
+            </a:lvl6pPr>
+            <a:lvl7pPr marL="2971800" indent="-228600" algn="l" defTabSz="914400" rtl="0" eaLnBrk="1" latinLnBrk="0" hangingPunct="1">
+              <a:lnSpc>
+                <a:spcPct val="90000"/>
+              </a:lnSpc>
+              <a:spcBef>
+                <a:spcPts val="500"/>
+              </a:spcBef>
+              <a:buFont typeface="Arial" panose="020B0604020202020204" pitchFamily="34" charset="0"/>
+              <a:buChar char="•"/>
+              <a:defRPr sz="1800" kern="1200">
+                <a:solidFill>
+                  <a:schemeClr val="tx1"/>
+                </a:solidFill>
+                <a:latin typeface="+mn-lt"/>
+                <a:ea typeface="+mn-ea"/>
+                <a:cs typeface="+mn-cs"/>
+              </a:defRPr>
+            </a:lvl7pPr>
+            <a:lvl8pPr marL="3429000" indent="-228600" algn="l" defTabSz="914400" rtl="0" eaLnBrk="1" latinLnBrk="0" hangingPunct="1">
+              <a:lnSpc>
+                <a:spcPct val="90000"/>
+              </a:lnSpc>
+              <a:spcBef>
+                <a:spcPts val="500"/>
+              </a:spcBef>
+              <a:buFont typeface="Arial" panose="020B0604020202020204" pitchFamily="34" charset="0"/>
+              <a:buChar char="•"/>
+              <a:defRPr sz="1800" kern="1200">
+                <a:solidFill>
+                  <a:schemeClr val="tx1"/>
+                </a:solidFill>
+                <a:latin typeface="+mn-lt"/>
+                <a:ea typeface="+mn-ea"/>
+                <a:cs typeface="+mn-cs"/>
+              </a:defRPr>
+            </a:lvl8pPr>
+            <a:lvl9pPr marL="3886200" indent="-228600" algn="l" defTabSz="914400" rtl="0" eaLnBrk="1" latinLnBrk="0" hangingPunct="1">
+              <a:lnSpc>
+                <a:spcPct val="90000"/>
+              </a:lnSpc>
+              <a:spcBef>
+                <a:spcPts val="500"/>
+              </a:spcBef>
+              <a:buFont typeface="Arial" panose="020B0604020202020204" pitchFamily="34" charset="0"/>
+              <a:buChar char="•"/>
+              <a:defRPr sz="1800" kern="1200">
+                <a:solidFill>
+                  <a:schemeClr val="tx1"/>
+                </a:solidFill>
+                <a:latin typeface="+mn-lt"/>
+                <a:ea typeface="+mn-ea"/>
+                <a:cs typeface="+mn-cs"/>
+              </a:defRPr>
+            </a:lvl9pPr>
+          </a:lstStyle>
+          <a:p>
+            <a:pPr marL="0" indent="0">
+              <a:buFont typeface="Arial" panose="020B0604020202020204" pitchFamily="34" charset="0"/>
+              <a:buNone/>
+            </a:pPr>
+            <a:r>
+              <a:rPr lang="fr-FR" sz="3000" b="1" dirty="0">
+                <a:solidFill>
+                  <a:srgbClr val="FF0000"/>
+                </a:solidFill>
+                <a:latin typeface="Times New Roman" panose="02020603050405020304" pitchFamily="18" charset="0"/>
+                <a:cs typeface="Times New Roman" panose="02020603050405020304" pitchFamily="18" charset="0"/>
+              </a:rPr>
+              <a:t>4</a:t>
+            </a:r>
+            <a:r>
+              <a:rPr lang="fr-FR" sz="3000" b="1" dirty="0" smtClean="0">
+                <a:solidFill>
+                  <a:srgbClr val="FF0000"/>
+                </a:solidFill>
+                <a:latin typeface="Times New Roman" panose="02020603050405020304" pitchFamily="18" charset="0"/>
+                <a:cs typeface="Times New Roman" panose="02020603050405020304" pitchFamily="18" charset="0"/>
+              </a:rPr>
+              <a:t>.Presentation</a:t>
+            </a:r>
+          </a:p>
+          <a:p>
+            <a:pPr>
+              <a:buFont typeface="Wingdings" panose="05000000000000000000" pitchFamily="2" charset="2"/>
+              <a:buChar char="Ø"/>
+            </a:pPr>
+            <a:r>
+              <a:rPr lang="fr-FR" dirty="0" err="1" smtClean="0">
+                <a:solidFill>
+                  <a:srgbClr val="00B050"/>
+                </a:solidFill>
+                <a:latin typeface="Times New Roman" panose="02020603050405020304" pitchFamily="18" charset="0"/>
+                <a:cs typeface="Times New Roman" panose="02020603050405020304" pitchFamily="18" charset="0"/>
+              </a:rPr>
+              <a:t>Slideshow</a:t>
+            </a:r>
+            <a:endParaRPr lang="fr-FR" dirty="0" smtClean="0">
+              <a:solidFill>
+                <a:srgbClr val="00B050"/>
+              </a:solidFill>
+              <a:latin typeface="Times New Roman" panose="02020603050405020304" pitchFamily="18" charset="0"/>
+              <a:cs typeface="Times New Roman" panose="02020603050405020304" pitchFamily="18" charset="0"/>
+            </a:endParaRPr>
+          </a:p>
+          <a:p>
+            <a:pPr>
+              <a:buFont typeface="Wingdings" panose="05000000000000000000" pitchFamily="2" charset="2"/>
+              <a:buChar char="Ø"/>
+            </a:pPr>
+            <a:r>
+              <a:rPr lang="fr-FR" dirty="0" smtClean="0">
+                <a:solidFill>
+                  <a:srgbClr val="00B050"/>
+                </a:solidFill>
+                <a:latin typeface="Times New Roman" panose="02020603050405020304" pitchFamily="18" charset="0"/>
+                <a:cs typeface="Times New Roman" panose="02020603050405020304" pitchFamily="18" charset="0"/>
+              </a:rPr>
+              <a:t>Reports </a:t>
+            </a:r>
+            <a:r>
+              <a:rPr lang="fr-FR" dirty="0" err="1" smtClean="0">
+                <a:solidFill>
+                  <a:srgbClr val="00B050"/>
+                </a:solidFill>
+                <a:latin typeface="Times New Roman" panose="02020603050405020304" pitchFamily="18" charset="0"/>
+                <a:cs typeface="Times New Roman" panose="02020603050405020304" pitchFamily="18" charset="0"/>
+              </a:rPr>
+              <a:t>review</a:t>
+            </a:r>
+            <a:endParaRPr lang="fr-FR" dirty="0" smtClean="0">
+              <a:solidFill>
+                <a:srgbClr val="00B050"/>
+              </a:solidFill>
+            </a:endParaRPr>
+          </a:p>
+          <a:p>
+            <a:pPr marL="0" indent="0">
+              <a:buFont typeface="Arial" panose="020B0604020202020204" pitchFamily="34" charset="0"/>
+              <a:buNone/>
+            </a:pPr>
+            <a:endParaRPr lang="fr-FR" dirty="0" smtClean="0"/>
+          </a:p>
+          <a:p>
+            <a:pPr marL="0" indent="0">
+              <a:buFont typeface="Arial" panose="020B0604020202020204" pitchFamily="34" charset="0"/>
+              <a:buNone/>
+            </a:pPr>
+            <a:endParaRPr lang="fr-FR" dirty="0" smtClean="0"/>
+          </a:p>
+        </p:txBody>
+      </p:sp>
+      <p:sp>
+        <p:nvSpPr>
+          <p:cNvPr id="10" name="Espace réservé du contenu 2"/>
+          <p:cNvSpPr txBox="1">
+            <a:spLocks/>
+          </p:cNvSpPr>
+          <p:nvPr/>
+        </p:nvSpPr>
+        <p:spPr>
+          <a:xfrm>
+            <a:off x="179362" y="3729371"/>
+            <a:ext cx="3063238" cy="1699086"/>
+          </a:xfrm>
+          <a:prstGeom prst="rect">
+            <a:avLst/>
+          </a:prstGeom>
+        </p:spPr>
+        <p:txBody>
+          <a:bodyPr vert="horz" lIns="91440" tIns="45720" rIns="91440" bIns="45720" rtlCol="0">
+            <a:normAutofit/>
+          </a:bodyPr>
+          <a:lstStyle>
+            <a:lvl1pPr marL="228600" indent="-228600" algn="l" defTabSz="914400" rtl="0" eaLnBrk="1" latinLnBrk="0" hangingPunct="1">
+              <a:lnSpc>
+                <a:spcPct val="90000"/>
+              </a:lnSpc>
+              <a:spcBef>
+                <a:spcPts val="1000"/>
+              </a:spcBef>
+              <a:buFont typeface="Arial" panose="020B0604020202020204" pitchFamily="34" charset="0"/>
+              <a:buChar char="•"/>
+              <a:defRPr sz="2800" kern="1200">
+                <a:solidFill>
+                  <a:schemeClr val="tx1"/>
+                </a:solidFill>
+                <a:latin typeface="+mn-lt"/>
+                <a:ea typeface="+mn-ea"/>
+                <a:cs typeface="+mn-cs"/>
+              </a:defRPr>
+            </a:lvl1pPr>
+            <a:lvl2pPr marL="685800" indent="-228600" algn="l" defTabSz="914400" rtl="0" eaLnBrk="1" latinLnBrk="0" hangingPunct="1">
+              <a:lnSpc>
+                <a:spcPct val="90000"/>
+              </a:lnSpc>
+              <a:spcBef>
+                <a:spcPts val="500"/>
+              </a:spcBef>
+              <a:buFont typeface="Arial" panose="020B0604020202020204" pitchFamily="34" charset="0"/>
+              <a:buChar char="•"/>
+              <a:defRPr sz="2400" kern="1200">
+                <a:solidFill>
+                  <a:schemeClr val="tx1"/>
+                </a:solidFill>
+                <a:latin typeface="+mn-lt"/>
+                <a:ea typeface="+mn-ea"/>
+                <a:cs typeface="+mn-cs"/>
+              </a:defRPr>
+            </a:lvl2pPr>
+            <a:lvl3pPr marL="1143000" indent="-228600" algn="l" defTabSz="914400" rtl="0" eaLnBrk="1" latinLnBrk="0" hangingPunct="1">
+              <a:lnSpc>
+                <a:spcPct val="90000"/>
+              </a:lnSpc>
+              <a:spcBef>
+                <a:spcPts val="500"/>
+              </a:spcBef>
+              <a:buFont typeface="Arial" panose="020B0604020202020204" pitchFamily="34" charset="0"/>
+              <a:buChar char="•"/>
+              <a:defRPr sz="2000" kern="1200">
+                <a:solidFill>
+                  <a:schemeClr val="tx1"/>
+                </a:solidFill>
+                <a:latin typeface="+mn-lt"/>
+                <a:ea typeface="+mn-ea"/>
+                <a:cs typeface="+mn-cs"/>
+              </a:defRPr>
+            </a:lvl3pPr>
+            <a:lvl4pPr marL="1600200" indent="-228600" algn="l" defTabSz="914400" rtl="0" eaLnBrk="1" latinLnBrk="0" hangingPunct="1">
+              <a:lnSpc>
+                <a:spcPct val="90000"/>
+              </a:lnSpc>
+              <a:spcBef>
+                <a:spcPts val="500"/>
+              </a:spcBef>
+              <a:buFont typeface="Arial" panose="020B0604020202020204" pitchFamily="34" charset="0"/>
+              <a:buChar char="•"/>
+              <a:defRPr sz="1800" kern="1200">
+                <a:solidFill>
+                  <a:schemeClr val="tx1"/>
+                </a:solidFill>
+                <a:latin typeface="+mn-lt"/>
+                <a:ea typeface="+mn-ea"/>
+                <a:cs typeface="+mn-cs"/>
+              </a:defRPr>
+            </a:lvl4pPr>
+            <a:lvl5pPr marL="2057400" indent="-228600" algn="l" defTabSz="914400" rtl="0" eaLnBrk="1" latinLnBrk="0" hangingPunct="1">
+              <a:lnSpc>
+                <a:spcPct val="90000"/>
+              </a:lnSpc>
+              <a:spcBef>
+                <a:spcPts val="500"/>
+              </a:spcBef>
+              <a:buFont typeface="Arial" panose="020B0604020202020204" pitchFamily="34" charset="0"/>
+              <a:buChar char="•"/>
+              <a:defRPr sz="1800" kern="1200">
+                <a:solidFill>
+                  <a:schemeClr val="tx1"/>
+                </a:solidFill>
+                <a:latin typeface="+mn-lt"/>
+                <a:ea typeface="+mn-ea"/>
+                <a:cs typeface="+mn-cs"/>
+              </a:defRPr>
+            </a:lvl5pPr>
+            <a:lvl6pPr marL="2514600" indent="-228600" algn="l" defTabSz="914400" rtl="0" eaLnBrk="1" latinLnBrk="0" hangingPunct="1">
+              <a:lnSpc>
+                <a:spcPct val="90000"/>
+              </a:lnSpc>
+              <a:spcBef>
+                <a:spcPts val="500"/>
+              </a:spcBef>
+              <a:buFont typeface="Arial" panose="020B0604020202020204" pitchFamily="34" charset="0"/>
+              <a:buChar char="•"/>
+              <a:defRPr sz="1800" kern="1200">
+                <a:solidFill>
+                  <a:schemeClr val="tx1"/>
+                </a:solidFill>
+                <a:latin typeface="+mn-lt"/>
+                <a:ea typeface="+mn-ea"/>
+                <a:cs typeface="+mn-cs"/>
+              </a:defRPr>
+            </a:lvl6pPr>
+            <a:lvl7pPr marL="2971800" indent="-228600" algn="l" defTabSz="914400" rtl="0" eaLnBrk="1" latinLnBrk="0" hangingPunct="1">
+              <a:lnSpc>
+                <a:spcPct val="90000"/>
+              </a:lnSpc>
+              <a:spcBef>
+                <a:spcPts val="500"/>
+              </a:spcBef>
+              <a:buFont typeface="Arial" panose="020B0604020202020204" pitchFamily="34" charset="0"/>
+              <a:buChar char="•"/>
+              <a:defRPr sz="1800" kern="1200">
+                <a:solidFill>
+                  <a:schemeClr val="tx1"/>
+                </a:solidFill>
+                <a:latin typeface="+mn-lt"/>
+                <a:ea typeface="+mn-ea"/>
+                <a:cs typeface="+mn-cs"/>
+              </a:defRPr>
+            </a:lvl7pPr>
+            <a:lvl8pPr marL="3429000" indent="-228600" algn="l" defTabSz="914400" rtl="0" eaLnBrk="1" latinLnBrk="0" hangingPunct="1">
+              <a:lnSpc>
+                <a:spcPct val="90000"/>
+              </a:lnSpc>
+              <a:spcBef>
+                <a:spcPts val="500"/>
+              </a:spcBef>
+              <a:buFont typeface="Arial" panose="020B0604020202020204" pitchFamily="34" charset="0"/>
+              <a:buChar char="•"/>
+              <a:defRPr sz="1800" kern="1200">
+                <a:solidFill>
+                  <a:schemeClr val="tx1"/>
+                </a:solidFill>
+                <a:latin typeface="+mn-lt"/>
+                <a:ea typeface="+mn-ea"/>
+                <a:cs typeface="+mn-cs"/>
+              </a:defRPr>
+            </a:lvl8pPr>
+            <a:lvl9pPr marL="3886200" indent="-228600" algn="l" defTabSz="914400" rtl="0" eaLnBrk="1" latinLnBrk="0" hangingPunct="1">
+              <a:lnSpc>
+                <a:spcPct val="90000"/>
+              </a:lnSpc>
+              <a:spcBef>
+                <a:spcPts val="500"/>
+              </a:spcBef>
+              <a:buFont typeface="Arial" panose="020B0604020202020204" pitchFamily="34" charset="0"/>
+              <a:buChar char="•"/>
+              <a:defRPr sz="1800" kern="1200">
+                <a:solidFill>
+                  <a:schemeClr val="tx1"/>
+                </a:solidFill>
+                <a:latin typeface="+mn-lt"/>
+                <a:ea typeface="+mn-ea"/>
+                <a:cs typeface="+mn-cs"/>
+              </a:defRPr>
+            </a:lvl9pPr>
+          </a:lstStyle>
+          <a:p>
+            <a:pPr marL="0" indent="0">
+              <a:buFont typeface="Arial" panose="020B0604020202020204" pitchFamily="34" charset="0"/>
+              <a:buNone/>
+            </a:pPr>
+            <a:r>
+              <a:rPr lang="fr-FR" sz="3000" b="1" dirty="0" smtClean="0">
+                <a:solidFill>
+                  <a:srgbClr val="FF0000"/>
+                </a:solidFill>
+                <a:latin typeface="Times New Roman" panose="02020603050405020304" pitchFamily="18" charset="0"/>
+                <a:cs typeface="Times New Roman" panose="02020603050405020304" pitchFamily="18" charset="0"/>
+              </a:rPr>
+              <a:t>5.Git </a:t>
+            </a:r>
+            <a:r>
+              <a:rPr lang="fr-FR" sz="3000" b="1" dirty="0" err="1" smtClean="0">
+                <a:solidFill>
+                  <a:srgbClr val="FF0000"/>
+                </a:solidFill>
+                <a:latin typeface="Times New Roman" panose="02020603050405020304" pitchFamily="18" charset="0"/>
+                <a:cs typeface="Times New Roman" panose="02020603050405020304" pitchFamily="18" charset="0"/>
+              </a:rPr>
+              <a:t>Repository</a:t>
+            </a:r>
+            <a:endParaRPr lang="fr-FR" sz="3000" b="1" dirty="0" smtClean="0">
+              <a:solidFill>
+                <a:srgbClr val="FF0000"/>
+              </a:solidFill>
+              <a:latin typeface="Times New Roman" panose="02020603050405020304" pitchFamily="18" charset="0"/>
+              <a:cs typeface="Times New Roman" panose="02020603050405020304" pitchFamily="18" charset="0"/>
+            </a:endParaRPr>
+          </a:p>
+          <a:p>
+            <a:pPr>
+              <a:buFont typeface="Wingdings" panose="05000000000000000000" pitchFamily="2" charset="2"/>
+              <a:buChar char="Ø"/>
+            </a:pPr>
+            <a:r>
+              <a:rPr lang="fr-FR" dirty="0" smtClean="0">
+                <a:solidFill>
+                  <a:srgbClr val="00B050"/>
+                </a:solidFill>
+                <a:latin typeface="Times New Roman" panose="02020603050405020304" pitchFamily="18" charset="0"/>
+                <a:cs typeface="Times New Roman" panose="02020603050405020304" pitchFamily="18" charset="0"/>
+              </a:rPr>
+              <a:t>Git </a:t>
+            </a:r>
+            <a:r>
+              <a:rPr lang="fr-FR" dirty="0" err="1" smtClean="0">
+                <a:solidFill>
+                  <a:srgbClr val="00B050"/>
+                </a:solidFill>
+                <a:latin typeface="Times New Roman" panose="02020603050405020304" pitchFamily="18" charset="0"/>
+                <a:cs typeface="Times New Roman" panose="02020603050405020304" pitchFamily="18" charset="0"/>
+              </a:rPr>
+              <a:t>commits</a:t>
+            </a:r>
+            <a:endParaRPr lang="fr-FR" dirty="0">
+              <a:solidFill>
+                <a:srgbClr val="00B050"/>
+              </a:solidFill>
+              <a:latin typeface="Times New Roman" panose="02020603050405020304" pitchFamily="18" charset="0"/>
+              <a:cs typeface="Times New Roman" panose="02020603050405020304" pitchFamily="18" charset="0"/>
+            </a:endParaRPr>
+          </a:p>
+          <a:p>
+            <a:pPr>
+              <a:buFont typeface="Wingdings" panose="05000000000000000000" pitchFamily="2" charset="2"/>
+              <a:buChar char="Ø"/>
+            </a:pPr>
+            <a:r>
+              <a:rPr lang="fr-FR" dirty="0" smtClean="0">
+                <a:solidFill>
+                  <a:srgbClr val="00B050"/>
+                </a:solidFill>
+                <a:latin typeface="Times New Roman" panose="02020603050405020304" pitchFamily="18" charset="0"/>
+                <a:cs typeface="Times New Roman" panose="02020603050405020304" pitchFamily="18" charset="0"/>
+              </a:rPr>
+              <a:t>Pull</a:t>
+            </a:r>
+            <a:endParaRPr lang="fr-FR" dirty="0" smtClean="0">
+              <a:solidFill>
+                <a:srgbClr val="00B050"/>
+              </a:solidFill>
+            </a:endParaRPr>
+          </a:p>
+          <a:p>
+            <a:pPr marL="0" indent="0">
+              <a:buFont typeface="Arial" panose="020B0604020202020204" pitchFamily="34" charset="0"/>
+              <a:buNone/>
+            </a:pPr>
+            <a:endParaRPr lang="fr-FR" dirty="0" smtClean="0"/>
+          </a:p>
+          <a:p>
+            <a:pPr marL="0" indent="0">
+              <a:buFont typeface="Arial" panose="020B0604020202020204" pitchFamily="34" charset="0"/>
+              <a:buNone/>
+            </a:pPr>
+            <a:endParaRPr lang="fr-FR" dirty="0" smtClean="0"/>
+          </a:p>
+        </p:txBody>
+      </p:sp>
+      <p:sp>
+        <p:nvSpPr>
+          <p:cNvPr id="12" name="Espace réservé du contenu 2"/>
+          <p:cNvSpPr txBox="1">
+            <a:spLocks/>
+          </p:cNvSpPr>
+          <p:nvPr/>
+        </p:nvSpPr>
+        <p:spPr>
+          <a:xfrm>
+            <a:off x="83229" y="5276214"/>
+            <a:ext cx="2914947" cy="1476278"/>
+          </a:xfrm>
+          <a:prstGeom prst="rect">
+            <a:avLst/>
+          </a:prstGeom>
+        </p:spPr>
+        <p:txBody>
+          <a:bodyPr vert="horz" lIns="91440" tIns="45720" rIns="91440" bIns="45720" rtlCol="0">
+            <a:normAutofit/>
+          </a:bodyPr>
+          <a:lstStyle>
+            <a:lvl1pPr marL="228600" indent="-228600" algn="l" defTabSz="914400" rtl="0" eaLnBrk="1" latinLnBrk="0" hangingPunct="1">
+              <a:lnSpc>
+                <a:spcPct val="90000"/>
+              </a:lnSpc>
+              <a:spcBef>
+                <a:spcPts val="1000"/>
+              </a:spcBef>
+              <a:buFont typeface="Arial" panose="020B0604020202020204" pitchFamily="34" charset="0"/>
+              <a:buChar char="•"/>
+              <a:defRPr sz="2800" kern="1200">
+                <a:solidFill>
+                  <a:schemeClr val="tx1"/>
+                </a:solidFill>
+                <a:latin typeface="+mn-lt"/>
+                <a:ea typeface="+mn-ea"/>
+                <a:cs typeface="+mn-cs"/>
+              </a:defRPr>
+            </a:lvl1pPr>
+            <a:lvl2pPr marL="685800" indent="-228600" algn="l" defTabSz="914400" rtl="0" eaLnBrk="1" latinLnBrk="0" hangingPunct="1">
+              <a:lnSpc>
+                <a:spcPct val="90000"/>
+              </a:lnSpc>
+              <a:spcBef>
+                <a:spcPts val="500"/>
+              </a:spcBef>
+              <a:buFont typeface="Arial" panose="020B0604020202020204" pitchFamily="34" charset="0"/>
+              <a:buChar char="•"/>
+              <a:defRPr sz="2400" kern="1200">
+                <a:solidFill>
+                  <a:schemeClr val="tx1"/>
+                </a:solidFill>
+                <a:latin typeface="+mn-lt"/>
+                <a:ea typeface="+mn-ea"/>
+                <a:cs typeface="+mn-cs"/>
+              </a:defRPr>
+            </a:lvl2pPr>
+            <a:lvl3pPr marL="1143000" indent="-228600" algn="l" defTabSz="914400" rtl="0" eaLnBrk="1" latinLnBrk="0" hangingPunct="1">
+              <a:lnSpc>
+                <a:spcPct val="90000"/>
+              </a:lnSpc>
+              <a:spcBef>
+                <a:spcPts val="500"/>
+              </a:spcBef>
+              <a:buFont typeface="Arial" panose="020B0604020202020204" pitchFamily="34" charset="0"/>
+              <a:buChar char="•"/>
+              <a:defRPr sz="2000" kern="1200">
+                <a:solidFill>
+                  <a:schemeClr val="tx1"/>
+                </a:solidFill>
+                <a:latin typeface="+mn-lt"/>
+                <a:ea typeface="+mn-ea"/>
+                <a:cs typeface="+mn-cs"/>
+              </a:defRPr>
+            </a:lvl3pPr>
+            <a:lvl4pPr marL="1600200" indent="-228600" algn="l" defTabSz="914400" rtl="0" eaLnBrk="1" latinLnBrk="0" hangingPunct="1">
+              <a:lnSpc>
+                <a:spcPct val="90000"/>
+              </a:lnSpc>
+              <a:spcBef>
+                <a:spcPts val="500"/>
+              </a:spcBef>
+              <a:buFont typeface="Arial" panose="020B0604020202020204" pitchFamily="34" charset="0"/>
+              <a:buChar char="•"/>
+              <a:defRPr sz="1800" kern="1200">
+                <a:solidFill>
+                  <a:schemeClr val="tx1"/>
+                </a:solidFill>
+                <a:latin typeface="+mn-lt"/>
+                <a:ea typeface="+mn-ea"/>
+                <a:cs typeface="+mn-cs"/>
+              </a:defRPr>
+            </a:lvl4pPr>
+            <a:lvl5pPr marL="2057400" indent="-228600" algn="l" defTabSz="914400" rtl="0" eaLnBrk="1" latinLnBrk="0" hangingPunct="1">
+              <a:lnSpc>
+                <a:spcPct val="90000"/>
+              </a:lnSpc>
+              <a:spcBef>
+                <a:spcPts val="500"/>
+              </a:spcBef>
+              <a:buFont typeface="Arial" panose="020B0604020202020204" pitchFamily="34" charset="0"/>
+              <a:buChar char="•"/>
+              <a:defRPr sz="1800" kern="1200">
+                <a:solidFill>
+                  <a:schemeClr val="tx1"/>
+                </a:solidFill>
+                <a:latin typeface="+mn-lt"/>
+                <a:ea typeface="+mn-ea"/>
+                <a:cs typeface="+mn-cs"/>
+              </a:defRPr>
+            </a:lvl5pPr>
+            <a:lvl6pPr marL="2514600" indent="-228600" algn="l" defTabSz="914400" rtl="0" eaLnBrk="1" latinLnBrk="0" hangingPunct="1">
+              <a:lnSpc>
+                <a:spcPct val="90000"/>
+              </a:lnSpc>
+              <a:spcBef>
+                <a:spcPts val="500"/>
+              </a:spcBef>
+              <a:buFont typeface="Arial" panose="020B0604020202020204" pitchFamily="34" charset="0"/>
+              <a:buChar char="•"/>
+              <a:defRPr sz="1800" kern="1200">
+                <a:solidFill>
+                  <a:schemeClr val="tx1"/>
+                </a:solidFill>
+                <a:latin typeface="+mn-lt"/>
+                <a:ea typeface="+mn-ea"/>
+                <a:cs typeface="+mn-cs"/>
+              </a:defRPr>
+            </a:lvl6pPr>
+            <a:lvl7pPr marL="2971800" indent="-228600" algn="l" defTabSz="914400" rtl="0" eaLnBrk="1" latinLnBrk="0" hangingPunct="1">
+              <a:lnSpc>
+                <a:spcPct val="90000"/>
+              </a:lnSpc>
+              <a:spcBef>
+                <a:spcPts val="500"/>
+              </a:spcBef>
+              <a:buFont typeface="Arial" panose="020B0604020202020204" pitchFamily="34" charset="0"/>
+              <a:buChar char="•"/>
+              <a:defRPr sz="1800" kern="1200">
+                <a:solidFill>
+                  <a:schemeClr val="tx1"/>
+                </a:solidFill>
+                <a:latin typeface="+mn-lt"/>
+                <a:ea typeface="+mn-ea"/>
+                <a:cs typeface="+mn-cs"/>
+              </a:defRPr>
+            </a:lvl7pPr>
+            <a:lvl8pPr marL="3429000" indent="-228600" algn="l" defTabSz="914400" rtl="0" eaLnBrk="1" latinLnBrk="0" hangingPunct="1">
+              <a:lnSpc>
+                <a:spcPct val="90000"/>
+              </a:lnSpc>
+              <a:spcBef>
+                <a:spcPts val="500"/>
+              </a:spcBef>
+              <a:buFont typeface="Arial" panose="020B0604020202020204" pitchFamily="34" charset="0"/>
+              <a:buChar char="•"/>
+              <a:defRPr sz="1800" kern="1200">
+                <a:solidFill>
+                  <a:schemeClr val="tx1"/>
+                </a:solidFill>
+                <a:latin typeface="+mn-lt"/>
+                <a:ea typeface="+mn-ea"/>
+                <a:cs typeface="+mn-cs"/>
+              </a:defRPr>
+            </a:lvl8pPr>
+            <a:lvl9pPr marL="3886200" indent="-228600" algn="l" defTabSz="914400" rtl="0" eaLnBrk="1" latinLnBrk="0" hangingPunct="1">
+              <a:lnSpc>
+                <a:spcPct val="90000"/>
+              </a:lnSpc>
+              <a:spcBef>
+                <a:spcPts val="500"/>
+              </a:spcBef>
+              <a:buFont typeface="Arial" panose="020B0604020202020204" pitchFamily="34" charset="0"/>
+              <a:buChar char="•"/>
+              <a:defRPr sz="1800" kern="1200">
+                <a:solidFill>
+                  <a:schemeClr val="tx1"/>
+                </a:solidFill>
+                <a:latin typeface="+mn-lt"/>
+                <a:ea typeface="+mn-ea"/>
+                <a:cs typeface="+mn-cs"/>
+              </a:defRPr>
+            </a:lvl9pPr>
+          </a:lstStyle>
+          <a:p>
+            <a:pPr marL="0" indent="0">
+              <a:buFont typeface="Arial" panose="020B0604020202020204" pitchFamily="34" charset="0"/>
+              <a:buNone/>
+            </a:pPr>
+            <a:r>
+              <a:rPr lang="fr-FR" sz="3000" b="1" dirty="0">
+                <a:solidFill>
+                  <a:srgbClr val="FF0000"/>
+                </a:solidFill>
+                <a:latin typeface="Times New Roman" panose="02020603050405020304" pitchFamily="18" charset="0"/>
+                <a:cs typeface="Times New Roman" panose="02020603050405020304" pitchFamily="18" charset="0"/>
+              </a:rPr>
+              <a:t>7</a:t>
+            </a:r>
+            <a:r>
+              <a:rPr lang="fr-FR" sz="3000" b="1" dirty="0" smtClean="0">
+                <a:solidFill>
+                  <a:srgbClr val="FF0000"/>
+                </a:solidFill>
+                <a:latin typeface="Times New Roman" panose="02020603050405020304" pitchFamily="18" charset="0"/>
+                <a:cs typeface="Times New Roman" panose="02020603050405020304" pitchFamily="18" charset="0"/>
+              </a:rPr>
+              <a:t>.SureFire</a:t>
+            </a:r>
+          </a:p>
+          <a:p>
+            <a:pPr>
+              <a:buFont typeface="Wingdings" panose="05000000000000000000" pitchFamily="2" charset="2"/>
+              <a:buChar char="Ø"/>
+            </a:pPr>
+            <a:r>
+              <a:rPr lang="fr-FR" sz="2900" dirty="0" smtClean="0">
+                <a:solidFill>
+                  <a:srgbClr val="00B0F0"/>
+                </a:solidFill>
+                <a:latin typeface="Times New Roman" panose="02020603050405020304" pitchFamily="18" charset="0"/>
+                <a:cs typeface="Times New Roman" panose="02020603050405020304" pitchFamily="18" charset="0"/>
+              </a:rPr>
+              <a:t>Reports</a:t>
+            </a:r>
+            <a:endParaRPr lang="fr-FR" dirty="0" smtClean="0">
+              <a:solidFill>
+                <a:srgbClr val="00B0F0"/>
+              </a:solidFill>
+            </a:endParaRPr>
+          </a:p>
+          <a:p>
+            <a:pPr marL="0" indent="0">
+              <a:buFont typeface="Arial" panose="020B0604020202020204" pitchFamily="34" charset="0"/>
+              <a:buNone/>
+            </a:pPr>
+            <a:endParaRPr lang="fr-FR" dirty="0" smtClean="0"/>
+          </a:p>
+          <a:p>
+            <a:pPr marL="0" indent="0">
+              <a:buFont typeface="Arial" panose="020B0604020202020204" pitchFamily="34" charset="0"/>
+              <a:buNone/>
+            </a:pPr>
+            <a:endParaRPr lang="fr-FR" dirty="0" smtClean="0"/>
+          </a:p>
+        </p:txBody>
+      </p:sp>
+      <p:sp>
+        <p:nvSpPr>
+          <p:cNvPr id="13" name="Espace réservé du contenu 2"/>
+          <p:cNvSpPr txBox="1">
+            <a:spLocks/>
+          </p:cNvSpPr>
+          <p:nvPr/>
+        </p:nvSpPr>
+        <p:spPr>
+          <a:xfrm>
+            <a:off x="3338733" y="5288609"/>
+            <a:ext cx="3359834" cy="1429543"/>
+          </a:xfrm>
+          <a:prstGeom prst="rect">
+            <a:avLst/>
+          </a:prstGeom>
+        </p:spPr>
+        <p:txBody>
+          <a:bodyPr vert="horz" lIns="91440" tIns="45720" rIns="91440" bIns="45720" rtlCol="0">
+            <a:normAutofit lnSpcReduction="10000"/>
+          </a:bodyPr>
+          <a:lstStyle>
+            <a:lvl1pPr marL="228600" indent="-228600" algn="l" defTabSz="914400" rtl="0" eaLnBrk="1" latinLnBrk="0" hangingPunct="1">
+              <a:lnSpc>
+                <a:spcPct val="90000"/>
+              </a:lnSpc>
+              <a:spcBef>
+                <a:spcPts val="1000"/>
+              </a:spcBef>
+              <a:buFont typeface="Arial" panose="020B0604020202020204" pitchFamily="34" charset="0"/>
+              <a:buChar char="•"/>
+              <a:defRPr sz="2800" kern="1200">
+                <a:solidFill>
+                  <a:schemeClr val="tx1"/>
+                </a:solidFill>
+                <a:latin typeface="+mn-lt"/>
+                <a:ea typeface="+mn-ea"/>
+                <a:cs typeface="+mn-cs"/>
+              </a:defRPr>
+            </a:lvl1pPr>
+            <a:lvl2pPr marL="685800" indent="-228600" algn="l" defTabSz="914400" rtl="0" eaLnBrk="1" latinLnBrk="0" hangingPunct="1">
+              <a:lnSpc>
+                <a:spcPct val="90000"/>
+              </a:lnSpc>
+              <a:spcBef>
+                <a:spcPts val="500"/>
+              </a:spcBef>
+              <a:buFont typeface="Arial" panose="020B0604020202020204" pitchFamily="34" charset="0"/>
+              <a:buChar char="•"/>
+              <a:defRPr sz="2400" kern="1200">
+                <a:solidFill>
+                  <a:schemeClr val="tx1"/>
+                </a:solidFill>
+                <a:latin typeface="+mn-lt"/>
+                <a:ea typeface="+mn-ea"/>
+                <a:cs typeface="+mn-cs"/>
+              </a:defRPr>
+            </a:lvl2pPr>
+            <a:lvl3pPr marL="1143000" indent="-228600" algn="l" defTabSz="914400" rtl="0" eaLnBrk="1" latinLnBrk="0" hangingPunct="1">
+              <a:lnSpc>
+                <a:spcPct val="90000"/>
+              </a:lnSpc>
+              <a:spcBef>
+                <a:spcPts val="500"/>
+              </a:spcBef>
+              <a:buFont typeface="Arial" panose="020B0604020202020204" pitchFamily="34" charset="0"/>
+              <a:buChar char="•"/>
+              <a:defRPr sz="2000" kern="1200">
+                <a:solidFill>
+                  <a:schemeClr val="tx1"/>
+                </a:solidFill>
+                <a:latin typeface="+mn-lt"/>
+                <a:ea typeface="+mn-ea"/>
+                <a:cs typeface="+mn-cs"/>
+              </a:defRPr>
+            </a:lvl3pPr>
+            <a:lvl4pPr marL="1600200" indent="-228600" algn="l" defTabSz="914400" rtl="0" eaLnBrk="1" latinLnBrk="0" hangingPunct="1">
+              <a:lnSpc>
+                <a:spcPct val="90000"/>
+              </a:lnSpc>
+              <a:spcBef>
+                <a:spcPts val="500"/>
+              </a:spcBef>
+              <a:buFont typeface="Arial" panose="020B0604020202020204" pitchFamily="34" charset="0"/>
+              <a:buChar char="•"/>
+              <a:defRPr sz="1800" kern="1200">
+                <a:solidFill>
+                  <a:schemeClr val="tx1"/>
+                </a:solidFill>
+                <a:latin typeface="+mn-lt"/>
+                <a:ea typeface="+mn-ea"/>
+                <a:cs typeface="+mn-cs"/>
+              </a:defRPr>
+            </a:lvl4pPr>
+            <a:lvl5pPr marL="2057400" indent="-228600" algn="l" defTabSz="914400" rtl="0" eaLnBrk="1" latinLnBrk="0" hangingPunct="1">
+              <a:lnSpc>
+                <a:spcPct val="90000"/>
+              </a:lnSpc>
+              <a:spcBef>
+                <a:spcPts val="500"/>
+              </a:spcBef>
+              <a:buFont typeface="Arial" panose="020B0604020202020204" pitchFamily="34" charset="0"/>
+              <a:buChar char="•"/>
+              <a:defRPr sz="1800" kern="1200">
+                <a:solidFill>
+                  <a:schemeClr val="tx1"/>
+                </a:solidFill>
+                <a:latin typeface="+mn-lt"/>
+                <a:ea typeface="+mn-ea"/>
+                <a:cs typeface="+mn-cs"/>
+              </a:defRPr>
+            </a:lvl5pPr>
+            <a:lvl6pPr marL="2514600" indent="-228600" algn="l" defTabSz="914400" rtl="0" eaLnBrk="1" latinLnBrk="0" hangingPunct="1">
+              <a:lnSpc>
+                <a:spcPct val="90000"/>
+              </a:lnSpc>
+              <a:spcBef>
+                <a:spcPts val="500"/>
+              </a:spcBef>
+              <a:buFont typeface="Arial" panose="020B0604020202020204" pitchFamily="34" charset="0"/>
+              <a:buChar char="•"/>
+              <a:defRPr sz="1800" kern="1200">
+                <a:solidFill>
+                  <a:schemeClr val="tx1"/>
+                </a:solidFill>
+                <a:latin typeface="+mn-lt"/>
+                <a:ea typeface="+mn-ea"/>
+                <a:cs typeface="+mn-cs"/>
+              </a:defRPr>
+            </a:lvl6pPr>
+            <a:lvl7pPr marL="2971800" indent="-228600" algn="l" defTabSz="914400" rtl="0" eaLnBrk="1" latinLnBrk="0" hangingPunct="1">
+              <a:lnSpc>
+                <a:spcPct val="90000"/>
+              </a:lnSpc>
+              <a:spcBef>
+                <a:spcPts val="500"/>
+              </a:spcBef>
+              <a:buFont typeface="Arial" panose="020B0604020202020204" pitchFamily="34" charset="0"/>
+              <a:buChar char="•"/>
+              <a:defRPr sz="1800" kern="1200">
+                <a:solidFill>
+                  <a:schemeClr val="tx1"/>
+                </a:solidFill>
+                <a:latin typeface="+mn-lt"/>
+                <a:ea typeface="+mn-ea"/>
+                <a:cs typeface="+mn-cs"/>
+              </a:defRPr>
+            </a:lvl7pPr>
+            <a:lvl8pPr marL="3429000" indent="-228600" algn="l" defTabSz="914400" rtl="0" eaLnBrk="1" latinLnBrk="0" hangingPunct="1">
+              <a:lnSpc>
+                <a:spcPct val="90000"/>
+              </a:lnSpc>
+              <a:spcBef>
+                <a:spcPts val="500"/>
+              </a:spcBef>
+              <a:buFont typeface="Arial" panose="020B0604020202020204" pitchFamily="34" charset="0"/>
+              <a:buChar char="•"/>
+              <a:defRPr sz="1800" kern="1200">
+                <a:solidFill>
+                  <a:schemeClr val="tx1"/>
+                </a:solidFill>
+                <a:latin typeface="+mn-lt"/>
+                <a:ea typeface="+mn-ea"/>
+                <a:cs typeface="+mn-cs"/>
+              </a:defRPr>
+            </a:lvl8pPr>
+            <a:lvl9pPr marL="3886200" indent="-228600" algn="l" defTabSz="914400" rtl="0" eaLnBrk="1" latinLnBrk="0" hangingPunct="1">
+              <a:lnSpc>
+                <a:spcPct val="90000"/>
+              </a:lnSpc>
+              <a:spcBef>
+                <a:spcPts val="500"/>
+              </a:spcBef>
+              <a:buFont typeface="Arial" panose="020B0604020202020204" pitchFamily="34" charset="0"/>
+              <a:buChar char="•"/>
+              <a:defRPr sz="1800" kern="1200">
+                <a:solidFill>
+                  <a:schemeClr val="tx1"/>
+                </a:solidFill>
+                <a:latin typeface="+mn-lt"/>
+                <a:ea typeface="+mn-ea"/>
+                <a:cs typeface="+mn-cs"/>
+              </a:defRPr>
+            </a:lvl9pPr>
+          </a:lstStyle>
+          <a:p>
+            <a:pPr marL="0" indent="0">
+              <a:buFont typeface="Arial" panose="020B0604020202020204" pitchFamily="34" charset="0"/>
+              <a:buNone/>
+            </a:pPr>
+            <a:r>
+              <a:rPr lang="fr-FR" sz="3000" b="1" dirty="0">
+                <a:solidFill>
+                  <a:srgbClr val="FF0000"/>
+                </a:solidFill>
+                <a:latin typeface="Times New Roman" panose="02020603050405020304" pitchFamily="18" charset="0"/>
+                <a:cs typeface="Times New Roman" panose="02020603050405020304" pitchFamily="18" charset="0"/>
+              </a:rPr>
+              <a:t>8</a:t>
+            </a:r>
+            <a:r>
+              <a:rPr lang="fr-FR" sz="3000" b="1" dirty="0" smtClean="0">
+                <a:solidFill>
+                  <a:srgbClr val="FF0000"/>
+                </a:solidFill>
+                <a:latin typeface="Times New Roman" panose="02020603050405020304" pitchFamily="18" charset="0"/>
+                <a:cs typeface="Times New Roman" panose="02020603050405020304" pitchFamily="18" charset="0"/>
+              </a:rPr>
+              <a:t>.JXR </a:t>
+            </a:r>
+            <a:endParaRPr lang="fr-FR" sz="2900" dirty="0" smtClean="0">
+              <a:latin typeface="Times New Roman" panose="02020603050405020304" pitchFamily="18" charset="0"/>
+              <a:cs typeface="Times New Roman" panose="02020603050405020304" pitchFamily="18" charset="0"/>
+            </a:endParaRPr>
+          </a:p>
+          <a:p>
+            <a:pPr>
+              <a:buFont typeface="Wingdings" panose="05000000000000000000" pitchFamily="2" charset="2"/>
+              <a:buChar char="Ø"/>
+            </a:pPr>
+            <a:r>
+              <a:rPr lang="fr-FR" sz="2900" dirty="0" err="1">
+                <a:solidFill>
+                  <a:srgbClr val="00B050"/>
+                </a:solidFill>
+                <a:latin typeface="Times New Roman" panose="02020603050405020304" pitchFamily="18" charset="0"/>
+                <a:cs typeface="Times New Roman" panose="02020603050405020304" pitchFamily="18" charset="0"/>
+              </a:rPr>
+              <a:t>Generating</a:t>
+            </a:r>
+            <a:r>
+              <a:rPr lang="fr-FR" sz="2900" dirty="0">
+                <a:solidFill>
+                  <a:srgbClr val="00B050"/>
+                </a:solidFill>
+                <a:latin typeface="Times New Roman" panose="02020603050405020304" pitchFamily="18" charset="0"/>
+                <a:cs typeface="Times New Roman" panose="02020603050405020304" pitchFamily="18" charset="0"/>
+              </a:rPr>
+              <a:t> </a:t>
+            </a:r>
+            <a:r>
+              <a:rPr lang="fr-FR" sz="2900" dirty="0" smtClean="0">
+                <a:solidFill>
+                  <a:srgbClr val="00B050"/>
+                </a:solidFill>
+                <a:latin typeface="Times New Roman" panose="02020603050405020304" pitchFamily="18" charset="0"/>
+                <a:cs typeface="Times New Roman" panose="02020603050405020304" pitchFamily="18" charset="0"/>
+              </a:rPr>
+              <a:t>Reports</a:t>
+            </a:r>
+          </a:p>
+          <a:p>
+            <a:pPr>
+              <a:buFont typeface="Wingdings" panose="05000000000000000000" pitchFamily="2" charset="2"/>
+              <a:buChar char="Ø"/>
+            </a:pPr>
+            <a:r>
+              <a:rPr lang="fr-FR" sz="2900" dirty="0" smtClean="0">
+                <a:solidFill>
+                  <a:srgbClr val="00B050"/>
+                </a:solidFill>
+                <a:latin typeface="Times New Roman" panose="02020603050405020304" pitchFamily="18" charset="0"/>
+                <a:cs typeface="Times New Roman" panose="02020603050405020304" pitchFamily="18" charset="0"/>
+              </a:rPr>
+              <a:t>Tests</a:t>
+            </a:r>
+          </a:p>
+          <a:p>
+            <a:pPr marL="0" indent="0">
+              <a:buFont typeface="Arial" panose="020B0604020202020204" pitchFamily="34" charset="0"/>
+              <a:buNone/>
+            </a:pPr>
+            <a:endParaRPr lang="fr-FR" dirty="0" smtClean="0"/>
+          </a:p>
+          <a:p>
+            <a:pPr marL="0" indent="0">
+              <a:buFont typeface="Arial" panose="020B0604020202020204" pitchFamily="34" charset="0"/>
+              <a:buNone/>
+            </a:pPr>
+            <a:endParaRPr lang="fr-FR" dirty="0" smtClean="0"/>
+          </a:p>
+          <a:p>
+            <a:pPr marL="0" indent="0">
+              <a:buFont typeface="Arial" panose="020B0604020202020204" pitchFamily="34" charset="0"/>
+              <a:buNone/>
+            </a:pPr>
+            <a:endParaRPr lang="fr-FR" dirty="0" smtClean="0"/>
           </a:p>
         </p:txBody>
       </p:sp>
     </p:spTree>
     <p:extLst>
       <p:ext uri="{BB962C8B-B14F-4D97-AF65-F5344CB8AC3E}">
-        <p14:creationId xmlns:p14="http://schemas.microsoft.com/office/powerpoint/2010/main" val="1832589894"/>
+        <p14:creationId xmlns:p14="http://schemas.microsoft.com/office/powerpoint/2010/main" val="3338777551"/>
       </p:ext>
     </p:extLst>
   </p:cSld>
@@ -3186,12 +6187,36 @@
             <p:ph type="title"/>
           </p:nvPr>
         </p:nvSpPr>
-        <p:spPr/>
-        <p:txBody>
-          <a:bodyPr/>
+        <p:spPr>
+          <a:xfrm>
+            <a:off x="838200" y="0"/>
+            <a:ext cx="10515600" cy="1325563"/>
+          </a:xfrm>
+        </p:spPr>
+        <p:txBody>
+          <a:bodyPr>
+            <a:normAutofit/>
+          </a:bodyPr>
           <a:lstStyle/>
           <a:p>
-            <a:endParaRPr lang="fr-FR"/>
+            <a:pPr algn="ctr"/>
+            <a:r>
+              <a:rPr lang="fr-FR" b="1" dirty="0" smtClean="0">
+                <a:solidFill>
+                  <a:srgbClr val="FF0000"/>
+                </a:solidFill>
+                <a:latin typeface="Times New Roman" panose="02020603050405020304" pitchFamily="18" charset="0"/>
+                <a:cs typeface="Times New Roman" panose="02020603050405020304" pitchFamily="18" charset="0"/>
+              </a:rPr>
+              <a:t>PROJECT PRESENTATION</a:t>
+            </a:r>
+            <a:endParaRPr lang="fr-FR" b="1" dirty="0">
+              <a:solidFill>
+                <a:srgbClr val="FF0000"/>
+              </a:solidFill>
+              <a:latin typeface="Times New Roman" panose="02020603050405020304" pitchFamily="18" charset="0"/>
+              <a:cs typeface="Times New Roman" panose="02020603050405020304" pitchFamily="18" charset="0"/>
+            </a:endParaRPr>
           </a:p>
         </p:txBody>
       </p:sp>
@@ -3205,19 +6230,299 @@
             <p:ph idx="1"/>
           </p:nvPr>
         </p:nvSpPr>
-        <p:spPr/>
-        <p:txBody>
-          <a:bodyPr/>
+        <p:spPr>
+          <a:xfrm>
+            <a:off x="140677" y="1084862"/>
+            <a:ext cx="11760591" cy="5358141"/>
+          </a:xfrm>
+        </p:spPr>
+        <p:txBody>
+          <a:bodyPr>
+            <a:normAutofit fontScale="77500" lnSpcReduction="20000"/>
+          </a:bodyPr>
           <a:lstStyle/>
           <a:p>
-            <a:endParaRPr lang="fr-FR"/>
+            <a:pPr marL="514350" indent="-514350">
+              <a:buFont typeface="+mj-lt"/>
+              <a:buAutoNum type="arabicPeriod"/>
+            </a:pPr>
+            <a:r>
+              <a:rPr lang="en-US" sz="3200" b="1" dirty="0" smtClean="0">
+                <a:solidFill>
+                  <a:srgbClr val="FF0000"/>
+                </a:solidFill>
+                <a:latin typeface="Times New Roman" panose="02020603050405020304" pitchFamily="18" charset="0"/>
+                <a:cs typeface="Times New Roman" panose="02020603050405020304" pitchFamily="18" charset="0"/>
+              </a:rPr>
+              <a:t>CONTEXT</a:t>
+            </a:r>
+            <a:endParaRPr lang="en-US" sz="3200" b="1" dirty="0">
+              <a:solidFill>
+                <a:srgbClr val="FF0000"/>
+              </a:solidFill>
+              <a:latin typeface="Times New Roman" panose="02020603050405020304" pitchFamily="18" charset="0"/>
+              <a:cs typeface="Times New Roman" panose="02020603050405020304" pitchFamily="18" charset="0"/>
+            </a:endParaRPr>
+          </a:p>
+          <a:p>
+            <a:pPr marL="0" indent="0">
+              <a:lnSpc>
+                <a:spcPct val="120000"/>
+              </a:lnSpc>
+              <a:buNone/>
+            </a:pPr>
+            <a:r>
+              <a:rPr lang="en-US" dirty="0" smtClean="0">
+                <a:latin typeface="Times New Roman" panose="02020603050405020304" pitchFamily="18" charset="0"/>
+                <a:cs typeface="Times New Roman" panose="02020603050405020304" pitchFamily="18" charset="0"/>
+              </a:rPr>
+              <a:t>It's </a:t>
+            </a:r>
+            <a:r>
+              <a:rPr lang="en-US" dirty="0">
+                <a:latin typeface="Times New Roman" panose="02020603050405020304" pitchFamily="18" charset="0"/>
+                <a:cs typeface="Times New Roman" panose="02020603050405020304" pitchFamily="18" charset="0"/>
+              </a:rPr>
+              <a:t>about rewriting an old game (1984) Boulder Dash created by Peter Liepa and Chris Gray, </a:t>
+            </a:r>
+            <a:r>
+              <a:rPr lang="en-US" dirty="0" smtClean="0">
+                <a:latin typeface="Times New Roman" panose="02020603050405020304" pitchFamily="18" charset="0"/>
+                <a:cs typeface="Times New Roman" panose="02020603050405020304" pitchFamily="18" charset="0"/>
+              </a:rPr>
+              <a:t>about which the </a:t>
+            </a:r>
+            <a:r>
+              <a:rPr lang="en-US" dirty="0">
+                <a:latin typeface="Times New Roman" panose="02020603050405020304" pitchFamily="18" charset="0"/>
+                <a:cs typeface="Times New Roman" panose="02020603050405020304" pitchFamily="18" charset="0"/>
+              </a:rPr>
+              <a:t>principle of the game is to collect a defined number of diamonds to open a passage to </a:t>
+            </a:r>
+            <a:r>
+              <a:rPr lang="en-US" dirty="0" smtClean="0">
+                <a:latin typeface="Times New Roman" panose="02020603050405020304" pitchFamily="18" charset="0"/>
+                <a:cs typeface="Times New Roman" panose="02020603050405020304" pitchFamily="18" charset="0"/>
+              </a:rPr>
+              <a:t>the next </a:t>
+            </a:r>
+            <a:r>
+              <a:rPr lang="en-US" dirty="0">
+                <a:latin typeface="Times New Roman" panose="02020603050405020304" pitchFamily="18" charset="0"/>
+                <a:cs typeface="Times New Roman" panose="02020603050405020304" pitchFamily="18" charset="0"/>
+              </a:rPr>
+              <a:t>level. The character, nicknamed Rockford, must dig the earth to make his way. </a:t>
+            </a:r>
+            <a:r>
+              <a:rPr lang="en-US" dirty="0" smtClean="0">
+                <a:latin typeface="Times New Roman" panose="02020603050405020304" pitchFamily="18" charset="0"/>
+                <a:cs typeface="Times New Roman" panose="02020603050405020304" pitchFamily="18" charset="0"/>
+              </a:rPr>
+              <a:t>He will </a:t>
+            </a:r>
+            <a:r>
+              <a:rPr lang="en-US" dirty="0">
+                <a:latin typeface="Times New Roman" panose="02020603050405020304" pitchFamily="18" charset="0"/>
+                <a:cs typeface="Times New Roman" panose="02020603050405020304" pitchFamily="18" charset="0"/>
+              </a:rPr>
+              <a:t>have to be careful not to be crushed by a rock or a diamond but also not </a:t>
+            </a:r>
+            <a:r>
+              <a:rPr lang="en-US" dirty="0" smtClean="0">
+                <a:latin typeface="Times New Roman" panose="02020603050405020304" pitchFamily="18" charset="0"/>
+                <a:cs typeface="Times New Roman" panose="02020603050405020304" pitchFamily="18" charset="0"/>
+              </a:rPr>
+              <a:t>to make </a:t>
+            </a:r>
+            <a:r>
+              <a:rPr lang="en-US" dirty="0">
+                <a:latin typeface="Times New Roman" panose="02020603050405020304" pitchFamily="18" charset="0"/>
+                <a:cs typeface="Times New Roman" panose="02020603050405020304" pitchFamily="18" charset="0"/>
+              </a:rPr>
+              <a:t>enemies </a:t>
+            </a:r>
+            <a:r>
+              <a:rPr lang="en-US" dirty="0" smtClean="0">
+                <a:latin typeface="Times New Roman" panose="02020603050405020304" pitchFamily="18" charset="0"/>
+                <a:cs typeface="Times New Roman" panose="02020603050405020304" pitchFamily="18" charset="0"/>
+              </a:rPr>
+              <a:t>touch.</a:t>
+            </a:r>
+          </a:p>
+          <a:p>
+            <a:pPr marL="0" indent="0">
+              <a:buNone/>
+            </a:pPr>
+            <a:endParaRPr lang="en-US" dirty="0">
+              <a:latin typeface="Times New Roman" panose="02020603050405020304" pitchFamily="18" charset="0"/>
+              <a:cs typeface="Times New Roman" panose="02020603050405020304" pitchFamily="18" charset="0"/>
+            </a:endParaRPr>
+          </a:p>
+          <a:p>
+            <a:pPr marL="514350" indent="-514350">
+              <a:buFont typeface="+mj-lt"/>
+              <a:buAutoNum type="arabicPeriod" startAt="2"/>
+            </a:pPr>
+            <a:r>
+              <a:rPr lang="en-US" sz="3200" b="1" dirty="0" smtClean="0">
+                <a:solidFill>
+                  <a:srgbClr val="FF0000"/>
+                </a:solidFill>
+                <a:latin typeface="Times New Roman" panose="02020603050405020304" pitchFamily="18" charset="0"/>
+                <a:cs typeface="Times New Roman" panose="02020603050405020304" pitchFamily="18" charset="0"/>
+              </a:rPr>
+              <a:t>OBJECTIVES</a:t>
+            </a:r>
+          </a:p>
+          <a:p>
+            <a:r>
+              <a:rPr lang="en-US" dirty="0">
+                <a:latin typeface="Times New Roman" panose="02020603050405020304" pitchFamily="18" charset="0"/>
+                <a:cs typeface="Times New Roman" panose="02020603050405020304" pitchFamily="18" charset="0"/>
+              </a:rPr>
+              <a:t>Rewrite an old game named Lorann</a:t>
+            </a:r>
+          </a:p>
+          <a:p>
+            <a:pPr>
+              <a:lnSpc>
+                <a:spcPct val="100000"/>
+              </a:lnSpc>
+            </a:pPr>
+            <a:r>
+              <a:rPr lang="en-US" dirty="0">
+                <a:latin typeface="Times New Roman" panose="02020603050405020304" pitchFamily="18" charset="0"/>
+                <a:cs typeface="Times New Roman" panose="02020603050405020304" pitchFamily="18" charset="0"/>
+              </a:rPr>
+              <a:t>Lorann have to pick up some </a:t>
+            </a:r>
+            <a:r>
+              <a:rPr lang="en-US" dirty="0" smtClean="0">
+                <a:latin typeface="Times New Roman" panose="02020603050405020304" pitchFamily="18" charset="0"/>
+                <a:cs typeface="Times New Roman" panose="02020603050405020304" pitchFamily="18" charset="0"/>
+              </a:rPr>
+              <a:t>objects, especially diamonds </a:t>
+            </a:r>
+            <a:r>
+              <a:rPr lang="en-US" dirty="0">
+                <a:latin typeface="Times New Roman" panose="02020603050405020304" pitchFamily="18" charset="0"/>
+                <a:cs typeface="Times New Roman" panose="02020603050405020304" pitchFamily="18" charset="0"/>
+              </a:rPr>
+              <a:t>to finish the level, and fight </a:t>
+            </a:r>
+            <a:r>
+              <a:rPr lang="en-US" dirty="0" smtClean="0">
+                <a:latin typeface="Times New Roman" panose="02020603050405020304" pitchFamily="18" charset="0"/>
+                <a:cs typeface="Times New Roman" panose="02020603050405020304" pitchFamily="18" charset="0"/>
+              </a:rPr>
+              <a:t>monsters to gain more diamonds</a:t>
+            </a:r>
+            <a:endParaRPr lang="en-US" dirty="0">
+              <a:latin typeface="Times New Roman" panose="02020603050405020304" pitchFamily="18" charset="0"/>
+              <a:cs typeface="Times New Roman" panose="02020603050405020304" pitchFamily="18" charset="0"/>
+            </a:endParaRPr>
+          </a:p>
+          <a:p>
+            <a:pPr>
+              <a:lnSpc>
+                <a:spcPct val="100000"/>
+              </a:lnSpc>
+            </a:pPr>
+            <a:r>
+              <a:rPr lang="en-US" dirty="0">
+                <a:latin typeface="Times New Roman" panose="02020603050405020304" pitchFamily="18" charset="0"/>
+                <a:cs typeface="Times New Roman" panose="02020603050405020304" pitchFamily="18" charset="0"/>
+              </a:rPr>
+              <a:t>It must be a Maven Project </a:t>
+            </a:r>
+            <a:r>
+              <a:rPr lang="en-US" dirty="0" smtClean="0">
+                <a:latin typeface="Times New Roman" panose="02020603050405020304" pitchFamily="18" charset="0"/>
+                <a:cs typeface="Times New Roman" panose="02020603050405020304" pitchFamily="18" charset="0"/>
+              </a:rPr>
+              <a:t>written </a:t>
+            </a:r>
+            <a:r>
+              <a:rPr lang="en-US" dirty="0">
+                <a:latin typeface="Times New Roman" panose="02020603050405020304" pitchFamily="18" charset="0"/>
+                <a:cs typeface="Times New Roman" panose="02020603050405020304" pitchFamily="18" charset="0"/>
+              </a:rPr>
+              <a:t>in JAVA language, and composed of five levels.</a:t>
+            </a:r>
+          </a:p>
+          <a:p>
+            <a:pPr>
+              <a:lnSpc>
+                <a:spcPct val="100000"/>
+              </a:lnSpc>
+            </a:pPr>
+            <a:r>
+              <a:rPr lang="en-US" dirty="0" smtClean="0">
+                <a:latin typeface="Times New Roman" panose="02020603050405020304" pitchFamily="18" charset="0"/>
+                <a:cs typeface="Times New Roman" panose="02020603050405020304" pitchFamily="18" charset="0"/>
+              </a:rPr>
+              <a:t>Use of a database</a:t>
+            </a:r>
+            <a:r>
+              <a:rPr lang="en-US" dirty="0">
+                <a:latin typeface="Times New Roman" panose="02020603050405020304" pitchFamily="18" charset="0"/>
+                <a:cs typeface="Times New Roman" panose="02020603050405020304" pitchFamily="18" charset="0"/>
+              </a:rPr>
+              <a:t> </a:t>
+            </a:r>
+            <a:r>
+              <a:rPr lang="en-US" dirty="0" smtClean="0">
+                <a:latin typeface="Times New Roman" panose="02020603050405020304" pitchFamily="18" charset="0"/>
+                <a:cs typeface="Times New Roman" panose="02020603050405020304" pitchFamily="18" charset="0"/>
+              </a:rPr>
+              <a:t>to access different levels</a:t>
+            </a:r>
+          </a:p>
+          <a:p>
+            <a:pPr>
+              <a:lnSpc>
+                <a:spcPct val="100000"/>
+              </a:lnSpc>
+            </a:pPr>
+            <a:r>
+              <a:rPr lang="en-US" dirty="0" smtClean="0">
+                <a:latin typeface="Times New Roman" panose="02020603050405020304" pitchFamily="18" charset="0"/>
+                <a:cs typeface="Times New Roman" panose="02020603050405020304" pitchFamily="18" charset="0"/>
+              </a:rPr>
+              <a:t>Player’s displacement/movement</a:t>
+            </a:r>
+          </a:p>
+          <a:p>
+            <a:pPr>
+              <a:lnSpc>
+                <a:spcPct val="100000"/>
+              </a:lnSpc>
+            </a:pPr>
+            <a:r>
+              <a:rPr lang="en-US" dirty="0" smtClean="0">
+                <a:latin typeface="Times New Roman" panose="02020603050405020304" pitchFamily="18" charset="0"/>
+                <a:cs typeface="Times New Roman" panose="02020603050405020304" pitchFamily="18" charset="0"/>
+              </a:rPr>
+              <a:t>Class Diagram</a:t>
+            </a:r>
+          </a:p>
+          <a:p>
+            <a:pPr>
+              <a:lnSpc>
+                <a:spcPct val="100000"/>
+              </a:lnSpc>
+            </a:pPr>
+            <a:endParaRPr lang="en-US" dirty="0" smtClean="0">
+              <a:latin typeface="Times New Roman" panose="02020603050405020304" pitchFamily="18" charset="0"/>
+              <a:cs typeface="Times New Roman" panose="02020603050405020304" pitchFamily="18" charset="0"/>
+            </a:endParaRPr>
           </a:p>
         </p:txBody>
       </p:sp>
     </p:spTree>
     <p:extLst>
       <p:ext uri="{BB962C8B-B14F-4D97-AF65-F5344CB8AC3E}">
-        <p14:creationId xmlns:p14="http://schemas.microsoft.com/office/powerpoint/2010/main" val="1852958489"/>
+        <p14:creationId xmlns:p14="http://schemas.microsoft.com/office/powerpoint/2010/main" val="1832589894"/>
       </p:ext>
     </p:extLst>
   </p:cSld>
@@ -3259,7 +6564,24 @@
           <a:bodyPr/>
           <a:lstStyle/>
           <a:p>
-            <a:endParaRPr lang="fr-FR"/>
+            <a:pPr algn="ctr"/>
+            <a:r>
+              <a:rPr lang="fr-FR" b="1" dirty="0" smtClean="0">
+                <a:solidFill>
+                  <a:srgbClr val="FF0000"/>
+                </a:solidFill>
+                <a:latin typeface="Times New Roman" panose="02020603050405020304" pitchFamily="18" charset="0"/>
+                <a:cs typeface="Times New Roman" panose="02020603050405020304" pitchFamily="18" charset="0"/>
+              </a:rPr>
+              <a:t>GANTT</a:t>
+            </a:r>
+            <a:endParaRPr lang="fr-FR" b="1" dirty="0">
+              <a:solidFill>
+                <a:srgbClr val="FF0000"/>
+              </a:solidFill>
+              <a:latin typeface="Times New Roman" panose="02020603050405020304" pitchFamily="18" charset="0"/>
+              <a:cs typeface="Times New Roman" panose="02020603050405020304" pitchFamily="18" charset="0"/>
+            </a:endParaRPr>
           </a:p>
         </p:txBody>
       </p:sp>
@@ -3278,14 +6600,543 @@
           <a:bodyPr/>
           <a:lstStyle/>
           <a:p>
-            <a:endParaRPr lang="fr-FR"/>
-          </a:p>
-        </p:txBody>
-      </p:sp>
+            <a:pPr marL="0" indent="0">
+              <a:buNone/>
+            </a:pPr>
+            <a:r>
+              <a:rPr lang="fr-FR" dirty="0" smtClean="0">
+                <a:latin typeface="Times New Roman" panose="02020603050405020304" pitchFamily="18" charset="0"/>
+                <a:cs typeface="Times New Roman" panose="02020603050405020304" pitchFamily="18" charset="0"/>
+              </a:rPr>
+              <a:t>Provisional Planning</a:t>
+            </a:r>
+          </a:p>
+          <a:p>
+            <a:pPr marL="0" indent="0">
+              <a:buNone/>
+            </a:pPr>
+            <a:endParaRPr lang="fr-FR" dirty="0" smtClean="0">
+              <a:latin typeface="Times New Roman" panose="02020603050405020304" pitchFamily="18" charset="0"/>
+              <a:cs typeface="Times New Roman" panose="02020603050405020304" pitchFamily="18" charset="0"/>
+            </a:endParaRPr>
+          </a:p>
+          <a:p>
+            <a:pPr marL="0" indent="0">
+              <a:buNone/>
+            </a:pPr>
+            <a:endParaRPr lang="fr-FR" dirty="0">
+              <a:latin typeface="Times New Roman" panose="02020603050405020304" pitchFamily="18" charset="0"/>
+              <a:cs typeface="Times New Roman" panose="02020603050405020304" pitchFamily="18" charset="0"/>
+            </a:endParaRPr>
+          </a:p>
+          <a:p>
+            <a:pPr marL="0" indent="0">
+              <a:buNone/>
+            </a:pPr>
+            <a:endParaRPr lang="fr-FR" dirty="0" smtClean="0">
+              <a:latin typeface="Times New Roman" panose="02020603050405020304" pitchFamily="18" charset="0"/>
+              <a:cs typeface="Times New Roman" panose="02020603050405020304" pitchFamily="18" charset="0"/>
+            </a:endParaRPr>
+          </a:p>
+          <a:p>
+            <a:pPr marL="0" indent="0">
+              <a:buNone/>
+            </a:pPr>
+            <a:r>
+              <a:rPr lang="fr-FR" dirty="0" smtClean="0">
+                <a:latin typeface="Times New Roman" panose="02020603050405020304" pitchFamily="18" charset="0"/>
+                <a:cs typeface="Times New Roman" panose="02020603050405020304" pitchFamily="18" charset="0"/>
+              </a:rPr>
+              <a:t>Final and Real Planning</a:t>
+            </a:r>
+            <a:endParaRPr lang="fr-FR" dirty="0">
+              <a:latin typeface="Times New Roman" panose="02020603050405020304" pitchFamily="18" charset="0"/>
+              <a:cs typeface="Times New Roman" panose="02020603050405020304" pitchFamily="18" charset="0"/>
+            </a:endParaRPr>
+          </a:p>
+        </p:txBody>
+      </p:sp>
+    </p:spTree>
+    <p:extLst>
+      <p:ext uri="{BB962C8B-B14F-4D97-AF65-F5344CB8AC3E}">
+        <p14:creationId xmlns:p14="http://schemas.microsoft.com/office/powerpoint/2010/main" val="1852958489"/>
+      </p:ext>
+    </p:extLst>
+  </p:cSld>
+  <p:clrMapOvr>
+    <a:masterClrMapping/>
+  </p:clrMapOvr>
+</p:sld>
+</file>
+
+<file path=ppt/slides/slide6.xml><?xml version="1.0" encoding="utf-8"?>
+<p:sld xmlns:a="http://schemas.openxmlformats.org/drawingml/2006/main" xmlns:r="http://schemas.openxmlformats.org/officeDocument/2006/relationships" xmlns:p="http://schemas.openxmlformats.org/presentationml/2006/main">
+  <p:cSld>
+    <p:spTree>
+      <p:nvGrpSpPr>
+        <p:cNvPr id="1" name=""/>
+        <p:cNvGrpSpPr/>
+        <p:nvPr/>
+      </p:nvGrpSpPr>
+      <p:grpSpPr>
+        <a:xfrm>
+          <a:off x="0" y="0"/>
+          <a:ext cx="0" cy="0"/>
+          <a:chOff x="0" y="0"/>
+          <a:chExt cx="0" cy="0"/>
+        </a:xfrm>
+      </p:grpSpPr>
+      <p:sp>
+        <p:nvSpPr>
+          <p:cNvPr id="2" name="Titre 1"/>
+          <p:cNvSpPr>
+            <a:spLocks noGrp="1"/>
+          </p:cNvSpPr>
+          <p:nvPr>
+            <p:ph type="title"/>
+          </p:nvPr>
+        </p:nvSpPr>
+        <p:spPr/>
+        <p:txBody>
+          <a:bodyPr/>
+          <a:lstStyle/>
+          <a:p>
+            <a:pPr algn="ctr"/>
+            <a:r>
+              <a:rPr lang="en-US" b="1" dirty="0" smtClean="0">
+                <a:solidFill>
+                  <a:srgbClr val="FF0000"/>
+                </a:solidFill>
+                <a:latin typeface="Times New Roman" panose="02020603050405020304" pitchFamily="18" charset="0"/>
+                <a:cs typeface="Times New Roman" panose="02020603050405020304" pitchFamily="18" charset="0"/>
+              </a:rPr>
+              <a:t>DESCRIPTION OF THE TOOLS USED</a:t>
+            </a:r>
+            <a:endParaRPr lang="fr-FR" b="1" dirty="0">
+              <a:solidFill>
+                <a:srgbClr val="FF0000"/>
+              </a:solidFill>
+              <a:latin typeface="Times New Roman" panose="02020603050405020304" pitchFamily="18" charset="0"/>
+              <a:cs typeface="Times New Roman" panose="02020603050405020304" pitchFamily="18" charset="0"/>
+            </a:endParaRPr>
+          </a:p>
+        </p:txBody>
+      </p:sp>
+      <p:pic>
+        <p:nvPicPr>
+          <p:cNvPr id="13" name="Espace réservé du contenu 12"/>
+          <p:cNvPicPr>
+            <a:picLocks noGrp="1" noChangeAspect="1"/>
+          </p:cNvPicPr>
+          <p:nvPr>
+            <p:ph idx="1"/>
+          </p:nvPr>
+        </p:nvPicPr>
+        <p:blipFill rotWithShape="1">
+          <a:blip r:embed="rId2">
+            <a:extLst>
+              <a:ext uri="{28A0092B-C50C-407E-A947-70E740481C1C}">
+                <a14:useLocalDpi xmlns:a14="http://schemas.microsoft.com/office/drawing/2010/main" val="0"/>
+              </a:ext>
+            </a:extLst>
+          </a:blip>
+          <a:srcRect l="20293" t="15592" r="19246" b="10051"/>
+          <a:stretch/>
+        </p:blipFill>
+        <p:spPr>
+          <a:xfrm>
+            <a:off x="8862646" y="1690688"/>
+            <a:ext cx="1927275" cy="1983545"/>
+          </a:xfrm>
+        </p:spPr>
+      </p:pic>
+      <p:pic>
+        <p:nvPicPr>
+          <p:cNvPr id="14" name="Image 13"/>
+          <p:cNvPicPr>
+            <a:picLocks noChangeAspect="1"/>
+          </p:cNvPicPr>
+          <p:nvPr/>
+        </p:nvPicPr>
+        <p:blipFill rotWithShape="1">
+          <a:blip r:embed="rId3">
+            <a:extLst>
+              <a:ext uri="{28A0092B-C50C-407E-A947-70E740481C1C}">
+                <a14:useLocalDpi xmlns:a14="http://schemas.microsoft.com/office/drawing/2010/main" val="0"/>
+              </a:ext>
+            </a:extLst>
+          </a:blip>
+          <a:srcRect t="11348" b="12057"/>
+          <a:stretch/>
+        </p:blipFill>
+        <p:spPr>
+          <a:xfrm>
+            <a:off x="6096000" y="1814731"/>
+            <a:ext cx="2368062" cy="1392703"/>
+          </a:xfrm>
+          <a:prstGeom prst="rect">
+            <a:avLst/>
+          </a:prstGeom>
+        </p:spPr>
+      </p:pic>
+      <p:pic>
+        <p:nvPicPr>
+          <p:cNvPr id="15" name="Image 14"/>
+          <p:cNvPicPr>
+            <a:picLocks noChangeAspect="1"/>
+          </p:cNvPicPr>
+          <p:nvPr/>
+        </p:nvPicPr>
+        <p:blipFill>
+          <a:blip r:embed="rId4">
+            <a:extLst>
+              <a:ext uri="{28A0092B-C50C-407E-A947-70E740481C1C}">
+                <a14:useLocalDpi xmlns:a14="http://schemas.microsoft.com/office/drawing/2010/main" val="0"/>
+              </a:ext>
+            </a:extLst>
+          </a:blip>
+          <a:stretch>
+            <a:fillRect/>
+          </a:stretch>
+        </p:blipFill>
+        <p:spPr>
+          <a:xfrm>
+            <a:off x="3448050" y="1690688"/>
+            <a:ext cx="2647950" cy="1724025"/>
+          </a:xfrm>
+          <a:prstGeom prst="rect">
+            <a:avLst/>
+          </a:prstGeom>
+        </p:spPr>
+      </p:pic>
+      <p:pic>
+        <p:nvPicPr>
+          <p:cNvPr id="16" name="Image 15"/>
+          <p:cNvPicPr>
+            <a:picLocks noChangeAspect="1"/>
+          </p:cNvPicPr>
+          <p:nvPr/>
+        </p:nvPicPr>
+        <p:blipFill>
+          <a:blip r:embed="rId5">
+            <a:extLst>
+              <a:ext uri="{28A0092B-C50C-407E-A947-70E740481C1C}">
+                <a14:useLocalDpi xmlns:a14="http://schemas.microsoft.com/office/drawing/2010/main" val="0"/>
+              </a:ext>
+            </a:extLst>
+          </a:blip>
+          <a:stretch>
+            <a:fillRect/>
+          </a:stretch>
+        </p:blipFill>
+        <p:spPr>
+          <a:xfrm>
+            <a:off x="1343758" y="1509713"/>
+            <a:ext cx="1905000" cy="1905000"/>
+          </a:xfrm>
+          <a:prstGeom prst="rect">
+            <a:avLst/>
+          </a:prstGeom>
+        </p:spPr>
+      </p:pic>
+      <p:pic>
+        <p:nvPicPr>
+          <p:cNvPr id="17" name="Image 16"/>
+          <p:cNvPicPr>
+            <a:picLocks noChangeAspect="1"/>
+          </p:cNvPicPr>
+          <p:nvPr/>
+        </p:nvPicPr>
+        <p:blipFill rotWithShape="1">
+          <a:blip r:embed="rId6">
+            <a:extLst>
+              <a:ext uri="{28A0092B-C50C-407E-A947-70E740481C1C}">
+                <a14:useLocalDpi xmlns:a14="http://schemas.microsoft.com/office/drawing/2010/main" val="0"/>
+              </a:ext>
+            </a:extLst>
+          </a:blip>
+          <a:srcRect l="17048" t="32588" r="11863" b="22614"/>
+          <a:stretch/>
+        </p:blipFill>
+        <p:spPr>
+          <a:xfrm>
+            <a:off x="1343758" y="3676798"/>
+            <a:ext cx="5078438" cy="1800666"/>
+          </a:xfrm>
+          <a:prstGeom prst="rect">
+            <a:avLst/>
+          </a:prstGeom>
+        </p:spPr>
+      </p:pic>
     </p:spTree>
     <p:extLst>
       <p:ext uri="{BB962C8B-B14F-4D97-AF65-F5344CB8AC3E}">
         <p14:creationId xmlns:p14="http://schemas.microsoft.com/office/powerpoint/2010/main" val="3121555623"/>
+      </p:ext>
+    </p:extLst>
+  </p:cSld>
+  <p:clrMapOvr>
+    <a:masterClrMapping/>
+  </p:clrMapOvr>
+</p:sld>
+</file>
+
+<file path=ppt/slides/slide7.xml><?xml version="1.0" encoding="utf-8"?>
+<p:sld xmlns:a="http://schemas.openxmlformats.org/drawingml/2006/main" xmlns:r="http://schemas.openxmlformats.org/officeDocument/2006/relationships" xmlns:p="http://schemas.openxmlformats.org/presentationml/2006/main">
+  <p:cSld>
+    <p:spTree>
+      <p:nvGrpSpPr>
+        <p:cNvPr id="1" name=""/>
+        <p:cNvGrpSpPr/>
+        <p:nvPr/>
+      </p:nvGrpSpPr>
+      <p:grpSpPr>
+        <a:xfrm>
+          <a:off x="0" y="0"/>
+          <a:ext cx="0" cy="0"/>
+          <a:chOff x="0" y="0"/>
+          <a:chExt cx="0" cy="0"/>
+        </a:xfrm>
+      </p:grpSpPr>
+      <p:sp>
+        <p:nvSpPr>
+          <p:cNvPr id="2" name="Titre 1"/>
+          <p:cNvSpPr>
+            <a:spLocks noGrp="1"/>
+          </p:cNvSpPr>
+          <p:nvPr>
+            <p:ph type="title"/>
+          </p:nvPr>
+        </p:nvSpPr>
+        <p:spPr/>
+        <p:txBody>
+          <a:bodyPr/>
+          <a:lstStyle/>
+          <a:p>
+            <a:pPr algn="ctr"/>
+            <a:r>
+              <a:rPr lang="fr-FR" b="1" dirty="0" smtClean="0">
+                <a:solidFill>
+                  <a:srgbClr val="FF0000"/>
+                </a:solidFill>
+                <a:latin typeface="Times New Roman" panose="02020603050405020304" pitchFamily="18" charset="0"/>
+                <a:cs typeface="Times New Roman" panose="02020603050405020304" pitchFamily="18" charset="0"/>
+              </a:rPr>
+              <a:t>UML DIAGRAMS</a:t>
+            </a:r>
+            <a:endParaRPr lang="fr-FR" b="1" dirty="0">
+              <a:solidFill>
+                <a:srgbClr val="FF0000"/>
+              </a:solidFill>
+              <a:latin typeface="Times New Roman" panose="02020603050405020304" pitchFamily="18" charset="0"/>
+              <a:cs typeface="Times New Roman" panose="02020603050405020304" pitchFamily="18" charset="0"/>
+            </a:endParaRPr>
+          </a:p>
+        </p:txBody>
+      </p:sp>
+      <p:sp>
+        <p:nvSpPr>
+          <p:cNvPr id="3" name="Espace réservé du contenu 2"/>
+          <p:cNvSpPr>
+            <a:spLocks noGrp="1"/>
+          </p:cNvSpPr>
+          <p:nvPr>
+            <p:ph idx="1"/>
+          </p:nvPr>
+        </p:nvSpPr>
+        <p:spPr/>
+        <p:txBody>
+          <a:bodyPr/>
+          <a:lstStyle/>
+          <a:p>
+            <a:endParaRPr lang="fr-FR"/>
+          </a:p>
+        </p:txBody>
+      </p:sp>
+    </p:spTree>
+    <p:extLst>
+      <p:ext uri="{BB962C8B-B14F-4D97-AF65-F5344CB8AC3E}">
+        <p14:creationId xmlns:p14="http://schemas.microsoft.com/office/powerpoint/2010/main" val="1758608868"/>
+      </p:ext>
+    </p:extLst>
+  </p:cSld>
+  <p:clrMapOvr>
+    <a:masterClrMapping/>
+  </p:clrMapOvr>
+</p:sld>
+</file>
+
+<file path=ppt/slides/slide8.xml><?xml version="1.0" encoding="utf-8"?>
+<p:sld xmlns:a="http://schemas.openxmlformats.org/drawingml/2006/main" xmlns:r="http://schemas.openxmlformats.org/officeDocument/2006/relationships" xmlns:p="http://schemas.openxmlformats.org/presentationml/2006/main">
+  <p:cSld>
+    <p:spTree>
+      <p:nvGrpSpPr>
+        <p:cNvPr id="1" name=""/>
+        <p:cNvGrpSpPr/>
+        <p:nvPr/>
+      </p:nvGrpSpPr>
+      <p:grpSpPr>
+        <a:xfrm>
+          <a:off x="0" y="0"/>
+          <a:ext cx="0" cy="0"/>
+          <a:chOff x="0" y="0"/>
+          <a:chExt cx="0" cy="0"/>
+        </a:xfrm>
+      </p:grpSpPr>
+      <p:sp>
+        <p:nvSpPr>
+          <p:cNvPr id="2" name="Titre 1"/>
+          <p:cNvSpPr>
+            <a:spLocks noGrp="1"/>
+          </p:cNvSpPr>
+          <p:nvPr>
+            <p:ph type="title"/>
+          </p:nvPr>
+        </p:nvSpPr>
+        <p:spPr/>
+        <p:txBody>
+          <a:bodyPr/>
+          <a:lstStyle/>
+          <a:p>
+            <a:pPr algn="ctr"/>
+            <a:r>
+              <a:rPr lang="fr-FR" b="1" dirty="0" smtClean="0">
+                <a:solidFill>
+                  <a:srgbClr val="FF0000"/>
+                </a:solidFill>
+                <a:latin typeface="Times New Roman" panose="02020603050405020304" pitchFamily="18" charset="0"/>
+                <a:cs typeface="Times New Roman" panose="02020603050405020304" pitchFamily="18" charset="0"/>
+              </a:rPr>
+              <a:t>APPLICATION PRESENTATION</a:t>
+            </a:r>
+            <a:endParaRPr lang="fr-FR" b="1" dirty="0">
+              <a:solidFill>
+                <a:srgbClr val="FF0000"/>
+              </a:solidFill>
+              <a:latin typeface="Times New Roman" panose="02020603050405020304" pitchFamily="18" charset="0"/>
+              <a:cs typeface="Times New Roman" panose="02020603050405020304" pitchFamily="18" charset="0"/>
+            </a:endParaRPr>
+          </a:p>
+        </p:txBody>
+      </p:sp>
+      <p:sp>
+        <p:nvSpPr>
+          <p:cNvPr id="3" name="Espace réservé du contenu 2"/>
+          <p:cNvSpPr>
+            <a:spLocks noGrp="1"/>
+          </p:cNvSpPr>
+          <p:nvPr>
+            <p:ph idx="1"/>
+          </p:nvPr>
+        </p:nvSpPr>
+        <p:spPr/>
+        <p:txBody>
+          <a:bodyPr/>
+          <a:lstStyle/>
+          <a:p>
+            <a:endParaRPr lang="fr-FR"/>
+          </a:p>
+        </p:txBody>
+      </p:sp>
+    </p:spTree>
+    <p:extLst>
+      <p:ext uri="{BB962C8B-B14F-4D97-AF65-F5344CB8AC3E}">
+        <p14:creationId xmlns:p14="http://schemas.microsoft.com/office/powerpoint/2010/main" val="1912357585"/>
+      </p:ext>
+    </p:extLst>
+  </p:cSld>
+  <p:clrMapOvr>
+    <a:masterClrMapping/>
+  </p:clrMapOvr>
+</p:sld>
+</file>
+
+<file path=ppt/slides/slide9.xml><?xml version="1.0" encoding="utf-8"?>
+<p:sld xmlns:a="http://schemas.openxmlformats.org/drawingml/2006/main" xmlns:r="http://schemas.openxmlformats.org/officeDocument/2006/relationships" xmlns:p="http://schemas.openxmlformats.org/presentationml/2006/main">
+  <p:cSld>
+    <p:spTree>
+      <p:nvGrpSpPr>
+        <p:cNvPr id="1" name=""/>
+        <p:cNvGrpSpPr/>
+        <p:nvPr/>
+      </p:nvGrpSpPr>
+      <p:grpSpPr>
+        <a:xfrm>
+          <a:off x="0" y="0"/>
+          <a:ext cx="0" cy="0"/>
+          <a:chOff x="0" y="0"/>
+          <a:chExt cx="0" cy="0"/>
+        </a:xfrm>
+      </p:grpSpPr>
+      <p:sp>
+        <p:nvSpPr>
+          <p:cNvPr id="2" name="Titre 1"/>
+          <p:cNvSpPr>
+            <a:spLocks noGrp="1"/>
+          </p:cNvSpPr>
+          <p:nvPr>
+            <p:ph type="title"/>
+          </p:nvPr>
+        </p:nvSpPr>
+        <p:spPr/>
+        <p:txBody>
+          <a:bodyPr/>
+          <a:lstStyle/>
+          <a:p>
+            <a:pPr algn="ctr"/>
+            <a:r>
+              <a:rPr lang="fr-FR" b="1" dirty="0" smtClean="0">
+                <a:solidFill>
+                  <a:srgbClr val="FF0000"/>
+                </a:solidFill>
+                <a:latin typeface="Times New Roman" panose="02020603050405020304" pitchFamily="18" charset="0"/>
+                <a:cs typeface="Times New Roman" panose="02020603050405020304" pitchFamily="18" charset="0"/>
+              </a:rPr>
+              <a:t>REPORTS</a:t>
+            </a:r>
+            <a:r>
+              <a:rPr lang="fr-FR" dirty="0" smtClean="0"/>
+              <a:t> </a:t>
+            </a:r>
+            <a:endParaRPr lang="fr-FR" dirty="0"/>
+          </a:p>
+        </p:txBody>
+      </p:sp>
+      <p:sp>
+        <p:nvSpPr>
+          <p:cNvPr id="3" name="Espace réservé du contenu 2"/>
+          <p:cNvSpPr>
+            <a:spLocks noGrp="1"/>
+          </p:cNvSpPr>
+          <p:nvPr>
+            <p:ph idx="1"/>
+          </p:nvPr>
+        </p:nvSpPr>
+        <p:spPr/>
+        <p:txBody>
+          <a:bodyPr/>
+          <a:lstStyle/>
+          <a:p>
+            <a:r>
+              <a:rPr lang="fr-FR" dirty="0" err="1"/>
+              <a:t>Strengths</a:t>
+            </a:r>
+            <a:r>
+              <a:rPr lang="fr-FR" dirty="0"/>
+              <a:t> and </a:t>
+            </a:r>
+            <a:r>
+              <a:rPr lang="fr-FR" dirty="0" err="1"/>
+              <a:t>weaknesses</a:t>
+            </a:r>
+            <a:endParaRPr lang="fr-FR" dirty="0"/>
+          </a:p>
+        </p:txBody>
+      </p:sp>
+    </p:spTree>
+    <p:extLst>
+      <p:ext uri="{BB962C8B-B14F-4D97-AF65-F5344CB8AC3E}">
+        <p14:creationId xmlns:p14="http://schemas.microsoft.com/office/powerpoint/2010/main" val="1879425374"/>
       </p:ext>
     </p:extLst>
   </p:cSld>

--- a/masterpom/PROJET UML.pptx
+++ b/masterpom/PROJET UML.pptx
@@ -11,10 +11,11 @@
     <p:sldId id="258" r:id="rId5"/>
     <p:sldId id="259" r:id="rId6"/>
     <p:sldId id="260" r:id="rId7"/>
-    <p:sldId id="261" r:id="rId8"/>
-    <p:sldId id="262" r:id="rId9"/>
+    <p:sldId id="262" r:id="rId8"/>
+    <p:sldId id="261" r:id="rId9"/>
     <p:sldId id="263" r:id="rId10"/>
-    <p:sldId id="264" r:id="rId11"/>
+    <p:sldId id="266" r:id="rId11"/>
+    <p:sldId id="264" r:id="rId12"/>
   </p:sldIdLst>
   <p:sldSz cx="12192000" cy="6858000"/>
   <p:notesSz cx="6858000" cy="9144000"/>
@@ -252,7 +253,7 @@
           <a:p>
             <a:fld id="{E158301B-182D-4E61-84B6-FF5DDCCEA702}" type="datetimeFigureOut">
               <a:rPr lang="fr-FR" smtClean="0"/>
-              <a:t>01/06/2020</a:t>
+              <a:t>02/06/2020</a:t>
             </a:fld>
             <a:endParaRPr lang="fr-FR"/>
           </a:p>
@@ -422,7 +423,7 @@
           <a:p>
             <a:fld id="{E158301B-182D-4E61-84B6-FF5DDCCEA702}" type="datetimeFigureOut">
               <a:rPr lang="fr-FR" smtClean="0"/>
-              <a:t>01/06/2020</a:t>
+              <a:t>02/06/2020</a:t>
             </a:fld>
             <a:endParaRPr lang="fr-FR"/>
           </a:p>
@@ -602,7 +603,7 @@
           <a:p>
             <a:fld id="{E158301B-182D-4E61-84B6-FF5DDCCEA702}" type="datetimeFigureOut">
               <a:rPr lang="fr-FR" smtClean="0"/>
-              <a:t>01/06/2020</a:t>
+              <a:t>02/06/2020</a:t>
             </a:fld>
             <a:endParaRPr lang="fr-FR"/>
           </a:p>
@@ -772,7 +773,7 @@
           <a:p>
             <a:fld id="{E158301B-182D-4E61-84B6-FF5DDCCEA702}" type="datetimeFigureOut">
               <a:rPr lang="fr-FR" smtClean="0"/>
-              <a:t>01/06/2020</a:t>
+              <a:t>02/06/2020</a:t>
             </a:fld>
             <a:endParaRPr lang="fr-FR"/>
           </a:p>
@@ -1018,7 +1019,7 @@
           <a:p>
             <a:fld id="{E158301B-182D-4E61-84B6-FF5DDCCEA702}" type="datetimeFigureOut">
               <a:rPr lang="fr-FR" smtClean="0"/>
-              <a:t>01/06/2020</a:t>
+              <a:t>02/06/2020</a:t>
             </a:fld>
             <a:endParaRPr lang="fr-FR"/>
           </a:p>
@@ -1250,7 +1251,7 @@
           <a:p>
             <a:fld id="{E158301B-182D-4E61-84B6-FF5DDCCEA702}" type="datetimeFigureOut">
               <a:rPr lang="fr-FR" smtClean="0"/>
-              <a:t>01/06/2020</a:t>
+              <a:t>02/06/2020</a:t>
             </a:fld>
             <a:endParaRPr lang="fr-FR"/>
           </a:p>
@@ -1617,7 +1618,7 @@
           <a:p>
             <a:fld id="{E158301B-182D-4E61-84B6-FF5DDCCEA702}" type="datetimeFigureOut">
               <a:rPr lang="fr-FR" smtClean="0"/>
-              <a:t>01/06/2020</a:t>
+              <a:t>02/06/2020</a:t>
             </a:fld>
             <a:endParaRPr lang="fr-FR"/>
           </a:p>
@@ -1735,7 +1736,7 @@
           <a:p>
             <a:fld id="{E158301B-182D-4E61-84B6-FF5DDCCEA702}" type="datetimeFigureOut">
               <a:rPr lang="fr-FR" smtClean="0"/>
-              <a:t>01/06/2020</a:t>
+              <a:t>02/06/2020</a:t>
             </a:fld>
             <a:endParaRPr lang="fr-FR"/>
           </a:p>
@@ -1830,7 +1831,7 @@
           <a:p>
             <a:fld id="{E158301B-182D-4E61-84B6-FF5DDCCEA702}" type="datetimeFigureOut">
               <a:rPr lang="fr-FR" smtClean="0"/>
-              <a:t>01/06/2020</a:t>
+              <a:t>02/06/2020</a:t>
             </a:fld>
             <a:endParaRPr lang="fr-FR"/>
           </a:p>
@@ -2107,7 +2108,7 @@
           <a:p>
             <a:fld id="{E158301B-182D-4E61-84B6-FF5DDCCEA702}" type="datetimeFigureOut">
               <a:rPr lang="fr-FR" smtClean="0"/>
-              <a:t>01/06/2020</a:t>
+              <a:t>02/06/2020</a:t>
             </a:fld>
             <a:endParaRPr lang="fr-FR"/>
           </a:p>
@@ -2360,7 +2361,7 @@
           <a:p>
             <a:fld id="{E158301B-182D-4E61-84B6-FF5DDCCEA702}" type="datetimeFigureOut">
               <a:rPr lang="fr-FR" smtClean="0"/>
-              <a:t>01/06/2020</a:t>
+              <a:t>02/06/2020</a:t>
             </a:fld>
             <a:endParaRPr lang="fr-FR"/>
           </a:p>
@@ -2573,7 +2574,7 @@
           <a:p>
             <a:fld id="{E158301B-182D-4E61-84B6-FF5DDCCEA702}" type="datetimeFigureOut">
               <a:rPr lang="fr-FR" smtClean="0"/>
-              <a:t>01/06/2020</a:t>
+              <a:t>02/06/2020</a:t>
             </a:fld>
             <a:endParaRPr lang="fr-FR"/>
           </a:p>
@@ -2990,8 +2991,8 @@
         </p:nvSpPr>
         <p:spPr>
           <a:xfrm>
-            <a:off x="-1" y="182879"/>
-            <a:ext cx="12192001" cy="5451231"/>
+            <a:off x="0" y="0"/>
+            <a:ext cx="11995052" cy="6858000"/>
           </a:xfrm>
         </p:spPr>
         <p:txBody>
@@ -3008,7 +3009,7 @@
           <a:lstStyle/>
           <a:p>
             <a:r>
-              <a:rPr lang="fr-FR" sz="18000" b="1" dirty="0" smtClean="0">
+              <a:rPr lang="fr-FR" sz="17000" b="1" dirty="0" smtClean="0">
                 <a:solidFill>
                   <a:srgbClr val="FF0000"/>
                 </a:solidFill>
@@ -3028,9 +3029,54 @@
                 <a:latin typeface="Times New Roman" panose="02020603050405020304" pitchFamily="18" charset="0"/>
                 <a:cs typeface="Times New Roman" panose="02020603050405020304" pitchFamily="18" charset="0"/>
               </a:rPr>
-              <a:t>PROJET UML/JAVA</a:t>
-            </a:r>
-            <a:endParaRPr lang="fr-FR" sz="18000" b="1" dirty="0">
+              <a:t>PROJET</a:t>
+            </a:r>
+            <a:br>
+              <a:rPr lang="fr-FR" sz="17000" b="1" dirty="0" smtClean="0">
+                <a:solidFill>
+                  <a:srgbClr val="FF0000"/>
+                </a:solidFill>
+                <a:effectLst>
+                  <a:glow rad="228600">
+                    <a:schemeClr val="accent2">
+                      <a:satMod val="175000"/>
+                      <a:alpha val="40000"/>
+                    </a:schemeClr>
+                  </a:glow>
+                  <a:outerShdw blurRad="50800" dist="38100" dir="10800000" algn="r" rotWithShape="0">
+                    <a:prstClr val="black">
+                      <a:alpha val="40000"/>
+                    </a:prstClr>
+                  </a:outerShdw>
+                </a:effectLst>
+                <a:latin typeface="Times New Roman" panose="02020603050405020304" pitchFamily="18" charset="0"/>
+                <a:cs typeface="Times New Roman" panose="02020603050405020304" pitchFamily="18" charset="0"/>
+              </a:rPr>
+            </a:br>
+            <a:r>
+              <a:rPr lang="fr-FR" sz="17000" b="1" dirty="0" smtClean="0">
+                <a:solidFill>
+                  <a:srgbClr val="FF0000"/>
+                </a:solidFill>
+                <a:effectLst>
+                  <a:glow rad="228600">
+                    <a:schemeClr val="accent2">
+                      <a:satMod val="175000"/>
+                      <a:alpha val="40000"/>
+                    </a:schemeClr>
+                  </a:glow>
+                  <a:outerShdw blurRad="50800" dist="38100" dir="10800000" algn="r" rotWithShape="0">
+                    <a:prstClr val="black">
+                      <a:alpha val="40000"/>
+                    </a:prstClr>
+                  </a:outerShdw>
+                </a:effectLst>
+                <a:latin typeface="Times New Roman" panose="02020603050405020304" pitchFamily="18" charset="0"/>
+                <a:cs typeface="Times New Roman" panose="02020603050405020304" pitchFamily="18" charset="0"/>
+              </a:rPr>
+              <a:t>JAVA/POO/UML</a:t>
+            </a:r>
+            <a:endParaRPr lang="fr-FR" sz="17000" b="1" dirty="0">
               <a:solidFill>
                 <a:srgbClr val="FF0000"/>
               </a:solidFill>
@@ -3095,9 +3141,560 @@
         </p:nvSpPr>
         <p:spPr/>
         <p:txBody>
+          <a:bodyPr>
+            <a:normAutofit/>
+          </a:bodyPr>
+          <a:lstStyle/>
+          <a:p>
+            <a:pPr algn="ctr"/>
+            <a:r>
+              <a:rPr lang="fr-FR" sz="5000" b="1" dirty="0" smtClean="0">
+                <a:solidFill>
+                  <a:srgbClr val="FF0000"/>
+                </a:solidFill>
+                <a:latin typeface="Times New Roman" panose="02020603050405020304" pitchFamily="18" charset="0"/>
+                <a:cs typeface="Times New Roman" panose="02020603050405020304" pitchFamily="18" charset="0"/>
+              </a:rPr>
+              <a:t>STRENGTH AND WEAKNESS</a:t>
+            </a:r>
+            <a:endParaRPr lang="fr-FR" sz="5000" b="1" dirty="0">
+              <a:solidFill>
+                <a:srgbClr val="FF0000"/>
+              </a:solidFill>
+              <a:latin typeface="Times New Roman" panose="02020603050405020304" pitchFamily="18" charset="0"/>
+              <a:cs typeface="Times New Roman" panose="02020603050405020304" pitchFamily="18" charset="0"/>
+            </a:endParaRPr>
+          </a:p>
+        </p:txBody>
+      </p:sp>
+      <p:sp>
+        <p:nvSpPr>
+          <p:cNvPr id="3" name="Espace réservé du contenu 2"/>
+          <p:cNvSpPr>
+            <a:spLocks noGrp="1"/>
+          </p:cNvSpPr>
+          <p:nvPr>
+            <p:ph idx="1"/>
+          </p:nvPr>
+        </p:nvSpPr>
+        <p:spPr>
+          <a:xfrm>
+            <a:off x="528711" y="1859502"/>
+            <a:ext cx="4915486" cy="4583502"/>
+          </a:xfrm>
+        </p:spPr>
+        <p:txBody>
           <a:bodyPr/>
           <a:lstStyle/>
           <a:p>
+            <a:pPr algn="ctr">
+              <a:buFont typeface="Wingdings" panose="05000000000000000000" pitchFamily="2" charset="2"/>
+              <a:buChar char="J"/>
+            </a:pPr>
+            <a:r>
+              <a:rPr lang="fr-FR" sz="4500" b="1" dirty="0" smtClean="0">
+                <a:solidFill>
+                  <a:srgbClr val="00B050"/>
+                </a:solidFill>
+                <a:latin typeface="Times New Roman" panose="02020603050405020304" pitchFamily="18" charset="0"/>
+                <a:cs typeface="Times New Roman" panose="02020603050405020304" pitchFamily="18" charset="0"/>
+              </a:rPr>
+              <a:t>STRENGTH </a:t>
+            </a:r>
+            <a:r>
+              <a:rPr lang="fr-FR" sz="4500" b="1" dirty="0" smtClean="0">
+                <a:latin typeface="Times New Roman" panose="02020603050405020304" pitchFamily="18" charset="0"/>
+                <a:cs typeface="Times New Roman" panose="02020603050405020304" pitchFamily="18" charset="0"/>
+              </a:rPr>
+              <a:t>                            </a:t>
+            </a:r>
+          </a:p>
+          <a:p>
+            <a:pPr marL="0" indent="0" algn="ctr">
+              <a:buNone/>
+            </a:pPr>
+            <a:r>
+              <a:rPr lang="fr-FR" sz="4500" dirty="0" err="1" smtClean="0">
+                <a:latin typeface="Times New Roman" panose="02020603050405020304" pitchFamily="18" charset="0"/>
+                <a:cs typeface="Times New Roman" panose="02020603050405020304" pitchFamily="18" charset="0"/>
+              </a:rPr>
+              <a:t>Kegne</a:t>
+            </a:r>
+            <a:r>
+              <a:rPr lang="fr-FR" sz="4500" dirty="0" smtClean="0">
+                <a:latin typeface="Times New Roman" panose="02020603050405020304" pitchFamily="18" charset="0"/>
+                <a:cs typeface="Times New Roman" panose="02020603050405020304" pitchFamily="18" charset="0"/>
+              </a:rPr>
+              <a:t> </a:t>
+            </a:r>
+            <a:r>
+              <a:rPr lang="fr-FR" sz="4500" dirty="0" err="1" smtClean="0">
+                <a:latin typeface="Times New Roman" panose="02020603050405020304" pitchFamily="18" charset="0"/>
+                <a:cs typeface="Times New Roman" panose="02020603050405020304" pitchFamily="18" charset="0"/>
+              </a:rPr>
+              <a:t>Heidy</a:t>
+            </a:r>
+            <a:r>
+              <a:rPr lang="fr-FR" sz="4500" dirty="0" smtClean="0">
+                <a:latin typeface="Times New Roman" panose="02020603050405020304" pitchFamily="18" charset="0"/>
+                <a:cs typeface="Times New Roman" panose="02020603050405020304" pitchFamily="18" charset="0"/>
+              </a:rPr>
+              <a:t> </a:t>
+            </a:r>
+          </a:p>
+          <a:p>
+            <a:pPr marL="0" indent="0" algn="ctr">
+              <a:buNone/>
+            </a:pPr>
+            <a:r>
+              <a:rPr lang="fr-FR" sz="4500" dirty="0" err="1" smtClean="0">
+                <a:latin typeface="Times New Roman" panose="02020603050405020304" pitchFamily="18" charset="0"/>
+                <a:cs typeface="Times New Roman" panose="02020603050405020304" pitchFamily="18" charset="0"/>
+              </a:rPr>
+              <a:t>Nodjimadji</a:t>
+            </a:r>
+            <a:r>
+              <a:rPr lang="fr-FR" sz="4500" dirty="0" smtClean="0">
+                <a:latin typeface="Times New Roman" panose="02020603050405020304" pitchFamily="18" charset="0"/>
+                <a:cs typeface="Times New Roman" panose="02020603050405020304" pitchFamily="18" charset="0"/>
+              </a:rPr>
+              <a:t> </a:t>
+            </a:r>
+            <a:r>
+              <a:rPr lang="fr-FR" sz="4500" dirty="0" err="1" smtClean="0">
+                <a:latin typeface="Times New Roman" panose="02020603050405020304" pitchFamily="18" charset="0"/>
+                <a:cs typeface="Times New Roman" panose="02020603050405020304" pitchFamily="18" charset="0"/>
+              </a:rPr>
+              <a:t>Souar</a:t>
+            </a:r>
+            <a:endParaRPr lang="fr-FR" sz="4500" dirty="0" smtClean="0">
+              <a:latin typeface="Times New Roman" panose="02020603050405020304" pitchFamily="18" charset="0"/>
+              <a:cs typeface="Times New Roman" panose="02020603050405020304" pitchFamily="18" charset="0"/>
+            </a:endParaRPr>
+          </a:p>
+          <a:p>
+            <a:pPr marL="0" indent="0" algn="ctr">
+              <a:buNone/>
+            </a:pPr>
+            <a:r>
+              <a:rPr lang="fr-FR" sz="4500" dirty="0" err="1" smtClean="0">
+                <a:latin typeface="Times New Roman" panose="02020603050405020304" pitchFamily="18" charset="0"/>
+                <a:cs typeface="Times New Roman" panose="02020603050405020304" pitchFamily="18" charset="0"/>
+              </a:rPr>
+              <a:t>Fenyom</a:t>
+            </a:r>
+            <a:r>
+              <a:rPr lang="fr-FR" sz="4500" dirty="0" smtClean="0">
+                <a:latin typeface="Times New Roman" panose="02020603050405020304" pitchFamily="18" charset="0"/>
+                <a:cs typeface="Times New Roman" panose="02020603050405020304" pitchFamily="18" charset="0"/>
+              </a:rPr>
+              <a:t> Bryan</a:t>
+            </a:r>
+          </a:p>
+          <a:p>
+            <a:pPr marL="0" indent="0" algn="ctr">
+              <a:buNone/>
+            </a:pPr>
+            <a:r>
+              <a:rPr lang="fr-FR" sz="4500" dirty="0" err="1" smtClean="0">
+                <a:latin typeface="Times New Roman" panose="02020603050405020304" pitchFamily="18" charset="0"/>
+                <a:cs typeface="Times New Roman" panose="02020603050405020304" pitchFamily="18" charset="0"/>
+              </a:rPr>
+              <a:t>Nguessie</a:t>
+            </a:r>
+            <a:r>
+              <a:rPr lang="fr-FR" sz="4500" dirty="0" smtClean="0">
+                <a:latin typeface="Times New Roman" panose="02020603050405020304" pitchFamily="18" charset="0"/>
+                <a:cs typeface="Times New Roman" panose="02020603050405020304" pitchFamily="18" charset="0"/>
+              </a:rPr>
+              <a:t> Fabiola</a:t>
+            </a:r>
+            <a:endParaRPr lang="fr-FR" sz="4500" dirty="0">
+              <a:latin typeface="Times New Roman" panose="02020603050405020304" pitchFamily="18" charset="0"/>
+              <a:cs typeface="Times New Roman" panose="02020603050405020304" pitchFamily="18" charset="0"/>
+            </a:endParaRPr>
+          </a:p>
+          <a:p>
+            <a:pPr marL="0" indent="0">
+              <a:buNone/>
+            </a:pPr>
+            <a:endParaRPr lang="fr-FR" dirty="0" smtClean="0">
+              <a:latin typeface="Times New Roman" panose="02020603050405020304" pitchFamily="18" charset="0"/>
+              <a:cs typeface="Times New Roman" panose="02020603050405020304" pitchFamily="18" charset="0"/>
+            </a:endParaRPr>
+          </a:p>
+        </p:txBody>
+      </p:sp>
+      <p:sp>
+        <p:nvSpPr>
+          <p:cNvPr id="4" name="Espace réservé du contenu 2"/>
+          <p:cNvSpPr txBox="1">
+            <a:spLocks/>
+          </p:cNvSpPr>
+          <p:nvPr/>
+        </p:nvSpPr>
+        <p:spPr>
+          <a:xfrm>
+            <a:off x="6645812" y="1859502"/>
+            <a:ext cx="4426634" cy="4351338"/>
+          </a:xfrm>
+          <a:prstGeom prst="rect">
+            <a:avLst/>
+          </a:prstGeom>
+        </p:spPr>
+        <p:txBody>
+          <a:bodyPr vert="horz" lIns="91440" tIns="45720" rIns="91440" bIns="45720" rtlCol="0">
+            <a:normAutofit/>
+          </a:bodyPr>
+          <a:lstStyle>
+            <a:lvl1pPr marL="228600" indent="-228600" algn="l" defTabSz="914400" rtl="0" eaLnBrk="1" latinLnBrk="0" hangingPunct="1">
+              <a:lnSpc>
+                <a:spcPct val="90000"/>
+              </a:lnSpc>
+              <a:spcBef>
+                <a:spcPts val="1000"/>
+              </a:spcBef>
+              <a:buFont typeface="Arial" panose="020B0604020202020204" pitchFamily="34" charset="0"/>
+              <a:buChar char="•"/>
+              <a:defRPr sz="2800" kern="1200">
+                <a:solidFill>
+                  <a:schemeClr val="tx1"/>
+                </a:solidFill>
+                <a:latin typeface="+mn-lt"/>
+                <a:ea typeface="+mn-ea"/>
+                <a:cs typeface="+mn-cs"/>
+              </a:defRPr>
+            </a:lvl1pPr>
+            <a:lvl2pPr marL="685800" indent="-228600" algn="l" defTabSz="914400" rtl="0" eaLnBrk="1" latinLnBrk="0" hangingPunct="1">
+              <a:lnSpc>
+                <a:spcPct val="90000"/>
+              </a:lnSpc>
+              <a:spcBef>
+                <a:spcPts val="500"/>
+              </a:spcBef>
+              <a:buFont typeface="Arial" panose="020B0604020202020204" pitchFamily="34" charset="0"/>
+              <a:buChar char="•"/>
+              <a:defRPr sz="2400" kern="1200">
+                <a:solidFill>
+                  <a:schemeClr val="tx1"/>
+                </a:solidFill>
+                <a:latin typeface="+mn-lt"/>
+                <a:ea typeface="+mn-ea"/>
+                <a:cs typeface="+mn-cs"/>
+              </a:defRPr>
+            </a:lvl2pPr>
+            <a:lvl3pPr marL="1143000" indent="-228600" algn="l" defTabSz="914400" rtl="0" eaLnBrk="1" latinLnBrk="0" hangingPunct="1">
+              <a:lnSpc>
+                <a:spcPct val="90000"/>
+              </a:lnSpc>
+              <a:spcBef>
+                <a:spcPts val="500"/>
+              </a:spcBef>
+              <a:buFont typeface="Arial" panose="020B0604020202020204" pitchFamily="34" charset="0"/>
+              <a:buChar char="•"/>
+              <a:defRPr sz="2000" kern="1200">
+                <a:solidFill>
+                  <a:schemeClr val="tx1"/>
+                </a:solidFill>
+                <a:latin typeface="+mn-lt"/>
+                <a:ea typeface="+mn-ea"/>
+                <a:cs typeface="+mn-cs"/>
+              </a:defRPr>
+            </a:lvl3pPr>
+            <a:lvl4pPr marL="1600200" indent="-228600" algn="l" defTabSz="914400" rtl="0" eaLnBrk="1" latinLnBrk="0" hangingPunct="1">
+              <a:lnSpc>
+                <a:spcPct val="90000"/>
+              </a:lnSpc>
+              <a:spcBef>
+                <a:spcPts val="500"/>
+              </a:spcBef>
+              <a:buFont typeface="Arial" panose="020B0604020202020204" pitchFamily="34" charset="0"/>
+              <a:buChar char="•"/>
+              <a:defRPr sz="1800" kern="1200">
+                <a:solidFill>
+                  <a:schemeClr val="tx1"/>
+                </a:solidFill>
+                <a:latin typeface="+mn-lt"/>
+                <a:ea typeface="+mn-ea"/>
+                <a:cs typeface="+mn-cs"/>
+              </a:defRPr>
+            </a:lvl4pPr>
+            <a:lvl5pPr marL="2057400" indent="-228600" algn="l" defTabSz="914400" rtl="0" eaLnBrk="1" latinLnBrk="0" hangingPunct="1">
+              <a:lnSpc>
+                <a:spcPct val="90000"/>
+              </a:lnSpc>
+              <a:spcBef>
+                <a:spcPts val="500"/>
+              </a:spcBef>
+              <a:buFont typeface="Arial" panose="020B0604020202020204" pitchFamily="34" charset="0"/>
+              <a:buChar char="•"/>
+              <a:defRPr sz="1800" kern="1200">
+                <a:solidFill>
+                  <a:schemeClr val="tx1"/>
+                </a:solidFill>
+                <a:latin typeface="+mn-lt"/>
+                <a:ea typeface="+mn-ea"/>
+                <a:cs typeface="+mn-cs"/>
+              </a:defRPr>
+            </a:lvl5pPr>
+            <a:lvl6pPr marL="2514600" indent="-228600" algn="l" defTabSz="914400" rtl="0" eaLnBrk="1" latinLnBrk="0" hangingPunct="1">
+              <a:lnSpc>
+                <a:spcPct val="90000"/>
+              </a:lnSpc>
+              <a:spcBef>
+                <a:spcPts val="500"/>
+              </a:spcBef>
+              <a:buFont typeface="Arial" panose="020B0604020202020204" pitchFamily="34" charset="0"/>
+              <a:buChar char="•"/>
+              <a:defRPr sz="1800" kern="1200">
+                <a:solidFill>
+                  <a:schemeClr val="tx1"/>
+                </a:solidFill>
+                <a:latin typeface="+mn-lt"/>
+                <a:ea typeface="+mn-ea"/>
+                <a:cs typeface="+mn-cs"/>
+              </a:defRPr>
+            </a:lvl6pPr>
+            <a:lvl7pPr marL="2971800" indent="-228600" algn="l" defTabSz="914400" rtl="0" eaLnBrk="1" latinLnBrk="0" hangingPunct="1">
+              <a:lnSpc>
+                <a:spcPct val="90000"/>
+              </a:lnSpc>
+              <a:spcBef>
+                <a:spcPts val="500"/>
+              </a:spcBef>
+              <a:buFont typeface="Arial" panose="020B0604020202020204" pitchFamily="34" charset="0"/>
+              <a:buChar char="•"/>
+              <a:defRPr sz="1800" kern="1200">
+                <a:solidFill>
+                  <a:schemeClr val="tx1"/>
+                </a:solidFill>
+                <a:latin typeface="+mn-lt"/>
+                <a:ea typeface="+mn-ea"/>
+                <a:cs typeface="+mn-cs"/>
+              </a:defRPr>
+            </a:lvl7pPr>
+            <a:lvl8pPr marL="3429000" indent="-228600" algn="l" defTabSz="914400" rtl="0" eaLnBrk="1" latinLnBrk="0" hangingPunct="1">
+              <a:lnSpc>
+                <a:spcPct val="90000"/>
+              </a:lnSpc>
+              <a:spcBef>
+                <a:spcPts val="500"/>
+              </a:spcBef>
+              <a:buFont typeface="Arial" panose="020B0604020202020204" pitchFamily="34" charset="0"/>
+              <a:buChar char="•"/>
+              <a:defRPr sz="1800" kern="1200">
+                <a:solidFill>
+                  <a:schemeClr val="tx1"/>
+                </a:solidFill>
+                <a:latin typeface="+mn-lt"/>
+                <a:ea typeface="+mn-ea"/>
+                <a:cs typeface="+mn-cs"/>
+              </a:defRPr>
+            </a:lvl8pPr>
+            <a:lvl9pPr marL="3886200" indent="-228600" algn="l" defTabSz="914400" rtl="0" eaLnBrk="1" latinLnBrk="0" hangingPunct="1">
+              <a:lnSpc>
+                <a:spcPct val="90000"/>
+              </a:lnSpc>
+              <a:spcBef>
+                <a:spcPts val="500"/>
+              </a:spcBef>
+              <a:buFont typeface="Arial" panose="020B0604020202020204" pitchFamily="34" charset="0"/>
+              <a:buChar char="•"/>
+              <a:defRPr sz="1800" kern="1200">
+                <a:solidFill>
+                  <a:schemeClr val="tx1"/>
+                </a:solidFill>
+                <a:latin typeface="+mn-lt"/>
+                <a:ea typeface="+mn-ea"/>
+                <a:cs typeface="+mn-cs"/>
+              </a:defRPr>
+            </a:lvl9pPr>
+          </a:lstStyle>
+          <a:p>
+            <a:pPr algn="ctr">
+              <a:buFont typeface="Wingdings" panose="05000000000000000000" pitchFamily="2" charset="2"/>
+              <a:buChar char="L"/>
+            </a:pPr>
+            <a:r>
+              <a:rPr lang="fr-FR" sz="4500" b="1" dirty="0" smtClean="0">
+                <a:solidFill>
+                  <a:srgbClr val="FF0000"/>
+                </a:solidFill>
+                <a:latin typeface="Times New Roman" panose="02020603050405020304" pitchFamily="18" charset="0"/>
+                <a:cs typeface="Times New Roman" panose="02020603050405020304" pitchFamily="18" charset="0"/>
+              </a:rPr>
+              <a:t>WEAKNESS</a:t>
+            </a:r>
+            <a:r>
+              <a:rPr lang="fr-FR" sz="4500" b="1" dirty="0" smtClean="0">
+                <a:latin typeface="Times New Roman" panose="02020603050405020304" pitchFamily="18" charset="0"/>
+                <a:cs typeface="Times New Roman" panose="02020603050405020304" pitchFamily="18" charset="0"/>
+              </a:rPr>
+              <a:t>                          </a:t>
+            </a:r>
+          </a:p>
+          <a:p>
+            <a:pPr marL="0" indent="0" algn="ctr">
+              <a:buFont typeface="Arial" panose="020B0604020202020204" pitchFamily="34" charset="0"/>
+              <a:buNone/>
+            </a:pPr>
+            <a:r>
+              <a:rPr lang="fr-FR" sz="4500" dirty="0" err="1" smtClean="0">
+                <a:latin typeface="Times New Roman" panose="02020603050405020304" pitchFamily="18" charset="0"/>
+                <a:cs typeface="Times New Roman" panose="02020603050405020304" pitchFamily="18" charset="0"/>
+              </a:rPr>
+              <a:t>Kegne</a:t>
+            </a:r>
+            <a:r>
+              <a:rPr lang="fr-FR" sz="4500" dirty="0" smtClean="0">
+                <a:latin typeface="Times New Roman" panose="02020603050405020304" pitchFamily="18" charset="0"/>
+                <a:cs typeface="Times New Roman" panose="02020603050405020304" pitchFamily="18" charset="0"/>
+              </a:rPr>
+              <a:t> </a:t>
+            </a:r>
+            <a:r>
+              <a:rPr lang="fr-FR" sz="4500" dirty="0" err="1" smtClean="0">
+                <a:latin typeface="Times New Roman" panose="02020603050405020304" pitchFamily="18" charset="0"/>
+                <a:cs typeface="Times New Roman" panose="02020603050405020304" pitchFamily="18" charset="0"/>
+              </a:rPr>
+              <a:t>Heidy</a:t>
+            </a:r>
+            <a:r>
+              <a:rPr lang="fr-FR" sz="4500" dirty="0" smtClean="0">
+                <a:latin typeface="Times New Roman" panose="02020603050405020304" pitchFamily="18" charset="0"/>
+                <a:cs typeface="Times New Roman" panose="02020603050405020304" pitchFamily="18" charset="0"/>
+              </a:rPr>
+              <a:t> </a:t>
+            </a:r>
+          </a:p>
+          <a:p>
+            <a:pPr marL="0" indent="0" algn="ctr">
+              <a:buFont typeface="Arial" panose="020B0604020202020204" pitchFamily="34" charset="0"/>
+              <a:buNone/>
+            </a:pPr>
+            <a:r>
+              <a:rPr lang="fr-FR" sz="4500" dirty="0" err="1" smtClean="0">
+                <a:latin typeface="Times New Roman" panose="02020603050405020304" pitchFamily="18" charset="0"/>
+                <a:cs typeface="Times New Roman" panose="02020603050405020304" pitchFamily="18" charset="0"/>
+              </a:rPr>
+              <a:t>Nodjimadji</a:t>
+            </a:r>
+            <a:r>
+              <a:rPr lang="fr-FR" sz="4500" dirty="0" smtClean="0">
+                <a:latin typeface="Times New Roman" panose="02020603050405020304" pitchFamily="18" charset="0"/>
+                <a:cs typeface="Times New Roman" panose="02020603050405020304" pitchFamily="18" charset="0"/>
+              </a:rPr>
+              <a:t> </a:t>
+            </a:r>
+            <a:r>
+              <a:rPr lang="fr-FR" sz="4500" dirty="0" err="1" smtClean="0">
+                <a:latin typeface="Times New Roman" panose="02020603050405020304" pitchFamily="18" charset="0"/>
+                <a:cs typeface="Times New Roman" panose="02020603050405020304" pitchFamily="18" charset="0"/>
+              </a:rPr>
+              <a:t>Souar</a:t>
+            </a:r>
+            <a:endParaRPr lang="fr-FR" sz="4500" dirty="0" smtClean="0">
+              <a:latin typeface="Times New Roman" panose="02020603050405020304" pitchFamily="18" charset="0"/>
+              <a:cs typeface="Times New Roman" panose="02020603050405020304" pitchFamily="18" charset="0"/>
+            </a:endParaRPr>
+          </a:p>
+          <a:p>
+            <a:pPr marL="0" indent="0" algn="ctr">
+              <a:buFont typeface="Arial" panose="020B0604020202020204" pitchFamily="34" charset="0"/>
+              <a:buNone/>
+            </a:pPr>
+            <a:r>
+              <a:rPr lang="fr-FR" sz="4500" dirty="0" err="1" smtClean="0">
+                <a:latin typeface="Times New Roman" panose="02020603050405020304" pitchFamily="18" charset="0"/>
+                <a:cs typeface="Times New Roman" panose="02020603050405020304" pitchFamily="18" charset="0"/>
+              </a:rPr>
+              <a:t>Fenyom</a:t>
+            </a:r>
+            <a:r>
+              <a:rPr lang="fr-FR" sz="4500" dirty="0" smtClean="0">
+                <a:latin typeface="Times New Roman" panose="02020603050405020304" pitchFamily="18" charset="0"/>
+                <a:cs typeface="Times New Roman" panose="02020603050405020304" pitchFamily="18" charset="0"/>
+              </a:rPr>
+              <a:t> Bryan</a:t>
+            </a:r>
+          </a:p>
+          <a:p>
+            <a:pPr marL="0" indent="0" algn="ctr">
+              <a:buFont typeface="Arial" panose="020B0604020202020204" pitchFamily="34" charset="0"/>
+              <a:buNone/>
+            </a:pPr>
+            <a:r>
+              <a:rPr lang="fr-FR" sz="4500" dirty="0" err="1" smtClean="0">
+                <a:latin typeface="Times New Roman" panose="02020603050405020304" pitchFamily="18" charset="0"/>
+                <a:cs typeface="Times New Roman" panose="02020603050405020304" pitchFamily="18" charset="0"/>
+              </a:rPr>
+              <a:t>Nguessie</a:t>
+            </a:r>
+            <a:r>
+              <a:rPr lang="fr-FR" sz="4500" dirty="0" smtClean="0">
+                <a:latin typeface="Times New Roman" panose="02020603050405020304" pitchFamily="18" charset="0"/>
+                <a:cs typeface="Times New Roman" panose="02020603050405020304" pitchFamily="18" charset="0"/>
+              </a:rPr>
+              <a:t> Fabiola</a:t>
+            </a:r>
+          </a:p>
+          <a:p>
+            <a:pPr marL="0" indent="0">
+              <a:buFont typeface="Arial" panose="020B0604020202020204" pitchFamily="34" charset="0"/>
+              <a:buNone/>
+            </a:pPr>
+            <a:endParaRPr lang="fr-FR" dirty="0" smtClean="0">
+              <a:latin typeface="Times New Roman" panose="02020603050405020304" pitchFamily="18" charset="0"/>
+              <a:cs typeface="Times New Roman" panose="02020603050405020304" pitchFamily="18" charset="0"/>
+            </a:endParaRPr>
+          </a:p>
+        </p:txBody>
+      </p:sp>
+    </p:spTree>
+    <p:extLst>
+      <p:ext uri="{BB962C8B-B14F-4D97-AF65-F5344CB8AC3E}">
+        <p14:creationId xmlns:p14="http://schemas.microsoft.com/office/powerpoint/2010/main" val="89503924"/>
+      </p:ext>
+    </p:extLst>
+  </p:cSld>
+  <p:clrMapOvr>
+    <a:masterClrMapping/>
+  </p:clrMapOvr>
+</p:sld>
+</file>
+
+<file path=ppt/slides/slide11.xml><?xml version="1.0" encoding="utf-8"?>
+<p:sld xmlns:a="http://schemas.openxmlformats.org/drawingml/2006/main" xmlns:r="http://schemas.openxmlformats.org/officeDocument/2006/relationships" xmlns:p="http://schemas.openxmlformats.org/presentationml/2006/main">
+  <p:cSld>
+    <p:spTree>
+      <p:nvGrpSpPr>
+        <p:cNvPr id="1" name=""/>
+        <p:cNvGrpSpPr/>
+        <p:nvPr/>
+      </p:nvGrpSpPr>
+      <p:grpSpPr>
+        <a:xfrm>
+          <a:off x="0" y="0"/>
+          <a:ext cx="0" cy="0"/>
+          <a:chOff x="0" y="0"/>
+          <a:chExt cx="0" cy="0"/>
+        </a:xfrm>
+      </p:grpSpPr>
+      <p:sp>
+        <p:nvSpPr>
+          <p:cNvPr id="2" name="Titre 1"/>
+          <p:cNvSpPr>
+            <a:spLocks noGrp="1"/>
+          </p:cNvSpPr>
+          <p:nvPr>
+            <p:ph type="title"/>
+          </p:nvPr>
+        </p:nvSpPr>
+        <p:spPr/>
+        <p:txBody>
+          <a:bodyPr/>
+          <a:lstStyle/>
+          <a:p>
             <a:pPr algn="ctr"/>
             <a:r>
               <a:rPr lang="fr-FR" b="1" dirty="0" smtClean="0">
@@ -3107,7 +3704,7 @@
                 <a:latin typeface="Times New Roman" panose="02020603050405020304" pitchFamily="18" charset="0"/>
                 <a:cs typeface="Times New Roman" panose="02020603050405020304" pitchFamily="18" charset="0"/>
               </a:rPr>
-              <a:t>CONCLUSIONS</a:t>
+              <a:t>REVIEW AND CONCLUSION</a:t>
             </a:r>
             <a:endParaRPr lang="fr-FR" b="1" dirty="0">
               <a:solidFill>
@@ -3129,12 +3726,188 @@
             <p:ph idx="1"/>
           </p:nvPr>
         </p:nvSpPr>
-        <p:spPr/>
-        <p:txBody>
-          <a:bodyPr/>
+        <p:spPr>
+          <a:xfrm>
+            <a:off x="838200" y="1825625"/>
+            <a:ext cx="10515600" cy="4336024"/>
+          </a:xfrm>
+        </p:spPr>
+        <p:txBody>
+          <a:bodyPr>
+            <a:normAutofit/>
+          </a:bodyPr>
           <a:lstStyle/>
           <a:p>
-            <a:endParaRPr lang="fr-FR"/>
+            <a:pPr>
+              <a:buFont typeface="Wingdings" panose="05000000000000000000" pitchFamily="2" charset="2"/>
+              <a:buChar char="q"/>
+            </a:pPr>
+            <a:r>
+              <a:rPr lang="fr-FR" sz="4000" dirty="0" err="1" smtClean="0">
+                <a:latin typeface="Times New Roman" panose="02020603050405020304" pitchFamily="18" charset="0"/>
+                <a:cs typeface="Times New Roman" panose="02020603050405020304" pitchFamily="18" charset="0"/>
+              </a:rPr>
+              <a:t>Difficulties</a:t>
+            </a:r>
+            <a:r>
+              <a:rPr lang="fr-FR" sz="4000" dirty="0" smtClean="0">
+                <a:latin typeface="Times New Roman" panose="02020603050405020304" pitchFamily="18" charset="0"/>
+                <a:cs typeface="Times New Roman" panose="02020603050405020304" pitchFamily="18" charset="0"/>
+              </a:rPr>
+              <a:t> </a:t>
+            </a:r>
+            <a:r>
+              <a:rPr lang="fr-FR" sz="4000" dirty="0" err="1" smtClean="0">
+                <a:latin typeface="Times New Roman" panose="02020603050405020304" pitchFamily="18" charset="0"/>
+                <a:cs typeface="Times New Roman" panose="02020603050405020304" pitchFamily="18" charset="0"/>
+              </a:rPr>
+              <a:t>encounter</a:t>
+            </a:r>
+            <a:r>
+              <a:rPr lang="fr-FR" sz="4000" dirty="0" smtClean="0">
+                <a:latin typeface="Times New Roman" panose="02020603050405020304" pitchFamily="18" charset="0"/>
+                <a:cs typeface="Times New Roman" panose="02020603050405020304" pitchFamily="18" charset="0"/>
+              </a:rPr>
+              <a:t> </a:t>
+            </a:r>
+            <a:r>
+              <a:rPr lang="fr-FR" sz="4000" dirty="0" err="1" smtClean="0">
+                <a:latin typeface="Times New Roman" panose="02020603050405020304" pitchFamily="18" charset="0"/>
+                <a:cs typeface="Times New Roman" panose="02020603050405020304" pitchFamily="18" charset="0"/>
+              </a:rPr>
+              <a:t>during</a:t>
+            </a:r>
+            <a:r>
+              <a:rPr lang="fr-FR" sz="4000" dirty="0" smtClean="0">
+                <a:latin typeface="Times New Roman" panose="02020603050405020304" pitchFamily="18" charset="0"/>
+                <a:cs typeface="Times New Roman" panose="02020603050405020304" pitchFamily="18" charset="0"/>
+              </a:rPr>
+              <a:t> the projet</a:t>
+            </a:r>
+          </a:p>
+          <a:p>
+            <a:pPr>
+              <a:buFont typeface="Wingdings" panose="05000000000000000000" pitchFamily="2" charset="2"/>
+              <a:buChar char="q"/>
+            </a:pPr>
+            <a:endParaRPr lang="fr-FR" sz="4000" dirty="0" smtClean="0">
+              <a:latin typeface="Times New Roman" panose="02020603050405020304" pitchFamily="18" charset="0"/>
+              <a:cs typeface="Times New Roman" panose="02020603050405020304" pitchFamily="18" charset="0"/>
+            </a:endParaRPr>
+          </a:p>
+          <a:p>
+            <a:pPr>
+              <a:buFont typeface="Wingdings" panose="05000000000000000000" pitchFamily="2" charset="2"/>
+              <a:buChar char="q"/>
+            </a:pPr>
+            <a:r>
+              <a:rPr lang="fr-FR" sz="4000" dirty="0" err="1" smtClean="0">
+                <a:latin typeface="Times New Roman" panose="02020603050405020304" pitchFamily="18" charset="0"/>
+                <a:cs typeface="Times New Roman" panose="02020603050405020304" pitchFamily="18" charset="0"/>
+              </a:rPr>
+              <a:t>Reasons</a:t>
+            </a:r>
+            <a:r>
+              <a:rPr lang="fr-FR" sz="4000" dirty="0" smtClean="0">
+                <a:latin typeface="Times New Roman" panose="02020603050405020304" pitchFamily="18" charset="0"/>
+                <a:cs typeface="Times New Roman" panose="02020603050405020304" pitchFamily="18" charset="0"/>
+              </a:rPr>
+              <a:t> for the </a:t>
+            </a:r>
+            <a:r>
+              <a:rPr lang="fr-FR" sz="4000" dirty="0" err="1" smtClean="0">
+                <a:latin typeface="Times New Roman" panose="02020603050405020304" pitchFamily="18" charset="0"/>
+                <a:cs typeface="Times New Roman" panose="02020603050405020304" pitchFamily="18" charset="0"/>
+              </a:rPr>
+              <a:t>difficulties</a:t>
+            </a:r>
+            <a:endParaRPr lang="fr-FR" sz="4000" dirty="0" smtClean="0">
+              <a:latin typeface="Times New Roman" panose="02020603050405020304" pitchFamily="18" charset="0"/>
+              <a:cs typeface="Times New Roman" panose="02020603050405020304" pitchFamily="18" charset="0"/>
+            </a:endParaRPr>
+          </a:p>
+          <a:p>
+            <a:pPr>
+              <a:buFont typeface="Wingdings" panose="05000000000000000000" pitchFamily="2" charset="2"/>
+              <a:buChar char="q"/>
+            </a:pPr>
+            <a:endParaRPr lang="fr-FR" sz="4000" dirty="0" smtClean="0">
+              <a:latin typeface="Times New Roman" panose="02020603050405020304" pitchFamily="18" charset="0"/>
+              <a:cs typeface="Times New Roman" panose="02020603050405020304" pitchFamily="18" charset="0"/>
+            </a:endParaRPr>
+          </a:p>
+          <a:p>
+            <a:pPr>
+              <a:buFont typeface="Wingdings" panose="05000000000000000000" pitchFamily="2" charset="2"/>
+              <a:buChar char="q"/>
+            </a:pPr>
+            <a:r>
+              <a:rPr lang="fr-FR" sz="4000" dirty="0" smtClean="0">
+                <a:latin typeface="Times New Roman" panose="02020603050405020304" pitchFamily="18" charset="0"/>
+                <a:cs typeface="Times New Roman" panose="02020603050405020304" pitchFamily="18" charset="0"/>
+              </a:rPr>
+              <a:t>How </a:t>
+            </a:r>
+            <a:r>
+              <a:rPr lang="fr-FR" sz="4000" dirty="0" err="1" smtClean="0">
+                <a:latin typeface="Times New Roman" panose="02020603050405020304" pitchFamily="18" charset="0"/>
+                <a:cs typeface="Times New Roman" panose="02020603050405020304" pitchFamily="18" charset="0"/>
+              </a:rPr>
+              <a:t>well</a:t>
+            </a:r>
+            <a:r>
+              <a:rPr lang="fr-FR" sz="4000" dirty="0" smtClean="0">
+                <a:latin typeface="Times New Roman" panose="02020603050405020304" pitchFamily="18" charset="0"/>
+                <a:cs typeface="Times New Roman" panose="02020603050405020304" pitchFamily="18" charset="0"/>
+              </a:rPr>
+              <a:t> </a:t>
+            </a:r>
+            <a:r>
+              <a:rPr lang="fr-FR" sz="4000" dirty="0" err="1" smtClean="0">
+                <a:latin typeface="Times New Roman" panose="02020603050405020304" pitchFamily="18" charset="0"/>
+                <a:cs typeface="Times New Roman" panose="02020603050405020304" pitchFamily="18" charset="0"/>
+              </a:rPr>
+              <a:t>can</a:t>
+            </a:r>
+            <a:r>
+              <a:rPr lang="fr-FR" sz="4000" dirty="0" smtClean="0">
+                <a:latin typeface="Times New Roman" panose="02020603050405020304" pitchFamily="18" charset="0"/>
+                <a:cs typeface="Times New Roman" panose="02020603050405020304" pitchFamily="18" charset="0"/>
+              </a:rPr>
+              <a:t> </a:t>
+            </a:r>
+            <a:r>
+              <a:rPr lang="fr-FR" sz="4000" dirty="0" err="1" smtClean="0">
+                <a:latin typeface="Times New Roman" panose="02020603050405020304" pitchFamily="18" charset="0"/>
+                <a:cs typeface="Times New Roman" panose="02020603050405020304" pitchFamily="18" charset="0"/>
+              </a:rPr>
+              <a:t>you</a:t>
+            </a:r>
+            <a:r>
+              <a:rPr lang="fr-FR" sz="4000" dirty="0" smtClean="0">
+                <a:latin typeface="Times New Roman" panose="02020603050405020304" pitchFamily="18" charset="0"/>
+                <a:cs typeface="Times New Roman" panose="02020603050405020304" pitchFamily="18" charset="0"/>
+              </a:rPr>
+              <a:t> </a:t>
+            </a:r>
+            <a:r>
+              <a:rPr lang="fr-FR" sz="4000" dirty="0" err="1" smtClean="0">
+                <a:latin typeface="Times New Roman" panose="02020603050405020304" pitchFamily="18" charset="0"/>
+                <a:cs typeface="Times New Roman" panose="02020603050405020304" pitchFamily="18" charset="0"/>
+              </a:rPr>
+              <a:t>remedy</a:t>
+            </a:r>
+            <a:r>
+              <a:rPr lang="fr-FR" sz="4000" dirty="0" smtClean="0">
+                <a:latin typeface="Times New Roman" panose="02020603050405020304" pitchFamily="18" charset="0"/>
+                <a:cs typeface="Times New Roman" panose="02020603050405020304" pitchFamily="18" charset="0"/>
+              </a:rPr>
+              <a:t> to the situation</a:t>
+            </a:r>
+            <a:endParaRPr lang="fr-FR" sz="4000" dirty="0">
+              <a:latin typeface="Times New Roman" panose="02020603050405020304" pitchFamily="18" charset="0"/>
+              <a:cs typeface="Times New Roman" panose="02020603050405020304" pitchFamily="18" charset="0"/>
+            </a:endParaRPr>
           </a:p>
         </p:txBody>
       </p:sp>
@@ -3192,7 +3965,7 @@
           <a:p>
             <a:pPr algn="ctr"/>
             <a:r>
-              <a:rPr lang="fr-FR" b="1" dirty="0" smtClean="0">
+              <a:rPr lang="fr-FR" sz="5000" b="1" dirty="0" smtClean="0">
                 <a:solidFill>
                   <a:srgbClr val="FF0000"/>
                 </a:solidFill>
@@ -3201,7 +3974,7 @@
               </a:rPr>
               <a:t>TEAM PRESENTATION</a:t>
             </a:r>
-            <a:endParaRPr lang="fr-FR" b="1" dirty="0">
+            <a:endParaRPr lang="fr-FR" sz="5000" b="1" dirty="0">
               <a:solidFill>
                 <a:srgbClr val="FF0000"/>
               </a:solidFill>
@@ -3424,13 +4197,13 @@
         </p:nvSpPr>
         <p:spPr>
           <a:xfrm>
-            <a:off x="6938297" y="1417963"/>
-            <a:ext cx="2223285" cy="2155532"/>
+            <a:off x="8710826" y="979786"/>
+            <a:ext cx="2993494" cy="2491189"/>
           </a:xfrm>
         </p:spPr>
         <p:txBody>
           <a:bodyPr>
-            <a:normAutofit fontScale="55000" lnSpcReduction="20000"/>
+            <a:normAutofit fontScale="70000" lnSpcReduction="20000"/>
           </a:bodyPr>
           <a:lstStyle/>
           <a:p>
@@ -3666,7 +4439,7 @@
         </p:nvSpPr>
         <p:spPr>
           <a:xfrm>
-            <a:off x="7391682" y="3535981"/>
+            <a:off x="5667357" y="3573495"/>
             <a:ext cx="4800318" cy="3216511"/>
           </a:xfrm>
           <a:prstGeom prst="rect">
@@ -3861,8 +4634,22 @@
                 <a:latin typeface="Times New Roman" panose="02020603050405020304" pitchFamily="18" charset="0"/>
                 <a:cs typeface="Times New Roman" panose="02020603050405020304" pitchFamily="18" charset="0"/>
               </a:rPr>
-              <a:t>INDICATION:</a:t>
-            </a:r>
+              <a:t>INDICATIONS:</a:t>
+            </a:r>
+            <a:endParaRPr lang="fr-FR" b="1" u="sng" dirty="0" smtClean="0">
+              <a:solidFill>
+                <a:srgbClr val="FF0000"/>
+              </a:solidFill>
+              <a:effectLst>
+                <a:outerShdw blurRad="38100" dist="38100" dir="2700000" algn="tl">
+                  <a:srgbClr val="000000">
+                    <a:alpha val="43137"/>
+                  </a:srgbClr>
+                </a:outerShdw>
+              </a:effectLst>
+              <a:latin typeface="Times New Roman" panose="02020603050405020304" pitchFamily="18" charset="0"/>
+              <a:cs typeface="Times New Roman" panose="02020603050405020304" pitchFamily="18" charset="0"/>
+            </a:endParaRPr>
           </a:p>
           <a:p>
             <a:pPr marL="0" indent="0">
@@ -4096,7 +4883,7 @@
       </p:sp>
       <p:sp>
         <p:nvSpPr>
-          <p:cNvPr id="6" name="Espace réservé du contenu 2"/>
+          <p:cNvPr id="7" name="Espace réservé du contenu 2"/>
           <p:cNvSpPr txBox="1">
             <a:spLocks/>
           </p:cNvSpPr>
@@ -4104,8 +4891,8 @@
         </p:nvSpPr>
         <p:spPr>
           <a:xfrm>
-            <a:off x="3452444" y="3729371"/>
-            <a:ext cx="3467686" cy="1980858"/>
+            <a:off x="179362" y="1150677"/>
+            <a:ext cx="3649394" cy="2422818"/>
           </a:xfrm>
           <a:prstGeom prst="rect">
             <a:avLst/>
@@ -4113,7 +4900,7 @@
         </p:spPr>
         <p:txBody>
           <a:bodyPr vert="horz" lIns="91440" tIns="45720" rIns="91440" bIns="45720" rtlCol="0">
-            <a:normAutofit/>
+            <a:normAutofit fontScale="92500" lnSpcReduction="20000"/>
           </a:bodyPr>
           <a:lstStyle>
             <a:lvl1pPr marL="228600" indent="-228600" algn="l" defTabSz="914400" rtl="0" eaLnBrk="1" latinLnBrk="0" hangingPunct="1">
@@ -4292,7 +5079,7 @@
                 <a:latin typeface="Times New Roman" panose="02020603050405020304" pitchFamily="18" charset="0"/>
                 <a:cs typeface="Times New Roman" panose="02020603050405020304" pitchFamily="18" charset="0"/>
               </a:rPr>
-              <a:t>6.JavaDoc</a:t>
+              <a:t>1.UML Diagrams</a:t>
             </a:r>
           </a:p>
           <a:p>
@@ -4301,42 +5088,123 @@
               <a:buChar char="Ø"/>
             </a:pPr>
             <a:r>
-              <a:rPr lang="fr-FR" sz="2900" dirty="0" err="1" smtClean="0">
+              <a:rPr lang="pt-BR" dirty="0">
                 <a:solidFill>
                   <a:srgbClr val="00B050"/>
                 </a:solidFill>
                 <a:latin typeface="Times New Roman" panose="02020603050405020304" pitchFamily="18" charset="0"/>
                 <a:cs typeface="Times New Roman" panose="02020603050405020304" pitchFamily="18" charset="0"/>
               </a:rPr>
-              <a:t>Javadoc</a:t>
-            </a:r>
-            <a:r>
-              <a:rPr lang="fr-FR" sz="2900" dirty="0" smtClean="0">
+              <a:t>C</a:t>
+            </a:r>
+            <a:r>
+              <a:rPr lang="pt-BR" dirty="0" smtClean="0">
                 <a:solidFill>
                   <a:srgbClr val="00B050"/>
                 </a:solidFill>
                 <a:latin typeface="Times New Roman" panose="02020603050405020304" pitchFamily="18" charset="0"/>
                 <a:cs typeface="Times New Roman" panose="02020603050405020304" pitchFamily="18" charset="0"/>
               </a:rPr>
-              <a:t> </a:t>
-            </a:r>
-            <a:r>
-              <a:rPr lang="fr-FR" sz="2900" dirty="0" err="1" smtClean="0">
+              <a:t>omponent </a:t>
+            </a:r>
+            <a:r>
+              <a:rPr lang="pt-BR" dirty="0">
                 <a:solidFill>
                   <a:srgbClr val="00B050"/>
                 </a:solidFill>
                 <a:latin typeface="Times New Roman" panose="02020603050405020304" pitchFamily="18" charset="0"/>
                 <a:cs typeface="Times New Roman" panose="02020603050405020304" pitchFamily="18" charset="0"/>
               </a:rPr>
-              <a:t>creation</a:t>
-            </a:r>
-            <a:endParaRPr lang="fr-FR" sz="2900" dirty="0" smtClean="0">
-              <a:solidFill>
-                <a:srgbClr val="00B050"/>
-              </a:solidFill>
-              <a:latin typeface="Times New Roman" panose="02020603050405020304" pitchFamily="18" charset="0"/>
-              <a:cs typeface="Times New Roman" panose="02020603050405020304" pitchFamily="18" charset="0"/>
-            </a:endParaRPr>
+              <a:t>diagram</a:t>
+            </a:r>
+          </a:p>
+          <a:p>
+            <a:pPr>
+              <a:buFont typeface="Wingdings" panose="05000000000000000000" pitchFamily="2" charset="2"/>
+              <a:buChar char="Ø"/>
+            </a:pPr>
+            <a:r>
+              <a:rPr lang="pt-BR" dirty="0">
+                <a:solidFill>
+                  <a:srgbClr val="00B050"/>
+                </a:solidFill>
+                <a:latin typeface="Times New Roman" panose="02020603050405020304" pitchFamily="18" charset="0"/>
+                <a:cs typeface="Times New Roman" panose="02020603050405020304" pitchFamily="18" charset="0"/>
+              </a:rPr>
+              <a:t>P</a:t>
+            </a:r>
+            <a:r>
+              <a:rPr lang="pt-BR" dirty="0" smtClean="0">
+                <a:solidFill>
+                  <a:srgbClr val="00B050"/>
+                </a:solidFill>
+                <a:latin typeface="Times New Roman" panose="02020603050405020304" pitchFamily="18" charset="0"/>
+                <a:cs typeface="Times New Roman" panose="02020603050405020304" pitchFamily="18" charset="0"/>
+              </a:rPr>
+              <a:t>ackage </a:t>
+            </a:r>
+            <a:r>
+              <a:rPr lang="pt-BR" dirty="0">
+                <a:solidFill>
+                  <a:srgbClr val="00B050"/>
+                </a:solidFill>
+                <a:latin typeface="Times New Roman" panose="02020603050405020304" pitchFamily="18" charset="0"/>
+                <a:cs typeface="Times New Roman" panose="02020603050405020304" pitchFamily="18" charset="0"/>
+              </a:rPr>
+              <a:t>diagram</a:t>
+            </a:r>
+          </a:p>
+          <a:p>
+            <a:pPr>
+              <a:buFont typeface="Wingdings" panose="05000000000000000000" pitchFamily="2" charset="2"/>
+              <a:buChar char="Ø"/>
+            </a:pPr>
+            <a:r>
+              <a:rPr lang="pt-BR" dirty="0" smtClean="0">
+                <a:solidFill>
+                  <a:srgbClr val="00B050"/>
+                </a:solidFill>
+                <a:latin typeface="Times New Roman" panose="02020603050405020304" pitchFamily="18" charset="0"/>
+                <a:cs typeface="Times New Roman" panose="02020603050405020304" pitchFamily="18" charset="0"/>
+              </a:rPr>
+              <a:t>A Class </a:t>
+            </a:r>
+            <a:r>
+              <a:rPr lang="pt-BR" dirty="0">
+                <a:solidFill>
+                  <a:srgbClr val="00B050"/>
+                </a:solidFill>
+                <a:latin typeface="Times New Roman" panose="02020603050405020304" pitchFamily="18" charset="0"/>
+                <a:cs typeface="Times New Roman" panose="02020603050405020304" pitchFamily="18" charset="0"/>
+              </a:rPr>
+              <a:t>diagram per </a:t>
+            </a:r>
+            <a:r>
+              <a:rPr lang="pt-BR" dirty="0" smtClean="0">
+                <a:solidFill>
+                  <a:srgbClr val="00B050"/>
+                </a:solidFill>
+                <a:latin typeface="Times New Roman" panose="02020603050405020304" pitchFamily="18" charset="0"/>
+                <a:cs typeface="Times New Roman" panose="02020603050405020304" pitchFamily="18" charset="0"/>
+              </a:rPr>
+              <a:t>package</a:t>
+            </a:r>
+          </a:p>
+          <a:p>
+            <a:pPr>
+              <a:buFont typeface="Wingdings" panose="05000000000000000000" pitchFamily="2" charset="2"/>
+              <a:buChar char="Ø"/>
+            </a:pPr>
+            <a:r>
+              <a:rPr lang="fr-FR" dirty="0">
+                <a:solidFill>
+                  <a:srgbClr val="00B050"/>
+                </a:solidFill>
+                <a:latin typeface="Times New Roman" panose="02020603050405020304" pitchFamily="18" charset="0"/>
+                <a:cs typeface="Times New Roman" panose="02020603050405020304" pitchFamily="18" charset="0"/>
+              </a:rPr>
+              <a:t>Sequence diagram</a:t>
+            </a:r>
           </a:p>
           <a:p>
             <a:pPr marL="0" indent="0">
@@ -4352,18 +5220,11 @@
             </a:pPr>
             <a:endParaRPr lang="fr-FR" dirty="0" smtClean="0"/>
           </a:p>
-          <a:p>
-            <a:pPr marL="0" indent="0">
-              <a:buFont typeface="Arial" panose="020B0604020202020204" pitchFamily="34" charset="0"/>
-              <a:buNone/>
-            </a:pPr>
-            <a:endParaRPr lang="fr-FR" dirty="0" smtClean="0"/>
-          </a:p>
-        </p:txBody>
-      </p:sp>
-      <p:sp>
-        <p:nvSpPr>
-          <p:cNvPr id="7" name="Espace réservé du contenu 2"/>
+        </p:txBody>
+      </p:sp>
+      <p:sp>
+        <p:nvSpPr>
+          <p:cNvPr id="8" name="Espace réservé du contenu 2"/>
           <p:cNvSpPr txBox="1">
             <a:spLocks/>
           </p:cNvSpPr>
@@ -4371,8 +5232,8 @@
         </p:nvSpPr>
         <p:spPr>
           <a:xfrm>
-            <a:off x="179362" y="1425430"/>
-            <a:ext cx="3649394" cy="2155532"/>
+            <a:off x="4379866" y="1189381"/>
+            <a:ext cx="3649394" cy="2179074"/>
           </a:xfrm>
           <a:prstGeom prst="rect">
             <a:avLst/>
@@ -4380,7 +5241,7 @@
         </p:spPr>
         <p:txBody>
           <a:bodyPr vert="horz" lIns="91440" tIns="45720" rIns="91440" bIns="45720" rtlCol="0">
-            <a:normAutofit fontScale="77500" lnSpcReduction="20000"/>
+            <a:normAutofit fontScale="85000" lnSpcReduction="20000"/>
           </a:bodyPr>
           <a:lstStyle>
             <a:lvl1pPr marL="228600" indent="-228600" algn="l" defTabSz="914400" rtl="0" eaLnBrk="1" latinLnBrk="0" hangingPunct="1">
@@ -4559,7 +5420,7 @@
                 <a:latin typeface="Times New Roman" panose="02020603050405020304" pitchFamily="18" charset="0"/>
                 <a:cs typeface="Times New Roman" panose="02020603050405020304" pitchFamily="18" charset="0"/>
               </a:rPr>
-              <a:t>1.UML Diagrams</a:t>
+              <a:t>2.Database</a:t>
             </a:r>
           </a:p>
           <a:p>
@@ -4568,34 +5429,34 @@
               <a:buChar char="Ø"/>
             </a:pPr>
             <a:r>
-              <a:rPr lang="pt-BR" dirty="0">
+              <a:rPr lang="en-US" dirty="0">
                 <a:solidFill>
                   <a:srgbClr val="00B050"/>
                 </a:solidFill>
                 <a:latin typeface="Times New Roman" panose="02020603050405020304" pitchFamily="18" charset="0"/>
                 <a:cs typeface="Times New Roman" panose="02020603050405020304" pitchFamily="18" charset="0"/>
               </a:rPr>
-              <a:t>C</a:t>
-            </a:r>
-            <a:r>
-              <a:rPr lang="pt-BR" dirty="0" smtClean="0">
+              <a:t>T</a:t>
+            </a:r>
+            <a:r>
+              <a:rPr lang="en-US" dirty="0" smtClean="0">
                 <a:solidFill>
                   <a:srgbClr val="00B050"/>
                 </a:solidFill>
                 <a:latin typeface="Times New Roman" panose="02020603050405020304" pitchFamily="18" charset="0"/>
                 <a:cs typeface="Times New Roman" panose="02020603050405020304" pitchFamily="18" charset="0"/>
               </a:rPr>
-              <a:t>omponent </a:t>
-            </a:r>
-            <a:r>
-              <a:rPr lang="pt-BR" dirty="0">
+              <a:t>he </a:t>
+            </a:r>
+            <a:r>
+              <a:rPr lang="en-US" dirty="0">
                 <a:solidFill>
                   <a:srgbClr val="00B050"/>
                 </a:solidFill>
                 <a:latin typeface="Times New Roman" panose="02020603050405020304" pitchFamily="18" charset="0"/>
                 <a:cs typeface="Times New Roman" panose="02020603050405020304" pitchFamily="18" charset="0"/>
               </a:rPr>
-              <a:t>diagram</a:t>
+              <a:t>conceptual data model</a:t>
             </a:r>
           </a:p>
           <a:p>
@@ -4604,34 +5465,24 @@
               <a:buChar char="Ø"/>
             </a:pPr>
             <a:r>
-              <a:rPr lang="pt-BR" dirty="0">
-                <a:solidFill>
-                  <a:srgbClr val="00B050"/>
-                </a:solidFill>
-                <a:latin typeface="Times New Roman" panose="02020603050405020304" pitchFamily="18" charset="0"/>
-                <a:cs typeface="Times New Roman" panose="02020603050405020304" pitchFamily="18" charset="0"/>
-              </a:rPr>
-              <a:t>P</a:t>
-            </a:r>
-            <a:r>
-              <a:rPr lang="pt-BR" dirty="0" smtClean="0">
-                <a:solidFill>
-                  <a:srgbClr val="00B050"/>
-                </a:solidFill>
-                <a:latin typeface="Times New Roman" panose="02020603050405020304" pitchFamily="18" charset="0"/>
-                <a:cs typeface="Times New Roman" panose="02020603050405020304" pitchFamily="18" charset="0"/>
-              </a:rPr>
-              <a:t>ackage </a:t>
-            </a:r>
-            <a:r>
-              <a:rPr lang="pt-BR" dirty="0">
-                <a:solidFill>
-                  <a:srgbClr val="00B050"/>
-                </a:solidFill>
-                <a:latin typeface="Times New Roman" panose="02020603050405020304" pitchFamily="18" charset="0"/>
-                <a:cs typeface="Times New Roman" panose="02020603050405020304" pitchFamily="18" charset="0"/>
-              </a:rPr>
-              <a:t>diagram</a:t>
+              <a:rPr lang="en-US" dirty="0" smtClean="0">
+                <a:solidFill>
+                  <a:srgbClr val="00B0F0"/>
+                </a:solidFill>
+                <a:latin typeface="Times New Roman" panose="02020603050405020304" pitchFamily="18" charset="0"/>
+                <a:cs typeface="Times New Roman" panose="02020603050405020304" pitchFamily="18" charset="0"/>
+              </a:rPr>
+              <a:t>The </a:t>
+            </a:r>
+            <a:r>
+              <a:rPr lang="en-US" dirty="0">
+                <a:solidFill>
+                  <a:srgbClr val="00B0F0"/>
+                </a:solidFill>
+                <a:latin typeface="Times New Roman" panose="02020603050405020304" pitchFamily="18" charset="0"/>
+                <a:cs typeface="Times New Roman" panose="02020603050405020304" pitchFamily="18" charset="0"/>
+              </a:rPr>
+              <a:t>logical data model</a:t>
             </a:r>
           </a:p>
           <a:p>
@@ -4640,34 +5491,34 @@
               <a:buChar char="Ø"/>
             </a:pPr>
             <a:r>
-              <a:rPr lang="pt-BR" dirty="0" smtClean="0">
-                <a:solidFill>
-                  <a:srgbClr val="00B050"/>
-                </a:solidFill>
-                <a:latin typeface="Times New Roman" panose="02020603050405020304" pitchFamily="18" charset="0"/>
-                <a:cs typeface="Times New Roman" panose="02020603050405020304" pitchFamily="18" charset="0"/>
-              </a:rPr>
-              <a:t>A Class </a:t>
-            </a:r>
-            <a:r>
-              <a:rPr lang="pt-BR" dirty="0">
-                <a:solidFill>
-                  <a:srgbClr val="00B050"/>
-                </a:solidFill>
-                <a:latin typeface="Times New Roman" panose="02020603050405020304" pitchFamily="18" charset="0"/>
-                <a:cs typeface="Times New Roman" panose="02020603050405020304" pitchFamily="18" charset="0"/>
-              </a:rPr>
-              <a:t>diagram per </a:t>
-            </a:r>
-            <a:r>
-              <a:rPr lang="pt-BR" dirty="0" smtClean="0">
-                <a:solidFill>
-                  <a:srgbClr val="00B050"/>
-                </a:solidFill>
-                <a:latin typeface="Times New Roman" panose="02020603050405020304" pitchFamily="18" charset="0"/>
-                <a:cs typeface="Times New Roman" panose="02020603050405020304" pitchFamily="18" charset="0"/>
-              </a:rPr>
-              <a:t>package</a:t>
+              <a:rPr lang="en-US" dirty="0" smtClean="0">
+                <a:solidFill>
+                  <a:srgbClr val="00B0F0"/>
+                </a:solidFill>
+                <a:latin typeface="Times New Roman" panose="02020603050405020304" pitchFamily="18" charset="0"/>
+                <a:cs typeface="Times New Roman" panose="02020603050405020304" pitchFamily="18" charset="0"/>
+              </a:rPr>
+              <a:t>The </a:t>
+            </a:r>
+            <a:r>
+              <a:rPr lang="en-US" dirty="0">
+                <a:solidFill>
+                  <a:srgbClr val="00B0F0"/>
+                </a:solidFill>
+                <a:latin typeface="Times New Roman" panose="02020603050405020304" pitchFamily="18" charset="0"/>
+                <a:cs typeface="Times New Roman" panose="02020603050405020304" pitchFamily="18" charset="0"/>
+              </a:rPr>
+              <a:t>physical data </a:t>
+            </a:r>
+            <a:r>
+              <a:rPr lang="en-US" dirty="0" smtClean="0">
+                <a:solidFill>
+                  <a:srgbClr val="00B0F0"/>
+                </a:solidFill>
+                <a:latin typeface="Times New Roman" panose="02020603050405020304" pitchFamily="18" charset="0"/>
+                <a:cs typeface="Times New Roman" panose="02020603050405020304" pitchFamily="18" charset="0"/>
+              </a:rPr>
+              <a:t>model</a:t>
             </a:r>
           </a:p>
           <a:p>
@@ -4676,14 +5527,14 @@
               <a:buChar char="Ø"/>
             </a:pPr>
             <a:r>
-              <a:rPr lang="fr-FR" dirty="0">
-                <a:solidFill>
-                  <a:srgbClr val="00B050"/>
-                </a:solidFill>
-                <a:latin typeface="Times New Roman" panose="02020603050405020304" pitchFamily="18" charset="0"/>
-                <a:cs typeface="Times New Roman" panose="02020603050405020304" pitchFamily="18" charset="0"/>
-              </a:rPr>
-              <a:t>Sequence diagram</a:t>
+              <a:rPr lang="fr-FR" dirty="0" smtClean="0">
+                <a:solidFill>
+                  <a:srgbClr val="00B0F0"/>
+                </a:solidFill>
+                <a:latin typeface="Times New Roman" panose="02020603050405020304" pitchFamily="18" charset="0"/>
+                <a:cs typeface="Times New Roman" panose="02020603050405020304" pitchFamily="18" charset="0"/>
+              </a:rPr>
+              <a:t>Store procedure</a:t>
             </a:r>
           </a:p>
           <a:p>
@@ -4700,11 +5551,18 @@
             </a:pPr>
             <a:endParaRPr lang="fr-FR" dirty="0" smtClean="0"/>
           </a:p>
-        </p:txBody>
-      </p:sp>
-      <p:sp>
-        <p:nvSpPr>
-          <p:cNvPr id="8" name="Espace réservé du contenu 2"/>
+          <a:p>
+            <a:pPr marL="0" indent="0">
+              <a:buFont typeface="Arial" panose="020B0604020202020204" pitchFamily="34" charset="0"/>
+              <a:buNone/>
+            </a:pPr>
+            <a:endParaRPr lang="fr-FR" dirty="0" smtClean="0"/>
+          </a:p>
+        </p:txBody>
+      </p:sp>
+      <p:sp>
+        <p:nvSpPr>
+          <p:cNvPr id="9" name="Espace réservé du contenu 2"/>
           <p:cNvSpPr txBox="1">
             <a:spLocks/>
           </p:cNvSpPr>
@@ -4712,8 +5570,8 @@
         </p:nvSpPr>
         <p:spPr>
           <a:xfrm>
-            <a:off x="3452444" y="1425430"/>
-            <a:ext cx="3649394" cy="2155532"/>
+            <a:off x="179362" y="3829965"/>
+            <a:ext cx="2851056" cy="2155532"/>
           </a:xfrm>
           <a:prstGeom prst="rect">
             <a:avLst/>
@@ -4721,7 +5579,7 @@
         </p:spPr>
         <p:txBody>
           <a:bodyPr vert="horz" lIns="91440" tIns="45720" rIns="91440" bIns="45720" rtlCol="0">
-            <a:normAutofit fontScale="77500" lnSpcReduction="20000"/>
+            <a:normAutofit/>
           </a:bodyPr>
           <a:lstStyle>
             <a:lvl1pPr marL="228600" indent="-228600" algn="l" defTabSz="914400" rtl="0" eaLnBrk="1" latinLnBrk="0" hangingPunct="1">
@@ -4893,6 +5751,16 @@
               <a:buNone/>
             </a:pPr>
             <a:r>
+              <a:rPr lang="fr-FR" sz="3000" b="1" dirty="0">
+                <a:solidFill>
+                  <a:srgbClr val="FF0000"/>
+                </a:solidFill>
+                <a:latin typeface="Times New Roman" panose="02020603050405020304" pitchFamily="18" charset="0"/>
+                <a:cs typeface="Times New Roman" panose="02020603050405020304" pitchFamily="18" charset="0"/>
+              </a:rPr>
+              <a:t>4</a:t>
+            </a:r>
+            <a:r>
               <a:rPr lang="fr-FR" sz="3000" b="1" dirty="0" smtClean="0">
                 <a:solidFill>
                   <a:srgbClr val="FF0000"/>
@@ -4900,7 +5768,7 @@
                 <a:latin typeface="Times New Roman" panose="02020603050405020304" pitchFamily="18" charset="0"/>
                 <a:cs typeface="Times New Roman" panose="02020603050405020304" pitchFamily="18" charset="0"/>
               </a:rPr>
-              <a:t>2.Database</a:t>
+              <a:t>.Presentation</a:t>
             </a:r>
           </a:p>
           <a:p>
@@ -4909,35 +5777,22 @@
               <a:buChar char="Ø"/>
             </a:pPr>
             <a:r>
-              <a:rPr lang="en-US" dirty="0">
+              <a:rPr lang="fr-FR" dirty="0" err="1" smtClean="0">
                 <a:solidFill>
                   <a:srgbClr val="00B050"/>
                 </a:solidFill>
                 <a:latin typeface="Times New Roman" panose="02020603050405020304" pitchFamily="18" charset="0"/>
                 <a:cs typeface="Times New Roman" panose="02020603050405020304" pitchFamily="18" charset="0"/>
               </a:rPr>
-              <a:t>T</a:t>
-            </a:r>
-            <a:r>
-              <a:rPr lang="en-US" dirty="0" smtClean="0">
-                <a:solidFill>
-                  <a:srgbClr val="00B050"/>
-                </a:solidFill>
-                <a:latin typeface="Times New Roman" panose="02020603050405020304" pitchFamily="18" charset="0"/>
-                <a:cs typeface="Times New Roman" panose="02020603050405020304" pitchFamily="18" charset="0"/>
-              </a:rPr>
-              <a:t>he </a:t>
-            </a:r>
-            <a:r>
-              <a:rPr lang="en-US" dirty="0">
-                <a:solidFill>
-                  <a:srgbClr val="00B050"/>
-                </a:solidFill>
-                <a:latin typeface="Times New Roman" panose="02020603050405020304" pitchFamily="18" charset="0"/>
-                <a:cs typeface="Times New Roman" panose="02020603050405020304" pitchFamily="18" charset="0"/>
-              </a:rPr>
-              <a:t>conceptual data model</a:t>
-            </a:r>
+              <a:t>Slideshow</a:t>
+            </a:r>
+            <a:endParaRPr lang="fr-FR" dirty="0" smtClean="0">
+              <a:solidFill>
+                <a:srgbClr val="00B050"/>
+              </a:solidFill>
+              <a:latin typeface="Times New Roman" panose="02020603050405020304" pitchFamily="18" charset="0"/>
+              <a:cs typeface="Times New Roman" panose="02020603050405020304" pitchFamily="18" charset="0"/>
+            </a:endParaRPr>
           </a:p>
           <a:p>
             <a:pPr>
@@ -4945,77 +5800,30 @@
               <a:buChar char="Ø"/>
             </a:pPr>
             <a:r>
-              <a:rPr lang="en-US" dirty="0" smtClean="0">
-                <a:solidFill>
-                  <a:srgbClr val="00B0F0"/>
-                </a:solidFill>
-                <a:latin typeface="Times New Roman" panose="02020603050405020304" pitchFamily="18" charset="0"/>
-                <a:cs typeface="Times New Roman" panose="02020603050405020304" pitchFamily="18" charset="0"/>
-              </a:rPr>
-              <a:t>The </a:t>
-            </a:r>
-            <a:r>
-              <a:rPr lang="en-US" dirty="0">
-                <a:solidFill>
-                  <a:srgbClr val="00B0F0"/>
-                </a:solidFill>
-                <a:latin typeface="Times New Roman" panose="02020603050405020304" pitchFamily="18" charset="0"/>
-                <a:cs typeface="Times New Roman" panose="02020603050405020304" pitchFamily="18" charset="0"/>
-              </a:rPr>
-              <a:t>logical data model</a:t>
-            </a:r>
-          </a:p>
-          <a:p>
-            <a:pPr>
-              <a:buFont typeface="Wingdings" panose="05000000000000000000" pitchFamily="2" charset="2"/>
-              <a:buChar char="Ø"/>
-            </a:pPr>
-            <a:r>
-              <a:rPr lang="en-US" dirty="0" smtClean="0">
-                <a:solidFill>
-                  <a:srgbClr val="00B0F0"/>
-                </a:solidFill>
-                <a:latin typeface="Times New Roman" panose="02020603050405020304" pitchFamily="18" charset="0"/>
-                <a:cs typeface="Times New Roman" panose="02020603050405020304" pitchFamily="18" charset="0"/>
-              </a:rPr>
-              <a:t>The </a:t>
-            </a:r>
-            <a:r>
-              <a:rPr lang="en-US" dirty="0">
-                <a:solidFill>
-                  <a:srgbClr val="00B0F0"/>
-                </a:solidFill>
-                <a:latin typeface="Times New Roman" panose="02020603050405020304" pitchFamily="18" charset="0"/>
-                <a:cs typeface="Times New Roman" panose="02020603050405020304" pitchFamily="18" charset="0"/>
-              </a:rPr>
-              <a:t>physical data </a:t>
-            </a:r>
-            <a:r>
-              <a:rPr lang="en-US" dirty="0" smtClean="0">
-                <a:solidFill>
-                  <a:srgbClr val="00B0F0"/>
-                </a:solidFill>
-                <a:latin typeface="Times New Roman" panose="02020603050405020304" pitchFamily="18" charset="0"/>
-                <a:cs typeface="Times New Roman" panose="02020603050405020304" pitchFamily="18" charset="0"/>
-              </a:rPr>
-              <a:t>model</a:t>
-            </a:r>
-          </a:p>
-          <a:p>
-            <a:pPr>
-              <a:buFont typeface="Wingdings" panose="05000000000000000000" pitchFamily="2" charset="2"/>
-              <a:buChar char="Ø"/>
-            </a:pPr>
-            <a:r>
               <a:rPr lang="fr-FR" dirty="0" smtClean="0">
                 <a:solidFill>
-                  <a:srgbClr val="00B0F0"/>
-                </a:solidFill>
-                <a:latin typeface="Times New Roman" panose="02020603050405020304" pitchFamily="18" charset="0"/>
-                <a:cs typeface="Times New Roman" panose="02020603050405020304" pitchFamily="18" charset="0"/>
-              </a:rPr>
-              <a:t>Store procedure</a:t>
-            </a:r>
+                  <a:srgbClr val="00B050"/>
+                </a:solidFill>
+                <a:latin typeface="Times New Roman" panose="02020603050405020304" pitchFamily="18" charset="0"/>
+                <a:cs typeface="Times New Roman" panose="02020603050405020304" pitchFamily="18" charset="0"/>
+              </a:rPr>
+              <a:t>Reports </a:t>
+            </a:r>
+            <a:r>
+              <a:rPr lang="fr-FR" dirty="0" err="1" smtClean="0">
+                <a:solidFill>
+                  <a:srgbClr val="00B050"/>
+                </a:solidFill>
+                <a:latin typeface="Times New Roman" panose="02020603050405020304" pitchFamily="18" charset="0"/>
+                <a:cs typeface="Times New Roman" panose="02020603050405020304" pitchFamily="18" charset="0"/>
+              </a:rPr>
+              <a:t>review</a:t>
+            </a:r>
+            <a:endParaRPr lang="fr-FR" dirty="0" smtClean="0">
+              <a:solidFill>
+                <a:srgbClr val="00B050"/>
+              </a:solidFill>
+            </a:endParaRPr>
           </a:p>
           <a:p>
             <a:pPr marL="0" indent="0">
@@ -5031,18 +5839,11 @@
             </a:pPr>
             <a:endParaRPr lang="fr-FR" dirty="0" smtClean="0"/>
           </a:p>
-          <a:p>
-            <a:pPr marL="0" indent="0">
-              <a:buFont typeface="Arial" panose="020B0604020202020204" pitchFamily="34" charset="0"/>
-              <a:buNone/>
-            </a:pPr>
-            <a:endParaRPr lang="fr-FR" dirty="0" smtClean="0"/>
-          </a:p>
-        </p:txBody>
-      </p:sp>
-      <p:sp>
-        <p:nvSpPr>
-          <p:cNvPr id="9" name="Espace réservé du contenu 2"/>
+        </p:txBody>
+      </p:sp>
+      <p:sp>
+        <p:nvSpPr>
+          <p:cNvPr id="10" name="Espace réservé du contenu 2"/>
           <p:cNvSpPr txBox="1">
             <a:spLocks/>
           </p:cNvSpPr>
@@ -5050,8 +5851,8 @@
         </p:nvSpPr>
         <p:spPr>
           <a:xfrm>
-            <a:off x="9161582" y="1380449"/>
-            <a:ext cx="2851056" cy="2155532"/>
+            <a:off x="3272775" y="3834956"/>
+            <a:ext cx="3379764" cy="2488549"/>
           </a:xfrm>
           <a:prstGeom prst="rect">
             <a:avLst/>
@@ -5059,7 +5860,7 @@
         </p:spPr>
         <p:txBody>
           <a:bodyPr vert="horz" lIns="91440" tIns="45720" rIns="91440" bIns="45720" rtlCol="0">
-            <a:normAutofit/>
+            <a:normAutofit lnSpcReduction="10000"/>
           </a:bodyPr>
           <a:lstStyle>
             <a:lvl1pPr marL="228600" indent="-228600" algn="l" defTabSz="914400" rtl="0" eaLnBrk="1" latinLnBrk="0" hangingPunct="1">
@@ -5231,25 +6032,22 @@
               <a:buNone/>
             </a:pPr>
             <a:r>
-              <a:rPr lang="fr-FR" sz="3000" b="1" dirty="0">
+              <a:rPr lang="fr-FR" sz="3000" b="1" dirty="0" smtClean="0">
                 <a:solidFill>
                   <a:srgbClr val="FF0000"/>
                 </a:solidFill>
                 <a:latin typeface="Times New Roman" panose="02020603050405020304" pitchFamily="18" charset="0"/>
                 <a:cs typeface="Times New Roman" panose="02020603050405020304" pitchFamily="18" charset="0"/>
               </a:rPr>
-              <a:t>4</a:t>
-            </a:r>
-            <a:r>
-              <a:rPr lang="fr-FR" sz="3000" b="1" dirty="0" smtClean="0">
-                <a:solidFill>
-                  <a:srgbClr val="FF0000"/>
-                </a:solidFill>
-                <a:latin typeface="Times New Roman" panose="02020603050405020304" pitchFamily="18" charset="0"/>
-                <a:cs typeface="Times New Roman" panose="02020603050405020304" pitchFamily="18" charset="0"/>
-              </a:rPr>
-              <a:t>.Presentation</a:t>
-            </a:r>
+              <a:t>5.Reports</a:t>
+            </a:r>
+            <a:endParaRPr lang="fr-FR" sz="3000" b="1" dirty="0" smtClean="0">
+              <a:solidFill>
+                <a:srgbClr val="FF0000"/>
+              </a:solidFill>
+              <a:latin typeface="Times New Roman" panose="02020603050405020304" pitchFamily="18" charset="0"/>
+              <a:cs typeface="Times New Roman" panose="02020603050405020304" pitchFamily="18" charset="0"/>
+            </a:endParaRPr>
           </a:p>
           <a:p>
             <a:pPr>
@@ -5264,7 +6062,7 @@
                 <a:latin typeface="Times New Roman" panose="02020603050405020304" pitchFamily="18" charset="0"/>
                 <a:cs typeface="Times New Roman" panose="02020603050405020304" pitchFamily="18" charset="0"/>
               </a:rPr>
-              <a:t>Slideshow</a:t>
+              <a:t>SureFire</a:t>
             </a:r>
             <a:endParaRPr lang="fr-FR" dirty="0" smtClean="0">
               <a:solidFill>
@@ -5280,261 +6078,19 @@
               <a:buChar char="Ø"/>
             </a:pPr>
             <a:r>
-              <a:rPr lang="fr-FR" dirty="0" smtClean="0">
+              <a:rPr lang="fr-FR" dirty="0" err="1" smtClean="0">
                 <a:solidFill>
                   <a:srgbClr val="00B050"/>
                 </a:solidFill>
                 <a:latin typeface="Times New Roman" panose="02020603050405020304" pitchFamily="18" charset="0"/>
                 <a:cs typeface="Times New Roman" panose="02020603050405020304" pitchFamily="18" charset="0"/>
               </a:rPr>
-              <a:t>Reports </a:t>
-            </a:r>
-            <a:r>
-              <a:rPr lang="fr-FR" dirty="0" err="1" smtClean="0">
-                <a:solidFill>
-                  <a:srgbClr val="00B050"/>
-                </a:solidFill>
-                <a:latin typeface="Times New Roman" panose="02020603050405020304" pitchFamily="18" charset="0"/>
-                <a:cs typeface="Times New Roman" panose="02020603050405020304" pitchFamily="18" charset="0"/>
-              </a:rPr>
-              <a:t>review</a:t>
+              <a:t>JavaDoc</a:t>
             </a:r>
             <a:endParaRPr lang="fr-FR" dirty="0" smtClean="0">
               <a:solidFill>
                 <a:srgbClr val="00B050"/>
               </a:solidFill>
-            </a:endParaRPr>
-          </a:p>
-          <a:p>
-            <a:pPr marL="0" indent="0">
-              <a:buFont typeface="Arial" panose="020B0604020202020204" pitchFamily="34" charset="0"/>
-              <a:buNone/>
-            </a:pPr>
-            <a:endParaRPr lang="fr-FR" dirty="0" smtClean="0"/>
-          </a:p>
-          <a:p>
-            <a:pPr marL="0" indent="0">
-              <a:buFont typeface="Arial" panose="020B0604020202020204" pitchFamily="34" charset="0"/>
-              <a:buNone/>
-            </a:pPr>
-            <a:endParaRPr lang="fr-FR" dirty="0" smtClean="0"/>
-          </a:p>
-        </p:txBody>
-      </p:sp>
-      <p:sp>
-        <p:nvSpPr>
-          <p:cNvPr id="10" name="Espace réservé du contenu 2"/>
-          <p:cNvSpPr txBox="1">
-            <a:spLocks/>
-          </p:cNvSpPr>
-          <p:nvPr/>
-        </p:nvSpPr>
-        <p:spPr>
-          <a:xfrm>
-            <a:off x="179362" y="3729371"/>
-            <a:ext cx="3063238" cy="1699086"/>
-          </a:xfrm>
-          <a:prstGeom prst="rect">
-            <a:avLst/>
-          </a:prstGeom>
-        </p:spPr>
-        <p:txBody>
-          <a:bodyPr vert="horz" lIns="91440" tIns="45720" rIns="91440" bIns="45720" rtlCol="0">
-            <a:normAutofit/>
-          </a:bodyPr>
-          <a:lstStyle>
-            <a:lvl1pPr marL="228600" indent="-228600" algn="l" defTabSz="914400" rtl="0" eaLnBrk="1" latinLnBrk="0" hangingPunct="1">
-              <a:lnSpc>
-                <a:spcPct val="90000"/>
-              </a:lnSpc>
-              <a:spcBef>
-                <a:spcPts val="1000"/>
-              </a:spcBef>
-              <a:buFont typeface="Arial" panose="020B0604020202020204" pitchFamily="34" charset="0"/>
-              <a:buChar char="•"/>
-              <a:defRPr sz="2800" kern="1200">
-                <a:solidFill>
-                  <a:schemeClr val="tx1"/>
-                </a:solidFill>
-                <a:latin typeface="+mn-lt"/>
-                <a:ea typeface="+mn-ea"/>
-                <a:cs typeface="+mn-cs"/>
-              </a:defRPr>
-            </a:lvl1pPr>
-            <a:lvl2pPr marL="685800" indent="-228600" algn="l" defTabSz="914400" rtl="0" eaLnBrk="1" latinLnBrk="0" hangingPunct="1">
-              <a:lnSpc>
-                <a:spcPct val="90000"/>
-              </a:lnSpc>
-              <a:spcBef>
-                <a:spcPts val="500"/>
-              </a:spcBef>
-              <a:buFont typeface="Arial" panose="020B0604020202020204" pitchFamily="34" charset="0"/>
-              <a:buChar char="•"/>
-              <a:defRPr sz="2400" kern="1200">
-                <a:solidFill>
-                  <a:schemeClr val="tx1"/>
-                </a:solidFill>
-                <a:latin typeface="+mn-lt"/>
-                <a:ea typeface="+mn-ea"/>
-                <a:cs typeface="+mn-cs"/>
-              </a:defRPr>
-            </a:lvl2pPr>
-            <a:lvl3pPr marL="1143000" indent="-228600" algn="l" defTabSz="914400" rtl="0" eaLnBrk="1" latinLnBrk="0" hangingPunct="1">
-              <a:lnSpc>
-                <a:spcPct val="90000"/>
-              </a:lnSpc>
-              <a:spcBef>
-                <a:spcPts val="500"/>
-              </a:spcBef>
-              <a:buFont typeface="Arial" panose="020B0604020202020204" pitchFamily="34" charset="0"/>
-              <a:buChar char="•"/>
-              <a:defRPr sz="2000" kern="1200">
-                <a:solidFill>
-                  <a:schemeClr val="tx1"/>
-                </a:solidFill>
-                <a:latin typeface="+mn-lt"/>
-                <a:ea typeface="+mn-ea"/>
-                <a:cs typeface="+mn-cs"/>
-              </a:defRPr>
-            </a:lvl3pPr>
-            <a:lvl4pPr marL="1600200" indent="-228600" algn="l" defTabSz="914400" rtl="0" eaLnBrk="1" latinLnBrk="0" hangingPunct="1">
-              <a:lnSpc>
-                <a:spcPct val="90000"/>
-              </a:lnSpc>
-              <a:spcBef>
-                <a:spcPts val="500"/>
-              </a:spcBef>
-              <a:buFont typeface="Arial" panose="020B0604020202020204" pitchFamily="34" charset="0"/>
-              <a:buChar char="•"/>
-              <a:defRPr sz="1800" kern="1200">
-                <a:solidFill>
-                  <a:schemeClr val="tx1"/>
-                </a:solidFill>
-                <a:latin typeface="+mn-lt"/>
-                <a:ea typeface="+mn-ea"/>
-                <a:cs typeface="+mn-cs"/>
-              </a:defRPr>
-            </a:lvl4pPr>
-            <a:lvl5pPr marL="2057400" indent="-228600" algn="l" defTabSz="914400" rtl="0" eaLnBrk="1" latinLnBrk="0" hangingPunct="1">
-              <a:lnSpc>
-                <a:spcPct val="90000"/>
-              </a:lnSpc>
-              <a:spcBef>
-                <a:spcPts val="500"/>
-              </a:spcBef>
-              <a:buFont typeface="Arial" panose="020B0604020202020204" pitchFamily="34" charset="0"/>
-              <a:buChar char="•"/>
-              <a:defRPr sz="1800" kern="1200">
-                <a:solidFill>
-                  <a:schemeClr val="tx1"/>
-                </a:solidFill>
-                <a:latin typeface="+mn-lt"/>
-                <a:ea typeface="+mn-ea"/>
-                <a:cs typeface="+mn-cs"/>
-              </a:defRPr>
-            </a:lvl5pPr>
-            <a:lvl6pPr marL="2514600" indent="-228600" algn="l" defTabSz="914400" rtl="0" eaLnBrk="1" latinLnBrk="0" hangingPunct="1">
-              <a:lnSpc>
-                <a:spcPct val="90000"/>
-              </a:lnSpc>
-              <a:spcBef>
-                <a:spcPts val="500"/>
-              </a:spcBef>
-              <a:buFont typeface="Arial" panose="020B0604020202020204" pitchFamily="34" charset="0"/>
-              <a:buChar char="•"/>
-              <a:defRPr sz="1800" kern="1200">
-                <a:solidFill>
-                  <a:schemeClr val="tx1"/>
-                </a:solidFill>
-                <a:latin typeface="+mn-lt"/>
-                <a:ea typeface="+mn-ea"/>
-                <a:cs typeface="+mn-cs"/>
-              </a:defRPr>
-            </a:lvl6pPr>
-            <a:lvl7pPr marL="2971800" indent="-228600" algn="l" defTabSz="914400" rtl="0" eaLnBrk="1" latinLnBrk="0" hangingPunct="1">
-              <a:lnSpc>
-                <a:spcPct val="90000"/>
-              </a:lnSpc>
-              <a:spcBef>
-                <a:spcPts val="500"/>
-              </a:spcBef>
-              <a:buFont typeface="Arial" panose="020B0604020202020204" pitchFamily="34" charset="0"/>
-              <a:buChar char="•"/>
-              <a:defRPr sz="1800" kern="1200">
-                <a:solidFill>
-                  <a:schemeClr val="tx1"/>
-                </a:solidFill>
-                <a:latin typeface="+mn-lt"/>
-                <a:ea typeface="+mn-ea"/>
-                <a:cs typeface="+mn-cs"/>
-              </a:defRPr>
-            </a:lvl7pPr>
-            <a:lvl8pPr marL="3429000" indent="-228600" algn="l" defTabSz="914400" rtl="0" eaLnBrk="1" latinLnBrk="0" hangingPunct="1">
-              <a:lnSpc>
-                <a:spcPct val="90000"/>
-              </a:lnSpc>
-              <a:spcBef>
-                <a:spcPts val="500"/>
-              </a:spcBef>
-              <a:buFont typeface="Arial" panose="020B0604020202020204" pitchFamily="34" charset="0"/>
-              <a:buChar char="•"/>
-              <a:defRPr sz="1800" kern="1200">
-                <a:solidFill>
-                  <a:schemeClr val="tx1"/>
-                </a:solidFill>
-                <a:latin typeface="+mn-lt"/>
-                <a:ea typeface="+mn-ea"/>
-                <a:cs typeface="+mn-cs"/>
-              </a:defRPr>
-            </a:lvl8pPr>
-            <a:lvl9pPr marL="3886200" indent="-228600" algn="l" defTabSz="914400" rtl="0" eaLnBrk="1" latinLnBrk="0" hangingPunct="1">
-              <a:lnSpc>
-                <a:spcPct val="90000"/>
-              </a:lnSpc>
-              <a:spcBef>
-                <a:spcPts val="500"/>
-              </a:spcBef>
-              <a:buFont typeface="Arial" panose="020B0604020202020204" pitchFamily="34" charset="0"/>
-              <a:buChar char="•"/>
-              <a:defRPr sz="1800" kern="1200">
-                <a:solidFill>
-                  <a:schemeClr val="tx1"/>
-                </a:solidFill>
-                <a:latin typeface="+mn-lt"/>
-                <a:ea typeface="+mn-ea"/>
-                <a:cs typeface="+mn-cs"/>
-              </a:defRPr>
-            </a:lvl9pPr>
-          </a:lstStyle>
-          <a:p>
-            <a:pPr marL="0" indent="0">
-              <a:buFont typeface="Arial" panose="020B0604020202020204" pitchFamily="34" charset="0"/>
-              <a:buNone/>
-            </a:pPr>
-            <a:r>
-              <a:rPr lang="fr-FR" sz="3000" b="1" dirty="0" smtClean="0">
-                <a:solidFill>
-                  <a:srgbClr val="FF0000"/>
-                </a:solidFill>
-                <a:latin typeface="Times New Roman" panose="02020603050405020304" pitchFamily="18" charset="0"/>
-                <a:cs typeface="Times New Roman" panose="02020603050405020304" pitchFamily="18" charset="0"/>
-              </a:rPr>
-              <a:t>5.Git </a:t>
-            </a:r>
-            <a:r>
-              <a:rPr lang="fr-FR" sz="3000" b="1" dirty="0" err="1" smtClean="0">
-                <a:solidFill>
-                  <a:srgbClr val="FF0000"/>
-                </a:solidFill>
-                <a:latin typeface="Times New Roman" panose="02020603050405020304" pitchFamily="18" charset="0"/>
-                <a:cs typeface="Times New Roman" panose="02020603050405020304" pitchFamily="18" charset="0"/>
-              </a:rPr>
-              <a:t>Repository</a:t>
-            </a:r>
-            <a:endParaRPr lang="fr-FR" sz="3000" b="1" dirty="0" smtClean="0">
-              <a:solidFill>
-                <a:srgbClr val="FF0000"/>
-              </a:solidFill>
               <a:latin typeface="Times New Roman" panose="02020603050405020304" pitchFamily="18" charset="0"/>
               <a:cs typeface="Times New Roman" panose="02020603050405020304" pitchFamily="18" charset="0"/>
             </a:endParaRPr>
@@ -5552,17 +6108,23 @@
                 <a:latin typeface="Times New Roman" panose="02020603050405020304" pitchFamily="18" charset="0"/>
                 <a:cs typeface="Times New Roman" panose="02020603050405020304" pitchFamily="18" charset="0"/>
               </a:rPr>
-              <a:t>Git </a:t>
-            </a:r>
-            <a:r>
-              <a:rPr lang="fr-FR" dirty="0" err="1" smtClean="0">
+              <a:t>JXR</a:t>
+            </a:r>
+          </a:p>
+          <a:p>
+            <a:pPr>
+              <a:buFont typeface="Wingdings" panose="05000000000000000000" pitchFamily="2" charset="2"/>
+              <a:buChar char="Ø"/>
+            </a:pPr>
+            <a:r>
+              <a:rPr lang="fr-FR" dirty="0" smtClean="0">
                 <a:solidFill>
                   <a:srgbClr val="00B050"/>
                 </a:solidFill>
                 <a:latin typeface="Times New Roman" panose="02020603050405020304" pitchFamily="18" charset="0"/>
                 <a:cs typeface="Times New Roman" panose="02020603050405020304" pitchFamily="18" charset="0"/>
               </a:rPr>
-              <a:t>commits</a:t>
+              <a:t>Git</a:t>
             </a:r>
             <a:endParaRPr lang="fr-FR" dirty="0">
               <a:solidFill>
@@ -5573,563 +6135,14 @@
             </a:endParaRPr>
           </a:p>
           <a:p>
-            <a:pPr>
-              <a:buFont typeface="Wingdings" panose="05000000000000000000" pitchFamily="2" charset="2"/>
-              <a:buChar char="Ø"/>
-            </a:pPr>
-            <a:r>
-              <a:rPr lang="fr-FR" dirty="0" smtClean="0">
-                <a:solidFill>
-                  <a:srgbClr val="00B050"/>
-                </a:solidFill>
-                <a:latin typeface="Times New Roman" panose="02020603050405020304" pitchFamily="18" charset="0"/>
-                <a:cs typeface="Times New Roman" panose="02020603050405020304" pitchFamily="18" charset="0"/>
-              </a:rPr>
-              <a:t>Pull</a:t>
-            </a:r>
+            <a:pPr marL="0" indent="0">
+              <a:buNone/>
+            </a:pPr>
             <a:endParaRPr lang="fr-FR" dirty="0" smtClean="0">
               <a:solidFill>
                 <a:srgbClr val="00B050"/>
               </a:solidFill>
             </a:endParaRPr>
-          </a:p>
-          <a:p>
-            <a:pPr marL="0" indent="0">
-              <a:buFont typeface="Arial" panose="020B0604020202020204" pitchFamily="34" charset="0"/>
-              <a:buNone/>
-            </a:pPr>
-            <a:endParaRPr lang="fr-FR" dirty="0" smtClean="0"/>
-          </a:p>
-          <a:p>
-            <a:pPr marL="0" indent="0">
-              <a:buFont typeface="Arial" panose="020B0604020202020204" pitchFamily="34" charset="0"/>
-              <a:buNone/>
-            </a:pPr>
-            <a:endParaRPr lang="fr-FR" dirty="0" smtClean="0"/>
-          </a:p>
-        </p:txBody>
-      </p:sp>
-      <p:sp>
-        <p:nvSpPr>
-          <p:cNvPr id="12" name="Espace réservé du contenu 2"/>
-          <p:cNvSpPr txBox="1">
-            <a:spLocks/>
-          </p:cNvSpPr>
-          <p:nvPr/>
-        </p:nvSpPr>
-        <p:spPr>
-          <a:xfrm>
-            <a:off x="83229" y="5276214"/>
-            <a:ext cx="2914947" cy="1476278"/>
-          </a:xfrm>
-          <a:prstGeom prst="rect">
-            <a:avLst/>
-          </a:prstGeom>
-        </p:spPr>
-        <p:txBody>
-          <a:bodyPr vert="horz" lIns="91440" tIns="45720" rIns="91440" bIns="45720" rtlCol="0">
-            <a:normAutofit/>
-          </a:bodyPr>
-          <a:lstStyle>
-            <a:lvl1pPr marL="228600" indent="-228600" algn="l" defTabSz="914400" rtl="0" eaLnBrk="1" latinLnBrk="0" hangingPunct="1">
-              <a:lnSpc>
-                <a:spcPct val="90000"/>
-              </a:lnSpc>
-              <a:spcBef>
-                <a:spcPts val="1000"/>
-              </a:spcBef>
-              <a:buFont typeface="Arial" panose="020B0604020202020204" pitchFamily="34" charset="0"/>
-              <a:buChar char="•"/>
-              <a:defRPr sz="2800" kern="1200">
-                <a:solidFill>
-                  <a:schemeClr val="tx1"/>
-                </a:solidFill>
-                <a:latin typeface="+mn-lt"/>
-                <a:ea typeface="+mn-ea"/>
-                <a:cs typeface="+mn-cs"/>
-              </a:defRPr>
-            </a:lvl1pPr>
-            <a:lvl2pPr marL="685800" indent="-228600" algn="l" defTabSz="914400" rtl="0" eaLnBrk="1" latinLnBrk="0" hangingPunct="1">
-              <a:lnSpc>
-                <a:spcPct val="90000"/>
-              </a:lnSpc>
-              <a:spcBef>
-                <a:spcPts val="500"/>
-              </a:spcBef>
-              <a:buFont typeface="Arial" panose="020B0604020202020204" pitchFamily="34" charset="0"/>
-              <a:buChar char="•"/>
-              <a:defRPr sz="2400" kern="1200">
-                <a:solidFill>
-                  <a:schemeClr val="tx1"/>
-                </a:solidFill>
-                <a:latin typeface="+mn-lt"/>
-                <a:ea typeface="+mn-ea"/>
-                <a:cs typeface="+mn-cs"/>
-              </a:defRPr>
-            </a:lvl2pPr>
-            <a:lvl3pPr marL="1143000" indent="-228600" algn="l" defTabSz="914400" rtl="0" eaLnBrk="1" latinLnBrk="0" hangingPunct="1">
-              <a:lnSpc>
-                <a:spcPct val="90000"/>
-              </a:lnSpc>
-              <a:spcBef>
-                <a:spcPts val="500"/>
-              </a:spcBef>
-              <a:buFont typeface="Arial" panose="020B0604020202020204" pitchFamily="34" charset="0"/>
-              <a:buChar char="•"/>
-              <a:defRPr sz="2000" kern="1200">
-                <a:solidFill>
-                  <a:schemeClr val="tx1"/>
-                </a:solidFill>
-                <a:latin typeface="+mn-lt"/>
-                <a:ea typeface="+mn-ea"/>
-                <a:cs typeface="+mn-cs"/>
-              </a:defRPr>
-            </a:lvl3pPr>
-            <a:lvl4pPr marL="1600200" indent="-228600" algn="l" defTabSz="914400" rtl="0" eaLnBrk="1" latinLnBrk="0" hangingPunct="1">
-              <a:lnSpc>
-                <a:spcPct val="90000"/>
-              </a:lnSpc>
-              <a:spcBef>
-                <a:spcPts val="500"/>
-              </a:spcBef>
-              <a:buFont typeface="Arial" panose="020B0604020202020204" pitchFamily="34" charset="0"/>
-              <a:buChar char="•"/>
-              <a:defRPr sz="1800" kern="1200">
-                <a:solidFill>
-                  <a:schemeClr val="tx1"/>
-                </a:solidFill>
-                <a:latin typeface="+mn-lt"/>
-                <a:ea typeface="+mn-ea"/>
-                <a:cs typeface="+mn-cs"/>
-              </a:defRPr>
-            </a:lvl4pPr>
-            <a:lvl5pPr marL="2057400" indent="-228600" algn="l" defTabSz="914400" rtl="0" eaLnBrk="1" latinLnBrk="0" hangingPunct="1">
-              <a:lnSpc>
-                <a:spcPct val="90000"/>
-              </a:lnSpc>
-              <a:spcBef>
-                <a:spcPts val="500"/>
-              </a:spcBef>
-              <a:buFont typeface="Arial" panose="020B0604020202020204" pitchFamily="34" charset="0"/>
-              <a:buChar char="•"/>
-              <a:defRPr sz="1800" kern="1200">
-                <a:solidFill>
-                  <a:schemeClr val="tx1"/>
-                </a:solidFill>
-                <a:latin typeface="+mn-lt"/>
-                <a:ea typeface="+mn-ea"/>
-                <a:cs typeface="+mn-cs"/>
-              </a:defRPr>
-            </a:lvl5pPr>
-            <a:lvl6pPr marL="2514600" indent="-228600" algn="l" defTabSz="914400" rtl="0" eaLnBrk="1" latinLnBrk="0" hangingPunct="1">
-              <a:lnSpc>
-                <a:spcPct val="90000"/>
-              </a:lnSpc>
-              <a:spcBef>
-                <a:spcPts val="500"/>
-              </a:spcBef>
-              <a:buFont typeface="Arial" panose="020B0604020202020204" pitchFamily="34" charset="0"/>
-              <a:buChar char="•"/>
-              <a:defRPr sz="1800" kern="1200">
-                <a:solidFill>
-                  <a:schemeClr val="tx1"/>
-                </a:solidFill>
-                <a:latin typeface="+mn-lt"/>
-                <a:ea typeface="+mn-ea"/>
-                <a:cs typeface="+mn-cs"/>
-              </a:defRPr>
-            </a:lvl6pPr>
-            <a:lvl7pPr marL="2971800" indent="-228600" algn="l" defTabSz="914400" rtl="0" eaLnBrk="1" latinLnBrk="0" hangingPunct="1">
-              <a:lnSpc>
-                <a:spcPct val="90000"/>
-              </a:lnSpc>
-              <a:spcBef>
-                <a:spcPts val="500"/>
-              </a:spcBef>
-              <a:buFont typeface="Arial" panose="020B0604020202020204" pitchFamily="34" charset="0"/>
-              <a:buChar char="•"/>
-              <a:defRPr sz="1800" kern="1200">
-                <a:solidFill>
-                  <a:schemeClr val="tx1"/>
-                </a:solidFill>
-                <a:latin typeface="+mn-lt"/>
-                <a:ea typeface="+mn-ea"/>
-                <a:cs typeface="+mn-cs"/>
-              </a:defRPr>
-            </a:lvl7pPr>
-            <a:lvl8pPr marL="3429000" indent="-228600" algn="l" defTabSz="914400" rtl="0" eaLnBrk="1" latinLnBrk="0" hangingPunct="1">
-              <a:lnSpc>
-                <a:spcPct val="90000"/>
-              </a:lnSpc>
-              <a:spcBef>
-                <a:spcPts val="500"/>
-              </a:spcBef>
-              <a:buFont typeface="Arial" panose="020B0604020202020204" pitchFamily="34" charset="0"/>
-              <a:buChar char="•"/>
-              <a:defRPr sz="1800" kern="1200">
-                <a:solidFill>
-                  <a:schemeClr val="tx1"/>
-                </a:solidFill>
-                <a:latin typeface="+mn-lt"/>
-                <a:ea typeface="+mn-ea"/>
-                <a:cs typeface="+mn-cs"/>
-              </a:defRPr>
-            </a:lvl8pPr>
-            <a:lvl9pPr marL="3886200" indent="-228600" algn="l" defTabSz="914400" rtl="0" eaLnBrk="1" latinLnBrk="0" hangingPunct="1">
-              <a:lnSpc>
-                <a:spcPct val="90000"/>
-              </a:lnSpc>
-              <a:spcBef>
-                <a:spcPts val="500"/>
-              </a:spcBef>
-              <a:buFont typeface="Arial" panose="020B0604020202020204" pitchFamily="34" charset="0"/>
-              <a:buChar char="•"/>
-              <a:defRPr sz="1800" kern="1200">
-                <a:solidFill>
-                  <a:schemeClr val="tx1"/>
-                </a:solidFill>
-                <a:latin typeface="+mn-lt"/>
-                <a:ea typeface="+mn-ea"/>
-                <a:cs typeface="+mn-cs"/>
-              </a:defRPr>
-            </a:lvl9pPr>
-          </a:lstStyle>
-          <a:p>
-            <a:pPr marL="0" indent="0">
-              <a:buFont typeface="Arial" panose="020B0604020202020204" pitchFamily="34" charset="0"/>
-              <a:buNone/>
-            </a:pPr>
-            <a:r>
-              <a:rPr lang="fr-FR" sz="3000" b="1" dirty="0">
-                <a:solidFill>
-                  <a:srgbClr val="FF0000"/>
-                </a:solidFill>
-                <a:latin typeface="Times New Roman" panose="02020603050405020304" pitchFamily="18" charset="0"/>
-                <a:cs typeface="Times New Roman" panose="02020603050405020304" pitchFamily="18" charset="0"/>
-              </a:rPr>
-              <a:t>7</a:t>
-            </a:r>
-            <a:r>
-              <a:rPr lang="fr-FR" sz="3000" b="1" dirty="0" smtClean="0">
-                <a:solidFill>
-                  <a:srgbClr val="FF0000"/>
-                </a:solidFill>
-                <a:latin typeface="Times New Roman" panose="02020603050405020304" pitchFamily="18" charset="0"/>
-                <a:cs typeface="Times New Roman" panose="02020603050405020304" pitchFamily="18" charset="0"/>
-              </a:rPr>
-              <a:t>.SureFire</a:t>
-            </a:r>
-          </a:p>
-          <a:p>
-            <a:pPr>
-              <a:buFont typeface="Wingdings" panose="05000000000000000000" pitchFamily="2" charset="2"/>
-              <a:buChar char="Ø"/>
-            </a:pPr>
-            <a:r>
-              <a:rPr lang="fr-FR" sz="2900" dirty="0" smtClean="0">
-                <a:solidFill>
-                  <a:srgbClr val="00B0F0"/>
-                </a:solidFill>
-                <a:latin typeface="Times New Roman" panose="02020603050405020304" pitchFamily="18" charset="0"/>
-                <a:cs typeface="Times New Roman" panose="02020603050405020304" pitchFamily="18" charset="0"/>
-              </a:rPr>
-              <a:t>Reports</a:t>
-            </a:r>
-            <a:endParaRPr lang="fr-FR" dirty="0" smtClean="0">
-              <a:solidFill>
-                <a:srgbClr val="00B0F0"/>
-              </a:solidFill>
-            </a:endParaRPr>
-          </a:p>
-          <a:p>
-            <a:pPr marL="0" indent="0">
-              <a:buFont typeface="Arial" panose="020B0604020202020204" pitchFamily="34" charset="0"/>
-              <a:buNone/>
-            </a:pPr>
-            <a:endParaRPr lang="fr-FR" dirty="0" smtClean="0"/>
-          </a:p>
-          <a:p>
-            <a:pPr marL="0" indent="0">
-              <a:buFont typeface="Arial" panose="020B0604020202020204" pitchFamily="34" charset="0"/>
-              <a:buNone/>
-            </a:pPr>
-            <a:endParaRPr lang="fr-FR" dirty="0" smtClean="0"/>
-          </a:p>
-        </p:txBody>
-      </p:sp>
-      <p:sp>
-        <p:nvSpPr>
-          <p:cNvPr id="13" name="Espace réservé du contenu 2"/>
-          <p:cNvSpPr txBox="1">
-            <a:spLocks/>
-          </p:cNvSpPr>
-          <p:nvPr/>
-        </p:nvSpPr>
-        <p:spPr>
-          <a:xfrm>
-            <a:off x="3338733" y="5288609"/>
-            <a:ext cx="3359834" cy="1429543"/>
-          </a:xfrm>
-          <a:prstGeom prst="rect">
-            <a:avLst/>
-          </a:prstGeom>
-        </p:spPr>
-        <p:txBody>
-          <a:bodyPr vert="horz" lIns="91440" tIns="45720" rIns="91440" bIns="45720" rtlCol="0">
-            <a:normAutofit lnSpcReduction="10000"/>
-          </a:bodyPr>
-          <a:lstStyle>
-            <a:lvl1pPr marL="228600" indent="-228600" algn="l" defTabSz="914400" rtl="0" eaLnBrk="1" latinLnBrk="0" hangingPunct="1">
-              <a:lnSpc>
-                <a:spcPct val="90000"/>
-              </a:lnSpc>
-              <a:spcBef>
-                <a:spcPts val="1000"/>
-              </a:spcBef>
-              <a:buFont typeface="Arial" panose="020B0604020202020204" pitchFamily="34" charset="0"/>
-              <a:buChar char="•"/>
-              <a:defRPr sz="2800" kern="1200">
-                <a:solidFill>
-                  <a:schemeClr val="tx1"/>
-                </a:solidFill>
-                <a:latin typeface="+mn-lt"/>
-                <a:ea typeface="+mn-ea"/>
-                <a:cs typeface="+mn-cs"/>
-              </a:defRPr>
-            </a:lvl1pPr>
-            <a:lvl2pPr marL="685800" indent="-228600" algn="l" defTabSz="914400" rtl="0" eaLnBrk="1" latinLnBrk="0" hangingPunct="1">
-              <a:lnSpc>
-                <a:spcPct val="90000"/>
-              </a:lnSpc>
-              <a:spcBef>
-                <a:spcPts val="500"/>
-              </a:spcBef>
-              <a:buFont typeface="Arial" panose="020B0604020202020204" pitchFamily="34" charset="0"/>
-              <a:buChar char="•"/>
-              <a:defRPr sz="2400" kern="1200">
-                <a:solidFill>
-                  <a:schemeClr val="tx1"/>
-                </a:solidFill>
-                <a:latin typeface="+mn-lt"/>
-                <a:ea typeface="+mn-ea"/>
-                <a:cs typeface="+mn-cs"/>
-              </a:defRPr>
-            </a:lvl2pPr>
-            <a:lvl3pPr marL="1143000" indent="-228600" algn="l" defTabSz="914400" rtl="0" eaLnBrk="1" latinLnBrk="0" hangingPunct="1">
-              <a:lnSpc>
-                <a:spcPct val="90000"/>
-              </a:lnSpc>
-              <a:spcBef>
-                <a:spcPts val="500"/>
-              </a:spcBef>
-              <a:buFont typeface="Arial" panose="020B0604020202020204" pitchFamily="34" charset="0"/>
-              <a:buChar char="•"/>
-              <a:defRPr sz="2000" kern="1200">
-                <a:solidFill>
-                  <a:schemeClr val="tx1"/>
-                </a:solidFill>
-                <a:latin typeface="+mn-lt"/>
-                <a:ea typeface="+mn-ea"/>
-                <a:cs typeface="+mn-cs"/>
-              </a:defRPr>
-            </a:lvl3pPr>
-            <a:lvl4pPr marL="1600200" indent="-228600" algn="l" defTabSz="914400" rtl="0" eaLnBrk="1" latinLnBrk="0" hangingPunct="1">
-              <a:lnSpc>
-                <a:spcPct val="90000"/>
-              </a:lnSpc>
-              <a:spcBef>
-                <a:spcPts val="500"/>
-              </a:spcBef>
-              <a:buFont typeface="Arial" panose="020B0604020202020204" pitchFamily="34" charset="0"/>
-              <a:buChar char="•"/>
-              <a:defRPr sz="1800" kern="1200">
-                <a:solidFill>
-                  <a:schemeClr val="tx1"/>
-                </a:solidFill>
-                <a:latin typeface="+mn-lt"/>
-                <a:ea typeface="+mn-ea"/>
-                <a:cs typeface="+mn-cs"/>
-              </a:defRPr>
-            </a:lvl4pPr>
-            <a:lvl5pPr marL="2057400" indent="-228600" algn="l" defTabSz="914400" rtl="0" eaLnBrk="1" latinLnBrk="0" hangingPunct="1">
-              <a:lnSpc>
-                <a:spcPct val="90000"/>
-              </a:lnSpc>
-              <a:spcBef>
-                <a:spcPts val="500"/>
-              </a:spcBef>
-              <a:buFont typeface="Arial" panose="020B0604020202020204" pitchFamily="34" charset="0"/>
-              <a:buChar char="•"/>
-              <a:defRPr sz="1800" kern="1200">
-                <a:solidFill>
-                  <a:schemeClr val="tx1"/>
-                </a:solidFill>
-                <a:latin typeface="+mn-lt"/>
-                <a:ea typeface="+mn-ea"/>
-                <a:cs typeface="+mn-cs"/>
-              </a:defRPr>
-            </a:lvl5pPr>
-            <a:lvl6pPr marL="2514600" indent="-228600" algn="l" defTabSz="914400" rtl="0" eaLnBrk="1" latinLnBrk="0" hangingPunct="1">
-              <a:lnSpc>
-                <a:spcPct val="90000"/>
-              </a:lnSpc>
-              <a:spcBef>
-                <a:spcPts val="500"/>
-              </a:spcBef>
-              <a:buFont typeface="Arial" panose="020B0604020202020204" pitchFamily="34" charset="0"/>
-              <a:buChar char="•"/>
-              <a:defRPr sz="1800" kern="1200">
-                <a:solidFill>
-                  <a:schemeClr val="tx1"/>
-                </a:solidFill>
-                <a:latin typeface="+mn-lt"/>
-                <a:ea typeface="+mn-ea"/>
-                <a:cs typeface="+mn-cs"/>
-              </a:defRPr>
-            </a:lvl6pPr>
-            <a:lvl7pPr marL="2971800" indent="-228600" algn="l" defTabSz="914400" rtl="0" eaLnBrk="1" latinLnBrk="0" hangingPunct="1">
-              <a:lnSpc>
-                <a:spcPct val="90000"/>
-              </a:lnSpc>
-              <a:spcBef>
-                <a:spcPts val="500"/>
-              </a:spcBef>
-              <a:buFont typeface="Arial" panose="020B0604020202020204" pitchFamily="34" charset="0"/>
-              <a:buChar char="•"/>
-              <a:defRPr sz="1800" kern="1200">
-                <a:solidFill>
-                  <a:schemeClr val="tx1"/>
-                </a:solidFill>
-                <a:latin typeface="+mn-lt"/>
-                <a:ea typeface="+mn-ea"/>
-                <a:cs typeface="+mn-cs"/>
-              </a:defRPr>
-            </a:lvl7pPr>
-            <a:lvl8pPr marL="3429000" indent="-228600" algn="l" defTabSz="914400" rtl="0" eaLnBrk="1" latinLnBrk="0" hangingPunct="1">
-              <a:lnSpc>
-                <a:spcPct val="90000"/>
-              </a:lnSpc>
-              <a:spcBef>
-                <a:spcPts val="500"/>
-              </a:spcBef>
-              <a:buFont typeface="Arial" panose="020B0604020202020204" pitchFamily="34" charset="0"/>
-              <a:buChar char="•"/>
-              <a:defRPr sz="1800" kern="1200">
-                <a:solidFill>
-                  <a:schemeClr val="tx1"/>
-                </a:solidFill>
-                <a:latin typeface="+mn-lt"/>
-                <a:ea typeface="+mn-ea"/>
-                <a:cs typeface="+mn-cs"/>
-              </a:defRPr>
-            </a:lvl8pPr>
-            <a:lvl9pPr marL="3886200" indent="-228600" algn="l" defTabSz="914400" rtl="0" eaLnBrk="1" latinLnBrk="0" hangingPunct="1">
-              <a:lnSpc>
-                <a:spcPct val="90000"/>
-              </a:lnSpc>
-              <a:spcBef>
-                <a:spcPts val="500"/>
-              </a:spcBef>
-              <a:buFont typeface="Arial" panose="020B0604020202020204" pitchFamily="34" charset="0"/>
-              <a:buChar char="•"/>
-              <a:defRPr sz="1800" kern="1200">
-                <a:solidFill>
-                  <a:schemeClr val="tx1"/>
-                </a:solidFill>
-                <a:latin typeface="+mn-lt"/>
-                <a:ea typeface="+mn-ea"/>
-                <a:cs typeface="+mn-cs"/>
-              </a:defRPr>
-            </a:lvl9pPr>
-          </a:lstStyle>
-          <a:p>
-            <a:pPr marL="0" indent="0">
-              <a:buFont typeface="Arial" panose="020B0604020202020204" pitchFamily="34" charset="0"/>
-              <a:buNone/>
-            </a:pPr>
-            <a:r>
-              <a:rPr lang="fr-FR" sz="3000" b="1" dirty="0">
-                <a:solidFill>
-                  <a:srgbClr val="FF0000"/>
-                </a:solidFill>
-                <a:latin typeface="Times New Roman" panose="02020603050405020304" pitchFamily="18" charset="0"/>
-                <a:cs typeface="Times New Roman" panose="02020603050405020304" pitchFamily="18" charset="0"/>
-              </a:rPr>
-              <a:t>8</a:t>
-            </a:r>
-            <a:r>
-              <a:rPr lang="fr-FR" sz="3000" b="1" dirty="0" smtClean="0">
-                <a:solidFill>
-                  <a:srgbClr val="FF0000"/>
-                </a:solidFill>
-                <a:latin typeface="Times New Roman" panose="02020603050405020304" pitchFamily="18" charset="0"/>
-                <a:cs typeface="Times New Roman" panose="02020603050405020304" pitchFamily="18" charset="0"/>
-              </a:rPr>
-              <a:t>.JXR </a:t>
-            </a:r>
-            <a:endParaRPr lang="fr-FR" sz="2900" dirty="0" smtClean="0">
-              <a:latin typeface="Times New Roman" panose="02020603050405020304" pitchFamily="18" charset="0"/>
-              <a:cs typeface="Times New Roman" panose="02020603050405020304" pitchFamily="18" charset="0"/>
-            </a:endParaRPr>
-          </a:p>
-          <a:p>
-            <a:pPr>
-              <a:buFont typeface="Wingdings" panose="05000000000000000000" pitchFamily="2" charset="2"/>
-              <a:buChar char="Ø"/>
-            </a:pPr>
-            <a:r>
-              <a:rPr lang="fr-FR" sz="2900" dirty="0" err="1">
-                <a:solidFill>
-                  <a:srgbClr val="00B050"/>
-                </a:solidFill>
-                <a:latin typeface="Times New Roman" panose="02020603050405020304" pitchFamily="18" charset="0"/>
-                <a:cs typeface="Times New Roman" panose="02020603050405020304" pitchFamily="18" charset="0"/>
-              </a:rPr>
-              <a:t>Generating</a:t>
-            </a:r>
-            <a:r>
-              <a:rPr lang="fr-FR" sz="2900" dirty="0">
-                <a:solidFill>
-                  <a:srgbClr val="00B050"/>
-                </a:solidFill>
-                <a:latin typeface="Times New Roman" panose="02020603050405020304" pitchFamily="18" charset="0"/>
-                <a:cs typeface="Times New Roman" panose="02020603050405020304" pitchFamily="18" charset="0"/>
-              </a:rPr>
-              <a:t> </a:t>
-            </a:r>
-            <a:r>
-              <a:rPr lang="fr-FR" sz="2900" dirty="0" smtClean="0">
-                <a:solidFill>
-                  <a:srgbClr val="00B050"/>
-                </a:solidFill>
-                <a:latin typeface="Times New Roman" panose="02020603050405020304" pitchFamily="18" charset="0"/>
-                <a:cs typeface="Times New Roman" panose="02020603050405020304" pitchFamily="18" charset="0"/>
-              </a:rPr>
-              <a:t>Reports</a:t>
-            </a:r>
-          </a:p>
-          <a:p>
-            <a:pPr>
-              <a:buFont typeface="Wingdings" panose="05000000000000000000" pitchFamily="2" charset="2"/>
-              <a:buChar char="Ø"/>
-            </a:pPr>
-            <a:r>
-              <a:rPr lang="fr-FR" sz="2900" dirty="0" smtClean="0">
-                <a:solidFill>
-                  <a:srgbClr val="00B050"/>
-                </a:solidFill>
-                <a:latin typeface="Times New Roman" panose="02020603050405020304" pitchFamily="18" charset="0"/>
-                <a:cs typeface="Times New Roman" panose="02020603050405020304" pitchFamily="18" charset="0"/>
-              </a:rPr>
-              <a:t>Tests</a:t>
-            </a:r>
-          </a:p>
-          <a:p>
-            <a:pPr marL="0" indent="0">
-              <a:buFont typeface="Arial" panose="020B0604020202020204" pitchFamily="34" charset="0"/>
-              <a:buNone/>
-            </a:pPr>
-            <a:endParaRPr lang="fr-FR" dirty="0" smtClean="0"/>
           </a:p>
           <a:p>
             <a:pPr marL="0" indent="0">
@@ -6696,7 +6709,12 @@
             <p:ph type="title"/>
           </p:nvPr>
         </p:nvSpPr>
-        <p:spPr/>
+        <p:spPr>
+          <a:xfrm>
+            <a:off x="838200" y="154158"/>
+            <a:ext cx="10515600" cy="1325563"/>
+          </a:xfrm>
+        </p:spPr>
         <p:txBody>
           <a:bodyPr/>
           <a:lstStyle/>
@@ -6745,7 +6763,7 @@
         </p:blipFill>
         <p:spPr>
           <a:xfrm>
-            <a:off x="8862646" y="1690688"/>
+            <a:off x="9153963" y="1204999"/>
             <a:ext cx="1927275" cy="1983545"/>
           </a:xfrm>
         </p:spPr>
@@ -6771,7 +6789,7 @@
         </p:blipFill>
         <p:spPr>
           <a:xfrm>
-            <a:off x="6096000" y="1814731"/>
+            <a:off x="5927187" y="1384558"/>
             <a:ext cx="2368062" cy="1392703"/>
           </a:xfrm>
           <a:prstGeom prst="rect">
@@ -6801,7 +6819,7 @@
         </p:blipFill>
         <p:spPr>
           <a:xfrm>
-            <a:off x="3448050" y="1690688"/>
+            <a:off x="2984988" y="1260854"/>
             <a:ext cx="2647950" cy="1724025"/>
           </a:xfrm>
           <a:prstGeom prst="rect">
@@ -6831,7 +6849,7 @@
         </p:blipFill>
         <p:spPr>
           <a:xfrm>
-            <a:off x="1343758" y="1509713"/>
+            <a:off x="681404" y="1204999"/>
             <a:ext cx="1905000" cy="1905000"/>
           </a:xfrm>
           <a:prstGeom prst="rect">
@@ -6860,8 +6878,127 @@
         </p:blipFill>
         <p:spPr>
           <a:xfrm>
-            <a:off x="1343758" y="3676798"/>
-            <a:ext cx="5078438" cy="1800666"/>
+            <a:off x="323409" y="3057111"/>
+            <a:ext cx="3985554" cy="1800666"/>
+          </a:xfrm>
+          <a:prstGeom prst="rect">
+            <a:avLst/>
+          </a:prstGeom>
+        </p:spPr>
+      </p:pic>
+      <p:pic>
+        <p:nvPicPr>
+          <p:cNvPr id="4" name="Image 3"/>
+          <p:cNvPicPr>
+            <a:picLocks noChangeAspect="1"/>
+          </p:cNvPicPr>
+          <p:nvPr/>
+        </p:nvPicPr>
+        <p:blipFill>
+          <a:blip r:embed="rId7">
+            <a:extLst>
+              <a:ext uri="{28A0092B-C50C-407E-A947-70E740481C1C}">
+                <a14:useLocalDpi xmlns:a14="http://schemas.microsoft.com/office/drawing/2010/main" val="0"/>
+              </a:ext>
+            </a:extLst>
+          </a:blip>
+          <a:stretch>
+            <a:fillRect/>
+          </a:stretch>
+        </p:blipFill>
+        <p:spPr>
+          <a:xfrm>
+            <a:off x="8486327" y="3411221"/>
+            <a:ext cx="3601329" cy="1656327"/>
+          </a:xfrm>
+          <a:prstGeom prst="rect">
+            <a:avLst/>
+          </a:prstGeom>
+        </p:spPr>
+      </p:pic>
+      <p:pic>
+        <p:nvPicPr>
+          <p:cNvPr id="6" name="Image 5"/>
+          <p:cNvPicPr>
+            <a:picLocks noChangeAspect="1"/>
+          </p:cNvPicPr>
+          <p:nvPr/>
+        </p:nvPicPr>
+        <p:blipFill>
+          <a:blip r:embed="rId8">
+            <a:extLst>
+              <a:ext uri="{28A0092B-C50C-407E-A947-70E740481C1C}">
+                <a14:useLocalDpi xmlns:a14="http://schemas.microsoft.com/office/drawing/2010/main" val="0"/>
+              </a:ext>
+            </a:extLst>
+          </a:blip>
+          <a:stretch>
+            <a:fillRect/>
+          </a:stretch>
+        </p:blipFill>
+        <p:spPr>
+          <a:xfrm>
+            <a:off x="5479951" y="2563614"/>
+            <a:ext cx="2472397" cy="2359493"/>
+          </a:xfrm>
+          <a:prstGeom prst="rect">
+            <a:avLst/>
+          </a:prstGeom>
+        </p:spPr>
+      </p:pic>
+      <p:pic>
+        <p:nvPicPr>
+          <p:cNvPr id="10" name="Image 9"/>
+          <p:cNvPicPr>
+            <a:picLocks noChangeAspect="1"/>
+          </p:cNvPicPr>
+          <p:nvPr/>
+        </p:nvPicPr>
+        <p:blipFill>
+          <a:blip r:embed="rId9">
+            <a:extLst>
+              <a:ext uri="{28A0092B-C50C-407E-A947-70E740481C1C}">
+                <a14:useLocalDpi xmlns:a14="http://schemas.microsoft.com/office/drawing/2010/main" val="0"/>
+              </a:ext>
+            </a:extLst>
+          </a:blip>
+          <a:stretch>
+            <a:fillRect/>
+          </a:stretch>
+        </p:blipFill>
+        <p:spPr>
+          <a:xfrm>
+            <a:off x="5733755" y="5048210"/>
+            <a:ext cx="3420208" cy="1526820"/>
+          </a:xfrm>
+          <a:prstGeom prst="rect">
+            <a:avLst/>
+          </a:prstGeom>
+        </p:spPr>
+      </p:pic>
+      <p:pic>
+        <p:nvPicPr>
+          <p:cNvPr id="11" name="Image 10"/>
+          <p:cNvPicPr>
+            <a:picLocks noChangeAspect="1"/>
+          </p:cNvPicPr>
+          <p:nvPr/>
+        </p:nvPicPr>
+        <p:blipFill rotWithShape="1">
+          <a:blip r:embed="rId10">
+            <a:extLst>
+              <a:ext uri="{28A0092B-C50C-407E-A947-70E740481C1C}">
+                <a14:useLocalDpi xmlns:a14="http://schemas.microsoft.com/office/drawing/2010/main" val="0"/>
+              </a:ext>
+            </a:extLst>
+          </a:blip>
+          <a:srcRect l="4755" t="21717" r="5927" b="22750"/>
+          <a:stretch/>
+        </p:blipFill>
+        <p:spPr>
+          <a:xfrm>
+            <a:off x="1580857" y="4923107"/>
+            <a:ext cx="3451273" cy="1788641"/>
           </a:xfrm>
           <a:prstGeom prst="rect">
             <a:avLst/>
@@ -6922,7 +7059,7 @@
                 <a:latin typeface="Times New Roman" panose="02020603050405020304" pitchFamily="18" charset="0"/>
                 <a:cs typeface="Times New Roman" panose="02020603050405020304" pitchFamily="18" charset="0"/>
               </a:rPr>
-              <a:t>UML DIAGRAMS</a:t>
+              <a:t>APPLICATION PRESENTATION</a:t>
             </a:r>
             <a:endParaRPr lang="fr-FR" b="1" dirty="0">
               <a:solidFill>
@@ -6934,29 +7071,67 @@
           </a:p>
         </p:txBody>
       </p:sp>
-      <p:sp>
-        <p:nvSpPr>
-          <p:cNvPr id="3" name="Espace réservé du contenu 2"/>
-          <p:cNvSpPr>
-            <a:spLocks noGrp="1"/>
-          </p:cNvSpPr>
+      <p:pic>
+        <p:nvPicPr>
+          <p:cNvPr id="4" name="Espace réservé du contenu 3"/>
+          <p:cNvPicPr>
+            <a:picLocks noGrp="1" noChangeAspect="1"/>
+          </p:cNvPicPr>
           <p:nvPr>
             <p:ph idx="1"/>
           </p:nvPr>
-        </p:nvSpPr>
-        <p:spPr/>
-        <p:txBody>
-          <a:bodyPr/>
-          <a:lstStyle/>
-          <a:p>
-            <a:endParaRPr lang="fr-FR"/>
-          </a:p>
-        </p:txBody>
-      </p:sp>
+        </p:nvPicPr>
+        <p:blipFill rotWithShape="1">
+          <a:blip r:embed="rId2">
+            <a:extLst>
+              <a:ext uri="{28A0092B-C50C-407E-A947-70E740481C1C}">
+                <a14:useLocalDpi xmlns:a14="http://schemas.microsoft.com/office/drawing/2010/main" val="0"/>
+              </a:ext>
+            </a:extLst>
+          </a:blip>
+          <a:srcRect r="6154"/>
+          <a:stretch/>
+        </p:blipFill>
+        <p:spPr>
+          <a:xfrm>
+            <a:off x="2150012" y="1690688"/>
+            <a:ext cx="7891976" cy="4710112"/>
+          </a:xfrm>
+        </p:spPr>
+      </p:pic>
+      <p:pic>
+        <p:nvPicPr>
+          <p:cNvPr id="5" name="Image 4"/>
+          <p:cNvPicPr>
+            <a:picLocks noChangeAspect="1"/>
+          </p:cNvPicPr>
+          <p:nvPr/>
+        </p:nvPicPr>
+        <p:blipFill rotWithShape="1">
+          <a:blip r:embed="rId3">
+            <a:extLst>
+              <a:ext uri="{28A0092B-C50C-407E-A947-70E740481C1C}">
+                <a14:useLocalDpi xmlns:a14="http://schemas.microsoft.com/office/drawing/2010/main" val="0"/>
+              </a:ext>
+            </a:extLst>
+          </a:blip>
+          <a:srcRect l="10715" t="11691" r="11304" b="46462"/>
+          <a:stretch/>
+        </p:blipFill>
+        <p:spPr>
+          <a:xfrm>
+            <a:off x="5176911" y="2335237"/>
+            <a:ext cx="2433709" cy="1561514"/>
+          </a:xfrm>
+          <a:prstGeom prst="rect">
+            <a:avLst/>
+          </a:prstGeom>
+        </p:spPr>
+      </p:pic>
     </p:spTree>
     <p:extLst>
       <p:ext uri="{BB962C8B-B14F-4D97-AF65-F5344CB8AC3E}">
-        <p14:creationId xmlns:p14="http://schemas.microsoft.com/office/powerpoint/2010/main" val="1758608868"/>
+        <p14:creationId xmlns:p14="http://schemas.microsoft.com/office/powerpoint/2010/main" val="1912357585"/>
       </p:ext>
     </p:extLst>
   </p:cSld>
@@ -7007,7 +7182,7 @@
                 <a:latin typeface="Times New Roman" panose="02020603050405020304" pitchFamily="18" charset="0"/>
                 <a:cs typeface="Times New Roman" panose="02020603050405020304" pitchFamily="18" charset="0"/>
               </a:rPr>
-              <a:t>APPLICATION PRESENTATION</a:t>
+              <a:t>UML DIAGRAMS</a:t>
             </a:r>
             <a:endParaRPr lang="fr-FR" b="1" dirty="0">
               <a:solidFill>
@@ -7034,14 +7209,89 @@
           <a:bodyPr/>
           <a:lstStyle/>
           <a:p>
-            <a:endParaRPr lang="fr-FR"/>
+            <a:r>
+              <a:rPr lang="pt-BR" b="1" dirty="0">
+                <a:latin typeface="Times New Roman" panose="02020603050405020304" pitchFamily="18" charset="0"/>
+                <a:cs typeface="Times New Roman" panose="02020603050405020304" pitchFamily="18" charset="0"/>
+              </a:rPr>
+              <a:t>Class </a:t>
+            </a:r>
+            <a:r>
+              <a:rPr lang="pt-BR" b="1" dirty="0" smtClean="0">
+                <a:latin typeface="Times New Roman" panose="02020603050405020304" pitchFamily="18" charset="0"/>
+                <a:cs typeface="Times New Roman" panose="02020603050405020304" pitchFamily="18" charset="0"/>
+              </a:rPr>
+              <a:t>diagrams</a:t>
+            </a:r>
+          </a:p>
+          <a:p>
+            <a:endParaRPr lang="pt-BR" b="1" dirty="0">
+              <a:latin typeface="Times New Roman" panose="02020603050405020304" pitchFamily="18" charset="0"/>
+              <a:cs typeface="Times New Roman" panose="02020603050405020304" pitchFamily="18" charset="0"/>
+            </a:endParaRPr>
+          </a:p>
+          <a:p>
+            <a:r>
+              <a:rPr lang="pt-BR" b="1" dirty="0">
+                <a:latin typeface="Times New Roman" panose="02020603050405020304" pitchFamily="18" charset="0"/>
+                <a:cs typeface="Times New Roman" panose="02020603050405020304" pitchFamily="18" charset="0"/>
+              </a:rPr>
+              <a:t>Package </a:t>
+            </a:r>
+            <a:r>
+              <a:rPr lang="pt-BR" b="1" dirty="0" smtClean="0">
+                <a:latin typeface="Times New Roman" panose="02020603050405020304" pitchFamily="18" charset="0"/>
+                <a:cs typeface="Times New Roman" panose="02020603050405020304" pitchFamily="18" charset="0"/>
+              </a:rPr>
+              <a:t>diagram</a:t>
+            </a:r>
+          </a:p>
+          <a:p>
+            <a:endParaRPr lang="pt-BR" b="1" dirty="0">
+              <a:latin typeface="Times New Roman" panose="02020603050405020304" pitchFamily="18" charset="0"/>
+              <a:cs typeface="Times New Roman" panose="02020603050405020304" pitchFamily="18" charset="0"/>
+            </a:endParaRPr>
+          </a:p>
+          <a:p>
+            <a:r>
+              <a:rPr lang="pt-BR" b="1" dirty="0">
+                <a:latin typeface="Times New Roman" panose="02020603050405020304" pitchFamily="18" charset="0"/>
+                <a:cs typeface="Times New Roman" panose="02020603050405020304" pitchFamily="18" charset="0"/>
+              </a:rPr>
+              <a:t>Sequence </a:t>
+            </a:r>
+            <a:r>
+              <a:rPr lang="pt-BR" b="1" dirty="0" smtClean="0">
+                <a:latin typeface="Times New Roman" panose="02020603050405020304" pitchFamily="18" charset="0"/>
+                <a:cs typeface="Times New Roman" panose="02020603050405020304" pitchFamily="18" charset="0"/>
+              </a:rPr>
+              <a:t>diagram</a:t>
+            </a:r>
+          </a:p>
+          <a:p>
+            <a:endParaRPr lang="pt-BR" b="1" dirty="0">
+              <a:latin typeface="Times New Roman" panose="02020603050405020304" pitchFamily="18" charset="0"/>
+              <a:cs typeface="Times New Roman" panose="02020603050405020304" pitchFamily="18" charset="0"/>
+            </a:endParaRPr>
+          </a:p>
+          <a:p>
+            <a:r>
+              <a:rPr lang="pt-BR" b="1" dirty="0">
+                <a:latin typeface="Times New Roman" panose="02020603050405020304" pitchFamily="18" charset="0"/>
+                <a:cs typeface="Times New Roman" panose="02020603050405020304" pitchFamily="18" charset="0"/>
+              </a:rPr>
+              <a:t>Component diagram</a:t>
+            </a:r>
+          </a:p>
+          <a:p>
+            <a:endParaRPr lang="fr-FR" dirty="0"/>
           </a:p>
         </p:txBody>
       </p:sp>
     </p:spTree>
     <p:extLst>
       <p:ext uri="{BB962C8B-B14F-4D97-AF65-F5344CB8AC3E}">
-        <p14:creationId xmlns:p14="http://schemas.microsoft.com/office/powerpoint/2010/main" val="1912357585"/>
+        <p14:creationId xmlns:p14="http://schemas.microsoft.com/office/powerpoint/2010/main" val="1758608868"/>
       </p:ext>
     </p:extLst>
   </p:cSld>
@@ -7118,18 +7368,61 @@
           <a:lstStyle/>
           <a:p>
             <a:r>
-              <a:rPr lang="fr-FR" dirty="0" err="1"/>
-              <a:t>Strengths</a:t>
-            </a:r>
-            <a:r>
-              <a:rPr lang="fr-FR" dirty="0"/>
-              <a:t> and </a:t>
-            </a:r>
-            <a:r>
-              <a:rPr lang="fr-FR" dirty="0" err="1"/>
-              <a:t>weaknesses</a:t>
-            </a:r>
-            <a:endParaRPr lang="fr-FR" dirty="0"/>
+              <a:rPr lang="pt-BR" dirty="0" smtClean="0">
+                <a:latin typeface="Times New Roman" panose="02020603050405020304" pitchFamily="18" charset="0"/>
+                <a:cs typeface="Times New Roman" panose="02020603050405020304" pitchFamily="18" charset="0"/>
+              </a:rPr>
+              <a:t>JavaDoc</a:t>
+            </a:r>
+          </a:p>
+          <a:p>
+            <a:endParaRPr lang="pt-BR" dirty="0" smtClean="0">
+              <a:latin typeface="Times New Roman" panose="02020603050405020304" pitchFamily="18" charset="0"/>
+              <a:cs typeface="Times New Roman" panose="02020603050405020304" pitchFamily="18" charset="0"/>
+            </a:endParaRPr>
+          </a:p>
+          <a:p>
+            <a:r>
+              <a:rPr lang="pt-BR" dirty="0" smtClean="0">
+                <a:latin typeface="Times New Roman" panose="02020603050405020304" pitchFamily="18" charset="0"/>
+                <a:cs typeface="Times New Roman" panose="02020603050405020304" pitchFamily="18" charset="0"/>
+              </a:rPr>
+              <a:t>Surefire</a:t>
+            </a:r>
+          </a:p>
+          <a:p>
+            <a:endParaRPr lang="pt-BR" dirty="0" smtClean="0">
+              <a:latin typeface="Times New Roman" panose="02020603050405020304" pitchFamily="18" charset="0"/>
+              <a:cs typeface="Times New Roman" panose="02020603050405020304" pitchFamily="18" charset="0"/>
+            </a:endParaRPr>
+          </a:p>
+          <a:p>
+            <a:r>
+              <a:rPr lang="pt-BR" dirty="0" smtClean="0">
+                <a:latin typeface="Times New Roman" panose="02020603050405020304" pitchFamily="18" charset="0"/>
+                <a:cs typeface="Times New Roman" panose="02020603050405020304" pitchFamily="18" charset="0"/>
+              </a:rPr>
+              <a:t>JXR</a:t>
+            </a:r>
+          </a:p>
+          <a:p>
+            <a:endParaRPr lang="pt-BR" dirty="0" smtClean="0">
+              <a:latin typeface="Times New Roman" panose="02020603050405020304" pitchFamily="18" charset="0"/>
+              <a:cs typeface="Times New Roman" panose="02020603050405020304" pitchFamily="18" charset="0"/>
+            </a:endParaRPr>
+          </a:p>
+          <a:p>
+            <a:r>
+              <a:rPr lang="pt-BR" dirty="0" smtClean="0">
+                <a:latin typeface="Times New Roman" panose="02020603050405020304" pitchFamily="18" charset="0"/>
+                <a:cs typeface="Times New Roman" panose="02020603050405020304" pitchFamily="18" charset="0"/>
+              </a:rPr>
+              <a:t>Git</a:t>
+            </a:r>
+            <a:endParaRPr lang="pt-BR" dirty="0">
+              <a:latin typeface="Times New Roman" panose="02020603050405020304" pitchFamily="18" charset="0"/>
+              <a:cs typeface="Times New Roman" panose="02020603050405020304" pitchFamily="18" charset="0"/>
+            </a:endParaRPr>
           </a:p>
         </p:txBody>
       </p:sp>

--- a/masterpom/PROJET UML.pptx
+++ b/masterpom/PROJET UML.pptx
@@ -13,9 +13,13 @@
     <p:sldId id="260" r:id="rId7"/>
     <p:sldId id="262" r:id="rId8"/>
     <p:sldId id="261" r:id="rId9"/>
-    <p:sldId id="263" r:id="rId10"/>
-    <p:sldId id="266" r:id="rId11"/>
-    <p:sldId id="264" r:id="rId12"/>
+    <p:sldId id="267" r:id="rId10"/>
+    <p:sldId id="268" r:id="rId11"/>
+    <p:sldId id="269" r:id="rId12"/>
+    <p:sldId id="270" r:id="rId13"/>
+    <p:sldId id="263" r:id="rId14"/>
+    <p:sldId id="266" r:id="rId15"/>
+    <p:sldId id="264" r:id="rId16"/>
   </p:sldIdLst>
   <p:sldSz cx="12192000" cy="6858000"/>
   <p:notesSz cx="6858000" cy="9144000"/>
@@ -3148,16 +3152,16 @@
           <a:p>
             <a:pPr algn="ctr"/>
             <a:r>
-              <a:rPr lang="fr-FR" sz="5000" b="1" dirty="0" smtClean="0">
+              <a:rPr lang="fr-FR" b="1" dirty="0" smtClean="0">
                 <a:solidFill>
                   <a:srgbClr val="FF0000"/>
                 </a:solidFill>
                 <a:latin typeface="Times New Roman" panose="02020603050405020304" pitchFamily="18" charset="0"/>
                 <a:cs typeface="Times New Roman" panose="02020603050405020304" pitchFamily="18" charset="0"/>
               </a:rPr>
-              <a:t>STRENGTH AND WEAKNESS</a:t>
-            </a:r>
-            <a:endParaRPr lang="fr-FR" sz="5000" b="1" dirty="0">
+              <a:t>PACKAGE DIAGRAM</a:t>
+            </a:r>
+            <a:endParaRPr lang="fr-FR" b="1" dirty="0">
               <a:solidFill>
                 <a:srgbClr val="FF0000"/>
               </a:solidFill>
@@ -3177,483 +3181,19 @@
             <p:ph idx="1"/>
           </p:nvPr>
         </p:nvSpPr>
-        <p:spPr>
-          <a:xfrm>
-            <a:off x="528711" y="1859502"/>
-            <a:ext cx="4915486" cy="4583502"/>
-          </a:xfrm>
-        </p:spPr>
+        <p:spPr/>
         <p:txBody>
           <a:bodyPr/>
           <a:lstStyle/>
           <a:p>
-            <a:pPr algn="ctr">
-              <a:buFont typeface="Wingdings" panose="05000000000000000000" pitchFamily="2" charset="2"/>
-              <a:buChar char="J"/>
-            </a:pPr>
-            <a:r>
-              <a:rPr lang="fr-FR" sz="4500" b="1" dirty="0" smtClean="0">
-                <a:solidFill>
-                  <a:srgbClr val="00B050"/>
-                </a:solidFill>
-                <a:latin typeface="Times New Roman" panose="02020603050405020304" pitchFamily="18" charset="0"/>
-                <a:cs typeface="Times New Roman" panose="02020603050405020304" pitchFamily="18" charset="0"/>
-              </a:rPr>
-              <a:t>STRENGTH </a:t>
-            </a:r>
-            <a:r>
-              <a:rPr lang="fr-FR" sz="4500" b="1" dirty="0" smtClean="0">
-                <a:latin typeface="Times New Roman" panose="02020603050405020304" pitchFamily="18" charset="0"/>
-                <a:cs typeface="Times New Roman" panose="02020603050405020304" pitchFamily="18" charset="0"/>
-              </a:rPr>
-              <a:t>                            </a:t>
-            </a:r>
-          </a:p>
-          <a:p>
-            <a:pPr marL="0" indent="0" algn="ctr">
-              <a:buNone/>
-            </a:pPr>
-            <a:r>
-              <a:rPr lang="fr-FR" sz="4500" dirty="0" err="1" smtClean="0">
-                <a:latin typeface="Times New Roman" panose="02020603050405020304" pitchFamily="18" charset="0"/>
-                <a:cs typeface="Times New Roman" panose="02020603050405020304" pitchFamily="18" charset="0"/>
-              </a:rPr>
-              <a:t>Kegne</a:t>
-            </a:r>
-            <a:r>
-              <a:rPr lang="fr-FR" sz="4500" dirty="0" smtClean="0">
-                <a:latin typeface="Times New Roman" panose="02020603050405020304" pitchFamily="18" charset="0"/>
-                <a:cs typeface="Times New Roman" panose="02020603050405020304" pitchFamily="18" charset="0"/>
-              </a:rPr>
-              <a:t> </a:t>
-            </a:r>
-            <a:r>
-              <a:rPr lang="fr-FR" sz="4500" dirty="0" err="1" smtClean="0">
-                <a:latin typeface="Times New Roman" panose="02020603050405020304" pitchFamily="18" charset="0"/>
-                <a:cs typeface="Times New Roman" panose="02020603050405020304" pitchFamily="18" charset="0"/>
-              </a:rPr>
-              <a:t>Heidy</a:t>
-            </a:r>
-            <a:r>
-              <a:rPr lang="fr-FR" sz="4500" dirty="0" smtClean="0">
-                <a:latin typeface="Times New Roman" panose="02020603050405020304" pitchFamily="18" charset="0"/>
-                <a:cs typeface="Times New Roman" panose="02020603050405020304" pitchFamily="18" charset="0"/>
-              </a:rPr>
-              <a:t> </a:t>
-            </a:r>
-          </a:p>
-          <a:p>
-            <a:pPr marL="0" indent="0" algn="ctr">
-              <a:buNone/>
-            </a:pPr>
-            <a:r>
-              <a:rPr lang="fr-FR" sz="4500" dirty="0" err="1" smtClean="0">
-                <a:latin typeface="Times New Roman" panose="02020603050405020304" pitchFamily="18" charset="0"/>
-                <a:cs typeface="Times New Roman" panose="02020603050405020304" pitchFamily="18" charset="0"/>
-              </a:rPr>
-              <a:t>Nodjimadji</a:t>
-            </a:r>
-            <a:r>
-              <a:rPr lang="fr-FR" sz="4500" dirty="0" smtClean="0">
-                <a:latin typeface="Times New Roman" panose="02020603050405020304" pitchFamily="18" charset="0"/>
-                <a:cs typeface="Times New Roman" panose="02020603050405020304" pitchFamily="18" charset="0"/>
-              </a:rPr>
-              <a:t> </a:t>
-            </a:r>
-            <a:r>
-              <a:rPr lang="fr-FR" sz="4500" dirty="0" err="1" smtClean="0">
-                <a:latin typeface="Times New Roman" panose="02020603050405020304" pitchFamily="18" charset="0"/>
-                <a:cs typeface="Times New Roman" panose="02020603050405020304" pitchFamily="18" charset="0"/>
-              </a:rPr>
-              <a:t>Souar</a:t>
-            </a:r>
-            <a:endParaRPr lang="fr-FR" sz="4500" dirty="0" smtClean="0">
-              <a:latin typeface="Times New Roman" panose="02020603050405020304" pitchFamily="18" charset="0"/>
-              <a:cs typeface="Times New Roman" panose="02020603050405020304" pitchFamily="18" charset="0"/>
-            </a:endParaRPr>
-          </a:p>
-          <a:p>
-            <a:pPr marL="0" indent="0" algn="ctr">
-              <a:buNone/>
-            </a:pPr>
-            <a:r>
-              <a:rPr lang="fr-FR" sz="4500" dirty="0" err="1" smtClean="0">
-                <a:latin typeface="Times New Roman" panose="02020603050405020304" pitchFamily="18" charset="0"/>
-                <a:cs typeface="Times New Roman" panose="02020603050405020304" pitchFamily="18" charset="0"/>
-              </a:rPr>
-              <a:t>Fenyom</a:t>
-            </a:r>
-            <a:r>
-              <a:rPr lang="fr-FR" sz="4500" dirty="0" smtClean="0">
-                <a:latin typeface="Times New Roman" panose="02020603050405020304" pitchFamily="18" charset="0"/>
-                <a:cs typeface="Times New Roman" panose="02020603050405020304" pitchFamily="18" charset="0"/>
-              </a:rPr>
-              <a:t> Bryan</a:t>
-            </a:r>
-          </a:p>
-          <a:p>
-            <a:pPr marL="0" indent="0" algn="ctr">
-              <a:buNone/>
-            </a:pPr>
-            <a:r>
-              <a:rPr lang="fr-FR" sz="4500" dirty="0" err="1" smtClean="0">
-                <a:latin typeface="Times New Roman" panose="02020603050405020304" pitchFamily="18" charset="0"/>
-                <a:cs typeface="Times New Roman" panose="02020603050405020304" pitchFamily="18" charset="0"/>
-              </a:rPr>
-              <a:t>Nguessie</a:t>
-            </a:r>
-            <a:r>
-              <a:rPr lang="fr-FR" sz="4500" dirty="0" smtClean="0">
-                <a:latin typeface="Times New Roman" panose="02020603050405020304" pitchFamily="18" charset="0"/>
-                <a:cs typeface="Times New Roman" panose="02020603050405020304" pitchFamily="18" charset="0"/>
-              </a:rPr>
-              <a:t> Fabiola</a:t>
-            </a:r>
-            <a:endParaRPr lang="fr-FR" sz="4500" dirty="0">
-              <a:latin typeface="Times New Roman" panose="02020603050405020304" pitchFamily="18" charset="0"/>
-              <a:cs typeface="Times New Roman" panose="02020603050405020304" pitchFamily="18" charset="0"/>
-            </a:endParaRPr>
-          </a:p>
-          <a:p>
-            <a:pPr marL="0" indent="0">
-              <a:buNone/>
-            </a:pPr>
-            <a:endParaRPr lang="fr-FR" dirty="0" smtClean="0">
-              <a:latin typeface="Times New Roman" panose="02020603050405020304" pitchFamily="18" charset="0"/>
-              <a:cs typeface="Times New Roman" panose="02020603050405020304" pitchFamily="18" charset="0"/>
-            </a:endParaRPr>
-          </a:p>
-        </p:txBody>
-      </p:sp>
-      <p:sp>
-        <p:nvSpPr>
-          <p:cNvPr id="4" name="Espace réservé du contenu 2"/>
-          <p:cNvSpPr txBox="1">
-            <a:spLocks/>
-          </p:cNvSpPr>
-          <p:nvPr/>
-        </p:nvSpPr>
-        <p:spPr>
-          <a:xfrm>
-            <a:off x="6645812" y="1859502"/>
-            <a:ext cx="4426634" cy="4351338"/>
-          </a:xfrm>
-          <a:prstGeom prst="rect">
-            <a:avLst/>
-          </a:prstGeom>
-        </p:spPr>
-        <p:txBody>
-          <a:bodyPr vert="horz" lIns="91440" tIns="45720" rIns="91440" bIns="45720" rtlCol="0">
-            <a:normAutofit/>
-          </a:bodyPr>
-          <a:lstStyle>
-            <a:lvl1pPr marL="228600" indent="-228600" algn="l" defTabSz="914400" rtl="0" eaLnBrk="1" latinLnBrk="0" hangingPunct="1">
-              <a:lnSpc>
-                <a:spcPct val="90000"/>
-              </a:lnSpc>
-              <a:spcBef>
-                <a:spcPts val="1000"/>
-              </a:spcBef>
-              <a:buFont typeface="Arial" panose="020B0604020202020204" pitchFamily="34" charset="0"/>
-              <a:buChar char="•"/>
-              <a:defRPr sz="2800" kern="1200">
-                <a:solidFill>
-                  <a:schemeClr val="tx1"/>
-                </a:solidFill>
-                <a:latin typeface="+mn-lt"/>
-                <a:ea typeface="+mn-ea"/>
-                <a:cs typeface="+mn-cs"/>
-              </a:defRPr>
-            </a:lvl1pPr>
-            <a:lvl2pPr marL="685800" indent="-228600" algn="l" defTabSz="914400" rtl="0" eaLnBrk="1" latinLnBrk="0" hangingPunct="1">
-              <a:lnSpc>
-                <a:spcPct val="90000"/>
-              </a:lnSpc>
-              <a:spcBef>
-                <a:spcPts val="500"/>
-              </a:spcBef>
-              <a:buFont typeface="Arial" panose="020B0604020202020204" pitchFamily="34" charset="0"/>
-              <a:buChar char="•"/>
-              <a:defRPr sz="2400" kern="1200">
-                <a:solidFill>
-                  <a:schemeClr val="tx1"/>
-                </a:solidFill>
-                <a:latin typeface="+mn-lt"/>
-                <a:ea typeface="+mn-ea"/>
-                <a:cs typeface="+mn-cs"/>
-              </a:defRPr>
-            </a:lvl2pPr>
-            <a:lvl3pPr marL="1143000" indent="-228600" algn="l" defTabSz="914400" rtl="0" eaLnBrk="1" latinLnBrk="0" hangingPunct="1">
-              <a:lnSpc>
-                <a:spcPct val="90000"/>
-              </a:lnSpc>
-              <a:spcBef>
-                <a:spcPts val="500"/>
-              </a:spcBef>
-              <a:buFont typeface="Arial" panose="020B0604020202020204" pitchFamily="34" charset="0"/>
-              <a:buChar char="•"/>
-              <a:defRPr sz="2000" kern="1200">
-                <a:solidFill>
-                  <a:schemeClr val="tx1"/>
-                </a:solidFill>
-                <a:latin typeface="+mn-lt"/>
-                <a:ea typeface="+mn-ea"/>
-                <a:cs typeface="+mn-cs"/>
-              </a:defRPr>
-            </a:lvl3pPr>
-            <a:lvl4pPr marL="1600200" indent="-228600" algn="l" defTabSz="914400" rtl="0" eaLnBrk="1" latinLnBrk="0" hangingPunct="1">
-              <a:lnSpc>
-                <a:spcPct val="90000"/>
-              </a:lnSpc>
-              <a:spcBef>
-                <a:spcPts val="500"/>
-              </a:spcBef>
-              <a:buFont typeface="Arial" panose="020B0604020202020204" pitchFamily="34" charset="0"/>
-              <a:buChar char="•"/>
-              <a:defRPr sz="1800" kern="1200">
-                <a:solidFill>
-                  <a:schemeClr val="tx1"/>
-                </a:solidFill>
-                <a:latin typeface="+mn-lt"/>
-                <a:ea typeface="+mn-ea"/>
-                <a:cs typeface="+mn-cs"/>
-              </a:defRPr>
-            </a:lvl4pPr>
-            <a:lvl5pPr marL="2057400" indent="-228600" algn="l" defTabSz="914400" rtl="0" eaLnBrk="1" latinLnBrk="0" hangingPunct="1">
-              <a:lnSpc>
-                <a:spcPct val="90000"/>
-              </a:lnSpc>
-              <a:spcBef>
-                <a:spcPts val="500"/>
-              </a:spcBef>
-              <a:buFont typeface="Arial" panose="020B0604020202020204" pitchFamily="34" charset="0"/>
-              <a:buChar char="•"/>
-              <a:defRPr sz="1800" kern="1200">
-                <a:solidFill>
-                  <a:schemeClr val="tx1"/>
-                </a:solidFill>
-                <a:latin typeface="+mn-lt"/>
-                <a:ea typeface="+mn-ea"/>
-                <a:cs typeface="+mn-cs"/>
-              </a:defRPr>
-            </a:lvl5pPr>
-            <a:lvl6pPr marL="2514600" indent="-228600" algn="l" defTabSz="914400" rtl="0" eaLnBrk="1" latinLnBrk="0" hangingPunct="1">
-              <a:lnSpc>
-                <a:spcPct val="90000"/>
-              </a:lnSpc>
-              <a:spcBef>
-                <a:spcPts val="500"/>
-              </a:spcBef>
-              <a:buFont typeface="Arial" panose="020B0604020202020204" pitchFamily="34" charset="0"/>
-              <a:buChar char="•"/>
-              <a:defRPr sz="1800" kern="1200">
-                <a:solidFill>
-                  <a:schemeClr val="tx1"/>
-                </a:solidFill>
-                <a:latin typeface="+mn-lt"/>
-                <a:ea typeface="+mn-ea"/>
-                <a:cs typeface="+mn-cs"/>
-              </a:defRPr>
-            </a:lvl6pPr>
-            <a:lvl7pPr marL="2971800" indent="-228600" algn="l" defTabSz="914400" rtl="0" eaLnBrk="1" latinLnBrk="0" hangingPunct="1">
-              <a:lnSpc>
-                <a:spcPct val="90000"/>
-              </a:lnSpc>
-              <a:spcBef>
-                <a:spcPts val="500"/>
-              </a:spcBef>
-              <a:buFont typeface="Arial" panose="020B0604020202020204" pitchFamily="34" charset="0"/>
-              <a:buChar char="•"/>
-              <a:defRPr sz="1800" kern="1200">
-                <a:solidFill>
-                  <a:schemeClr val="tx1"/>
-                </a:solidFill>
-                <a:latin typeface="+mn-lt"/>
-                <a:ea typeface="+mn-ea"/>
-                <a:cs typeface="+mn-cs"/>
-              </a:defRPr>
-            </a:lvl7pPr>
-            <a:lvl8pPr marL="3429000" indent="-228600" algn="l" defTabSz="914400" rtl="0" eaLnBrk="1" latinLnBrk="0" hangingPunct="1">
-              <a:lnSpc>
-                <a:spcPct val="90000"/>
-              </a:lnSpc>
-              <a:spcBef>
-                <a:spcPts val="500"/>
-              </a:spcBef>
-              <a:buFont typeface="Arial" panose="020B0604020202020204" pitchFamily="34" charset="0"/>
-              <a:buChar char="•"/>
-              <a:defRPr sz="1800" kern="1200">
-                <a:solidFill>
-                  <a:schemeClr val="tx1"/>
-                </a:solidFill>
-                <a:latin typeface="+mn-lt"/>
-                <a:ea typeface="+mn-ea"/>
-                <a:cs typeface="+mn-cs"/>
-              </a:defRPr>
-            </a:lvl8pPr>
-            <a:lvl9pPr marL="3886200" indent="-228600" algn="l" defTabSz="914400" rtl="0" eaLnBrk="1" latinLnBrk="0" hangingPunct="1">
-              <a:lnSpc>
-                <a:spcPct val="90000"/>
-              </a:lnSpc>
-              <a:spcBef>
-                <a:spcPts val="500"/>
-              </a:spcBef>
-              <a:buFont typeface="Arial" panose="020B0604020202020204" pitchFamily="34" charset="0"/>
-              <a:buChar char="•"/>
-              <a:defRPr sz="1800" kern="1200">
-                <a:solidFill>
-                  <a:schemeClr val="tx1"/>
-                </a:solidFill>
-                <a:latin typeface="+mn-lt"/>
-                <a:ea typeface="+mn-ea"/>
-                <a:cs typeface="+mn-cs"/>
-              </a:defRPr>
-            </a:lvl9pPr>
-          </a:lstStyle>
-          <a:p>
-            <a:pPr algn="ctr">
-              <a:buFont typeface="Wingdings" panose="05000000000000000000" pitchFamily="2" charset="2"/>
-              <a:buChar char="L"/>
-            </a:pPr>
-            <a:r>
-              <a:rPr lang="fr-FR" sz="4500" b="1" dirty="0" smtClean="0">
-                <a:solidFill>
-                  <a:srgbClr val="FF0000"/>
-                </a:solidFill>
-                <a:latin typeface="Times New Roman" panose="02020603050405020304" pitchFamily="18" charset="0"/>
-                <a:cs typeface="Times New Roman" panose="02020603050405020304" pitchFamily="18" charset="0"/>
-              </a:rPr>
-              <a:t>WEAKNESS</a:t>
-            </a:r>
-            <a:r>
-              <a:rPr lang="fr-FR" sz="4500" b="1" dirty="0" smtClean="0">
-                <a:latin typeface="Times New Roman" panose="02020603050405020304" pitchFamily="18" charset="0"/>
-                <a:cs typeface="Times New Roman" panose="02020603050405020304" pitchFamily="18" charset="0"/>
-              </a:rPr>
-              <a:t>                          </a:t>
-            </a:r>
-          </a:p>
-          <a:p>
-            <a:pPr marL="0" indent="0" algn="ctr">
-              <a:buFont typeface="Arial" panose="020B0604020202020204" pitchFamily="34" charset="0"/>
-              <a:buNone/>
-            </a:pPr>
-            <a:r>
-              <a:rPr lang="fr-FR" sz="4500" dirty="0" err="1" smtClean="0">
-                <a:latin typeface="Times New Roman" panose="02020603050405020304" pitchFamily="18" charset="0"/>
-                <a:cs typeface="Times New Roman" panose="02020603050405020304" pitchFamily="18" charset="0"/>
-              </a:rPr>
-              <a:t>Kegne</a:t>
-            </a:r>
-            <a:r>
-              <a:rPr lang="fr-FR" sz="4500" dirty="0" smtClean="0">
-                <a:latin typeface="Times New Roman" panose="02020603050405020304" pitchFamily="18" charset="0"/>
-                <a:cs typeface="Times New Roman" panose="02020603050405020304" pitchFamily="18" charset="0"/>
-              </a:rPr>
-              <a:t> </a:t>
-            </a:r>
-            <a:r>
-              <a:rPr lang="fr-FR" sz="4500" dirty="0" err="1" smtClean="0">
-                <a:latin typeface="Times New Roman" panose="02020603050405020304" pitchFamily="18" charset="0"/>
-                <a:cs typeface="Times New Roman" panose="02020603050405020304" pitchFamily="18" charset="0"/>
-              </a:rPr>
-              <a:t>Heidy</a:t>
-            </a:r>
-            <a:r>
-              <a:rPr lang="fr-FR" sz="4500" dirty="0" smtClean="0">
-                <a:latin typeface="Times New Roman" panose="02020603050405020304" pitchFamily="18" charset="0"/>
-                <a:cs typeface="Times New Roman" panose="02020603050405020304" pitchFamily="18" charset="0"/>
-              </a:rPr>
-              <a:t> </a:t>
-            </a:r>
-          </a:p>
-          <a:p>
-            <a:pPr marL="0" indent="0" algn="ctr">
-              <a:buFont typeface="Arial" panose="020B0604020202020204" pitchFamily="34" charset="0"/>
-              <a:buNone/>
-            </a:pPr>
-            <a:r>
-              <a:rPr lang="fr-FR" sz="4500" dirty="0" err="1" smtClean="0">
-                <a:latin typeface="Times New Roman" panose="02020603050405020304" pitchFamily="18" charset="0"/>
-                <a:cs typeface="Times New Roman" panose="02020603050405020304" pitchFamily="18" charset="0"/>
-              </a:rPr>
-              <a:t>Nodjimadji</a:t>
-            </a:r>
-            <a:r>
-              <a:rPr lang="fr-FR" sz="4500" dirty="0" smtClean="0">
-                <a:latin typeface="Times New Roman" panose="02020603050405020304" pitchFamily="18" charset="0"/>
-                <a:cs typeface="Times New Roman" panose="02020603050405020304" pitchFamily="18" charset="0"/>
-              </a:rPr>
-              <a:t> </a:t>
-            </a:r>
-            <a:r>
-              <a:rPr lang="fr-FR" sz="4500" dirty="0" err="1" smtClean="0">
-                <a:latin typeface="Times New Roman" panose="02020603050405020304" pitchFamily="18" charset="0"/>
-                <a:cs typeface="Times New Roman" panose="02020603050405020304" pitchFamily="18" charset="0"/>
-              </a:rPr>
-              <a:t>Souar</a:t>
-            </a:r>
-            <a:endParaRPr lang="fr-FR" sz="4500" dirty="0" smtClean="0">
-              <a:latin typeface="Times New Roman" panose="02020603050405020304" pitchFamily="18" charset="0"/>
-              <a:cs typeface="Times New Roman" panose="02020603050405020304" pitchFamily="18" charset="0"/>
-            </a:endParaRPr>
-          </a:p>
-          <a:p>
-            <a:pPr marL="0" indent="0" algn="ctr">
-              <a:buFont typeface="Arial" panose="020B0604020202020204" pitchFamily="34" charset="0"/>
-              <a:buNone/>
-            </a:pPr>
-            <a:r>
-              <a:rPr lang="fr-FR" sz="4500" dirty="0" err="1" smtClean="0">
-                <a:latin typeface="Times New Roman" panose="02020603050405020304" pitchFamily="18" charset="0"/>
-                <a:cs typeface="Times New Roman" panose="02020603050405020304" pitchFamily="18" charset="0"/>
-              </a:rPr>
-              <a:t>Fenyom</a:t>
-            </a:r>
-            <a:r>
-              <a:rPr lang="fr-FR" sz="4500" dirty="0" smtClean="0">
-                <a:latin typeface="Times New Roman" panose="02020603050405020304" pitchFamily="18" charset="0"/>
-                <a:cs typeface="Times New Roman" panose="02020603050405020304" pitchFamily="18" charset="0"/>
-              </a:rPr>
-              <a:t> Bryan</a:t>
-            </a:r>
-          </a:p>
-          <a:p>
-            <a:pPr marL="0" indent="0" algn="ctr">
-              <a:buFont typeface="Arial" panose="020B0604020202020204" pitchFamily="34" charset="0"/>
-              <a:buNone/>
-            </a:pPr>
-            <a:r>
-              <a:rPr lang="fr-FR" sz="4500" dirty="0" err="1" smtClean="0">
-                <a:latin typeface="Times New Roman" panose="02020603050405020304" pitchFamily="18" charset="0"/>
-                <a:cs typeface="Times New Roman" panose="02020603050405020304" pitchFamily="18" charset="0"/>
-              </a:rPr>
-              <a:t>Nguessie</a:t>
-            </a:r>
-            <a:r>
-              <a:rPr lang="fr-FR" sz="4500" dirty="0" smtClean="0">
-                <a:latin typeface="Times New Roman" panose="02020603050405020304" pitchFamily="18" charset="0"/>
-                <a:cs typeface="Times New Roman" panose="02020603050405020304" pitchFamily="18" charset="0"/>
-              </a:rPr>
-              <a:t> Fabiola</a:t>
-            </a:r>
-          </a:p>
-          <a:p>
-            <a:pPr marL="0" indent="0">
-              <a:buFont typeface="Arial" panose="020B0604020202020204" pitchFamily="34" charset="0"/>
-              <a:buNone/>
-            </a:pPr>
-            <a:endParaRPr lang="fr-FR" dirty="0" smtClean="0">
-              <a:latin typeface="Times New Roman" panose="02020603050405020304" pitchFamily="18" charset="0"/>
-              <a:cs typeface="Times New Roman" panose="02020603050405020304" pitchFamily="18" charset="0"/>
-            </a:endParaRPr>
+            <a:endParaRPr lang="fr-FR" dirty="0"/>
           </a:p>
         </p:txBody>
       </p:sp>
     </p:spTree>
     <p:extLst>
       <p:ext uri="{BB962C8B-B14F-4D97-AF65-F5344CB8AC3E}">
-        <p14:creationId xmlns:p14="http://schemas.microsoft.com/office/powerpoint/2010/main" val="89503924"/>
+        <p14:creationId xmlns:p14="http://schemas.microsoft.com/office/powerpoint/2010/main" val="2215749854"/>
       </p:ext>
     </p:extLst>
   </p:cSld>
@@ -3692,19 +3232,21 @@
         </p:nvSpPr>
         <p:spPr/>
         <p:txBody>
-          <a:bodyPr/>
+          <a:bodyPr>
+            <a:normAutofit/>
+          </a:bodyPr>
           <a:lstStyle/>
           <a:p>
             <a:pPr algn="ctr"/>
             <a:r>
-              <a:rPr lang="fr-FR" b="1" dirty="0" smtClean="0">
+              <a:rPr lang="fr-FR" b="1" dirty="0">
                 <a:solidFill>
                   <a:srgbClr val="FF0000"/>
                 </a:solidFill>
                 <a:latin typeface="Times New Roman" panose="02020603050405020304" pitchFamily="18" charset="0"/>
                 <a:cs typeface="Times New Roman" panose="02020603050405020304" pitchFamily="18" charset="0"/>
               </a:rPr>
-              <a:t>REVIEW AND CONCLUSION</a:t>
+              <a:t>SEQUENCE DIAGRAM</a:t>
             </a:r>
             <a:endParaRPr lang="fr-FR" b="1" dirty="0">
               <a:solidFill>
@@ -3726,63 +3268,911 @@
             <p:ph idx="1"/>
           </p:nvPr>
         </p:nvSpPr>
-        <p:spPr>
-          <a:xfrm>
-            <a:off x="838200" y="1825625"/>
-            <a:ext cx="10515600" cy="4336024"/>
-          </a:xfrm>
-        </p:spPr>
+        <p:spPr/>
+        <p:txBody>
+          <a:bodyPr/>
+          <a:lstStyle/>
+          <a:p>
+            <a:endParaRPr lang="fr-FR"/>
+          </a:p>
+        </p:txBody>
+      </p:sp>
+    </p:spTree>
+    <p:extLst>
+      <p:ext uri="{BB962C8B-B14F-4D97-AF65-F5344CB8AC3E}">
+        <p14:creationId xmlns:p14="http://schemas.microsoft.com/office/powerpoint/2010/main" val="2697585656"/>
+      </p:ext>
+    </p:extLst>
+  </p:cSld>
+  <p:clrMapOvr>
+    <a:masterClrMapping/>
+  </p:clrMapOvr>
+</p:sld>
+</file>
+
+<file path=ppt/slides/slide12.xml><?xml version="1.0" encoding="utf-8"?>
+<p:sld xmlns:a="http://schemas.openxmlformats.org/drawingml/2006/main" xmlns:r="http://schemas.openxmlformats.org/officeDocument/2006/relationships" xmlns:p="http://schemas.openxmlformats.org/presentationml/2006/main">
+  <p:cSld>
+    <p:spTree>
+      <p:nvGrpSpPr>
+        <p:cNvPr id="1" name=""/>
+        <p:cNvGrpSpPr/>
+        <p:nvPr/>
+      </p:nvGrpSpPr>
+      <p:grpSpPr>
+        <a:xfrm>
+          <a:off x="0" y="0"/>
+          <a:ext cx="0" cy="0"/>
+          <a:chOff x="0" y="0"/>
+          <a:chExt cx="0" cy="0"/>
+        </a:xfrm>
+      </p:grpSpPr>
+      <p:sp>
+        <p:nvSpPr>
+          <p:cNvPr id="2" name="Titre 1"/>
+          <p:cNvSpPr>
+            <a:spLocks noGrp="1"/>
+          </p:cNvSpPr>
+          <p:nvPr>
+            <p:ph type="title"/>
+          </p:nvPr>
+        </p:nvSpPr>
+        <p:spPr/>
         <p:txBody>
           <a:bodyPr>
             <a:normAutofit/>
           </a:bodyPr>
           <a:lstStyle/>
           <a:p>
+            <a:pPr algn="ctr"/>
+            <a:r>
+              <a:rPr lang="fr-FR" b="1" dirty="0" smtClean="0">
+                <a:solidFill>
+                  <a:srgbClr val="FF0000"/>
+                </a:solidFill>
+                <a:latin typeface="Times New Roman" panose="02020603050405020304" pitchFamily="18" charset="0"/>
+                <a:cs typeface="Times New Roman" panose="02020603050405020304" pitchFamily="18" charset="0"/>
+              </a:rPr>
+              <a:t>COMPONENT </a:t>
+            </a:r>
+            <a:r>
+              <a:rPr lang="fr-FR" b="1" dirty="0">
+                <a:solidFill>
+                  <a:srgbClr val="FF0000"/>
+                </a:solidFill>
+                <a:latin typeface="Times New Roman" panose="02020603050405020304" pitchFamily="18" charset="0"/>
+                <a:cs typeface="Times New Roman" panose="02020603050405020304" pitchFamily="18" charset="0"/>
+              </a:rPr>
+              <a:t>DIAGRAM</a:t>
+            </a:r>
+            <a:endParaRPr lang="fr-FR" b="1" dirty="0">
+              <a:solidFill>
+                <a:srgbClr val="FF0000"/>
+              </a:solidFill>
+              <a:latin typeface="Times New Roman" panose="02020603050405020304" pitchFamily="18" charset="0"/>
+              <a:cs typeface="Times New Roman" panose="02020603050405020304" pitchFamily="18" charset="0"/>
+            </a:endParaRPr>
+          </a:p>
+        </p:txBody>
+      </p:sp>
+      <p:sp>
+        <p:nvSpPr>
+          <p:cNvPr id="3" name="Espace réservé du contenu 2"/>
+          <p:cNvSpPr>
+            <a:spLocks noGrp="1"/>
+          </p:cNvSpPr>
+          <p:nvPr>
+            <p:ph idx="1"/>
+          </p:nvPr>
+        </p:nvSpPr>
+        <p:spPr/>
+        <p:txBody>
+          <a:bodyPr/>
+          <a:lstStyle/>
+          <a:p>
+            <a:endParaRPr lang="fr-FR"/>
+          </a:p>
+        </p:txBody>
+      </p:sp>
+    </p:spTree>
+    <p:extLst>
+      <p:ext uri="{BB962C8B-B14F-4D97-AF65-F5344CB8AC3E}">
+        <p14:creationId xmlns:p14="http://schemas.microsoft.com/office/powerpoint/2010/main" val="2630863834"/>
+      </p:ext>
+    </p:extLst>
+  </p:cSld>
+  <p:clrMapOvr>
+    <a:masterClrMapping/>
+  </p:clrMapOvr>
+</p:sld>
+</file>
+
+<file path=ppt/slides/slide13.xml><?xml version="1.0" encoding="utf-8"?>
+<p:sld xmlns:a="http://schemas.openxmlformats.org/drawingml/2006/main" xmlns:r="http://schemas.openxmlformats.org/officeDocument/2006/relationships" xmlns:p="http://schemas.openxmlformats.org/presentationml/2006/main">
+  <p:cSld>
+    <p:spTree>
+      <p:nvGrpSpPr>
+        <p:cNvPr id="1" name=""/>
+        <p:cNvGrpSpPr/>
+        <p:nvPr/>
+      </p:nvGrpSpPr>
+      <p:grpSpPr>
+        <a:xfrm>
+          <a:off x="0" y="0"/>
+          <a:ext cx="0" cy="0"/>
+          <a:chOff x="0" y="0"/>
+          <a:chExt cx="0" cy="0"/>
+        </a:xfrm>
+      </p:grpSpPr>
+      <p:sp>
+        <p:nvSpPr>
+          <p:cNvPr id="2" name="Titre 1"/>
+          <p:cNvSpPr>
+            <a:spLocks noGrp="1"/>
+          </p:cNvSpPr>
+          <p:nvPr>
+            <p:ph type="title"/>
+          </p:nvPr>
+        </p:nvSpPr>
+        <p:spPr/>
+        <p:txBody>
+          <a:bodyPr/>
+          <a:lstStyle/>
+          <a:p>
+            <a:pPr algn="ctr"/>
+            <a:r>
+              <a:rPr lang="fr-FR" b="1" dirty="0" smtClean="0">
+                <a:solidFill>
+                  <a:srgbClr val="FF0000"/>
+                </a:solidFill>
+                <a:latin typeface="Times New Roman" panose="02020603050405020304" pitchFamily="18" charset="0"/>
+                <a:cs typeface="Times New Roman" panose="02020603050405020304" pitchFamily="18" charset="0"/>
+              </a:rPr>
+              <a:t>REPORTS</a:t>
+            </a:r>
+            <a:r>
+              <a:rPr lang="fr-FR" dirty="0" smtClean="0"/>
+              <a:t> </a:t>
+            </a:r>
+            <a:endParaRPr lang="fr-FR" dirty="0"/>
+          </a:p>
+        </p:txBody>
+      </p:sp>
+      <p:sp>
+        <p:nvSpPr>
+          <p:cNvPr id="3" name="Espace réservé du contenu 2"/>
+          <p:cNvSpPr>
+            <a:spLocks noGrp="1"/>
+          </p:cNvSpPr>
+          <p:nvPr>
+            <p:ph idx="1"/>
+          </p:nvPr>
+        </p:nvSpPr>
+        <p:spPr>
+          <a:xfrm>
+            <a:off x="3296236" y="1690688"/>
+            <a:ext cx="5599527" cy="4351338"/>
+          </a:xfrm>
+        </p:spPr>
+        <p:txBody>
+          <a:bodyPr/>
+          <a:lstStyle/>
+          <a:p>
+            <a:pPr algn="ctr"/>
+            <a:r>
+              <a:rPr lang="pt-BR" dirty="0" smtClean="0">
+                <a:latin typeface="Times New Roman" panose="02020603050405020304" pitchFamily="18" charset="0"/>
+                <a:cs typeface="Times New Roman" panose="02020603050405020304" pitchFamily="18" charset="0"/>
+              </a:rPr>
+              <a:t>JavaDoc</a:t>
+            </a:r>
+          </a:p>
+          <a:p>
+            <a:pPr algn="ctr"/>
+            <a:endParaRPr lang="pt-BR" dirty="0" smtClean="0">
+              <a:latin typeface="Times New Roman" panose="02020603050405020304" pitchFamily="18" charset="0"/>
+              <a:cs typeface="Times New Roman" panose="02020603050405020304" pitchFamily="18" charset="0"/>
+            </a:endParaRPr>
+          </a:p>
+          <a:p>
+            <a:pPr algn="ctr"/>
+            <a:r>
+              <a:rPr lang="pt-BR" dirty="0" smtClean="0">
+                <a:latin typeface="Times New Roman" panose="02020603050405020304" pitchFamily="18" charset="0"/>
+                <a:cs typeface="Times New Roman" panose="02020603050405020304" pitchFamily="18" charset="0"/>
+              </a:rPr>
+              <a:t>Surefire</a:t>
+            </a:r>
+          </a:p>
+          <a:p>
+            <a:pPr algn="ctr"/>
+            <a:endParaRPr lang="pt-BR" dirty="0" smtClean="0">
+              <a:latin typeface="Times New Roman" panose="02020603050405020304" pitchFamily="18" charset="0"/>
+              <a:cs typeface="Times New Roman" panose="02020603050405020304" pitchFamily="18" charset="0"/>
+            </a:endParaRPr>
+          </a:p>
+          <a:p>
+            <a:pPr algn="ctr"/>
+            <a:r>
+              <a:rPr lang="pt-BR" dirty="0" smtClean="0">
+                <a:latin typeface="Times New Roman" panose="02020603050405020304" pitchFamily="18" charset="0"/>
+                <a:cs typeface="Times New Roman" panose="02020603050405020304" pitchFamily="18" charset="0"/>
+              </a:rPr>
+              <a:t>JXR</a:t>
+            </a:r>
+          </a:p>
+          <a:p>
+            <a:pPr algn="ctr"/>
+            <a:endParaRPr lang="pt-BR" dirty="0" smtClean="0">
+              <a:latin typeface="Times New Roman" panose="02020603050405020304" pitchFamily="18" charset="0"/>
+              <a:cs typeface="Times New Roman" panose="02020603050405020304" pitchFamily="18" charset="0"/>
+            </a:endParaRPr>
+          </a:p>
+          <a:p>
+            <a:pPr algn="ctr"/>
+            <a:r>
+              <a:rPr lang="pt-BR" dirty="0" smtClean="0">
+                <a:latin typeface="Times New Roman" panose="02020603050405020304" pitchFamily="18" charset="0"/>
+                <a:cs typeface="Times New Roman" panose="02020603050405020304" pitchFamily="18" charset="0"/>
+              </a:rPr>
+              <a:t>Git</a:t>
+            </a:r>
+            <a:endParaRPr lang="pt-BR" dirty="0">
+              <a:latin typeface="Times New Roman" panose="02020603050405020304" pitchFamily="18" charset="0"/>
+              <a:cs typeface="Times New Roman" panose="02020603050405020304" pitchFamily="18" charset="0"/>
+            </a:endParaRPr>
+          </a:p>
+        </p:txBody>
+      </p:sp>
+    </p:spTree>
+    <p:extLst>
+      <p:ext uri="{BB962C8B-B14F-4D97-AF65-F5344CB8AC3E}">
+        <p14:creationId xmlns:p14="http://schemas.microsoft.com/office/powerpoint/2010/main" val="1879425374"/>
+      </p:ext>
+    </p:extLst>
+  </p:cSld>
+  <p:clrMapOvr>
+    <a:masterClrMapping/>
+  </p:clrMapOvr>
+</p:sld>
+</file>
+
+<file path=ppt/slides/slide14.xml><?xml version="1.0" encoding="utf-8"?>
+<p:sld xmlns:a="http://schemas.openxmlformats.org/drawingml/2006/main" xmlns:r="http://schemas.openxmlformats.org/officeDocument/2006/relationships" xmlns:p="http://schemas.openxmlformats.org/presentationml/2006/main">
+  <p:cSld>
+    <p:spTree>
+      <p:nvGrpSpPr>
+        <p:cNvPr id="1" name=""/>
+        <p:cNvGrpSpPr/>
+        <p:nvPr/>
+      </p:nvGrpSpPr>
+      <p:grpSpPr>
+        <a:xfrm>
+          <a:off x="0" y="0"/>
+          <a:ext cx="0" cy="0"/>
+          <a:chOff x="0" y="0"/>
+          <a:chExt cx="0" cy="0"/>
+        </a:xfrm>
+      </p:grpSpPr>
+      <p:sp>
+        <p:nvSpPr>
+          <p:cNvPr id="2" name="Titre 1"/>
+          <p:cNvSpPr>
+            <a:spLocks noGrp="1"/>
+          </p:cNvSpPr>
+          <p:nvPr>
+            <p:ph type="title"/>
+          </p:nvPr>
+        </p:nvSpPr>
+        <p:spPr/>
+        <p:txBody>
+          <a:bodyPr>
+            <a:normAutofit/>
+          </a:bodyPr>
+          <a:lstStyle/>
+          <a:p>
+            <a:pPr algn="ctr"/>
+            <a:r>
+              <a:rPr lang="fr-FR" sz="5000" b="1" dirty="0" smtClean="0">
+                <a:solidFill>
+                  <a:srgbClr val="FF0000"/>
+                </a:solidFill>
+                <a:latin typeface="Times New Roman" panose="02020603050405020304" pitchFamily="18" charset="0"/>
+                <a:cs typeface="Times New Roman" panose="02020603050405020304" pitchFamily="18" charset="0"/>
+              </a:rPr>
+              <a:t>STRENGTH AND WEAKNESS</a:t>
+            </a:r>
+            <a:endParaRPr lang="fr-FR" sz="5000" b="1" dirty="0">
+              <a:solidFill>
+                <a:srgbClr val="FF0000"/>
+              </a:solidFill>
+              <a:latin typeface="Times New Roman" panose="02020603050405020304" pitchFamily="18" charset="0"/>
+              <a:cs typeface="Times New Roman" panose="02020603050405020304" pitchFamily="18" charset="0"/>
+            </a:endParaRPr>
+          </a:p>
+        </p:txBody>
+      </p:sp>
+      <p:sp>
+        <p:nvSpPr>
+          <p:cNvPr id="3" name="Espace réservé du contenu 2"/>
+          <p:cNvSpPr>
+            <a:spLocks noGrp="1"/>
+          </p:cNvSpPr>
+          <p:nvPr>
+            <p:ph idx="1"/>
+          </p:nvPr>
+        </p:nvSpPr>
+        <p:spPr>
+          <a:xfrm>
+            <a:off x="528711" y="1859502"/>
+            <a:ext cx="4915486" cy="4583502"/>
+          </a:xfrm>
+        </p:spPr>
+        <p:txBody>
+          <a:bodyPr/>
+          <a:lstStyle/>
+          <a:p>
+            <a:pPr algn="ctr">
+              <a:buFont typeface="Wingdings" panose="05000000000000000000" pitchFamily="2" charset="2"/>
+              <a:buChar char="J"/>
+            </a:pPr>
+            <a:r>
+              <a:rPr lang="fr-FR" sz="4500" b="1" dirty="0" smtClean="0">
+                <a:solidFill>
+                  <a:srgbClr val="00B050"/>
+                </a:solidFill>
+                <a:latin typeface="Times New Roman" panose="02020603050405020304" pitchFamily="18" charset="0"/>
+                <a:cs typeface="Times New Roman" panose="02020603050405020304" pitchFamily="18" charset="0"/>
+              </a:rPr>
+              <a:t>STRENGTH </a:t>
+            </a:r>
+            <a:r>
+              <a:rPr lang="fr-FR" sz="4500" b="1" dirty="0" smtClean="0">
+                <a:latin typeface="Times New Roman" panose="02020603050405020304" pitchFamily="18" charset="0"/>
+                <a:cs typeface="Times New Roman" panose="02020603050405020304" pitchFamily="18" charset="0"/>
+              </a:rPr>
+              <a:t>                            </a:t>
+            </a:r>
+          </a:p>
+          <a:p>
+            <a:pPr marL="0" indent="0" algn="ctr">
+              <a:buNone/>
+            </a:pPr>
+            <a:r>
+              <a:rPr lang="fr-FR" sz="4500" dirty="0" err="1" smtClean="0">
+                <a:latin typeface="Times New Roman" panose="02020603050405020304" pitchFamily="18" charset="0"/>
+                <a:cs typeface="Times New Roman" panose="02020603050405020304" pitchFamily="18" charset="0"/>
+              </a:rPr>
+              <a:t>Kegne</a:t>
+            </a:r>
+            <a:r>
+              <a:rPr lang="fr-FR" sz="4500" dirty="0" smtClean="0">
+                <a:latin typeface="Times New Roman" panose="02020603050405020304" pitchFamily="18" charset="0"/>
+                <a:cs typeface="Times New Roman" panose="02020603050405020304" pitchFamily="18" charset="0"/>
+              </a:rPr>
+              <a:t> </a:t>
+            </a:r>
+            <a:r>
+              <a:rPr lang="fr-FR" sz="4500" dirty="0" err="1" smtClean="0">
+                <a:latin typeface="Times New Roman" panose="02020603050405020304" pitchFamily="18" charset="0"/>
+                <a:cs typeface="Times New Roman" panose="02020603050405020304" pitchFamily="18" charset="0"/>
+              </a:rPr>
+              <a:t>Heidy</a:t>
+            </a:r>
+            <a:r>
+              <a:rPr lang="fr-FR" sz="4500" dirty="0" smtClean="0">
+                <a:latin typeface="Times New Roman" panose="02020603050405020304" pitchFamily="18" charset="0"/>
+                <a:cs typeface="Times New Roman" panose="02020603050405020304" pitchFamily="18" charset="0"/>
+              </a:rPr>
+              <a:t> </a:t>
+            </a:r>
+          </a:p>
+          <a:p>
+            <a:pPr marL="0" indent="0" algn="ctr">
+              <a:buNone/>
+            </a:pPr>
+            <a:r>
+              <a:rPr lang="fr-FR" sz="4500" dirty="0" err="1" smtClean="0">
+                <a:latin typeface="Times New Roman" panose="02020603050405020304" pitchFamily="18" charset="0"/>
+                <a:cs typeface="Times New Roman" panose="02020603050405020304" pitchFamily="18" charset="0"/>
+              </a:rPr>
+              <a:t>Nodjimadji</a:t>
+            </a:r>
+            <a:r>
+              <a:rPr lang="fr-FR" sz="4500" dirty="0" smtClean="0">
+                <a:latin typeface="Times New Roman" panose="02020603050405020304" pitchFamily="18" charset="0"/>
+                <a:cs typeface="Times New Roman" panose="02020603050405020304" pitchFamily="18" charset="0"/>
+              </a:rPr>
+              <a:t> </a:t>
+            </a:r>
+            <a:r>
+              <a:rPr lang="fr-FR" sz="4500" dirty="0" err="1" smtClean="0">
+                <a:latin typeface="Times New Roman" panose="02020603050405020304" pitchFamily="18" charset="0"/>
+                <a:cs typeface="Times New Roman" panose="02020603050405020304" pitchFamily="18" charset="0"/>
+              </a:rPr>
+              <a:t>Souar</a:t>
+            </a:r>
+            <a:endParaRPr lang="fr-FR" sz="4500" dirty="0" smtClean="0">
+              <a:latin typeface="Times New Roman" panose="02020603050405020304" pitchFamily="18" charset="0"/>
+              <a:cs typeface="Times New Roman" panose="02020603050405020304" pitchFamily="18" charset="0"/>
+            </a:endParaRPr>
+          </a:p>
+          <a:p>
+            <a:pPr marL="0" indent="0" algn="ctr">
+              <a:buNone/>
+            </a:pPr>
+            <a:r>
+              <a:rPr lang="fr-FR" sz="4500" dirty="0" err="1" smtClean="0">
+                <a:latin typeface="Times New Roman" panose="02020603050405020304" pitchFamily="18" charset="0"/>
+                <a:cs typeface="Times New Roman" panose="02020603050405020304" pitchFamily="18" charset="0"/>
+              </a:rPr>
+              <a:t>Fenyom</a:t>
+            </a:r>
+            <a:r>
+              <a:rPr lang="fr-FR" sz="4500" dirty="0" smtClean="0">
+                <a:latin typeface="Times New Roman" panose="02020603050405020304" pitchFamily="18" charset="0"/>
+                <a:cs typeface="Times New Roman" panose="02020603050405020304" pitchFamily="18" charset="0"/>
+              </a:rPr>
+              <a:t> Bryan</a:t>
+            </a:r>
+          </a:p>
+          <a:p>
+            <a:pPr marL="0" indent="0" algn="ctr">
+              <a:buNone/>
+            </a:pPr>
+            <a:r>
+              <a:rPr lang="fr-FR" sz="4500" dirty="0" err="1" smtClean="0">
+                <a:latin typeface="Times New Roman" panose="02020603050405020304" pitchFamily="18" charset="0"/>
+                <a:cs typeface="Times New Roman" panose="02020603050405020304" pitchFamily="18" charset="0"/>
+              </a:rPr>
+              <a:t>Nguessie</a:t>
+            </a:r>
+            <a:r>
+              <a:rPr lang="fr-FR" sz="4500" dirty="0" smtClean="0">
+                <a:latin typeface="Times New Roman" panose="02020603050405020304" pitchFamily="18" charset="0"/>
+                <a:cs typeface="Times New Roman" panose="02020603050405020304" pitchFamily="18" charset="0"/>
+              </a:rPr>
+              <a:t> Fabiola</a:t>
+            </a:r>
+            <a:endParaRPr lang="fr-FR" sz="4500" dirty="0">
+              <a:latin typeface="Times New Roman" panose="02020603050405020304" pitchFamily="18" charset="0"/>
+              <a:cs typeface="Times New Roman" panose="02020603050405020304" pitchFamily="18" charset="0"/>
+            </a:endParaRPr>
+          </a:p>
+          <a:p>
+            <a:pPr marL="0" indent="0">
+              <a:buNone/>
+            </a:pPr>
+            <a:endParaRPr lang="fr-FR" dirty="0" smtClean="0">
+              <a:latin typeface="Times New Roman" panose="02020603050405020304" pitchFamily="18" charset="0"/>
+              <a:cs typeface="Times New Roman" panose="02020603050405020304" pitchFamily="18" charset="0"/>
+            </a:endParaRPr>
+          </a:p>
+        </p:txBody>
+      </p:sp>
+      <p:sp>
+        <p:nvSpPr>
+          <p:cNvPr id="4" name="Espace réservé du contenu 2"/>
+          <p:cNvSpPr txBox="1">
+            <a:spLocks/>
+          </p:cNvSpPr>
+          <p:nvPr/>
+        </p:nvSpPr>
+        <p:spPr>
+          <a:xfrm>
+            <a:off x="6645812" y="1859502"/>
+            <a:ext cx="4426634" cy="4351338"/>
+          </a:xfrm>
+          <a:prstGeom prst="rect">
+            <a:avLst/>
+          </a:prstGeom>
+        </p:spPr>
+        <p:txBody>
+          <a:bodyPr vert="horz" lIns="91440" tIns="45720" rIns="91440" bIns="45720" rtlCol="0">
+            <a:normAutofit/>
+          </a:bodyPr>
+          <a:lstStyle>
+            <a:lvl1pPr marL="228600" indent="-228600" algn="l" defTabSz="914400" rtl="0" eaLnBrk="1" latinLnBrk="0" hangingPunct="1">
+              <a:lnSpc>
+                <a:spcPct val="90000"/>
+              </a:lnSpc>
+              <a:spcBef>
+                <a:spcPts val="1000"/>
+              </a:spcBef>
+              <a:buFont typeface="Arial" panose="020B0604020202020204" pitchFamily="34" charset="0"/>
+              <a:buChar char="•"/>
+              <a:defRPr sz="2800" kern="1200">
+                <a:solidFill>
+                  <a:schemeClr val="tx1"/>
+                </a:solidFill>
+                <a:latin typeface="+mn-lt"/>
+                <a:ea typeface="+mn-ea"/>
+                <a:cs typeface="+mn-cs"/>
+              </a:defRPr>
+            </a:lvl1pPr>
+            <a:lvl2pPr marL="685800" indent="-228600" algn="l" defTabSz="914400" rtl="0" eaLnBrk="1" latinLnBrk="0" hangingPunct="1">
+              <a:lnSpc>
+                <a:spcPct val="90000"/>
+              </a:lnSpc>
+              <a:spcBef>
+                <a:spcPts val="500"/>
+              </a:spcBef>
+              <a:buFont typeface="Arial" panose="020B0604020202020204" pitchFamily="34" charset="0"/>
+              <a:buChar char="•"/>
+              <a:defRPr sz="2400" kern="1200">
+                <a:solidFill>
+                  <a:schemeClr val="tx1"/>
+                </a:solidFill>
+                <a:latin typeface="+mn-lt"/>
+                <a:ea typeface="+mn-ea"/>
+                <a:cs typeface="+mn-cs"/>
+              </a:defRPr>
+            </a:lvl2pPr>
+            <a:lvl3pPr marL="1143000" indent="-228600" algn="l" defTabSz="914400" rtl="0" eaLnBrk="1" latinLnBrk="0" hangingPunct="1">
+              <a:lnSpc>
+                <a:spcPct val="90000"/>
+              </a:lnSpc>
+              <a:spcBef>
+                <a:spcPts val="500"/>
+              </a:spcBef>
+              <a:buFont typeface="Arial" panose="020B0604020202020204" pitchFamily="34" charset="0"/>
+              <a:buChar char="•"/>
+              <a:defRPr sz="2000" kern="1200">
+                <a:solidFill>
+                  <a:schemeClr val="tx1"/>
+                </a:solidFill>
+                <a:latin typeface="+mn-lt"/>
+                <a:ea typeface="+mn-ea"/>
+                <a:cs typeface="+mn-cs"/>
+              </a:defRPr>
+            </a:lvl3pPr>
+            <a:lvl4pPr marL="1600200" indent="-228600" algn="l" defTabSz="914400" rtl="0" eaLnBrk="1" latinLnBrk="0" hangingPunct="1">
+              <a:lnSpc>
+                <a:spcPct val="90000"/>
+              </a:lnSpc>
+              <a:spcBef>
+                <a:spcPts val="500"/>
+              </a:spcBef>
+              <a:buFont typeface="Arial" panose="020B0604020202020204" pitchFamily="34" charset="0"/>
+              <a:buChar char="•"/>
+              <a:defRPr sz="1800" kern="1200">
+                <a:solidFill>
+                  <a:schemeClr val="tx1"/>
+                </a:solidFill>
+                <a:latin typeface="+mn-lt"/>
+                <a:ea typeface="+mn-ea"/>
+                <a:cs typeface="+mn-cs"/>
+              </a:defRPr>
+            </a:lvl4pPr>
+            <a:lvl5pPr marL="2057400" indent="-228600" algn="l" defTabSz="914400" rtl="0" eaLnBrk="1" latinLnBrk="0" hangingPunct="1">
+              <a:lnSpc>
+                <a:spcPct val="90000"/>
+              </a:lnSpc>
+              <a:spcBef>
+                <a:spcPts val="500"/>
+              </a:spcBef>
+              <a:buFont typeface="Arial" panose="020B0604020202020204" pitchFamily="34" charset="0"/>
+              <a:buChar char="•"/>
+              <a:defRPr sz="1800" kern="1200">
+                <a:solidFill>
+                  <a:schemeClr val="tx1"/>
+                </a:solidFill>
+                <a:latin typeface="+mn-lt"/>
+                <a:ea typeface="+mn-ea"/>
+                <a:cs typeface="+mn-cs"/>
+              </a:defRPr>
+            </a:lvl5pPr>
+            <a:lvl6pPr marL="2514600" indent="-228600" algn="l" defTabSz="914400" rtl="0" eaLnBrk="1" latinLnBrk="0" hangingPunct="1">
+              <a:lnSpc>
+                <a:spcPct val="90000"/>
+              </a:lnSpc>
+              <a:spcBef>
+                <a:spcPts val="500"/>
+              </a:spcBef>
+              <a:buFont typeface="Arial" panose="020B0604020202020204" pitchFamily="34" charset="0"/>
+              <a:buChar char="•"/>
+              <a:defRPr sz="1800" kern="1200">
+                <a:solidFill>
+                  <a:schemeClr val="tx1"/>
+                </a:solidFill>
+                <a:latin typeface="+mn-lt"/>
+                <a:ea typeface="+mn-ea"/>
+                <a:cs typeface="+mn-cs"/>
+              </a:defRPr>
+            </a:lvl6pPr>
+            <a:lvl7pPr marL="2971800" indent="-228600" algn="l" defTabSz="914400" rtl="0" eaLnBrk="1" latinLnBrk="0" hangingPunct="1">
+              <a:lnSpc>
+                <a:spcPct val="90000"/>
+              </a:lnSpc>
+              <a:spcBef>
+                <a:spcPts val="500"/>
+              </a:spcBef>
+              <a:buFont typeface="Arial" panose="020B0604020202020204" pitchFamily="34" charset="0"/>
+              <a:buChar char="•"/>
+              <a:defRPr sz="1800" kern="1200">
+                <a:solidFill>
+                  <a:schemeClr val="tx1"/>
+                </a:solidFill>
+                <a:latin typeface="+mn-lt"/>
+                <a:ea typeface="+mn-ea"/>
+                <a:cs typeface="+mn-cs"/>
+              </a:defRPr>
+            </a:lvl7pPr>
+            <a:lvl8pPr marL="3429000" indent="-228600" algn="l" defTabSz="914400" rtl="0" eaLnBrk="1" latinLnBrk="0" hangingPunct="1">
+              <a:lnSpc>
+                <a:spcPct val="90000"/>
+              </a:lnSpc>
+              <a:spcBef>
+                <a:spcPts val="500"/>
+              </a:spcBef>
+              <a:buFont typeface="Arial" panose="020B0604020202020204" pitchFamily="34" charset="0"/>
+              <a:buChar char="•"/>
+              <a:defRPr sz="1800" kern="1200">
+                <a:solidFill>
+                  <a:schemeClr val="tx1"/>
+                </a:solidFill>
+                <a:latin typeface="+mn-lt"/>
+                <a:ea typeface="+mn-ea"/>
+                <a:cs typeface="+mn-cs"/>
+              </a:defRPr>
+            </a:lvl8pPr>
+            <a:lvl9pPr marL="3886200" indent="-228600" algn="l" defTabSz="914400" rtl="0" eaLnBrk="1" latinLnBrk="0" hangingPunct="1">
+              <a:lnSpc>
+                <a:spcPct val="90000"/>
+              </a:lnSpc>
+              <a:spcBef>
+                <a:spcPts val="500"/>
+              </a:spcBef>
+              <a:buFont typeface="Arial" panose="020B0604020202020204" pitchFamily="34" charset="0"/>
+              <a:buChar char="•"/>
+              <a:defRPr sz="1800" kern="1200">
+                <a:solidFill>
+                  <a:schemeClr val="tx1"/>
+                </a:solidFill>
+                <a:latin typeface="+mn-lt"/>
+                <a:ea typeface="+mn-ea"/>
+                <a:cs typeface="+mn-cs"/>
+              </a:defRPr>
+            </a:lvl9pPr>
+          </a:lstStyle>
+          <a:p>
+            <a:pPr algn="ctr">
+              <a:buFont typeface="Wingdings" panose="05000000000000000000" pitchFamily="2" charset="2"/>
+              <a:buChar char="L"/>
+            </a:pPr>
+            <a:r>
+              <a:rPr lang="fr-FR" sz="4500" b="1" dirty="0" smtClean="0">
+                <a:solidFill>
+                  <a:srgbClr val="FF0000"/>
+                </a:solidFill>
+                <a:latin typeface="Times New Roman" panose="02020603050405020304" pitchFamily="18" charset="0"/>
+                <a:cs typeface="Times New Roman" panose="02020603050405020304" pitchFamily="18" charset="0"/>
+              </a:rPr>
+              <a:t>WEAKNESS</a:t>
+            </a:r>
+            <a:r>
+              <a:rPr lang="fr-FR" sz="4500" b="1" dirty="0" smtClean="0">
+                <a:latin typeface="Times New Roman" panose="02020603050405020304" pitchFamily="18" charset="0"/>
+                <a:cs typeface="Times New Roman" panose="02020603050405020304" pitchFamily="18" charset="0"/>
+              </a:rPr>
+              <a:t>                          </a:t>
+            </a:r>
+          </a:p>
+          <a:p>
+            <a:pPr marL="0" indent="0" algn="ctr">
+              <a:buFont typeface="Arial" panose="020B0604020202020204" pitchFamily="34" charset="0"/>
+              <a:buNone/>
+            </a:pPr>
+            <a:r>
+              <a:rPr lang="fr-FR" sz="4500" dirty="0" err="1" smtClean="0">
+                <a:latin typeface="Times New Roman" panose="02020603050405020304" pitchFamily="18" charset="0"/>
+                <a:cs typeface="Times New Roman" panose="02020603050405020304" pitchFamily="18" charset="0"/>
+              </a:rPr>
+              <a:t>Kegne</a:t>
+            </a:r>
+            <a:r>
+              <a:rPr lang="fr-FR" sz="4500" dirty="0" smtClean="0">
+                <a:latin typeface="Times New Roman" panose="02020603050405020304" pitchFamily="18" charset="0"/>
+                <a:cs typeface="Times New Roman" panose="02020603050405020304" pitchFamily="18" charset="0"/>
+              </a:rPr>
+              <a:t> </a:t>
+            </a:r>
+            <a:r>
+              <a:rPr lang="fr-FR" sz="4500" dirty="0" err="1" smtClean="0">
+                <a:latin typeface="Times New Roman" panose="02020603050405020304" pitchFamily="18" charset="0"/>
+                <a:cs typeface="Times New Roman" panose="02020603050405020304" pitchFamily="18" charset="0"/>
+              </a:rPr>
+              <a:t>Heidy</a:t>
+            </a:r>
+            <a:r>
+              <a:rPr lang="fr-FR" sz="4500" dirty="0" smtClean="0">
+                <a:latin typeface="Times New Roman" panose="02020603050405020304" pitchFamily="18" charset="0"/>
+                <a:cs typeface="Times New Roman" panose="02020603050405020304" pitchFamily="18" charset="0"/>
+              </a:rPr>
+              <a:t> </a:t>
+            </a:r>
+          </a:p>
+          <a:p>
+            <a:pPr marL="0" indent="0" algn="ctr">
+              <a:buFont typeface="Arial" panose="020B0604020202020204" pitchFamily="34" charset="0"/>
+              <a:buNone/>
+            </a:pPr>
+            <a:r>
+              <a:rPr lang="fr-FR" sz="4500" dirty="0" err="1" smtClean="0">
+                <a:latin typeface="Times New Roman" panose="02020603050405020304" pitchFamily="18" charset="0"/>
+                <a:cs typeface="Times New Roman" panose="02020603050405020304" pitchFamily="18" charset="0"/>
+              </a:rPr>
+              <a:t>Nodjimadji</a:t>
+            </a:r>
+            <a:r>
+              <a:rPr lang="fr-FR" sz="4500" dirty="0" smtClean="0">
+                <a:latin typeface="Times New Roman" panose="02020603050405020304" pitchFamily="18" charset="0"/>
+                <a:cs typeface="Times New Roman" panose="02020603050405020304" pitchFamily="18" charset="0"/>
+              </a:rPr>
+              <a:t> </a:t>
+            </a:r>
+            <a:r>
+              <a:rPr lang="fr-FR" sz="4500" dirty="0" err="1" smtClean="0">
+                <a:latin typeface="Times New Roman" panose="02020603050405020304" pitchFamily="18" charset="0"/>
+                <a:cs typeface="Times New Roman" panose="02020603050405020304" pitchFamily="18" charset="0"/>
+              </a:rPr>
+              <a:t>Souar</a:t>
+            </a:r>
+            <a:endParaRPr lang="fr-FR" sz="4500" dirty="0" smtClean="0">
+              <a:latin typeface="Times New Roman" panose="02020603050405020304" pitchFamily="18" charset="0"/>
+              <a:cs typeface="Times New Roman" panose="02020603050405020304" pitchFamily="18" charset="0"/>
+            </a:endParaRPr>
+          </a:p>
+          <a:p>
+            <a:pPr marL="0" indent="0" algn="ctr">
+              <a:buFont typeface="Arial" panose="020B0604020202020204" pitchFamily="34" charset="0"/>
+              <a:buNone/>
+            </a:pPr>
+            <a:r>
+              <a:rPr lang="fr-FR" sz="4500" dirty="0" err="1" smtClean="0">
+                <a:latin typeface="Times New Roman" panose="02020603050405020304" pitchFamily="18" charset="0"/>
+                <a:cs typeface="Times New Roman" panose="02020603050405020304" pitchFamily="18" charset="0"/>
+              </a:rPr>
+              <a:t>Fenyom</a:t>
+            </a:r>
+            <a:r>
+              <a:rPr lang="fr-FR" sz="4500" dirty="0" smtClean="0">
+                <a:latin typeface="Times New Roman" panose="02020603050405020304" pitchFamily="18" charset="0"/>
+                <a:cs typeface="Times New Roman" panose="02020603050405020304" pitchFamily="18" charset="0"/>
+              </a:rPr>
+              <a:t> Bryan</a:t>
+            </a:r>
+          </a:p>
+          <a:p>
+            <a:pPr marL="0" indent="0" algn="ctr">
+              <a:buFont typeface="Arial" panose="020B0604020202020204" pitchFamily="34" charset="0"/>
+              <a:buNone/>
+            </a:pPr>
+            <a:r>
+              <a:rPr lang="fr-FR" sz="4500" dirty="0" err="1" smtClean="0">
+                <a:latin typeface="Times New Roman" panose="02020603050405020304" pitchFamily="18" charset="0"/>
+                <a:cs typeface="Times New Roman" panose="02020603050405020304" pitchFamily="18" charset="0"/>
+              </a:rPr>
+              <a:t>Nguessie</a:t>
+            </a:r>
+            <a:r>
+              <a:rPr lang="fr-FR" sz="4500" dirty="0" smtClean="0">
+                <a:latin typeface="Times New Roman" panose="02020603050405020304" pitchFamily="18" charset="0"/>
+                <a:cs typeface="Times New Roman" panose="02020603050405020304" pitchFamily="18" charset="0"/>
+              </a:rPr>
+              <a:t> Fabiola</a:t>
+            </a:r>
+          </a:p>
+          <a:p>
+            <a:pPr marL="0" indent="0">
+              <a:buFont typeface="Arial" panose="020B0604020202020204" pitchFamily="34" charset="0"/>
+              <a:buNone/>
+            </a:pPr>
+            <a:endParaRPr lang="fr-FR" dirty="0" smtClean="0">
+              <a:latin typeface="Times New Roman" panose="02020603050405020304" pitchFamily="18" charset="0"/>
+              <a:cs typeface="Times New Roman" panose="02020603050405020304" pitchFamily="18" charset="0"/>
+            </a:endParaRPr>
+          </a:p>
+        </p:txBody>
+      </p:sp>
+    </p:spTree>
+    <p:extLst>
+      <p:ext uri="{BB962C8B-B14F-4D97-AF65-F5344CB8AC3E}">
+        <p14:creationId xmlns:p14="http://schemas.microsoft.com/office/powerpoint/2010/main" val="89503924"/>
+      </p:ext>
+    </p:extLst>
+  </p:cSld>
+  <p:clrMapOvr>
+    <a:masterClrMapping/>
+  </p:clrMapOvr>
+</p:sld>
+</file>
+
+<file path=ppt/slides/slide15.xml><?xml version="1.0" encoding="utf-8"?>
+<p:sld xmlns:a="http://schemas.openxmlformats.org/drawingml/2006/main" xmlns:r="http://schemas.openxmlformats.org/officeDocument/2006/relationships" xmlns:p="http://schemas.openxmlformats.org/presentationml/2006/main">
+  <p:cSld>
+    <p:spTree>
+      <p:nvGrpSpPr>
+        <p:cNvPr id="1" name=""/>
+        <p:cNvGrpSpPr/>
+        <p:nvPr/>
+      </p:nvGrpSpPr>
+      <p:grpSpPr>
+        <a:xfrm>
+          <a:off x="0" y="0"/>
+          <a:ext cx="0" cy="0"/>
+          <a:chOff x="0" y="0"/>
+          <a:chExt cx="0" cy="0"/>
+        </a:xfrm>
+      </p:grpSpPr>
+      <p:sp>
+        <p:nvSpPr>
+          <p:cNvPr id="2" name="Titre 1"/>
+          <p:cNvSpPr>
+            <a:spLocks noGrp="1"/>
+          </p:cNvSpPr>
+          <p:nvPr>
+            <p:ph type="title"/>
+          </p:nvPr>
+        </p:nvSpPr>
+        <p:spPr/>
+        <p:txBody>
+          <a:bodyPr/>
+          <a:lstStyle/>
+          <a:p>
+            <a:pPr algn="ctr"/>
+            <a:r>
+              <a:rPr lang="fr-FR" b="1" dirty="0" smtClean="0">
+                <a:solidFill>
+                  <a:srgbClr val="FF0000"/>
+                </a:solidFill>
+                <a:latin typeface="Times New Roman" panose="02020603050405020304" pitchFamily="18" charset="0"/>
+                <a:cs typeface="Times New Roman" panose="02020603050405020304" pitchFamily="18" charset="0"/>
+              </a:rPr>
+              <a:t>REVIEW AND CONCLUSION</a:t>
+            </a:r>
+            <a:endParaRPr lang="fr-FR" b="1" dirty="0">
+              <a:solidFill>
+                <a:srgbClr val="FF0000"/>
+              </a:solidFill>
+              <a:latin typeface="Times New Roman" panose="02020603050405020304" pitchFamily="18" charset="0"/>
+              <a:cs typeface="Times New Roman" panose="02020603050405020304" pitchFamily="18" charset="0"/>
+            </a:endParaRPr>
+          </a:p>
+        </p:txBody>
+      </p:sp>
+      <p:sp>
+        <p:nvSpPr>
+          <p:cNvPr id="3" name="Espace réservé du contenu 2"/>
+          <p:cNvSpPr>
+            <a:spLocks noGrp="1"/>
+          </p:cNvSpPr>
+          <p:nvPr>
+            <p:ph idx="1"/>
+          </p:nvPr>
+        </p:nvSpPr>
+        <p:spPr>
+          <a:xfrm>
+            <a:off x="838200" y="1825625"/>
+            <a:ext cx="10515600" cy="3871790"/>
+          </a:xfrm>
+        </p:spPr>
+        <p:txBody>
+          <a:bodyPr>
+            <a:normAutofit/>
+          </a:bodyPr>
+          <a:lstStyle/>
+          <a:p>
             <a:pPr>
               <a:buFont typeface="Wingdings" panose="05000000000000000000" pitchFamily="2" charset="2"/>
               <a:buChar char="q"/>
             </a:pPr>
             <a:r>
-              <a:rPr lang="fr-FR" sz="4000" dirty="0" err="1" smtClean="0">
-                <a:latin typeface="Times New Roman" panose="02020603050405020304" pitchFamily="18" charset="0"/>
-                <a:cs typeface="Times New Roman" panose="02020603050405020304" pitchFamily="18" charset="0"/>
-              </a:rPr>
-              <a:t>Difficulties</a:t>
-            </a:r>
-            <a:r>
               <a:rPr lang="fr-FR" sz="4000" dirty="0" smtClean="0">
                 <a:latin typeface="Times New Roman" panose="02020603050405020304" pitchFamily="18" charset="0"/>
                 <a:cs typeface="Times New Roman" panose="02020603050405020304" pitchFamily="18" charset="0"/>
               </a:rPr>
-              <a:t> </a:t>
-            </a:r>
-            <a:r>
-              <a:rPr lang="fr-FR" sz="4000" dirty="0" err="1" smtClean="0">
-                <a:latin typeface="Times New Roman" panose="02020603050405020304" pitchFamily="18" charset="0"/>
-                <a:cs typeface="Times New Roman" panose="02020603050405020304" pitchFamily="18" charset="0"/>
-              </a:rPr>
-              <a:t>encounter</a:t>
-            </a:r>
-            <a:r>
-              <a:rPr lang="fr-FR" sz="4000" dirty="0" smtClean="0">
-                <a:latin typeface="Times New Roman" panose="02020603050405020304" pitchFamily="18" charset="0"/>
-                <a:cs typeface="Times New Roman" panose="02020603050405020304" pitchFamily="18" charset="0"/>
-              </a:rPr>
-              <a:t> </a:t>
-            </a:r>
-            <a:r>
-              <a:rPr lang="fr-FR" sz="4000" dirty="0" err="1" smtClean="0">
-                <a:latin typeface="Times New Roman" panose="02020603050405020304" pitchFamily="18" charset="0"/>
-                <a:cs typeface="Times New Roman" panose="02020603050405020304" pitchFamily="18" charset="0"/>
-              </a:rPr>
-              <a:t>during</a:t>
-            </a:r>
-            <a:r>
-              <a:rPr lang="fr-FR" sz="4000" dirty="0" smtClean="0">
-                <a:latin typeface="Times New Roman" panose="02020603050405020304" pitchFamily="18" charset="0"/>
-                <a:cs typeface="Times New Roman" panose="02020603050405020304" pitchFamily="18" charset="0"/>
-              </a:rPr>
-              <a:t> the projet</a:t>
+              <a:t>Difficulties encounter during the projet</a:t>
             </a:r>
           </a:p>
           <a:p>
@@ -3801,26 +4191,18 @@
               <a:buChar char="q"/>
             </a:pPr>
             <a:r>
-              <a:rPr lang="fr-FR" sz="4000" dirty="0" err="1" smtClean="0">
-                <a:latin typeface="Times New Roman" panose="02020603050405020304" pitchFamily="18" charset="0"/>
-                <a:cs typeface="Times New Roman" panose="02020603050405020304" pitchFamily="18" charset="0"/>
-              </a:rPr>
-              <a:t>Reasons</a:t>
-            </a:r>
-            <a:r>
               <a:rPr lang="fr-FR" sz="4000" dirty="0" smtClean="0">
                 <a:latin typeface="Times New Roman" panose="02020603050405020304" pitchFamily="18" charset="0"/>
                 <a:cs typeface="Times New Roman" panose="02020603050405020304" pitchFamily="18" charset="0"/>
               </a:rPr>
-              <a:t> for the </a:t>
-            </a:r>
-            <a:r>
-              <a:rPr lang="fr-FR" sz="4000" dirty="0" err="1" smtClean="0">
-                <a:latin typeface="Times New Roman" panose="02020603050405020304" pitchFamily="18" charset="0"/>
-                <a:cs typeface="Times New Roman" panose="02020603050405020304" pitchFamily="18" charset="0"/>
-              </a:rPr>
-              <a:t>difficulties</a:t>
-            </a:r>
+              <a:t>Reasons for the difficulties</a:t>
+            </a:r>
+          </a:p>
+          <a:p>
+            <a:pPr>
+              <a:buFont typeface="Wingdings" panose="05000000000000000000" pitchFamily="2" charset="2"/>
+              <a:buChar char="q"/>
+            </a:pPr>
             <a:endParaRPr lang="fr-FR" sz="4000" dirty="0" smtClean="0">
               <a:latin typeface="Times New Roman" panose="02020603050405020304" pitchFamily="18" charset="0"/>
               <a:cs typeface="Times New Roman" panose="02020603050405020304" pitchFamily="18" charset="0"/>
@@ -3831,78 +4213,12 @@
               <a:buFont typeface="Wingdings" panose="05000000000000000000" pitchFamily="2" charset="2"/>
               <a:buChar char="q"/>
             </a:pPr>
-            <a:endParaRPr lang="fr-FR" sz="4000" dirty="0" smtClean="0">
-              <a:latin typeface="Times New Roman" panose="02020603050405020304" pitchFamily="18" charset="0"/>
-              <a:cs typeface="Times New Roman" panose="02020603050405020304" pitchFamily="18" charset="0"/>
-            </a:endParaRPr>
-          </a:p>
-          <a:p>
-            <a:pPr>
-              <a:buFont typeface="Wingdings" panose="05000000000000000000" pitchFamily="2" charset="2"/>
-              <a:buChar char="q"/>
-            </a:pPr>
             <a:r>
               <a:rPr lang="fr-FR" sz="4000" dirty="0" smtClean="0">
                 <a:latin typeface="Times New Roman" panose="02020603050405020304" pitchFamily="18" charset="0"/>
                 <a:cs typeface="Times New Roman" panose="02020603050405020304" pitchFamily="18" charset="0"/>
               </a:rPr>
-              <a:t>How </a:t>
-            </a:r>
-            <a:r>
-              <a:rPr lang="fr-FR" sz="4000" dirty="0" err="1" smtClean="0">
-                <a:latin typeface="Times New Roman" panose="02020603050405020304" pitchFamily="18" charset="0"/>
-                <a:cs typeface="Times New Roman" panose="02020603050405020304" pitchFamily="18" charset="0"/>
-              </a:rPr>
-              <a:t>well</a:t>
-            </a:r>
-            <a:r>
-              <a:rPr lang="fr-FR" sz="4000" dirty="0" smtClean="0">
-                <a:latin typeface="Times New Roman" panose="02020603050405020304" pitchFamily="18" charset="0"/>
-                <a:cs typeface="Times New Roman" panose="02020603050405020304" pitchFamily="18" charset="0"/>
-              </a:rPr>
-              <a:t> </a:t>
-            </a:r>
-            <a:r>
-              <a:rPr lang="fr-FR" sz="4000" dirty="0" err="1" smtClean="0">
-                <a:latin typeface="Times New Roman" panose="02020603050405020304" pitchFamily="18" charset="0"/>
-                <a:cs typeface="Times New Roman" panose="02020603050405020304" pitchFamily="18" charset="0"/>
-              </a:rPr>
-              <a:t>can</a:t>
-            </a:r>
-            <a:r>
-              <a:rPr lang="fr-FR" sz="4000" dirty="0" smtClean="0">
-                <a:latin typeface="Times New Roman" panose="02020603050405020304" pitchFamily="18" charset="0"/>
-                <a:cs typeface="Times New Roman" panose="02020603050405020304" pitchFamily="18" charset="0"/>
-              </a:rPr>
-              <a:t> </a:t>
-            </a:r>
-            <a:r>
-              <a:rPr lang="fr-FR" sz="4000" dirty="0" err="1" smtClean="0">
-                <a:latin typeface="Times New Roman" panose="02020603050405020304" pitchFamily="18" charset="0"/>
-                <a:cs typeface="Times New Roman" panose="02020603050405020304" pitchFamily="18" charset="0"/>
-              </a:rPr>
-              <a:t>you</a:t>
-            </a:r>
-            <a:r>
-              <a:rPr lang="fr-FR" sz="4000" dirty="0" smtClean="0">
-                <a:latin typeface="Times New Roman" panose="02020603050405020304" pitchFamily="18" charset="0"/>
-                <a:cs typeface="Times New Roman" panose="02020603050405020304" pitchFamily="18" charset="0"/>
-              </a:rPr>
-              <a:t> </a:t>
-            </a:r>
-            <a:r>
-              <a:rPr lang="fr-FR" sz="4000" dirty="0" err="1" smtClean="0">
-                <a:latin typeface="Times New Roman" panose="02020603050405020304" pitchFamily="18" charset="0"/>
-                <a:cs typeface="Times New Roman" panose="02020603050405020304" pitchFamily="18" charset="0"/>
-              </a:rPr>
-              <a:t>remedy</a:t>
-            </a:r>
-            <a:r>
-              <a:rPr lang="fr-FR" sz="4000" dirty="0" smtClean="0">
-                <a:latin typeface="Times New Roman" panose="02020603050405020304" pitchFamily="18" charset="0"/>
-                <a:cs typeface="Times New Roman" panose="02020603050405020304" pitchFamily="18" charset="0"/>
-              </a:rPr>
-              <a:t> to the situation</a:t>
+              <a:t>How well can you remedy to the situation</a:t>
             </a:r>
             <a:endParaRPr lang="fr-FR" sz="4000" dirty="0">
               <a:latin typeface="Times New Roman" panose="02020603050405020304" pitchFamily="18" charset="0"/>
@@ -4636,20 +4952,6 @@
               </a:rPr>
               <a:t>INDICATIONS:</a:t>
             </a:r>
-            <a:endParaRPr lang="fr-FR" b="1" u="sng" dirty="0" smtClean="0">
-              <a:solidFill>
-                <a:srgbClr val="FF0000"/>
-              </a:solidFill>
-              <a:effectLst>
-                <a:outerShdw blurRad="38100" dist="38100" dir="2700000" algn="tl">
-                  <a:srgbClr val="000000">
-                    <a:alpha val="43137"/>
-                  </a:srgbClr>
-                </a:outerShdw>
-              </a:effectLst>
-              <a:latin typeface="Times New Roman" panose="02020603050405020304" pitchFamily="18" charset="0"/>
-              <a:cs typeface="Times New Roman" panose="02020603050405020304" pitchFamily="18" charset="0"/>
-            </a:endParaRPr>
           </a:p>
           <a:p>
             <a:pPr marL="0" indent="0">
@@ -4737,7 +5039,7 @@
                 <a:latin typeface="Times New Roman" panose="02020603050405020304" pitchFamily="18" charset="0"/>
                 <a:cs typeface="Times New Roman" panose="02020603050405020304" pitchFamily="18" charset="0"/>
               </a:rPr>
-              <a:t>Hidy</a:t>
+              <a:t>Heidy</a:t>
             </a:r>
             <a:endParaRPr lang="fr-FR" dirty="0" smtClean="0">
               <a:solidFill>
@@ -5777,7 +6079,7 @@
               <a:buChar char="Ø"/>
             </a:pPr>
             <a:r>
-              <a:rPr lang="fr-FR" dirty="0" err="1" smtClean="0">
+              <a:rPr lang="fr-FR" dirty="0" smtClean="0">
                 <a:solidFill>
                   <a:srgbClr val="00B050"/>
                 </a:solidFill>
@@ -5786,13 +6088,6 @@
               </a:rPr>
               <a:t>Slideshow</a:t>
             </a:r>
-            <a:endParaRPr lang="fr-FR" dirty="0" smtClean="0">
-              <a:solidFill>
-                <a:srgbClr val="00B050"/>
-              </a:solidFill>
-              <a:latin typeface="Times New Roman" panose="02020603050405020304" pitchFamily="18" charset="0"/>
-              <a:cs typeface="Times New Roman" panose="02020603050405020304" pitchFamily="18" charset="0"/>
-            </a:endParaRPr>
           </a:p>
           <a:p>
             <a:pPr>
@@ -5807,17 +6102,7 @@
                 <a:latin typeface="Times New Roman" panose="02020603050405020304" pitchFamily="18" charset="0"/>
                 <a:cs typeface="Times New Roman" panose="02020603050405020304" pitchFamily="18" charset="0"/>
               </a:rPr>
-              <a:t>Reports </a:t>
-            </a:r>
-            <a:r>
-              <a:rPr lang="fr-FR" dirty="0" err="1" smtClean="0">
-                <a:solidFill>
-                  <a:srgbClr val="00B050"/>
-                </a:solidFill>
-                <a:latin typeface="Times New Roman" panose="02020603050405020304" pitchFamily="18" charset="0"/>
-                <a:cs typeface="Times New Roman" panose="02020603050405020304" pitchFamily="18" charset="0"/>
-              </a:rPr>
-              <a:t>review</a:t>
+              <a:t>Reports review</a:t>
             </a:r>
             <a:endParaRPr lang="fr-FR" dirty="0" smtClean="0">
               <a:solidFill>
@@ -6041,13 +6326,6 @@
               </a:rPr>
               <a:t>5.Reports</a:t>
             </a:r>
-            <a:endParaRPr lang="fr-FR" sz="3000" b="1" dirty="0" smtClean="0">
-              <a:solidFill>
-                <a:srgbClr val="FF0000"/>
-              </a:solidFill>
-              <a:latin typeface="Times New Roman" panose="02020603050405020304" pitchFamily="18" charset="0"/>
-              <a:cs typeface="Times New Roman" panose="02020603050405020304" pitchFamily="18" charset="0"/>
-            </a:endParaRPr>
           </a:p>
           <a:p>
             <a:pPr>
@@ -6055,7 +6333,7 @@
               <a:buChar char="Ø"/>
             </a:pPr>
             <a:r>
-              <a:rPr lang="fr-FR" dirty="0" err="1" smtClean="0">
+              <a:rPr lang="fr-FR" dirty="0" smtClean="0">
                 <a:solidFill>
                   <a:srgbClr val="00B050"/>
                 </a:solidFill>
@@ -6064,13 +6342,6 @@
               </a:rPr>
               <a:t>SureFire</a:t>
             </a:r>
-            <a:endParaRPr lang="fr-FR" dirty="0" smtClean="0">
-              <a:solidFill>
-                <a:srgbClr val="00B050"/>
-              </a:solidFill>
-              <a:latin typeface="Times New Roman" panose="02020603050405020304" pitchFamily="18" charset="0"/>
-              <a:cs typeface="Times New Roman" panose="02020603050405020304" pitchFamily="18" charset="0"/>
-            </a:endParaRPr>
           </a:p>
           <a:p>
             <a:pPr>
@@ -6078,7 +6349,7 @@
               <a:buChar char="Ø"/>
             </a:pPr>
             <a:r>
-              <a:rPr lang="fr-FR" dirty="0" err="1" smtClean="0">
+              <a:rPr lang="fr-FR" dirty="0" smtClean="0">
                 <a:solidFill>
                   <a:srgbClr val="00B050"/>
                 </a:solidFill>
@@ -6087,13 +6358,6 @@
               </a:rPr>
               <a:t>JavaDoc</a:t>
             </a:r>
-            <a:endParaRPr lang="fr-FR" dirty="0" smtClean="0">
-              <a:solidFill>
-                <a:srgbClr val="00B050"/>
-              </a:solidFill>
-              <a:latin typeface="Times New Roman" panose="02020603050405020304" pitchFamily="18" charset="0"/>
-              <a:cs typeface="Times New Roman" panose="02020603050405020304" pitchFamily="18" charset="0"/>
-            </a:endParaRPr>
           </a:p>
           <a:p>
             <a:pPr>
@@ -7330,106 +7594,55 @@
         </p:nvSpPr>
         <p:spPr/>
         <p:txBody>
-          <a:bodyPr/>
+          <a:bodyPr>
+            <a:normAutofit/>
+          </a:bodyPr>
           <a:lstStyle/>
           <a:p>
             <a:pPr algn="ctr"/>
             <a:r>
-              <a:rPr lang="fr-FR" b="1" dirty="0" smtClean="0">
+              <a:rPr lang="fr-FR" b="1" dirty="0">
                 <a:solidFill>
                   <a:srgbClr val="FF0000"/>
                 </a:solidFill>
                 <a:latin typeface="Times New Roman" panose="02020603050405020304" pitchFamily="18" charset="0"/>
                 <a:cs typeface="Times New Roman" panose="02020603050405020304" pitchFamily="18" charset="0"/>
               </a:rPr>
-              <a:t>REPORTS</a:t>
-            </a:r>
-            <a:r>
-              <a:rPr lang="fr-FR" dirty="0" smtClean="0"/>
-              <a:t> </a:t>
-            </a:r>
-            <a:endParaRPr lang="fr-FR" dirty="0"/>
-          </a:p>
-        </p:txBody>
-      </p:sp>
-      <p:sp>
-        <p:nvSpPr>
-          <p:cNvPr id="3" name="Espace réservé du contenu 2"/>
-          <p:cNvSpPr>
-            <a:spLocks noGrp="1"/>
-          </p:cNvSpPr>
-          <p:nvPr>
-            <p:ph idx="1"/>
-          </p:nvPr>
-        </p:nvSpPr>
-        <p:spPr/>
-        <p:txBody>
-          <a:bodyPr/>
-          <a:lstStyle/>
-          <a:p>
-            <a:r>
-              <a:rPr lang="pt-BR" dirty="0" smtClean="0">
-                <a:latin typeface="Times New Roman" panose="02020603050405020304" pitchFamily="18" charset="0"/>
-                <a:cs typeface="Times New Roman" panose="02020603050405020304" pitchFamily="18" charset="0"/>
-              </a:rPr>
-              <a:t>JavaDoc</a:t>
-            </a:r>
-          </a:p>
-          <a:p>
-            <a:endParaRPr lang="pt-BR" dirty="0" smtClean="0">
+              <a:t>CLASS DIAGRAM</a:t>
+            </a:r>
+            <a:endParaRPr lang="fr-FR" b="1" dirty="0">
+              <a:solidFill>
+                <a:srgbClr val="FF0000"/>
+              </a:solidFill>
               <a:latin typeface="Times New Roman" panose="02020603050405020304" pitchFamily="18" charset="0"/>
               <a:cs typeface="Times New Roman" panose="02020603050405020304" pitchFamily="18" charset="0"/>
             </a:endParaRPr>
           </a:p>
-          <a:p>
-            <a:r>
-              <a:rPr lang="pt-BR" dirty="0" smtClean="0">
-                <a:latin typeface="Times New Roman" panose="02020603050405020304" pitchFamily="18" charset="0"/>
-                <a:cs typeface="Times New Roman" panose="02020603050405020304" pitchFamily="18" charset="0"/>
-              </a:rPr>
-              <a:t>Surefire</a:t>
-            </a:r>
-          </a:p>
-          <a:p>
-            <a:endParaRPr lang="pt-BR" dirty="0" smtClean="0">
-              <a:latin typeface="Times New Roman" panose="02020603050405020304" pitchFamily="18" charset="0"/>
-              <a:cs typeface="Times New Roman" panose="02020603050405020304" pitchFamily="18" charset="0"/>
-            </a:endParaRPr>
-          </a:p>
-          <a:p>
-            <a:r>
-              <a:rPr lang="pt-BR" dirty="0" smtClean="0">
-                <a:latin typeface="Times New Roman" panose="02020603050405020304" pitchFamily="18" charset="0"/>
-                <a:cs typeface="Times New Roman" panose="02020603050405020304" pitchFamily="18" charset="0"/>
-              </a:rPr>
-              <a:t>JXR</a:t>
-            </a:r>
-          </a:p>
-          <a:p>
-            <a:endParaRPr lang="pt-BR" dirty="0" smtClean="0">
-              <a:latin typeface="Times New Roman" panose="02020603050405020304" pitchFamily="18" charset="0"/>
-              <a:cs typeface="Times New Roman" panose="02020603050405020304" pitchFamily="18" charset="0"/>
-            </a:endParaRPr>
-          </a:p>
-          <a:p>
-            <a:r>
-              <a:rPr lang="pt-BR" dirty="0" smtClean="0">
-                <a:latin typeface="Times New Roman" panose="02020603050405020304" pitchFamily="18" charset="0"/>
-                <a:cs typeface="Times New Roman" panose="02020603050405020304" pitchFamily="18" charset="0"/>
-              </a:rPr>
-              <a:t>Git</a:t>
-            </a:r>
-            <a:endParaRPr lang="pt-BR" dirty="0">
-              <a:latin typeface="Times New Roman" panose="02020603050405020304" pitchFamily="18" charset="0"/>
-              <a:cs typeface="Times New Roman" panose="02020603050405020304" pitchFamily="18" charset="0"/>
-            </a:endParaRPr>
+        </p:txBody>
+      </p:sp>
+      <p:sp>
+        <p:nvSpPr>
+          <p:cNvPr id="3" name="Espace réservé du contenu 2"/>
+          <p:cNvSpPr>
+            <a:spLocks noGrp="1"/>
+          </p:cNvSpPr>
+          <p:nvPr>
+            <p:ph idx="1"/>
+          </p:nvPr>
+        </p:nvSpPr>
+        <p:spPr/>
+        <p:txBody>
+          <a:bodyPr/>
+          <a:lstStyle/>
+          <a:p>
+            <a:endParaRPr lang="fr-FR" dirty="0"/>
           </a:p>
         </p:txBody>
       </p:sp>
     </p:spTree>
     <p:extLst>
       <p:ext uri="{BB962C8B-B14F-4D97-AF65-F5344CB8AC3E}">
-        <p14:creationId xmlns:p14="http://schemas.microsoft.com/office/powerpoint/2010/main" val="1879425374"/>
+        <p14:creationId xmlns:p14="http://schemas.microsoft.com/office/powerpoint/2010/main" val="3767860512"/>
       </p:ext>
     </p:extLst>
   </p:cSld>

--- a/masterpom/PROJET UML.pptx
+++ b/masterpom/PROJET UML.pptx
@@ -2,24 +2,30 @@
 <file path=ppt/presentation.xml><?xml version="1.0" encoding="utf-8"?>
 <p:presentation xmlns:a="http://schemas.openxmlformats.org/drawingml/2006/main" xmlns:r="http://schemas.openxmlformats.org/officeDocument/2006/relationships" xmlns:p="http://schemas.openxmlformats.org/presentationml/2006/main" saveSubsetFonts="1">
   <p:sldMasterIdLst>
-    <p:sldMasterId id="2147483648" r:id="rId1"/>
+    <p:sldMasterId id="2147483678" r:id="rId1"/>
   </p:sldMasterIdLst>
   <p:sldIdLst>
     <p:sldId id="256" r:id="rId2"/>
     <p:sldId id="257" r:id="rId3"/>
     <p:sldId id="265" r:id="rId4"/>
-    <p:sldId id="258" r:id="rId5"/>
-    <p:sldId id="259" r:id="rId6"/>
-    <p:sldId id="260" r:id="rId7"/>
-    <p:sldId id="262" r:id="rId8"/>
-    <p:sldId id="261" r:id="rId9"/>
-    <p:sldId id="267" r:id="rId10"/>
-    <p:sldId id="268" r:id="rId11"/>
-    <p:sldId id="269" r:id="rId12"/>
-    <p:sldId id="270" r:id="rId13"/>
-    <p:sldId id="263" r:id="rId14"/>
-    <p:sldId id="266" r:id="rId15"/>
-    <p:sldId id="264" r:id="rId16"/>
+    <p:sldId id="273" r:id="rId5"/>
+    <p:sldId id="258" r:id="rId6"/>
+    <p:sldId id="259" r:id="rId7"/>
+    <p:sldId id="271" r:id="rId8"/>
+    <p:sldId id="260" r:id="rId9"/>
+    <p:sldId id="262" r:id="rId10"/>
+    <p:sldId id="261" r:id="rId11"/>
+    <p:sldId id="267" r:id="rId12"/>
+    <p:sldId id="274" r:id="rId13"/>
+    <p:sldId id="275" r:id="rId14"/>
+    <p:sldId id="276" r:id="rId15"/>
+    <p:sldId id="268" r:id="rId16"/>
+    <p:sldId id="270" r:id="rId17"/>
+    <p:sldId id="269" r:id="rId18"/>
+    <p:sldId id="263" r:id="rId19"/>
+    <p:sldId id="272" r:id="rId20"/>
+    <p:sldId id="266" r:id="rId21"/>
+    <p:sldId id="264" r:id="rId22"/>
   </p:sldIdLst>
   <p:sldSz cx="12192000" cy="6858000"/>
   <p:notesSz cx="6858000" cy="9144000"/>
@@ -257,7 +263,7 @@
           <a:p>
             <a:fld id="{E158301B-182D-4E61-84B6-FF5DDCCEA702}" type="datetimeFigureOut">
               <a:rPr lang="fr-FR" smtClean="0"/>
-              <a:t>02/06/2020</a:t>
+              <a:t>03/06/2020</a:t>
             </a:fld>
             <a:endParaRPr lang="fr-FR"/>
           </a:p>
@@ -308,7 +314,7 @@
     </p:spTree>
     <p:extLst>
       <p:ext uri="{BB962C8B-B14F-4D97-AF65-F5344CB8AC3E}">
-        <p14:creationId xmlns:p14="http://schemas.microsoft.com/office/powerpoint/2010/main" val="1778379364"/>
+        <p14:creationId xmlns:p14="http://schemas.microsoft.com/office/powerpoint/2010/main" val="884497925"/>
       </p:ext>
     </p:extLst>
   </p:cSld>
@@ -427,7 +433,7 @@
           <a:p>
             <a:fld id="{E158301B-182D-4E61-84B6-FF5DDCCEA702}" type="datetimeFigureOut">
               <a:rPr lang="fr-FR" smtClean="0"/>
-              <a:t>02/06/2020</a:t>
+              <a:t>03/06/2020</a:t>
             </a:fld>
             <a:endParaRPr lang="fr-FR"/>
           </a:p>
@@ -478,7 +484,7 @@
     </p:spTree>
     <p:extLst>
       <p:ext uri="{BB962C8B-B14F-4D97-AF65-F5344CB8AC3E}">
-        <p14:creationId xmlns:p14="http://schemas.microsoft.com/office/powerpoint/2010/main" val="3476796047"/>
+        <p14:creationId xmlns:p14="http://schemas.microsoft.com/office/powerpoint/2010/main" val="666571352"/>
       </p:ext>
     </p:extLst>
   </p:cSld>
@@ -607,7 +613,7 @@
           <a:p>
             <a:fld id="{E158301B-182D-4E61-84B6-FF5DDCCEA702}" type="datetimeFigureOut">
               <a:rPr lang="fr-FR" smtClean="0"/>
-              <a:t>02/06/2020</a:t>
+              <a:t>03/06/2020</a:t>
             </a:fld>
             <a:endParaRPr lang="fr-FR"/>
           </a:p>
@@ -658,7 +664,7 @@
     </p:spTree>
     <p:extLst>
       <p:ext uri="{BB962C8B-B14F-4D97-AF65-F5344CB8AC3E}">
-        <p14:creationId xmlns:p14="http://schemas.microsoft.com/office/powerpoint/2010/main" val="93343518"/>
+        <p14:creationId xmlns:p14="http://schemas.microsoft.com/office/powerpoint/2010/main" val="2948979613"/>
       </p:ext>
     </p:extLst>
   </p:cSld>
@@ -777,7 +783,7 @@
           <a:p>
             <a:fld id="{E158301B-182D-4E61-84B6-FF5DDCCEA702}" type="datetimeFigureOut">
               <a:rPr lang="fr-FR" smtClean="0"/>
-              <a:t>02/06/2020</a:t>
+              <a:t>03/06/2020</a:t>
             </a:fld>
             <a:endParaRPr lang="fr-FR"/>
           </a:p>
@@ -828,7 +834,7 @@
     </p:spTree>
     <p:extLst>
       <p:ext uri="{BB962C8B-B14F-4D97-AF65-F5344CB8AC3E}">
-        <p14:creationId xmlns:p14="http://schemas.microsoft.com/office/powerpoint/2010/main" val="3541871929"/>
+        <p14:creationId xmlns:p14="http://schemas.microsoft.com/office/powerpoint/2010/main" val="745627598"/>
       </p:ext>
     </p:extLst>
   </p:cSld>
@@ -1023,7 +1029,7 @@
           <a:p>
             <a:fld id="{E158301B-182D-4E61-84B6-FF5DDCCEA702}" type="datetimeFigureOut">
               <a:rPr lang="fr-FR" smtClean="0"/>
-              <a:t>02/06/2020</a:t>
+              <a:t>03/06/2020</a:t>
             </a:fld>
             <a:endParaRPr lang="fr-FR"/>
           </a:p>
@@ -1074,7 +1080,7 @@
     </p:spTree>
     <p:extLst>
       <p:ext uri="{BB962C8B-B14F-4D97-AF65-F5344CB8AC3E}">
-        <p14:creationId xmlns:p14="http://schemas.microsoft.com/office/powerpoint/2010/main" val="1242770829"/>
+        <p14:creationId xmlns:p14="http://schemas.microsoft.com/office/powerpoint/2010/main" val="1971079012"/>
       </p:ext>
     </p:extLst>
   </p:cSld>
@@ -1255,7 +1261,7 @@
           <a:p>
             <a:fld id="{E158301B-182D-4E61-84B6-FF5DDCCEA702}" type="datetimeFigureOut">
               <a:rPr lang="fr-FR" smtClean="0"/>
-              <a:t>02/06/2020</a:t>
+              <a:t>03/06/2020</a:t>
             </a:fld>
             <a:endParaRPr lang="fr-FR"/>
           </a:p>
@@ -1306,7 +1312,7 @@
     </p:spTree>
     <p:extLst>
       <p:ext uri="{BB962C8B-B14F-4D97-AF65-F5344CB8AC3E}">
-        <p14:creationId xmlns:p14="http://schemas.microsoft.com/office/powerpoint/2010/main" val="3769683776"/>
+        <p14:creationId xmlns:p14="http://schemas.microsoft.com/office/powerpoint/2010/main" val="3796072467"/>
       </p:ext>
     </p:extLst>
   </p:cSld>
@@ -1622,7 +1628,7 @@
           <a:p>
             <a:fld id="{E158301B-182D-4E61-84B6-FF5DDCCEA702}" type="datetimeFigureOut">
               <a:rPr lang="fr-FR" smtClean="0"/>
-              <a:t>02/06/2020</a:t>
+              <a:t>03/06/2020</a:t>
             </a:fld>
             <a:endParaRPr lang="fr-FR"/>
           </a:p>
@@ -1673,7 +1679,7 @@
     </p:spTree>
     <p:extLst>
       <p:ext uri="{BB962C8B-B14F-4D97-AF65-F5344CB8AC3E}">
-        <p14:creationId xmlns:p14="http://schemas.microsoft.com/office/powerpoint/2010/main" val="1683889288"/>
+        <p14:creationId xmlns:p14="http://schemas.microsoft.com/office/powerpoint/2010/main" val="2833213839"/>
       </p:ext>
     </p:extLst>
   </p:cSld>
@@ -1740,7 +1746,7 @@
           <a:p>
             <a:fld id="{E158301B-182D-4E61-84B6-FF5DDCCEA702}" type="datetimeFigureOut">
               <a:rPr lang="fr-FR" smtClean="0"/>
-              <a:t>02/06/2020</a:t>
+              <a:t>03/06/2020</a:t>
             </a:fld>
             <a:endParaRPr lang="fr-FR"/>
           </a:p>
@@ -1791,7 +1797,7 @@
     </p:spTree>
     <p:extLst>
       <p:ext uri="{BB962C8B-B14F-4D97-AF65-F5344CB8AC3E}">
-        <p14:creationId xmlns:p14="http://schemas.microsoft.com/office/powerpoint/2010/main" val="135911464"/>
+        <p14:creationId xmlns:p14="http://schemas.microsoft.com/office/powerpoint/2010/main" val="2930717874"/>
       </p:ext>
     </p:extLst>
   </p:cSld>
@@ -1835,7 +1841,7 @@
           <a:p>
             <a:fld id="{E158301B-182D-4E61-84B6-FF5DDCCEA702}" type="datetimeFigureOut">
               <a:rPr lang="fr-FR" smtClean="0"/>
-              <a:t>02/06/2020</a:t>
+              <a:t>03/06/2020</a:t>
             </a:fld>
             <a:endParaRPr lang="fr-FR"/>
           </a:p>
@@ -1886,7 +1892,7 @@
     </p:spTree>
     <p:extLst>
       <p:ext uri="{BB962C8B-B14F-4D97-AF65-F5344CB8AC3E}">
-        <p14:creationId xmlns:p14="http://schemas.microsoft.com/office/powerpoint/2010/main" val="1959324233"/>
+        <p14:creationId xmlns:p14="http://schemas.microsoft.com/office/powerpoint/2010/main" val="3283865561"/>
       </p:ext>
     </p:extLst>
   </p:cSld>
@@ -2112,7 +2118,7 @@
           <a:p>
             <a:fld id="{E158301B-182D-4E61-84B6-FF5DDCCEA702}" type="datetimeFigureOut">
               <a:rPr lang="fr-FR" smtClean="0"/>
-              <a:t>02/06/2020</a:t>
+              <a:t>03/06/2020</a:t>
             </a:fld>
             <a:endParaRPr lang="fr-FR"/>
           </a:p>
@@ -2163,7 +2169,7 @@
     </p:spTree>
     <p:extLst>
       <p:ext uri="{BB962C8B-B14F-4D97-AF65-F5344CB8AC3E}">
-        <p14:creationId xmlns:p14="http://schemas.microsoft.com/office/powerpoint/2010/main" val="424646200"/>
+        <p14:creationId xmlns:p14="http://schemas.microsoft.com/office/powerpoint/2010/main" val="3356646390"/>
       </p:ext>
     </p:extLst>
   </p:cSld>
@@ -2365,7 +2371,7 @@
           <a:p>
             <a:fld id="{E158301B-182D-4E61-84B6-FF5DDCCEA702}" type="datetimeFigureOut">
               <a:rPr lang="fr-FR" smtClean="0"/>
-              <a:t>02/06/2020</a:t>
+              <a:t>03/06/2020</a:t>
             </a:fld>
             <a:endParaRPr lang="fr-FR"/>
           </a:p>
@@ -2416,7 +2422,7 @@
     </p:spTree>
     <p:extLst>
       <p:ext uri="{BB962C8B-B14F-4D97-AF65-F5344CB8AC3E}">
-        <p14:creationId xmlns:p14="http://schemas.microsoft.com/office/powerpoint/2010/main" val="2569927376"/>
+        <p14:creationId xmlns:p14="http://schemas.microsoft.com/office/powerpoint/2010/main" val="240713649"/>
       </p:ext>
     </p:extLst>
   </p:cSld>
@@ -2578,7 +2584,7 @@
           <a:p>
             <a:fld id="{E158301B-182D-4E61-84B6-FF5DDCCEA702}" type="datetimeFigureOut">
               <a:rPr lang="fr-FR" smtClean="0"/>
-              <a:t>02/06/2020</a:t>
+              <a:t>03/06/2020</a:t>
             </a:fld>
             <a:endParaRPr lang="fr-FR"/>
           </a:p>
@@ -2665,23 +2671,23 @@
     </p:spTree>
     <p:extLst>
       <p:ext uri="{BB962C8B-B14F-4D97-AF65-F5344CB8AC3E}">
-        <p14:creationId xmlns:p14="http://schemas.microsoft.com/office/powerpoint/2010/main" val="1570123162"/>
+        <p14:creationId xmlns:p14="http://schemas.microsoft.com/office/powerpoint/2010/main" val="283398601"/>
       </p:ext>
     </p:extLst>
   </p:cSld>
   <p:clrMap bg1="lt1" tx1="dk1" bg2="lt2" tx2="dk2" accent1="accent1" accent2="accent2" accent3="accent3" accent4="accent4" accent5="accent5" accent6="accent6" hlink="hlink" folHlink="folHlink"/>
   <p:sldLayoutIdLst>
-    <p:sldLayoutId id="2147483649" r:id="rId1"/>
-    <p:sldLayoutId id="2147483650" r:id="rId2"/>
-    <p:sldLayoutId id="2147483651" r:id="rId3"/>
-    <p:sldLayoutId id="2147483652" r:id="rId4"/>
-    <p:sldLayoutId id="2147483653" r:id="rId5"/>
-    <p:sldLayoutId id="2147483654" r:id="rId6"/>
-    <p:sldLayoutId id="2147483655" r:id="rId7"/>
-    <p:sldLayoutId id="2147483656" r:id="rId8"/>
-    <p:sldLayoutId id="2147483657" r:id="rId9"/>
-    <p:sldLayoutId id="2147483658" r:id="rId10"/>
-    <p:sldLayoutId id="2147483659" r:id="rId11"/>
+    <p:sldLayoutId id="2147483679" r:id="rId1"/>
+    <p:sldLayoutId id="2147483680" r:id="rId2"/>
+    <p:sldLayoutId id="2147483681" r:id="rId3"/>
+    <p:sldLayoutId id="2147483682" r:id="rId4"/>
+    <p:sldLayoutId id="2147483683" r:id="rId5"/>
+    <p:sldLayoutId id="2147483684" r:id="rId6"/>
+    <p:sldLayoutId id="2147483685" r:id="rId7"/>
+    <p:sldLayoutId id="2147483686" r:id="rId8"/>
+    <p:sldLayoutId id="2147483687" r:id="rId9"/>
+    <p:sldLayoutId id="2147483688" r:id="rId10"/>
+    <p:sldLayoutId id="2147483689" r:id="rId11"/>
   </p:sldLayoutIdLst>
   <p:txStyles>
     <p:titleStyle>
@@ -2983,6 +2989,47 @@
           <a:chExt cx="0" cy="0"/>
         </a:xfrm>
       </p:grpSpPr>
+      <p:pic>
+        <p:nvPicPr>
+          <p:cNvPr id="5122" name="Picture 2" descr="Les Concepts généraux du Langage Java - Art du numérique"/>
+          <p:cNvPicPr>
+            <a:picLocks noChangeAspect="1" noChangeArrowheads="1"/>
+          </p:cNvPicPr>
+          <p:nvPr/>
+        </p:nvPicPr>
+        <p:blipFill>
+          <a:blip r:embed="rId2">
+            <a:extLst>
+              <a:ext uri="{28A0092B-C50C-407E-A947-70E740481C1C}">
+                <a14:useLocalDpi xmlns:a14="http://schemas.microsoft.com/office/drawing/2010/main" val="0"/>
+              </a:ext>
+            </a:extLst>
+          </a:blip>
+          <a:srcRect/>
+          <a:stretch>
+            <a:fillRect/>
+          </a:stretch>
+        </p:blipFill>
+        <p:spPr bwMode="auto">
+          <a:xfrm>
+            <a:off x="619808" y="0"/>
+            <a:ext cx="11572191" cy="6858000"/>
+          </a:xfrm>
+          <a:prstGeom prst="rect">
+            <a:avLst/>
+          </a:prstGeom>
+          <a:noFill/>
+          <a:extLst>
+            <a:ext uri="{909E8E84-426E-40DD-AFC4-6F175D3DCCD1}">
+              <a14:hiddenFill xmlns:a14="http://schemas.microsoft.com/office/drawing/2010/main">
+                <a:solidFill>
+                  <a:srgbClr val="FFFFFF"/>
+                </a:solidFill>
+              </a14:hiddenFill>
+            </a:ext>
+          </a:extLst>
+        </p:spPr>
+      </p:pic>
       <p:sp>
         <p:nvSpPr>
           <p:cNvPr id="2" name="Titre 1"/>
@@ -2995,8 +3042,8 @@
         </p:nvSpPr>
         <p:spPr>
           <a:xfrm>
-            <a:off x="0" y="0"/>
-            <a:ext cx="11995052" cy="6858000"/>
+            <a:off x="0" y="49237"/>
+            <a:ext cx="11995052" cy="6759526"/>
           </a:xfrm>
         </p:spPr>
         <p:txBody>
@@ -3103,6 +3150,63 @@
           </a:p>
         </p:txBody>
       </p:sp>
+      <p:sp>
+        <p:nvSpPr>
+          <p:cNvPr id="6" name="ZoneTexte 5"/>
+          <p:cNvSpPr txBox="1"/>
+          <p:nvPr/>
+        </p:nvSpPr>
+        <p:spPr>
+          <a:xfrm>
+            <a:off x="9270609" y="5562268"/>
+            <a:ext cx="2921390" cy="1246495"/>
+          </a:xfrm>
+          <a:prstGeom prst="rect">
+            <a:avLst/>
+          </a:prstGeom>
+          <a:noFill/>
+        </p:spPr>
+        <p:txBody>
+          <a:bodyPr wrap="square" rtlCol="0">
+            <a:spAutoFit/>
+          </a:bodyPr>
+          <a:lstStyle/>
+          <a:p>
+            <a:r>
+              <a:rPr lang="fr-FR" sz="2500" b="1" dirty="0" smtClean="0">
+                <a:solidFill>
+                  <a:srgbClr val="FF0066"/>
+                </a:solidFill>
+                <a:latin typeface="Times New Roman" panose="02020603050405020304" pitchFamily="18" charset="0"/>
+                <a:ea typeface="Tahoma" panose="020B0604030504040204" pitchFamily="34" charset="0"/>
+                <a:cs typeface="Times New Roman" panose="02020603050405020304" pitchFamily="18" charset="0"/>
+              </a:rPr>
+              <a:t>SUPERVISED BY :</a:t>
+            </a:r>
+          </a:p>
+          <a:p>
+            <a:r>
+              <a:rPr lang="fr-FR" sz="2500" b="1" dirty="0" smtClean="0">
+                <a:solidFill>
+                  <a:srgbClr val="FF0066"/>
+                </a:solidFill>
+                <a:latin typeface="Times New Roman" panose="02020603050405020304" pitchFamily="18" charset="0"/>
+                <a:ea typeface="Tahoma" panose="020B0604030504040204" pitchFamily="34" charset="0"/>
+                <a:cs typeface="Times New Roman" panose="02020603050405020304" pitchFamily="18" charset="0"/>
+              </a:rPr>
+              <a:t>Mme MAFFOCK JUNIE</a:t>
+            </a:r>
+            <a:endParaRPr lang="fr-FR" sz="2500" b="1" dirty="0">
+              <a:solidFill>
+                <a:srgbClr val="FF0066"/>
+              </a:solidFill>
+              <a:latin typeface="Times New Roman" panose="02020603050405020304" pitchFamily="18" charset="0"/>
+              <a:ea typeface="Tahoma" panose="020B0604030504040204" pitchFamily="34" charset="0"/>
+              <a:cs typeface="Times New Roman" panose="02020603050405020304" pitchFamily="18" charset="0"/>
+            </a:endParaRPr>
+          </a:p>
+        </p:txBody>
+      </p:sp>
     </p:spTree>
     <p:extLst>
       <p:ext uri="{BB962C8B-B14F-4D97-AF65-F5344CB8AC3E}">
@@ -3113,6 +3217,13 @@
   <p:clrMapOvr>
     <a:masterClrMapping/>
   </p:clrMapOvr>
+  <p:timing>
+    <p:tnLst>
+      <p:par>
+        <p:cTn id="1" dur="indefinite" restart="never" nodeType="tmRoot"/>
+      </p:par>
+    </p:tnLst>
+  </p:timing>
 </p:sld>
 </file>
 
@@ -3145,9 +3256,7 @@
         </p:nvSpPr>
         <p:spPr/>
         <p:txBody>
-          <a:bodyPr>
-            <a:normAutofit/>
-          </a:bodyPr>
+          <a:bodyPr/>
           <a:lstStyle/>
           <a:p>
             <a:pPr algn="ctr"/>
@@ -3159,7 +3268,7 @@
                 <a:latin typeface="Times New Roman" panose="02020603050405020304" pitchFamily="18" charset="0"/>
                 <a:cs typeface="Times New Roman" panose="02020603050405020304" pitchFamily="18" charset="0"/>
               </a:rPr>
-              <a:t>PACKAGE DIAGRAM</a:t>
+              <a:t>UML DIAGRAMS</a:t>
             </a:r>
             <a:endParaRPr lang="fr-FR" b="1" dirty="0">
               <a:solidFill>
@@ -3183,8 +3292,85 @@
         </p:nvSpPr>
         <p:spPr/>
         <p:txBody>
-          <a:bodyPr/>
+          <a:bodyPr>
+            <a:normAutofit/>
+          </a:bodyPr>
           <a:lstStyle/>
+          <a:p>
+            <a:r>
+              <a:rPr lang="pt-BR" b="1" dirty="0">
+                <a:latin typeface="Times New Roman" panose="02020603050405020304" pitchFamily="18" charset="0"/>
+                <a:cs typeface="Times New Roman" panose="02020603050405020304" pitchFamily="18" charset="0"/>
+              </a:rPr>
+              <a:t>Class </a:t>
+            </a:r>
+            <a:r>
+              <a:rPr lang="pt-BR" b="1" dirty="0" smtClean="0">
+                <a:latin typeface="Times New Roman" panose="02020603050405020304" pitchFamily="18" charset="0"/>
+                <a:cs typeface="Times New Roman" panose="02020603050405020304" pitchFamily="18" charset="0"/>
+              </a:rPr>
+              <a:t>diagrams</a:t>
+            </a:r>
+          </a:p>
+          <a:p>
+            <a:endParaRPr lang="pt-BR" b="1" dirty="0">
+              <a:latin typeface="Times New Roman" panose="02020603050405020304" pitchFamily="18" charset="0"/>
+              <a:cs typeface="Times New Roman" panose="02020603050405020304" pitchFamily="18" charset="0"/>
+            </a:endParaRPr>
+          </a:p>
+          <a:p>
+            <a:r>
+              <a:rPr lang="pt-BR" b="1" dirty="0">
+                <a:latin typeface="Times New Roman" panose="02020603050405020304" pitchFamily="18" charset="0"/>
+                <a:cs typeface="Times New Roman" panose="02020603050405020304" pitchFamily="18" charset="0"/>
+              </a:rPr>
+              <a:t>Package </a:t>
+            </a:r>
+            <a:r>
+              <a:rPr lang="pt-BR" b="1" dirty="0" smtClean="0">
+                <a:latin typeface="Times New Roman" panose="02020603050405020304" pitchFamily="18" charset="0"/>
+                <a:cs typeface="Times New Roman" panose="02020603050405020304" pitchFamily="18" charset="0"/>
+              </a:rPr>
+              <a:t>diagram</a:t>
+            </a:r>
+          </a:p>
+          <a:p>
+            <a:endParaRPr lang="pt-BR" b="1" dirty="0">
+              <a:latin typeface="Times New Roman" panose="02020603050405020304" pitchFamily="18" charset="0"/>
+              <a:cs typeface="Times New Roman" panose="02020603050405020304" pitchFamily="18" charset="0"/>
+            </a:endParaRPr>
+          </a:p>
+          <a:p>
+            <a:r>
+              <a:rPr lang="pt-BR" b="1" dirty="0">
+                <a:latin typeface="Times New Roman" panose="02020603050405020304" pitchFamily="18" charset="0"/>
+                <a:cs typeface="Times New Roman" panose="02020603050405020304" pitchFamily="18" charset="0"/>
+              </a:rPr>
+              <a:t>Sequence </a:t>
+            </a:r>
+            <a:r>
+              <a:rPr lang="pt-BR" b="1" dirty="0" smtClean="0">
+                <a:latin typeface="Times New Roman" panose="02020603050405020304" pitchFamily="18" charset="0"/>
+                <a:cs typeface="Times New Roman" panose="02020603050405020304" pitchFamily="18" charset="0"/>
+              </a:rPr>
+              <a:t>diagram</a:t>
+            </a:r>
+          </a:p>
+          <a:p>
+            <a:endParaRPr lang="pt-BR" b="1" dirty="0">
+              <a:latin typeface="Times New Roman" panose="02020603050405020304" pitchFamily="18" charset="0"/>
+              <a:cs typeface="Times New Roman" panose="02020603050405020304" pitchFamily="18" charset="0"/>
+            </a:endParaRPr>
+          </a:p>
+          <a:p>
+            <a:r>
+              <a:rPr lang="pt-BR" b="1" dirty="0">
+                <a:latin typeface="Times New Roman" panose="02020603050405020304" pitchFamily="18" charset="0"/>
+                <a:cs typeface="Times New Roman" panose="02020603050405020304" pitchFamily="18" charset="0"/>
+              </a:rPr>
+              <a:t>Component diagram</a:t>
+            </a:r>
+          </a:p>
           <a:p>
             <a:endParaRPr lang="fr-FR" dirty="0"/>
           </a:p>
@@ -3193,13 +3379,20 @@
     </p:spTree>
     <p:extLst>
       <p:ext uri="{BB962C8B-B14F-4D97-AF65-F5344CB8AC3E}">
-        <p14:creationId xmlns:p14="http://schemas.microsoft.com/office/powerpoint/2010/main" val="2215749854"/>
+        <p14:creationId xmlns:p14="http://schemas.microsoft.com/office/powerpoint/2010/main" val="1758608868"/>
       </p:ext>
     </p:extLst>
   </p:cSld>
   <p:clrMapOvr>
     <a:masterClrMapping/>
   </p:clrMapOvr>
+  <p:timing>
+    <p:tnLst>
+      <p:par>
+        <p:cTn id="1" dur="indefinite" restart="never" nodeType="tmRoot"/>
+      </p:par>
+    </p:tnLst>
+  </p:timing>
 </p:sld>
 </file>
 
@@ -3230,7 +3423,12 @@
             <p:ph type="title"/>
           </p:nvPr>
         </p:nvSpPr>
-        <p:spPr/>
+        <p:spPr>
+          <a:xfrm>
+            <a:off x="838200" y="252582"/>
+            <a:ext cx="10515600" cy="942205"/>
+          </a:xfrm>
+        </p:spPr>
         <p:txBody>
           <a:bodyPr>
             <a:normAutofit/>
@@ -3246,9 +3444,153 @@
                 <a:latin typeface="Times New Roman" panose="02020603050405020304" pitchFamily="18" charset="0"/>
                 <a:cs typeface="Times New Roman" panose="02020603050405020304" pitchFamily="18" charset="0"/>
               </a:rPr>
-              <a:t>SEQUENCE DIAGRAM</a:t>
-            </a:r>
-            <a:endParaRPr lang="fr-FR" b="1" dirty="0">
+              <a:t>CLASS DIAGRAM</a:t>
+            </a:r>
+          </a:p>
+        </p:txBody>
+      </p:sp>
+      <p:sp>
+        <p:nvSpPr>
+          <p:cNvPr id="3" name="Espace réservé du contenu 2"/>
+          <p:cNvSpPr>
+            <a:spLocks noGrp="1"/>
+          </p:cNvSpPr>
+          <p:nvPr>
+            <p:ph idx="1"/>
+          </p:nvPr>
+        </p:nvSpPr>
+        <p:spPr/>
+        <p:txBody>
+          <a:bodyPr/>
+          <a:lstStyle/>
+          <a:p>
+            <a:pPr marL="0" indent="0">
+              <a:buNone/>
+            </a:pPr>
+            <a:endParaRPr lang="fr-FR" dirty="0" smtClean="0"/>
+          </a:p>
+          <a:p>
+            <a:pPr marL="0" indent="0">
+              <a:buNone/>
+            </a:pPr>
+            <a:endParaRPr lang="fr-FR" dirty="0"/>
+          </a:p>
+        </p:txBody>
+      </p:sp>
+      <p:pic>
+        <p:nvPicPr>
+          <p:cNvPr id="4" name="Image 3"/>
+          <p:cNvPicPr>
+            <a:picLocks noChangeAspect="1"/>
+          </p:cNvPicPr>
+          <p:nvPr/>
+        </p:nvPicPr>
+        <p:blipFill rotWithShape="1">
+          <a:blip r:embed="rId2">
+            <a:extLst>
+              <a:ext uri="{28A0092B-C50C-407E-A947-70E740481C1C}">
+                <a14:useLocalDpi xmlns:a14="http://schemas.microsoft.com/office/drawing/2010/main" val="0"/>
+              </a:ext>
+            </a:extLst>
+          </a:blip>
+          <a:srcRect l="11608" t="31168" r="14546" b="9231"/>
+          <a:stretch/>
+        </p:blipFill>
+        <p:spPr>
+          <a:xfrm>
+            <a:off x="0" y="1630888"/>
+            <a:ext cx="7095978" cy="4740812"/>
+          </a:xfrm>
+          <a:prstGeom prst="rect">
+            <a:avLst/>
+          </a:prstGeom>
+        </p:spPr>
+      </p:pic>
+      <p:pic>
+        <p:nvPicPr>
+          <p:cNvPr id="5" name="Image 4"/>
+          <p:cNvPicPr>
+            <a:picLocks noChangeAspect="1"/>
+          </p:cNvPicPr>
+          <p:nvPr/>
+        </p:nvPicPr>
+        <p:blipFill rotWithShape="1">
+          <a:blip r:embed="rId3">
+            <a:extLst>
+              <a:ext uri="{28A0092B-C50C-407E-A947-70E740481C1C}">
+                <a14:useLocalDpi xmlns:a14="http://schemas.microsoft.com/office/drawing/2010/main" val="0"/>
+              </a:ext>
+            </a:extLst>
+          </a:blip>
+          <a:srcRect l="18462" t="35046" r="64335" b="40824"/>
+          <a:stretch/>
+        </p:blipFill>
+        <p:spPr>
+          <a:xfrm>
+            <a:off x="7934178" y="2771337"/>
+            <a:ext cx="3657600" cy="3249636"/>
+          </a:xfrm>
+          <a:prstGeom prst="rect">
+            <a:avLst/>
+          </a:prstGeom>
+        </p:spPr>
+      </p:pic>
+      <p:sp>
+        <p:nvSpPr>
+          <p:cNvPr id="7" name="Titre 1"/>
+          <p:cNvSpPr txBox="1">
+            <a:spLocks/>
+          </p:cNvSpPr>
+          <p:nvPr/>
+        </p:nvSpPr>
+        <p:spPr>
+          <a:xfrm>
+            <a:off x="600222" y="1541924"/>
+            <a:ext cx="2186354" cy="579021"/>
+          </a:xfrm>
+          <a:prstGeom prst="rect">
+            <a:avLst/>
+          </a:prstGeom>
+        </p:spPr>
+        <p:txBody>
+          <a:bodyPr vert="horz" lIns="91440" tIns="45720" rIns="91440" bIns="45720" rtlCol="0" anchor="ctr">
+            <a:noAutofit/>
+          </a:bodyPr>
+          <a:lstStyle>
+            <a:lvl1pPr algn="l" defTabSz="914400" rtl="0" eaLnBrk="1" latinLnBrk="0" hangingPunct="1">
+              <a:lnSpc>
+                <a:spcPct val="90000"/>
+              </a:lnSpc>
+              <a:spcBef>
+                <a:spcPct val="0"/>
+              </a:spcBef>
+              <a:buNone/>
+              <a:defRPr sz="4400" kern="1200">
+                <a:solidFill>
+                  <a:schemeClr val="tx1"/>
+                </a:solidFill>
+                <a:latin typeface="+mj-lt"/>
+                <a:ea typeface="+mj-ea"/>
+                <a:cs typeface="+mj-cs"/>
+              </a:defRPr>
+            </a:lvl1pPr>
+          </a:lstStyle>
+          <a:p>
+            <a:pPr marL="457200" indent="-457200" algn="ctr">
+              <a:buFont typeface="+mj-lt"/>
+              <a:buAutoNum type="arabicPeriod"/>
+            </a:pPr>
+            <a:r>
+              <a:rPr lang="fr-FR" sz="2500" b="1" dirty="0" smtClean="0">
+                <a:solidFill>
+                  <a:srgbClr val="FF0000"/>
+                </a:solidFill>
+                <a:latin typeface="Times New Roman" panose="02020603050405020304" pitchFamily="18" charset="0"/>
+                <a:cs typeface="Times New Roman" panose="02020603050405020304" pitchFamily="18" charset="0"/>
+              </a:rPr>
+              <a:t>Controller</a:t>
+            </a:r>
+            <a:endParaRPr lang="fr-FR" sz="2500" b="1" dirty="0">
               <a:solidFill>
                 <a:srgbClr val="FF0000"/>
               </a:solidFill>
@@ -3260,33 +3602,86 @@
       </p:sp>
       <p:sp>
         <p:nvSpPr>
-          <p:cNvPr id="3" name="Espace réservé du contenu 2"/>
-          <p:cNvSpPr>
-            <a:spLocks noGrp="1"/>
-          </p:cNvSpPr>
-          <p:nvPr>
-            <p:ph idx="1"/>
-          </p:nvPr>
-        </p:nvSpPr>
-        <p:spPr/>
-        <p:txBody>
-          <a:bodyPr/>
-          <a:lstStyle/>
-          <a:p>
-            <a:endParaRPr lang="fr-FR"/>
+          <p:cNvPr id="8" name="Titre 1"/>
+          <p:cNvSpPr txBox="1">
+            <a:spLocks/>
+          </p:cNvSpPr>
+          <p:nvPr/>
+        </p:nvSpPr>
+        <p:spPr>
+          <a:xfrm>
+            <a:off x="8431236" y="2481826"/>
+            <a:ext cx="2186354" cy="579021"/>
+          </a:xfrm>
+          <a:prstGeom prst="rect">
+            <a:avLst/>
+          </a:prstGeom>
+        </p:spPr>
+        <p:txBody>
+          <a:bodyPr vert="horz" lIns="91440" tIns="45720" rIns="91440" bIns="45720" rtlCol="0" anchor="ctr">
+            <a:noAutofit/>
+          </a:bodyPr>
+          <a:lstStyle>
+            <a:lvl1pPr algn="l" defTabSz="914400" rtl="0" eaLnBrk="1" latinLnBrk="0" hangingPunct="1">
+              <a:lnSpc>
+                <a:spcPct val="90000"/>
+              </a:lnSpc>
+              <a:spcBef>
+                <a:spcPct val="0"/>
+              </a:spcBef>
+              <a:buNone/>
+              <a:defRPr sz="4400" kern="1200">
+                <a:solidFill>
+                  <a:schemeClr val="tx1"/>
+                </a:solidFill>
+                <a:latin typeface="+mj-lt"/>
+                <a:ea typeface="+mj-ea"/>
+                <a:cs typeface="+mj-cs"/>
+              </a:defRPr>
+            </a:lvl1pPr>
+          </a:lstStyle>
+          <a:p>
+            <a:pPr marL="457200" indent="-457200" algn="ctr">
+              <a:buFont typeface="+mj-lt"/>
+              <a:buAutoNum type="arabicPeriod" startAt="2"/>
+            </a:pPr>
+            <a:r>
+              <a:rPr lang="fr-FR" sz="2500" b="1" dirty="0" smtClean="0">
+                <a:solidFill>
+                  <a:srgbClr val="FF0000"/>
+                </a:solidFill>
+                <a:latin typeface="Times New Roman" panose="02020603050405020304" pitchFamily="18" charset="0"/>
+                <a:cs typeface="Times New Roman" panose="02020603050405020304" pitchFamily="18" charset="0"/>
+              </a:rPr>
+              <a:t>Main</a:t>
+            </a:r>
+            <a:endParaRPr lang="fr-FR" sz="2500" b="1" dirty="0">
+              <a:solidFill>
+                <a:srgbClr val="FF0000"/>
+              </a:solidFill>
+              <a:latin typeface="Times New Roman" panose="02020603050405020304" pitchFamily="18" charset="0"/>
+              <a:cs typeface="Times New Roman" panose="02020603050405020304" pitchFamily="18" charset="0"/>
+            </a:endParaRPr>
           </a:p>
         </p:txBody>
       </p:sp>
     </p:spTree>
     <p:extLst>
       <p:ext uri="{BB962C8B-B14F-4D97-AF65-F5344CB8AC3E}">
-        <p14:creationId xmlns:p14="http://schemas.microsoft.com/office/powerpoint/2010/main" val="2697585656"/>
+        <p14:creationId xmlns:p14="http://schemas.microsoft.com/office/powerpoint/2010/main" val="3767860512"/>
       </p:ext>
     </p:extLst>
   </p:cSld>
   <p:clrMapOvr>
     <a:masterClrMapping/>
   </p:clrMapOvr>
+  <p:timing>
+    <p:tnLst>
+      <p:par>
+        <p:cTn id="1" dur="indefinite" restart="never" nodeType="tmRoot"/>
+      </p:par>
+    </p:tnLst>
+  </p:timing>
 </p:sld>
 </file>
 
@@ -3307,45 +3702,90 @@
           <a:chExt cx="0" cy="0"/>
         </a:xfrm>
       </p:grpSpPr>
-      <p:sp>
-        <p:nvSpPr>
-          <p:cNvPr id="2" name="Titre 1"/>
-          <p:cNvSpPr>
-            <a:spLocks noGrp="1"/>
-          </p:cNvSpPr>
-          <p:nvPr>
-            <p:ph type="title"/>
-          </p:nvPr>
-        </p:nvSpPr>
-        <p:spPr/>
-        <p:txBody>
-          <a:bodyPr>
-            <a:normAutofit/>
+      <p:pic>
+        <p:nvPicPr>
+          <p:cNvPr id="4" name="Espace réservé du contenu 3"/>
+          <p:cNvPicPr>
+            <a:picLocks noGrp="1" noChangeAspect="1"/>
+          </p:cNvPicPr>
+          <p:nvPr>
+            <p:ph idx="1"/>
+          </p:nvPr>
+        </p:nvPicPr>
+        <p:blipFill rotWithShape="1">
+          <a:blip r:embed="rId2">
+            <a:extLst>
+              <a:ext uri="{28A0092B-C50C-407E-A947-70E740481C1C}">
+                <a14:useLocalDpi xmlns:a14="http://schemas.microsoft.com/office/drawing/2010/main" val="0"/>
+              </a:ext>
+            </a:extLst>
+          </a:blip>
+          <a:srcRect l="12314" t="23673" r="26794" b="13930"/>
+          <a:stretch/>
+        </p:blipFill>
+        <p:spPr>
+          <a:xfrm>
+            <a:off x="838200" y="1071709"/>
+            <a:ext cx="10944664" cy="5469767"/>
+          </a:xfrm>
+        </p:spPr>
+      </p:pic>
+      <p:sp>
+        <p:nvSpPr>
+          <p:cNvPr id="5" name="Titre 1"/>
+          <p:cNvSpPr txBox="1">
+            <a:spLocks/>
+          </p:cNvSpPr>
+          <p:nvPr/>
+        </p:nvSpPr>
+        <p:spPr>
+          <a:xfrm>
+            <a:off x="1008185" y="492688"/>
+            <a:ext cx="2186354" cy="579021"/>
+          </a:xfrm>
+          <a:prstGeom prst="rect">
+            <a:avLst/>
+          </a:prstGeom>
+        </p:spPr>
+        <p:txBody>
+          <a:bodyPr vert="horz" lIns="91440" tIns="45720" rIns="91440" bIns="45720" rtlCol="0" anchor="ctr">
+            <a:noAutofit/>
           </a:bodyPr>
-          <a:lstStyle/>
-          <a:p>
-            <a:pPr algn="ctr"/>
-            <a:r>
-              <a:rPr lang="fr-FR" b="1" dirty="0" smtClean="0">
+          <a:lstStyle>
+            <a:lvl1pPr algn="l" defTabSz="914400" rtl="0" eaLnBrk="1" latinLnBrk="0" hangingPunct="1">
+              <a:lnSpc>
+                <a:spcPct val="90000"/>
+              </a:lnSpc>
+              <a:spcBef>
+                <a:spcPct val="0"/>
+              </a:spcBef>
+              <a:buNone/>
+              <a:defRPr sz="4400" kern="1200">
+                <a:solidFill>
+                  <a:schemeClr val="tx1"/>
+                </a:solidFill>
+                <a:latin typeface="+mj-lt"/>
+                <a:ea typeface="+mj-ea"/>
+                <a:cs typeface="+mj-cs"/>
+              </a:defRPr>
+            </a:lvl1pPr>
+          </a:lstStyle>
+          <a:p>
+            <a:pPr marL="457200" indent="-457200" algn="ctr">
+              <a:buFont typeface="+mj-lt"/>
+              <a:buAutoNum type="arabicPeriod" startAt="3"/>
+            </a:pPr>
+            <a:r>
+              <a:rPr lang="fr-FR" sz="2500" b="1" dirty="0" smtClean="0">
                 <a:solidFill>
                   <a:srgbClr val="FF0000"/>
                 </a:solidFill>
                 <a:latin typeface="Times New Roman" panose="02020603050405020304" pitchFamily="18" charset="0"/>
                 <a:cs typeface="Times New Roman" panose="02020603050405020304" pitchFamily="18" charset="0"/>
               </a:rPr>
-              <a:t>COMPONENT </a:t>
-            </a:r>
-            <a:r>
-              <a:rPr lang="fr-FR" b="1" dirty="0">
-                <a:solidFill>
-                  <a:srgbClr val="FF0000"/>
-                </a:solidFill>
-                <a:latin typeface="Times New Roman" panose="02020603050405020304" pitchFamily="18" charset="0"/>
-                <a:cs typeface="Times New Roman" panose="02020603050405020304" pitchFamily="18" charset="0"/>
-              </a:rPr>
-              <a:t>DIAGRAM</a:t>
-            </a:r>
-            <a:endParaRPr lang="fr-FR" b="1" dirty="0">
+              <a:t>Controller</a:t>
+            </a:r>
+            <a:endParaRPr lang="fr-FR" sz="2500" b="1" dirty="0">
               <a:solidFill>
                 <a:srgbClr val="FF0000"/>
               </a:solidFill>
@@ -3355,35 +3795,23 @@
           </a:p>
         </p:txBody>
       </p:sp>
-      <p:sp>
-        <p:nvSpPr>
-          <p:cNvPr id="3" name="Espace réservé du contenu 2"/>
-          <p:cNvSpPr>
-            <a:spLocks noGrp="1"/>
-          </p:cNvSpPr>
-          <p:nvPr>
-            <p:ph idx="1"/>
-          </p:nvPr>
-        </p:nvSpPr>
-        <p:spPr/>
-        <p:txBody>
-          <a:bodyPr/>
-          <a:lstStyle/>
-          <a:p>
-            <a:endParaRPr lang="fr-FR"/>
-          </a:p>
-        </p:txBody>
-      </p:sp>
     </p:spTree>
     <p:extLst>
       <p:ext uri="{BB962C8B-B14F-4D97-AF65-F5344CB8AC3E}">
-        <p14:creationId xmlns:p14="http://schemas.microsoft.com/office/powerpoint/2010/main" val="2630863834"/>
+        <p14:creationId xmlns:p14="http://schemas.microsoft.com/office/powerpoint/2010/main" val="2307545816"/>
       </p:ext>
     </p:extLst>
   </p:cSld>
   <p:clrMapOvr>
     <a:masterClrMapping/>
   </p:clrMapOvr>
+  <p:timing>
+    <p:tnLst>
+      <p:par>
+        <p:cTn id="1" dur="indefinite" restart="never" nodeType="tmRoot"/>
+      </p:par>
+    </p:tnLst>
+  </p:timing>
 </p:sld>
 </file>
 
@@ -3404,136 +3832,116 @@
           <a:chExt cx="0" cy="0"/>
         </a:xfrm>
       </p:grpSpPr>
-      <p:sp>
-        <p:nvSpPr>
-          <p:cNvPr id="2" name="Titre 1"/>
-          <p:cNvSpPr>
-            <a:spLocks noGrp="1"/>
-          </p:cNvSpPr>
-          <p:nvPr>
-            <p:ph type="title"/>
-          </p:nvPr>
-        </p:nvSpPr>
-        <p:spPr/>
-        <p:txBody>
-          <a:bodyPr/>
-          <a:lstStyle/>
-          <a:p>
-            <a:pPr algn="ctr"/>
-            <a:r>
-              <a:rPr lang="fr-FR" b="1" dirty="0" smtClean="0">
-                <a:solidFill>
-                  <a:srgbClr val="FF0000"/>
-                </a:solidFill>
-                <a:latin typeface="Times New Roman" panose="02020603050405020304" pitchFamily="18" charset="0"/>
-                <a:cs typeface="Times New Roman" panose="02020603050405020304" pitchFamily="18" charset="0"/>
-              </a:rPr>
-              <a:t>REPORTS</a:t>
-            </a:r>
-            <a:r>
-              <a:rPr lang="fr-FR" dirty="0" smtClean="0"/>
-              <a:t> </a:t>
-            </a:r>
-            <a:endParaRPr lang="fr-FR" dirty="0"/>
-          </a:p>
-        </p:txBody>
-      </p:sp>
-      <p:sp>
-        <p:nvSpPr>
-          <p:cNvPr id="3" name="Espace réservé du contenu 2"/>
-          <p:cNvSpPr>
-            <a:spLocks noGrp="1"/>
-          </p:cNvSpPr>
+      <p:pic>
+        <p:nvPicPr>
+          <p:cNvPr id="4" name="Espace réservé du contenu 3"/>
+          <p:cNvPicPr>
+            <a:picLocks noGrp="1" noChangeAspect="1"/>
+          </p:cNvPicPr>
           <p:nvPr>
             <p:ph idx="1"/>
           </p:nvPr>
-        </p:nvSpPr>
+        </p:nvPicPr>
+        <p:blipFill rotWithShape="1">
+          <a:blip r:embed="rId2">
+            <a:extLst>
+              <a:ext uri="{28A0092B-C50C-407E-A947-70E740481C1C}">
+                <a14:useLocalDpi xmlns:a14="http://schemas.microsoft.com/office/drawing/2010/main" val="0"/>
+              </a:ext>
+            </a:extLst>
+          </a:blip>
+          <a:srcRect l="11223" t="24320" b="21366"/>
+          <a:stretch/>
+        </p:blipFill>
         <p:spPr>
           <a:xfrm>
-            <a:off x="3296236" y="1690688"/>
-            <a:ext cx="5599527" cy="4351338"/>
+            <a:off x="323557" y="1097280"/>
+            <a:ext cx="11868443" cy="5556738"/>
           </a:xfrm>
         </p:spPr>
-        <p:txBody>
-          <a:bodyPr/>
-          <a:lstStyle/>
-          <a:p>
-            <a:pPr algn="ctr"/>
-            <a:r>
-              <a:rPr lang="pt-BR" dirty="0" smtClean="0">
-                <a:latin typeface="Times New Roman" panose="02020603050405020304" pitchFamily="18" charset="0"/>
-                <a:cs typeface="Times New Roman" panose="02020603050405020304" pitchFamily="18" charset="0"/>
-              </a:rPr>
-              <a:t>JavaDoc</a:t>
-            </a:r>
-          </a:p>
-          <a:p>
-            <a:pPr algn="ctr"/>
-            <a:endParaRPr lang="pt-BR" dirty="0" smtClean="0">
+      </p:pic>
+      <p:sp>
+        <p:nvSpPr>
+          <p:cNvPr id="6" name="Titre 1"/>
+          <p:cNvSpPr txBox="1">
+            <a:spLocks/>
+          </p:cNvSpPr>
+          <p:nvPr/>
+        </p:nvSpPr>
+        <p:spPr>
+          <a:xfrm>
+            <a:off x="431410" y="360238"/>
+            <a:ext cx="2186354" cy="579021"/>
+          </a:xfrm>
+          <a:prstGeom prst="rect">
+            <a:avLst/>
+          </a:prstGeom>
+        </p:spPr>
+        <p:txBody>
+          <a:bodyPr vert="horz" lIns="91440" tIns="45720" rIns="91440" bIns="45720" rtlCol="0" anchor="ctr">
+            <a:noAutofit/>
+          </a:bodyPr>
+          <a:lstStyle>
+            <a:lvl1pPr algn="l" defTabSz="914400" rtl="0" eaLnBrk="1" latinLnBrk="0" hangingPunct="1">
+              <a:lnSpc>
+                <a:spcPct val="90000"/>
+              </a:lnSpc>
+              <a:spcBef>
+                <a:spcPct val="0"/>
+              </a:spcBef>
+              <a:buNone/>
+              <a:defRPr sz="4400" kern="1200">
+                <a:solidFill>
+                  <a:schemeClr val="tx1"/>
+                </a:solidFill>
+                <a:latin typeface="+mj-lt"/>
+                <a:ea typeface="+mj-ea"/>
+                <a:cs typeface="+mj-cs"/>
+              </a:defRPr>
+            </a:lvl1pPr>
+          </a:lstStyle>
+          <a:p>
+            <a:pPr marL="457200" indent="-457200" algn="ctr">
+              <a:buFont typeface="+mj-lt"/>
+              <a:buAutoNum type="arabicPeriod" startAt="4"/>
+            </a:pPr>
+            <a:r>
+              <a:rPr lang="fr-FR" sz="2500" b="1" dirty="0" smtClean="0">
+                <a:solidFill>
+                  <a:srgbClr val="FF0000"/>
+                </a:solidFill>
+                <a:latin typeface="Times New Roman" panose="02020603050405020304" pitchFamily="18" charset="0"/>
+                <a:cs typeface="Times New Roman" panose="02020603050405020304" pitchFamily="18" charset="0"/>
+              </a:rPr>
+              <a:t>Model</a:t>
+            </a:r>
+            <a:endParaRPr lang="fr-FR" sz="2500" b="1" dirty="0">
+              <a:solidFill>
+                <a:srgbClr val="FF0000"/>
+              </a:solidFill>
               <a:latin typeface="Times New Roman" panose="02020603050405020304" pitchFamily="18" charset="0"/>
               <a:cs typeface="Times New Roman" panose="02020603050405020304" pitchFamily="18" charset="0"/>
             </a:endParaRPr>
           </a:p>
-          <a:p>
-            <a:pPr algn="ctr"/>
-            <a:r>
-              <a:rPr lang="pt-BR" dirty="0" smtClean="0">
-                <a:latin typeface="Times New Roman" panose="02020603050405020304" pitchFamily="18" charset="0"/>
-                <a:cs typeface="Times New Roman" panose="02020603050405020304" pitchFamily="18" charset="0"/>
-              </a:rPr>
-              <a:t>Surefire</a:t>
-            </a:r>
-          </a:p>
-          <a:p>
-            <a:pPr algn="ctr"/>
-            <a:endParaRPr lang="pt-BR" dirty="0" smtClean="0">
-              <a:latin typeface="Times New Roman" panose="02020603050405020304" pitchFamily="18" charset="0"/>
-              <a:cs typeface="Times New Roman" panose="02020603050405020304" pitchFamily="18" charset="0"/>
-            </a:endParaRPr>
-          </a:p>
-          <a:p>
-            <a:pPr algn="ctr"/>
-            <a:r>
-              <a:rPr lang="pt-BR" dirty="0" smtClean="0">
-                <a:latin typeface="Times New Roman" panose="02020603050405020304" pitchFamily="18" charset="0"/>
-                <a:cs typeface="Times New Roman" panose="02020603050405020304" pitchFamily="18" charset="0"/>
-              </a:rPr>
-              <a:t>JXR</a:t>
-            </a:r>
-          </a:p>
-          <a:p>
-            <a:pPr algn="ctr"/>
-            <a:endParaRPr lang="pt-BR" dirty="0" smtClean="0">
-              <a:latin typeface="Times New Roman" panose="02020603050405020304" pitchFamily="18" charset="0"/>
-              <a:cs typeface="Times New Roman" panose="02020603050405020304" pitchFamily="18" charset="0"/>
-            </a:endParaRPr>
-          </a:p>
-          <a:p>
-            <a:pPr algn="ctr"/>
-            <a:r>
-              <a:rPr lang="pt-BR" dirty="0" smtClean="0">
-                <a:latin typeface="Times New Roman" panose="02020603050405020304" pitchFamily="18" charset="0"/>
-                <a:cs typeface="Times New Roman" panose="02020603050405020304" pitchFamily="18" charset="0"/>
-              </a:rPr>
-              <a:t>Git</a:t>
-            </a:r>
-            <a:endParaRPr lang="pt-BR" dirty="0">
-              <a:latin typeface="Times New Roman" panose="02020603050405020304" pitchFamily="18" charset="0"/>
-              <a:cs typeface="Times New Roman" panose="02020603050405020304" pitchFamily="18" charset="0"/>
-            </a:endParaRPr>
-          </a:p>
         </p:txBody>
       </p:sp>
     </p:spTree>
     <p:extLst>
       <p:ext uri="{BB962C8B-B14F-4D97-AF65-F5344CB8AC3E}">
-        <p14:creationId xmlns:p14="http://schemas.microsoft.com/office/powerpoint/2010/main" val="1879425374"/>
+        <p14:creationId xmlns:p14="http://schemas.microsoft.com/office/powerpoint/2010/main" val="2035497760"/>
       </p:ext>
     </p:extLst>
   </p:cSld>
   <p:clrMapOvr>
     <a:masterClrMapping/>
   </p:clrMapOvr>
+  <p:timing>
+    <p:tnLst>
+      <p:par>
+        <p:cTn id="1" dur="indefinite" restart="never" nodeType="tmRoot"/>
+      </p:par>
+    </p:tnLst>
+  </p:timing>
 </p:sld>
 </file>
 
@@ -3554,35 +3962,90 @@
           <a:chExt cx="0" cy="0"/>
         </a:xfrm>
       </p:grpSpPr>
-      <p:sp>
-        <p:nvSpPr>
-          <p:cNvPr id="2" name="Titre 1"/>
-          <p:cNvSpPr>
-            <a:spLocks noGrp="1"/>
-          </p:cNvSpPr>
-          <p:nvPr>
-            <p:ph type="title"/>
-          </p:nvPr>
-        </p:nvSpPr>
-        <p:spPr/>
-        <p:txBody>
-          <a:bodyPr>
-            <a:normAutofit/>
+      <p:pic>
+        <p:nvPicPr>
+          <p:cNvPr id="4" name="Espace réservé du contenu 3"/>
+          <p:cNvPicPr>
+            <a:picLocks noGrp="1" noChangeAspect="1"/>
+          </p:cNvPicPr>
+          <p:nvPr>
+            <p:ph idx="1"/>
+          </p:nvPr>
+        </p:nvPicPr>
+        <p:blipFill rotWithShape="1">
+          <a:blip r:embed="rId2">
+            <a:extLst>
+              <a:ext uri="{28A0092B-C50C-407E-A947-70E740481C1C}">
+                <a14:useLocalDpi xmlns:a14="http://schemas.microsoft.com/office/drawing/2010/main" val="0"/>
+              </a:ext>
+            </a:extLst>
+          </a:blip>
+          <a:srcRect l="11587" t="23997" r="41154" b="14578"/>
+          <a:stretch/>
+        </p:blipFill>
+        <p:spPr>
+          <a:xfrm>
+            <a:off x="717452" y="942535"/>
+            <a:ext cx="10636347" cy="5767754"/>
+          </a:xfrm>
+        </p:spPr>
+      </p:pic>
+      <p:sp>
+        <p:nvSpPr>
+          <p:cNvPr id="5" name="Titre 1"/>
+          <p:cNvSpPr txBox="1">
+            <a:spLocks/>
+          </p:cNvSpPr>
+          <p:nvPr/>
+        </p:nvSpPr>
+        <p:spPr>
+          <a:xfrm>
+            <a:off x="717452" y="177357"/>
+            <a:ext cx="2186354" cy="579021"/>
+          </a:xfrm>
+          <a:prstGeom prst="rect">
+            <a:avLst/>
+          </a:prstGeom>
+        </p:spPr>
+        <p:txBody>
+          <a:bodyPr vert="horz" lIns="91440" tIns="45720" rIns="91440" bIns="45720" rtlCol="0" anchor="ctr">
+            <a:noAutofit/>
           </a:bodyPr>
-          <a:lstStyle/>
-          <a:p>
-            <a:pPr algn="ctr"/>
-            <a:r>
-              <a:rPr lang="fr-FR" sz="5000" b="1" dirty="0" smtClean="0">
+          <a:lstStyle>
+            <a:lvl1pPr algn="l" defTabSz="914400" rtl="0" eaLnBrk="1" latinLnBrk="0" hangingPunct="1">
+              <a:lnSpc>
+                <a:spcPct val="90000"/>
+              </a:lnSpc>
+              <a:spcBef>
+                <a:spcPct val="0"/>
+              </a:spcBef>
+              <a:buNone/>
+              <a:defRPr sz="4400" kern="1200">
+                <a:solidFill>
+                  <a:schemeClr val="tx1"/>
+                </a:solidFill>
+                <a:latin typeface="+mj-lt"/>
+                <a:ea typeface="+mj-ea"/>
+                <a:cs typeface="+mj-cs"/>
+              </a:defRPr>
+            </a:lvl1pPr>
+          </a:lstStyle>
+          <a:p>
+            <a:pPr marL="457200" indent="-457200" algn="ctr">
+              <a:buFont typeface="+mj-lt"/>
+              <a:buAutoNum type="arabicPeriod" startAt="5"/>
+            </a:pPr>
+            <a:r>
+              <a:rPr lang="fr-FR" sz="2500" b="1" dirty="0" smtClean="0">
                 <a:solidFill>
                   <a:srgbClr val="FF0000"/>
                 </a:solidFill>
                 <a:latin typeface="Times New Roman" panose="02020603050405020304" pitchFamily="18" charset="0"/>
                 <a:cs typeface="Times New Roman" panose="02020603050405020304" pitchFamily="18" charset="0"/>
               </a:rPr>
-              <a:t>STRENGTH AND WEAKNESS</a:t>
-            </a:r>
-            <a:endParaRPr lang="fr-FR" sz="5000" b="1" dirty="0">
+              <a:t>View</a:t>
+            </a:r>
+            <a:endParaRPr lang="fr-FR" sz="2500" b="1" dirty="0">
               <a:solidFill>
                 <a:srgbClr val="FF0000"/>
               </a:solidFill>
@@ -3592,499 +4055,23 @@
           </a:p>
         </p:txBody>
       </p:sp>
-      <p:sp>
-        <p:nvSpPr>
-          <p:cNvPr id="3" name="Espace réservé du contenu 2"/>
-          <p:cNvSpPr>
-            <a:spLocks noGrp="1"/>
-          </p:cNvSpPr>
-          <p:nvPr>
-            <p:ph idx="1"/>
-          </p:nvPr>
-        </p:nvSpPr>
-        <p:spPr>
-          <a:xfrm>
-            <a:off x="528711" y="1859502"/>
-            <a:ext cx="4915486" cy="4583502"/>
-          </a:xfrm>
-        </p:spPr>
-        <p:txBody>
-          <a:bodyPr/>
-          <a:lstStyle/>
-          <a:p>
-            <a:pPr algn="ctr">
-              <a:buFont typeface="Wingdings" panose="05000000000000000000" pitchFamily="2" charset="2"/>
-              <a:buChar char="J"/>
-            </a:pPr>
-            <a:r>
-              <a:rPr lang="fr-FR" sz="4500" b="1" dirty="0" smtClean="0">
-                <a:solidFill>
-                  <a:srgbClr val="00B050"/>
-                </a:solidFill>
-                <a:latin typeface="Times New Roman" panose="02020603050405020304" pitchFamily="18" charset="0"/>
-                <a:cs typeface="Times New Roman" panose="02020603050405020304" pitchFamily="18" charset="0"/>
-              </a:rPr>
-              <a:t>STRENGTH </a:t>
-            </a:r>
-            <a:r>
-              <a:rPr lang="fr-FR" sz="4500" b="1" dirty="0" smtClean="0">
-                <a:latin typeface="Times New Roman" panose="02020603050405020304" pitchFamily="18" charset="0"/>
-                <a:cs typeface="Times New Roman" panose="02020603050405020304" pitchFamily="18" charset="0"/>
-              </a:rPr>
-              <a:t>                            </a:t>
-            </a:r>
-          </a:p>
-          <a:p>
-            <a:pPr marL="0" indent="0" algn="ctr">
-              <a:buNone/>
-            </a:pPr>
-            <a:r>
-              <a:rPr lang="fr-FR" sz="4500" dirty="0" err="1" smtClean="0">
-                <a:latin typeface="Times New Roman" panose="02020603050405020304" pitchFamily="18" charset="0"/>
-                <a:cs typeface="Times New Roman" panose="02020603050405020304" pitchFamily="18" charset="0"/>
-              </a:rPr>
-              <a:t>Kegne</a:t>
-            </a:r>
-            <a:r>
-              <a:rPr lang="fr-FR" sz="4500" dirty="0" smtClean="0">
-                <a:latin typeface="Times New Roman" panose="02020603050405020304" pitchFamily="18" charset="0"/>
-                <a:cs typeface="Times New Roman" panose="02020603050405020304" pitchFamily="18" charset="0"/>
-              </a:rPr>
-              <a:t> </a:t>
-            </a:r>
-            <a:r>
-              <a:rPr lang="fr-FR" sz="4500" dirty="0" err="1" smtClean="0">
-                <a:latin typeface="Times New Roman" panose="02020603050405020304" pitchFamily="18" charset="0"/>
-                <a:cs typeface="Times New Roman" panose="02020603050405020304" pitchFamily="18" charset="0"/>
-              </a:rPr>
-              <a:t>Heidy</a:t>
-            </a:r>
-            <a:r>
-              <a:rPr lang="fr-FR" sz="4500" dirty="0" smtClean="0">
-                <a:latin typeface="Times New Roman" panose="02020603050405020304" pitchFamily="18" charset="0"/>
-                <a:cs typeface="Times New Roman" panose="02020603050405020304" pitchFamily="18" charset="0"/>
-              </a:rPr>
-              <a:t> </a:t>
-            </a:r>
-          </a:p>
-          <a:p>
-            <a:pPr marL="0" indent="0" algn="ctr">
-              <a:buNone/>
-            </a:pPr>
-            <a:r>
-              <a:rPr lang="fr-FR" sz="4500" dirty="0" err="1" smtClean="0">
-                <a:latin typeface="Times New Roman" panose="02020603050405020304" pitchFamily="18" charset="0"/>
-                <a:cs typeface="Times New Roman" panose="02020603050405020304" pitchFamily="18" charset="0"/>
-              </a:rPr>
-              <a:t>Nodjimadji</a:t>
-            </a:r>
-            <a:r>
-              <a:rPr lang="fr-FR" sz="4500" dirty="0" smtClean="0">
-                <a:latin typeface="Times New Roman" panose="02020603050405020304" pitchFamily="18" charset="0"/>
-                <a:cs typeface="Times New Roman" panose="02020603050405020304" pitchFamily="18" charset="0"/>
-              </a:rPr>
-              <a:t> </a:t>
-            </a:r>
-            <a:r>
-              <a:rPr lang="fr-FR" sz="4500" dirty="0" err="1" smtClean="0">
-                <a:latin typeface="Times New Roman" panose="02020603050405020304" pitchFamily="18" charset="0"/>
-                <a:cs typeface="Times New Roman" panose="02020603050405020304" pitchFamily="18" charset="0"/>
-              </a:rPr>
-              <a:t>Souar</a:t>
-            </a:r>
-            <a:endParaRPr lang="fr-FR" sz="4500" dirty="0" smtClean="0">
-              <a:latin typeface="Times New Roman" panose="02020603050405020304" pitchFamily="18" charset="0"/>
-              <a:cs typeface="Times New Roman" panose="02020603050405020304" pitchFamily="18" charset="0"/>
-            </a:endParaRPr>
-          </a:p>
-          <a:p>
-            <a:pPr marL="0" indent="0" algn="ctr">
-              <a:buNone/>
-            </a:pPr>
-            <a:r>
-              <a:rPr lang="fr-FR" sz="4500" dirty="0" err="1" smtClean="0">
-                <a:latin typeface="Times New Roman" panose="02020603050405020304" pitchFamily="18" charset="0"/>
-                <a:cs typeface="Times New Roman" panose="02020603050405020304" pitchFamily="18" charset="0"/>
-              </a:rPr>
-              <a:t>Fenyom</a:t>
-            </a:r>
-            <a:r>
-              <a:rPr lang="fr-FR" sz="4500" dirty="0" smtClean="0">
-                <a:latin typeface="Times New Roman" panose="02020603050405020304" pitchFamily="18" charset="0"/>
-                <a:cs typeface="Times New Roman" panose="02020603050405020304" pitchFamily="18" charset="0"/>
-              </a:rPr>
-              <a:t> Bryan</a:t>
-            </a:r>
-          </a:p>
-          <a:p>
-            <a:pPr marL="0" indent="0" algn="ctr">
-              <a:buNone/>
-            </a:pPr>
-            <a:r>
-              <a:rPr lang="fr-FR" sz="4500" dirty="0" err="1" smtClean="0">
-                <a:latin typeface="Times New Roman" panose="02020603050405020304" pitchFamily="18" charset="0"/>
-                <a:cs typeface="Times New Roman" panose="02020603050405020304" pitchFamily="18" charset="0"/>
-              </a:rPr>
-              <a:t>Nguessie</a:t>
-            </a:r>
-            <a:r>
-              <a:rPr lang="fr-FR" sz="4500" dirty="0" smtClean="0">
-                <a:latin typeface="Times New Roman" panose="02020603050405020304" pitchFamily="18" charset="0"/>
-                <a:cs typeface="Times New Roman" panose="02020603050405020304" pitchFamily="18" charset="0"/>
-              </a:rPr>
-              <a:t> Fabiola</a:t>
-            </a:r>
-            <a:endParaRPr lang="fr-FR" sz="4500" dirty="0">
-              <a:latin typeface="Times New Roman" panose="02020603050405020304" pitchFamily="18" charset="0"/>
-              <a:cs typeface="Times New Roman" panose="02020603050405020304" pitchFamily="18" charset="0"/>
-            </a:endParaRPr>
-          </a:p>
-          <a:p>
-            <a:pPr marL="0" indent="0">
-              <a:buNone/>
-            </a:pPr>
-            <a:endParaRPr lang="fr-FR" dirty="0" smtClean="0">
-              <a:latin typeface="Times New Roman" panose="02020603050405020304" pitchFamily="18" charset="0"/>
-              <a:cs typeface="Times New Roman" panose="02020603050405020304" pitchFamily="18" charset="0"/>
-            </a:endParaRPr>
-          </a:p>
-        </p:txBody>
-      </p:sp>
-      <p:sp>
-        <p:nvSpPr>
-          <p:cNvPr id="4" name="Espace réservé du contenu 2"/>
-          <p:cNvSpPr txBox="1">
-            <a:spLocks/>
-          </p:cNvSpPr>
-          <p:nvPr/>
-        </p:nvSpPr>
-        <p:spPr>
-          <a:xfrm>
-            <a:off x="6645812" y="1859502"/>
-            <a:ext cx="4426634" cy="4351338"/>
-          </a:xfrm>
-          <a:prstGeom prst="rect">
-            <a:avLst/>
-          </a:prstGeom>
-        </p:spPr>
-        <p:txBody>
-          <a:bodyPr vert="horz" lIns="91440" tIns="45720" rIns="91440" bIns="45720" rtlCol="0">
-            <a:normAutofit/>
-          </a:bodyPr>
-          <a:lstStyle>
-            <a:lvl1pPr marL="228600" indent="-228600" algn="l" defTabSz="914400" rtl="0" eaLnBrk="1" latinLnBrk="0" hangingPunct="1">
-              <a:lnSpc>
-                <a:spcPct val="90000"/>
-              </a:lnSpc>
-              <a:spcBef>
-                <a:spcPts val="1000"/>
-              </a:spcBef>
-              <a:buFont typeface="Arial" panose="020B0604020202020204" pitchFamily="34" charset="0"/>
-              <a:buChar char="•"/>
-              <a:defRPr sz="2800" kern="1200">
-                <a:solidFill>
-                  <a:schemeClr val="tx1"/>
-                </a:solidFill>
-                <a:latin typeface="+mn-lt"/>
-                <a:ea typeface="+mn-ea"/>
-                <a:cs typeface="+mn-cs"/>
-              </a:defRPr>
-            </a:lvl1pPr>
-            <a:lvl2pPr marL="685800" indent="-228600" algn="l" defTabSz="914400" rtl="0" eaLnBrk="1" latinLnBrk="0" hangingPunct="1">
-              <a:lnSpc>
-                <a:spcPct val="90000"/>
-              </a:lnSpc>
-              <a:spcBef>
-                <a:spcPts val="500"/>
-              </a:spcBef>
-              <a:buFont typeface="Arial" panose="020B0604020202020204" pitchFamily="34" charset="0"/>
-              <a:buChar char="•"/>
-              <a:defRPr sz="2400" kern="1200">
-                <a:solidFill>
-                  <a:schemeClr val="tx1"/>
-                </a:solidFill>
-                <a:latin typeface="+mn-lt"/>
-                <a:ea typeface="+mn-ea"/>
-                <a:cs typeface="+mn-cs"/>
-              </a:defRPr>
-            </a:lvl2pPr>
-            <a:lvl3pPr marL="1143000" indent="-228600" algn="l" defTabSz="914400" rtl="0" eaLnBrk="1" latinLnBrk="0" hangingPunct="1">
-              <a:lnSpc>
-                <a:spcPct val="90000"/>
-              </a:lnSpc>
-              <a:spcBef>
-                <a:spcPts val="500"/>
-              </a:spcBef>
-              <a:buFont typeface="Arial" panose="020B0604020202020204" pitchFamily="34" charset="0"/>
-              <a:buChar char="•"/>
-              <a:defRPr sz="2000" kern="1200">
-                <a:solidFill>
-                  <a:schemeClr val="tx1"/>
-                </a:solidFill>
-                <a:latin typeface="+mn-lt"/>
-                <a:ea typeface="+mn-ea"/>
-                <a:cs typeface="+mn-cs"/>
-              </a:defRPr>
-            </a:lvl3pPr>
-            <a:lvl4pPr marL="1600200" indent="-228600" algn="l" defTabSz="914400" rtl="0" eaLnBrk="1" latinLnBrk="0" hangingPunct="1">
-              <a:lnSpc>
-                <a:spcPct val="90000"/>
-              </a:lnSpc>
-              <a:spcBef>
-                <a:spcPts val="500"/>
-              </a:spcBef>
-              <a:buFont typeface="Arial" panose="020B0604020202020204" pitchFamily="34" charset="0"/>
-              <a:buChar char="•"/>
-              <a:defRPr sz="1800" kern="1200">
-                <a:solidFill>
-                  <a:schemeClr val="tx1"/>
-                </a:solidFill>
-                <a:latin typeface="+mn-lt"/>
-                <a:ea typeface="+mn-ea"/>
-                <a:cs typeface="+mn-cs"/>
-              </a:defRPr>
-            </a:lvl4pPr>
-            <a:lvl5pPr marL="2057400" indent="-228600" algn="l" defTabSz="914400" rtl="0" eaLnBrk="1" latinLnBrk="0" hangingPunct="1">
-              <a:lnSpc>
-                <a:spcPct val="90000"/>
-              </a:lnSpc>
-              <a:spcBef>
-                <a:spcPts val="500"/>
-              </a:spcBef>
-              <a:buFont typeface="Arial" panose="020B0604020202020204" pitchFamily="34" charset="0"/>
-              <a:buChar char="•"/>
-              <a:defRPr sz="1800" kern="1200">
-                <a:solidFill>
-                  <a:schemeClr val="tx1"/>
-                </a:solidFill>
-                <a:latin typeface="+mn-lt"/>
-                <a:ea typeface="+mn-ea"/>
-                <a:cs typeface="+mn-cs"/>
-              </a:defRPr>
-            </a:lvl5pPr>
-            <a:lvl6pPr marL="2514600" indent="-228600" algn="l" defTabSz="914400" rtl="0" eaLnBrk="1" latinLnBrk="0" hangingPunct="1">
-              <a:lnSpc>
-                <a:spcPct val="90000"/>
-              </a:lnSpc>
-              <a:spcBef>
-                <a:spcPts val="500"/>
-              </a:spcBef>
-              <a:buFont typeface="Arial" panose="020B0604020202020204" pitchFamily="34" charset="0"/>
-              <a:buChar char="•"/>
-              <a:defRPr sz="1800" kern="1200">
-                <a:solidFill>
-                  <a:schemeClr val="tx1"/>
-                </a:solidFill>
-                <a:latin typeface="+mn-lt"/>
-                <a:ea typeface="+mn-ea"/>
-                <a:cs typeface="+mn-cs"/>
-              </a:defRPr>
-            </a:lvl6pPr>
-            <a:lvl7pPr marL="2971800" indent="-228600" algn="l" defTabSz="914400" rtl="0" eaLnBrk="1" latinLnBrk="0" hangingPunct="1">
-              <a:lnSpc>
-                <a:spcPct val="90000"/>
-              </a:lnSpc>
-              <a:spcBef>
-                <a:spcPts val="500"/>
-              </a:spcBef>
-              <a:buFont typeface="Arial" panose="020B0604020202020204" pitchFamily="34" charset="0"/>
-              <a:buChar char="•"/>
-              <a:defRPr sz="1800" kern="1200">
-                <a:solidFill>
-                  <a:schemeClr val="tx1"/>
-                </a:solidFill>
-                <a:latin typeface="+mn-lt"/>
-                <a:ea typeface="+mn-ea"/>
-                <a:cs typeface="+mn-cs"/>
-              </a:defRPr>
-            </a:lvl7pPr>
-            <a:lvl8pPr marL="3429000" indent="-228600" algn="l" defTabSz="914400" rtl="0" eaLnBrk="1" latinLnBrk="0" hangingPunct="1">
-              <a:lnSpc>
-                <a:spcPct val="90000"/>
-              </a:lnSpc>
-              <a:spcBef>
-                <a:spcPts val="500"/>
-              </a:spcBef>
-              <a:buFont typeface="Arial" panose="020B0604020202020204" pitchFamily="34" charset="0"/>
-              <a:buChar char="•"/>
-              <a:defRPr sz="1800" kern="1200">
-                <a:solidFill>
-                  <a:schemeClr val="tx1"/>
-                </a:solidFill>
-                <a:latin typeface="+mn-lt"/>
-                <a:ea typeface="+mn-ea"/>
-                <a:cs typeface="+mn-cs"/>
-              </a:defRPr>
-            </a:lvl8pPr>
-            <a:lvl9pPr marL="3886200" indent="-228600" algn="l" defTabSz="914400" rtl="0" eaLnBrk="1" latinLnBrk="0" hangingPunct="1">
-              <a:lnSpc>
-                <a:spcPct val="90000"/>
-              </a:lnSpc>
-              <a:spcBef>
-                <a:spcPts val="500"/>
-              </a:spcBef>
-              <a:buFont typeface="Arial" panose="020B0604020202020204" pitchFamily="34" charset="0"/>
-              <a:buChar char="•"/>
-              <a:defRPr sz="1800" kern="1200">
-                <a:solidFill>
-                  <a:schemeClr val="tx1"/>
-                </a:solidFill>
-                <a:latin typeface="+mn-lt"/>
-                <a:ea typeface="+mn-ea"/>
-                <a:cs typeface="+mn-cs"/>
-              </a:defRPr>
-            </a:lvl9pPr>
-          </a:lstStyle>
-          <a:p>
-            <a:pPr algn="ctr">
-              <a:buFont typeface="Wingdings" panose="05000000000000000000" pitchFamily="2" charset="2"/>
-              <a:buChar char="L"/>
-            </a:pPr>
-            <a:r>
-              <a:rPr lang="fr-FR" sz="4500" b="1" dirty="0" smtClean="0">
-                <a:solidFill>
-                  <a:srgbClr val="FF0000"/>
-                </a:solidFill>
-                <a:latin typeface="Times New Roman" panose="02020603050405020304" pitchFamily="18" charset="0"/>
-                <a:cs typeface="Times New Roman" panose="02020603050405020304" pitchFamily="18" charset="0"/>
-              </a:rPr>
-              <a:t>WEAKNESS</a:t>
-            </a:r>
-            <a:r>
-              <a:rPr lang="fr-FR" sz="4500" b="1" dirty="0" smtClean="0">
-                <a:latin typeface="Times New Roman" panose="02020603050405020304" pitchFamily="18" charset="0"/>
-                <a:cs typeface="Times New Roman" panose="02020603050405020304" pitchFamily="18" charset="0"/>
-              </a:rPr>
-              <a:t>                          </a:t>
-            </a:r>
-          </a:p>
-          <a:p>
-            <a:pPr marL="0" indent="0" algn="ctr">
-              <a:buFont typeface="Arial" panose="020B0604020202020204" pitchFamily="34" charset="0"/>
-              <a:buNone/>
-            </a:pPr>
-            <a:r>
-              <a:rPr lang="fr-FR" sz="4500" dirty="0" err="1" smtClean="0">
-                <a:latin typeface="Times New Roman" panose="02020603050405020304" pitchFamily="18" charset="0"/>
-                <a:cs typeface="Times New Roman" panose="02020603050405020304" pitchFamily="18" charset="0"/>
-              </a:rPr>
-              <a:t>Kegne</a:t>
-            </a:r>
-            <a:r>
-              <a:rPr lang="fr-FR" sz="4500" dirty="0" smtClean="0">
-                <a:latin typeface="Times New Roman" panose="02020603050405020304" pitchFamily="18" charset="0"/>
-                <a:cs typeface="Times New Roman" panose="02020603050405020304" pitchFamily="18" charset="0"/>
-              </a:rPr>
-              <a:t> </a:t>
-            </a:r>
-            <a:r>
-              <a:rPr lang="fr-FR" sz="4500" dirty="0" err="1" smtClean="0">
-                <a:latin typeface="Times New Roman" panose="02020603050405020304" pitchFamily="18" charset="0"/>
-                <a:cs typeface="Times New Roman" panose="02020603050405020304" pitchFamily="18" charset="0"/>
-              </a:rPr>
-              <a:t>Heidy</a:t>
-            </a:r>
-            <a:r>
-              <a:rPr lang="fr-FR" sz="4500" dirty="0" smtClean="0">
-                <a:latin typeface="Times New Roman" panose="02020603050405020304" pitchFamily="18" charset="0"/>
-                <a:cs typeface="Times New Roman" panose="02020603050405020304" pitchFamily="18" charset="0"/>
-              </a:rPr>
-              <a:t> </a:t>
-            </a:r>
-          </a:p>
-          <a:p>
-            <a:pPr marL="0" indent="0" algn="ctr">
-              <a:buFont typeface="Arial" panose="020B0604020202020204" pitchFamily="34" charset="0"/>
-              <a:buNone/>
-            </a:pPr>
-            <a:r>
-              <a:rPr lang="fr-FR" sz="4500" dirty="0" err="1" smtClean="0">
-                <a:latin typeface="Times New Roman" panose="02020603050405020304" pitchFamily="18" charset="0"/>
-                <a:cs typeface="Times New Roman" panose="02020603050405020304" pitchFamily="18" charset="0"/>
-              </a:rPr>
-              <a:t>Nodjimadji</a:t>
-            </a:r>
-            <a:r>
-              <a:rPr lang="fr-FR" sz="4500" dirty="0" smtClean="0">
-                <a:latin typeface="Times New Roman" panose="02020603050405020304" pitchFamily="18" charset="0"/>
-                <a:cs typeface="Times New Roman" panose="02020603050405020304" pitchFamily="18" charset="0"/>
-              </a:rPr>
-              <a:t> </a:t>
-            </a:r>
-            <a:r>
-              <a:rPr lang="fr-FR" sz="4500" dirty="0" err="1" smtClean="0">
-                <a:latin typeface="Times New Roman" panose="02020603050405020304" pitchFamily="18" charset="0"/>
-                <a:cs typeface="Times New Roman" panose="02020603050405020304" pitchFamily="18" charset="0"/>
-              </a:rPr>
-              <a:t>Souar</a:t>
-            </a:r>
-            <a:endParaRPr lang="fr-FR" sz="4500" dirty="0" smtClean="0">
-              <a:latin typeface="Times New Roman" panose="02020603050405020304" pitchFamily="18" charset="0"/>
-              <a:cs typeface="Times New Roman" panose="02020603050405020304" pitchFamily="18" charset="0"/>
-            </a:endParaRPr>
-          </a:p>
-          <a:p>
-            <a:pPr marL="0" indent="0" algn="ctr">
-              <a:buFont typeface="Arial" panose="020B0604020202020204" pitchFamily="34" charset="0"/>
-              <a:buNone/>
-            </a:pPr>
-            <a:r>
-              <a:rPr lang="fr-FR" sz="4500" dirty="0" err="1" smtClean="0">
-                <a:latin typeface="Times New Roman" panose="02020603050405020304" pitchFamily="18" charset="0"/>
-                <a:cs typeface="Times New Roman" panose="02020603050405020304" pitchFamily="18" charset="0"/>
-              </a:rPr>
-              <a:t>Fenyom</a:t>
-            </a:r>
-            <a:r>
-              <a:rPr lang="fr-FR" sz="4500" dirty="0" smtClean="0">
-                <a:latin typeface="Times New Roman" panose="02020603050405020304" pitchFamily="18" charset="0"/>
-                <a:cs typeface="Times New Roman" panose="02020603050405020304" pitchFamily="18" charset="0"/>
-              </a:rPr>
-              <a:t> Bryan</a:t>
-            </a:r>
-          </a:p>
-          <a:p>
-            <a:pPr marL="0" indent="0" algn="ctr">
-              <a:buFont typeface="Arial" panose="020B0604020202020204" pitchFamily="34" charset="0"/>
-              <a:buNone/>
-            </a:pPr>
-            <a:r>
-              <a:rPr lang="fr-FR" sz="4500" dirty="0" err="1" smtClean="0">
-                <a:latin typeface="Times New Roman" panose="02020603050405020304" pitchFamily="18" charset="0"/>
-                <a:cs typeface="Times New Roman" panose="02020603050405020304" pitchFamily="18" charset="0"/>
-              </a:rPr>
-              <a:t>Nguessie</a:t>
-            </a:r>
-            <a:r>
-              <a:rPr lang="fr-FR" sz="4500" dirty="0" smtClean="0">
-                <a:latin typeface="Times New Roman" panose="02020603050405020304" pitchFamily="18" charset="0"/>
-                <a:cs typeface="Times New Roman" panose="02020603050405020304" pitchFamily="18" charset="0"/>
-              </a:rPr>
-              <a:t> Fabiola</a:t>
-            </a:r>
-          </a:p>
-          <a:p>
-            <a:pPr marL="0" indent="0">
-              <a:buFont typeface="Arial" panose="020B0604020202020204" pitchFamily="34" charset="0"/>
-              <a:buNone/>
-            </a:pPr>
-            <a:endParaRPr lang="fr-FR" dirty="0" smtClean="0">
-              <a:latin typeface="Times New Roman" panose="02020603050405020304" pitchFamily="18" charset="0"/>
-              <a:cs typeface="Times New Roman" panose="02020603050405020304" pitchFamily="18" charset="0"/>
-            </a:endParaRPr>
-          </a:p>
-        </p:txBody>
-      </p:sp>
     </p:spTree>
     <p:extLst>
       <p:ext uri="{BB962C8B-B14F-4D97-AF65-F5344CB8AC3E}">
-        <p14:creationId xmlns:p14="http://schemas.microsoft.com/office/powerpoint/2010/main" val="89503924"/>
+        <p14:creationId xmlns:p14="http://schemas.microsoft.com/office/powerpoint/2010/main" val="1344762639"/>
       </p:ext>
     </p:extLst>
   </p:cSld>
   <p:clrMapOvr>
     <a:masterClrMapping/>
   </p:clrMapOvr>
+  <p:timing>
+    <p:tnLst>
+      <p:par>
+        <p:cTn id="1" dur="indefinite" restart="never" nodeType="tmRoot"/>
+      </p:par>
+    </p:tnLst>
+  </p:timing>
 </p:sld>
 </file>
 
@@ -4115,9 +4102,16 @@
             <p:ph type="title"/>
           </p:nvPr>
         </p:nvSpPr>
-        <p:spPr/>
-        <p:txBody>
-          <a:bodyPr/>
+        <p:spPr>
+          <a:xfrm>
+            <a:off x="861645" y="111908"/>
+            <a:ext cx="10515600" cy="760290"/>
+          </a:xfrm>
+        </p:spPr>
+        <p:txBody>
+          <a:bodyPr>
+            <a:normAutofit/>
+          </a:bodyPr>
           <a:lstStyle/>
           <a:p>
             <a:pPr algn="ctr"/>
@@ -4129,7 +4123,7 @@
                 <a:latin typeface="Times New Roman" panose="02020603050405020304" pitchFamily="18" charset="0"/>
                 <a:cs typeface="Times New Roman" panose="02020603050405020304" pitchFamily="18" charset="0"/>
               </a:rPr>
-              <a:t>REVIEW AND CONCLUSION</a:t>
+              <a:t>PACKAGE DIAGRAM</a:t>
             </a:r>
             <a:endParaRPr lang="fr-FR" b="1" dirty="0">
               <a:solidFill>
@@ -4141,102 +4135,981 @@
           </a:p>
         </p:txBody>
       </p:sp>
-      <p:sp>
-        <p:nvSpPr>
-          <p:cNvPr id="3" name="Espace réservé du contenu 2"/>
-          <p:cNvSpPr>
-            <a:spLocks noGrp="1"/>
-          </p:cNvSpPr>
+      <p:pic>
+        <p:nvPicPr>
+          <p:cNvPr id="4" name="Espace réservé du contenu 3"/>
+          <p:cNvPicPr>
+            <a:picLocks noGrp="1" noChangeAspect="1"/>
+          </p:cNvPicPr>
           <p:nvPr>
             <p:ph idx="1"/>
           </p:nvPr>
-        </p:nvSpPr>
+        </p:nvPicPr>
+        <p:blipFill rotWithShape="1">
+          <a:blip r:embed="rId2">
+            <a:extLst>
+              <a:ext uri="{28A0092B-C50C-407E-A947-70E740481C1C}">
+                <a14:useLocalDpi xmlns:a14="http://schemas.microsoft.com/office/drawing/2010/main" val="0"/>
+              </a:ext>
+            </a:extLst>
+          </a:blip>
+          <a:srcRect l="11406" t="22704" r="19160" b="21366"/>
+          <a:stretch/>
+        </p:blipFill>
         <p:spPr>
           <a:xfrm>
-            <a:off x="838200" y="1825625"/>
-            <a:ext cx="10515600" cy="3871790"/>
+            <a:off x="861645" y="773722"/>
+            <a:ext cx="10279965" cy="5795890"/>
           </a:xfrm>
         </p:spPr>
-        <p:txBody>
-          <a:bodyPr>
-            <a:normAutofit/>
-          </a:bodyPr>
-          <a:lstStyle/>
-          <a:p>
-            <a:pPr>
-              <a:buFont typeface="Wingdings" panose="05000000000000000000" pitchFamily="2" charset="2"/>
-              <a:buChar char="q"/>
-            </a:pPr>
-            <a:r>
-              <a:rPr lang="fr-FR" sz="4000" dirty="0" smtClean="0">
-                <a:latin typeface="Times New Roman" panose="02020603050405020304" pitchFamily="18" charset="0"/>
-                <a:cs typeface="Times New Roman" panose="02020603050405020304" pitchFamily="18" charset="0"/>
-              </a:rPr>
-              <a:t>Difficulties encounter during the projet</a:t>
-            </a:r>
-          </a:p>
-          <a:p>
-            <a:pPr>
-              <a:buFont typeface="Wingdings" panose="05000000000000000000" pitchFamily="2" charset="2"/>
-              <a:buChar char="q"/>
-            </a:pPr>
-            <a:endParaRPr lang="fr-FR" sz="4000" dirty="0" smtClean="0">
-              <a:latin typeface="Times New Roman" panose="02020603050405020304" pitchFamily="18" charset="0"/>
-              <a:cs typeface="Times New Roman" panose="02020603050405020304" pitchFamily="18" charset="0"/>
-            </a:endParaRPr>
-          </a:p>
-          <a:p>
-            <a:pPr>
-              <a:buFont typeface="Wingdings" panose="05000000000000000000" pitchFamily="2" charset="2"/>
-              <a:buChar char="q"/>
-            </a:pPr>
-            <a:r>
-              <a:rPr lang="fr-FR" sz="4000" dirty="0" smtClean="0">
-                <a:latin typeface="Times New Roman" panose="02020603050405020304" pitchFamily="18" charset="0"/>
-                <a:cs typeface="Times New Roman" panose="02020603050405020304" pitchFamily="18" charset="0"/>
-              </a:rPr>
-              <a:t>Reasons for the difficulties</a:t>
-            </a:r>
-          </a:p>
-          <a:p>
-            <a:pPr>
-              <a:buFont typeface="Wingdings" panose="05000000000000000000" pitchFamily="2" charset="2"/>
-              <a:buChar char="q"/>
-            </a:pPr>
-            <a:endParaRPr lang="fr-FR" sz="4000" dirty="0" smtClean="0">
-              <a:latin typeface="Times New Roman" panose="02020603050405020304" pitchFamily="18" charset="0"/>
-              <a:cs typeface="Times New Roman" panose="02020603050405020304" pitchFamily="18" charset="0"/>
-            </a:endParaRPr>
-          </a:p>
-          <a:p>
-            <a:pPr>
-              <a:buFont typeface="Wingdings" panose="05000000000000000000" pitchFamily="2" charset="2"/>
-              <a:buChar char="q"/>
-            </a:pPr>
-            <a:r>
-              <a:rPr lang="fr-FR" sz="4000" dirty="0" smtClean="0">
-                <a:latin typeface="Times New Roman" panose="02020603050405020304" pitchFamily="18" charset="0"/>
-                <a:cs typeface="Times New Roman" panose="02020603050405020304" pitchFamily="18" charset="0"/>
-              </a:rPr>
-              <a:t>How well can you remedy to the situation</a:t>
-            </a:r>
-            <a:endParaRPr lang="fr-FR" sz="4000" dirty="0">
-              <a:latin typeface="Times New Roman" panose="02020603050405020304" pitchFamily="18" charset="0"/>
-              <a:cs typeface="Times New Roman" panose="02020603050405020304" pitchFamily="18" charset="0"/>
-            </a:endParaRPr>
-          </a:p>
-        </p:txBody>
-      </p:sp>
+      </p:pic>
     </p:spTree>
     <p:extLst>
       <p:ext uri="{BB962C8B-B14F-4D97-AF65-F5344CB8AC3E}">
-        <p14:creationId xmlns:p14="http://schemas.microsoft.com/office/powerpoint/2010/main" val="2302074517"/>
+        <p14:creationId xmlns:p14="http://schemas.microsoft.com/office/powerpoint/2010/main" val="2215749854"/>
       </p:ext>
     </p:extLst>
   </p:cSld>
   <p:clrMapOvr>
     <a:masterClrMapping/>
   </p:clrMapOvr>
+  <p:timing>
+    <p:tnLst>
+      <p:par>
+        <p:cTn id="1" dur="indefinite" restart="never" nodeType="tmRoot"/>
+      </p:par>
+    </p:tnLst>
+  </p:timing>
+</p:sld>
+</file>
+
+<file path=ppt/slides/slide16.xml><?xml version="1.0" encoding="utf-8"?>
+<p:sld xmlns:a="http://schemas.openxmlformats.org/drawingml/2006/main" xmlns:r="http://schemas.openxmlformats.org/officeDocument/2006/relationships" xmlns:p="http://schemas.openxmlformats.org/presentationml/2006/main">
+  <p:cSld>
+    <p:spTree>
+      <p:nvGrpSpPr>
+        <p:cNvPr id="1" name=""/>
+        <p:cNvGrpSpPr/>
+        <p:nvPr/>
+      </p:nvGrpSpPr>
+      <p:grpSpPr>
+        <a:xfrm>
+          <a:off x="0" y="0"/>
+          <a:ext cx="0" cy="0"/>
+          <a:chOff x="0" y="0"/>
+          <a:chExt cx="0" cy="0"/>
+        </a:xfrm>
+      </p:grpSpPr>
+      <p:sp>
+        <p:nvSpPr>
+          <p:cNvPr id="2" name="Titre 1"/>
+          <p:cNvSpPr>
+            <a:spLocks noGrp="1"/>
+          </p:cNvSpPr>
+          <p:nvPr>
+            <p:ph type="title"/>
+          </p:nvPr>
+        </p:nvSpPr>
+        <p:spPr/>
+        <p:txBody>
+          <a:bodyPr>
+            <a:normAutofit/>
+          </a:bodyPr>
+          <a:lstStyle/>
+          <a:p>
+            <a:pPr algn="ctr"/>
+            <a:r>
+              <a:rPr lang="fr-FR" b="1" dirty="0" smtClean="0">
+                <a:solidFill>
+                  <a:srgbClr val="FF0000"/>
+                </a:solidFill>
+                <a:latin typeface="Times New Roman" panose="02020603050405020304" pitchFamily="18" charset="0"/>
+                <a:cs typeface="Times New Roman" panose="02020603050405020304" pitchFamily="18" charset="0"/>
+              </a:rPr>
+              <a:t>COMPONENT </a:t>
+            </a:r>
+            <a:r>
+              <a:rPr lang="fr-FR" b="1" dirty="0">
+                <a:solidFill>
+                  <a:srgbClr val="FF0000"/>
+                </a:solidFill>
+                <a:latin typeface="Times New Roman" panose="02020603050405020304" pitchFamily="18" charset="0"/>
+                <a:cs typeface="Times New Roman" panose="02020603050405020304" pitchFamily="18" charset="0"/>
+              </a:rPr>
+              <a:t>DIAGRAM</a:t>
+            </a:r>
+          </a:p>
+        </p:txBody>
+      </p:sp>
+      <p:pic>
+        <p:nvPicPr>
+          <p:cNvPr id="4" name="Espace réservé du contenu 3"/>
+          <p:cNvPicPr>
+            <a:picLocks noGrp="1" noChangeAspect="1"/>
+          </p:cNvPicPr>
+          <p:nvPr>
+            <p:ph idx="1"/>
+          </p:nvPr>
+        </p:nvPicPr>
+        <p:blipFill>
+          <a:blip r:embed="rId2">
+            <a:extLst>
+              <a:ext uri="{28A0092B-C50C-407E-A947-70E740481C1C}">
+                <a14:useLocalDpi xmlns:a14="http://schemas.microsoft.com/office/drawing/2010/main" val="0"/>
+              </a:ext>
+            </a:extLst>
+          </a:blip>
+          <a:stretch>
+            <a:fillRect/>
+          </a:stretch>
+        </p:blipFill>
+        <p:spPr>
+          <a:xfrm>
+            <a:off x="1404425" y="1547445"/>
+            <a:ext cx="9383150" cy="4726745"/>
+          </a:xfrm>
+        </p:spPr>
+      </p:pic>
+    </p:spTree>
+    <p:extLst>
+      <p:ext uri="{BB962C8B-B14F-4D97-AF65-F5344CB8AC3E}">
+        <p14:creationId xmlns:p14="http://schemas.microsoft.com/office/powerpoint/2010/main" val="2630863834"/>
+      </p:ext>
+    </p:extLst>
+  </p:cSld>
+  <p:clrMapOvr>
+    <a:masterClrMapping/>
+  </p:clrMapOvr>
+  <p:timing>
+    <p:tnLst>
+      <p:par>
+        <p:cTn id="1" dur="indefinite" restart="never" nodeType="tmRoot"/>
+      </p:par>
+    </p:tnLst>
+  </p:timing>
+</p:sld>
+</file>
+
+<file path=ppt/slides/slide17.xml><?xml version="1.0" encoding="utf-8"?>
+<p:sld xmlns:a="http://schemas.openxmlformats.org/drawingml/2006/main" xmlns:r="http://schemas.openxmlformats.org/officeDocument/2006/relationships" xmlns:p="http://schemas.openxmlformats.org/presentationml/2006/main">
+  <p:cSld>
+    <p:spTree>
+      <p:nvGrpSpPr>
+        <p:cNvPr id="1" name=""/>
+        <p:cNvGrpSpPr/>
+        <p:nvPr/>
+      </p:nvGrpSpPr>
+      <p:grpSpPr>
+        <a:xfrm>
+          <a:off x="0" y="0"/>
+          <a:ext cx="0" cy="0"/>
+          <a:chOff x="0" y="0"/>
+          <a:chExt cx="0" cy="0"/>
+        </a:xfrm>
+      </p:grpSpPr>
+      <p:sp>
+        <p:nvSpPr>
+          <p:cNvPr id="2" name="Titre 1"/>
+          <p:cNvSpPr>
+            <a:spLocks noGrp="1"/>
+          </p:cNvSpPr>
+          <p:nvPr>
+            <p:ph type="title"/>
+          </p:nvPr>
+        </p:nvSpPr>
+        <p:spPr>
+          <a:xfrm>
+            <a:off x="838200" y="210381"/>
+            <a:ext cx="10515600" cy="971306"/>
+          </a:xfrm>
+        </p:spPr>
+        <p:txBody>
+          <a:bodyPr>
+            <a:normAutofit/>
+          </a:bodyPr>
+          <a:lstStyle/>
+          <a:p>
+            <a:pPr algn="ctr"/>
+            <a:r>
+              <a:rPr lang="fr-FR" b="1" dirty="0">
+                <a:solidFill>
+                  <a:srgbClr val="FF0000"/>
+                </a:solidFill>
+                <a:latin typeface="Times New Roman" panose="02020603050405020304" pitchFamily="18" charset="0"/>
+                <a:cs typeface="Times New Roman" panose="02020603050405020304" pitchFamily="18" charset="0"/>
+              </a:rPr>
+              <a:t>SEQUENCE DIAGRAM</a:t>
+            </a:r>
+          </a:p>
+        </p:txBody>
+      </p:sp>
+      <p:pic>
+        <p:nvPicPr>
+          <p:cNvPr id="4" name="Espace réservé du contenu 3"/>
+          <p:cNvPicPr>
+            <a:picLocks noGrp="1" noChangeAspect="1"/>
+          </p:cNvPicPr>
+          <p:nvPr>
+            <p:ph idx="1"/>
+          </p:nvPr>
+        </p:nvPicPr>
+        <p:blipFill>
+          <a:blip r:embed="rId2">
+            <a:extLst>
+              <a:ext uri="{28A0092B-C50C-407E-A947-70E740481C1C}">
+                <a14:useLocalDpi xmlns:a14="http://schemas.microsoft.com/office/drawing/2010/main" val="0"/>
+              </a:ext>
+            </a:extLst>
+          </a:blip>
+          <a:stretch>
+            <a:fillRect/>
+          </a:stretch>
+        </p:blipFill>
+        <p:spPr>
+          <a:xfrm>
+            <a:off x="970671" y="1305120"/>
+            <a:ext cx="10522634" cy="5208221"/>
+          </a:xfrm>
+        </p:spPr>
+      </p:pic>
+    </p:spTree>
+    <p:extLst>
+      <p:ext uri="{BB962C8B-B14F-4D97-AF65-F5344CB8AC3E}">
+        <p14:creationId xmlns:p14="http://schemas.microsoft.com/office/powerpoint/2010/main" val="2697585656"/>
+      </p:ext>
+    </p:extLst>
+  </p:cSld>
+  <p:clrMapOvr>
+    <a:masterClrMapping/>
+  </p:clrMapOvr>
+  <p:timing>
+    <p:tnLst>
+      <p:par>
+        <p:cTn id="1" dur="indefinite" restart="never" nodeType="tmRoot"/>
+      </p:par>
+    </p:tnLst>
+  </p:timing>
+</p:sld>
+</file>
+
+<file path=ppt/slides/slide18.xml><?xml version="1.0" encoding="utf-8"?>
+<p:sld xmlns:a="http://schemas.openxmlformats.org/drawingml/2006/main" xmlns:r="http://schemas.openxmlformats.org/officeDocument/2006/relationships" xmlns:p="http://schemas.openxmlformats.org/presentationml/2006/main">
+  <p:cSld>
+    <p:spTree>
+      <p:nvGrpSpPr>
+        <p:cNvPr id="1" name=""/>
+        <p:cNvGrpSpPr/>
+        <p:nvPr/>
+      </p:nvGrpSpPr>
+      <p:grpSpPr>
+        <a:xfrm>
+          <a:off x="0" y="0"/>
+          <a:ext cx="0" cy="0"/>
+          <a:chOff x="0" y="0"/>
+          <a:chExt cx="0" cy="0"/>
+        </a:xfrm>
+      </p:grpSpPr>
+      <p:pic>
+        <p:nvPicPr>
+          <p:cNvPr id="4098" name="Picture 2" descr="Managing Maven Dependencies - tips and tricks"/>
+          <p:cNvPicPr>
+            <a:picLocks noChangeAspect="1" noChangeArrowheads="1"/>
+          </p:cNvPicPr>
+          <p:nvPr/>
+        </p:nvPicPr>
+        <p:blipFill rotWithShape="1">
+          <a:blip r:embed="rId2">
+            <a:lum bright="70000" contrast="-70000"/>
+            <a:extLst>
+              <a:ext uri="{BEBA8EAE-BF5A-486C-A8C5-ECC9F3942E4B}">
+                <a14:imgProps xmlns:a14="http://schemas.microsoft.com/office/drawing/2010/main">
+                  <a14:imgLayer r:embed="rId3">
+                    <a14:imgEffect>
+                      <a14:colorTemperature colorTemp="8800"/>
+                    </a14:imgEffect>
+                  </a14:imgLayer>
+                </a14:imgProps>
+              </a:ext>
+              <a:ext uri="{28A0092B-C50C-407E-A947-70E740481C1C}">
+                <a14:useLocalDpi xmlns:a14="http://schemas.microsoft.com/office/drawing/2010/main" val="0"/>
+              </a:ext>
+            </a:extLst>
+          </a:blip>
+          <a:srcRect l="1302" t="617" r="1036" b="1743"/>
+          <a:stretch/>
+        </p:blipFill>
+        <p:spPr bwMode="auto">
+          <a:xfrm>
+            <a:off x="0" y="42202"/>
+            <a:ext cx="12191999" cy="6815798"/>
+          </a:xfrm>
+          <a:prstGeom prst="rect">
+            <a:avLst/>
+          </a:prstGeom>
+          <a:noFill/>
+          <a:extLst>
+            <a:ext uri="{909E8E84-426E-40DD-AFC4-6F175D3DCCD1}">
+              <a14:hiddenFill xmlns:a14="http://schemas.microsoft.com/office/drawing/2010/main">
+                <a:solidFill>
+                  <a:srgbClr val="FFFFFF"/>
+                </a:solidFill>
+              </a14:hiddenFill>
+            </a:ext>
+          </a:extLst>
+        </p:spPr>
+      </p:pic>
+      <p:sp>
+        <p:nvSpPr>
+          <p:cNvPr id="2" name="Titre 1"/>
+          <p:cNvSpPr>
+            <a:spLocks noGrp="1"/>
+          </p:cNvSpPr>
+          <p:nvPr>
+            <p:ph type="title"/>
+          </p:nvPr>
+        </p:nvSpPr>
+        <p:spPr>
+          <a:xfrm>
+            <a:off x="838198" y="100991"/>
+            <a:ext cx="10515600" cy="1325563"/>
+          </a:xfrm>
+        </p:spPr>
+        <p:txBody>
+          <a:bodyPr/>
+          <a:lstStyle/>
+          <a:p>
+            <a:pPr algn="ctr"/>
+            <a:r>
+              <a:rPr lang="fr-FR" b="1" dirty="0" smtClean="0">
+                <a:solidFill>
+                  <a:srgbClr val="FF0000"/>
+                </a:solidFill>
+                <a:latin typeface="Times New Roman" panose="02020603050405020304" pitchFamily="18" charset="0"/>
+                <a:cs typeface="Times New Roman" panose="02020603050405020304" pitchFamily="18" charset="0"/>
+              </a:rPr>
+              <a:t>REPORTS (1/2)</a:t>
+            </a:r>
+            <a:r>
+              <a:rPr lang="fr-FR" dirty="0" smtClean="0"/>
+              <a:t> </a:t>
+            </a:r>
+            <a:endParaRPr lang="fr-FR" dirty="0"/>
+          </a:p>
+        </p:txBody>
+      </p:sp>
+      <p:sp>
+        <p:nvSpPr>
+          <p:cNvPr id="3" name="Espace réservé du contenu 2"/>
+          <p:cNvSpPr>
+            <a:spLocks noGrp="1"/>
+          </p:cNvSpPr>
+          <p:nvPr>
+            <p:ph idx="1"/>
+          </p:nvPr>
+        </p:nvSpPr>
+        <p:spPr>
+          <a:xfrm>
+            <a:off x="3155559" y="1240521"/>
+            <a:ext cx="5599527" cy="5315023"/>
+          </a:xfrm>
+        </p:spPr>
+        <p:txBody>
+          <a:bodyPr>
+            <a:noAutofit/>
+          </a:bodyPr>
+          <a:lstStyle/>
+          <a:p>
+            <a:pPr algn="ctr"/>
+            <a:r>
+              <a:rPr lang="pt-BR" sz="7000" b="1" dirty="0" smtClean="0">
+                <a:solidFill>
+                  <a:srgbClr val="FF0000"/>
+                </a:solidFill>
+                <a:latin typeface="Times New Roman" panose="02020603050405020304" pitchFamily="18" charset="0"/>
+                <a:cs typeface="Times New Roman" panose="02020603050405020304" pitchFamily="18" charset="0"/>
+              </a:rPr>
+              <a:t>JavaDoc</a:t>
+            </a:r>
+          </a:p>
+          <a:p>
+            <a:pPr algn="ctr"/>
+            <a:endParaRPr lang="pt-BR" sz="7000" b="1" dirty="0" smtClean="0">
+              <a:solidFill>
+                <a:srgbClr val="FFFF00"/>
+              </a:solidFill>
+              <a:latin typeface="Times New Roman" panose="02020603050405020304" pitchFamily="18" charset="0"/>
+              <a:cs typeface="Times New Roman" panose="02020603050405020304" pitchFamily="18" charset="0"/>
+            </a:endParaRPr>
+          </a:p>
+          <a:p>
+            <a:pPr marL="0" indent="0" algn="ctr">
+              <a:buNone/>
+            </a:pPr>
+            <a:endParaRPr lang="pt-BR" sz="7000" b="1" dirty="0" smtClean="0">
+              <a:solidFill>
+                <a:srgbClr val="FFFF00"/>
+              </a:solidFill>
+              <a:latin typeface="Times New Roman" panose="02020603050405020304" pitchFamily="18" charset="0"/>
+              <a:cs typeface="Times New Roman" panose="02020603050405020304" pitchFamily="18" charset="0"/>
+            </a:endParaRPr>
+          </a:p>
+        </p:txBody>
+      </p:sp>
+      <p:sp>
+        <p:nvSpPr>
+          <p:cNvPr id="5" name="Espace réservé du contenu 2"/>
+          <p:cNvSpPr txBox="1">
+            <a:spLocks/>
+          </p:cNvSpPr>
+          <p:nvPr/>
+        </p:nvSpPr>
+        <p:spPr>
+          <a:xfrm>
+            <a:off x="3155558" y="2207357"/>
+            <a:ext cx="5599527" cy="717453"/>
+          </a:xfrm>
+          <a:prstGeom prst="rect">
+            <a:avLst/>
+          </a:prstGeom>
+        </p:spPr>
+        <p:txBody>
+          <a:bodyPr vert="horz" lIns="91440" tIns="45720" rIns="91440" bIns="45720" rtlCol="0">
+            <a:noAutofit/>
+          </a:bodyPr>
+          <a:lstStyle>
+            <a:lvl1pPr marL="228600" indent="-228600" algn="l" defTabSz="914400" rtl="0" eaLnBrk="1" latinLnBrk="0" hangingPunct="1">
+              <a:lnSpc>
+                <a:spcPct val="90000"/>
+              </a:lnSpc>
+              <a:spcBef>
+                <a:spcPts val="1000"/>
+              </a:spcBef>
+              <a:buFont typeface="Arial" panose="020B0604020202020204" pitchFamily="34" charset="0"/>
+              <a:buChar char="•"/>
+              <a:defRPr sz="2800" kern="1200">
+                <a:solidFill>
+                  <a:schemeClr val="tx1"/>
+                </a:solidFill>
+                <a:latin typeface="+mn-lt"/>
+                <a:ea typeface="+mn-ea"/>
+                <a:cs typeface="+mn-cs"/>
+              </a:defRPr>
+            </a:lvl1pPr>
+            <a:lvl2pPr marL="685800" indent="-228600" algn="l" defTabSz="914400" rtl="0" eaLnBrk="1" latinLnBrk="0" hangingPunct="1">
+              <a:lnSpc>
+                <a:spcPct val="90000"/>
+              </a:lnSpc>
+              <a:spcBef>
+                <a:spcPts val="500"/>
+              </a:spcBef>
+              <a:buFont typeface="Arial" panose="020B0604020202020204" pitchFamily="34" charset="0"/>
+              <a:buChar char="•"/>
+              <a:defRPr sz="2400" kern="1200">
+                <a:solidFill>
+                  <a:schemeClr val="tx1"/>
+                </a:solidFill>
+                <a:latin typeface="+mn-lt"/>
+                <a:ea typeface="+mn-ea"/>
+                <a:cs typeface="+mn-cs"/>
+              </a:defRPr>
+            </a:lvl2pPr>
+            <a:lvl3pPr marL="1143000" indent="-228600" algn="l" defTabSz="914400" rtl="0" eaLnBrk="1" latinLnBrk="0" hangingPunct="1">
+              <a:lnSpc>
+                <a:spcPct val="90000"/>
+              </a:lnSpc>
+              <a:spcBef>
+                <a:spcPts val="500"/>
+              </a:spcBef>
+              <a:buFont typeface="Arial" panose="020B0604020202020204" pitchFamily="34" charset="0"/>
+              <a:buChar char="•"/>
+              <a:defRPr sz="2000" kern="1200">
+                <a:solidFill>
+                  <a:schemeClr val="tx1"/>
+                </a:solidFill>
+                <a:latin typeface="+mn-lt"/>
+                <a:ea typeface="+mn-ea"/>
+                <a:cs typeface="+mn-cs"/>
+              </a:defRPr>
+            </a:lvl3pPr>
+            <a:lvl4pPr marL="1600200" indent="-228600" algn="l" defTabSz="914400" rtl="0" eaLnBrk="1" latinLnBrk="0" hangingPunct="1">
+              <a:lnSpc>
+                <a:spcPct val="90000"/>
+              </a:lnSpc>
+              <a:spcBef>
+                <a:spcPts val="500"/>
+              </a:spcBef>
+              <a:buFont typeface="Arial" panose="020B0604020202020204" pitchFamily="34" charset="0"/>
+              <a:buChar char="•"/>
+              <a:defRPr sz="1800" kern="1200">
+                <a:solidFill>
+                  <a:schemeClr val="tx1"/>
+                </a:solidFill>
+                <a:latin typeface="+mn-lt"/>
+                <a:ea typeface="+mn-ea"/>
+                <a:cs typeface="+mn-cs"/>
+              </a:defRPr>
+            </a:lvl4pPr>
+            <a:lvl5pPr marL="2057400" indent="-228600" algn="l" defTabSz="914400" rtl="0" eaLnBrk="1" latinLnBrk="0" hangingPunct="1">
+              <a:lnSpc>
+                <a:spcPct val="90000"/>
+              </a:lnSpc>
+              <a:spcBef>
+                <a:spcPts val="500"/>
+              </a:spcBef>
+              <a:buFont typeface="Arial" panose="020B0604020202020204" pitchFamily="34" charset="0"/>
+              <a:buChar char="•"/>
+              <a:defRPr sz="1800" kern="1200">
+                <a:solidFill>
+                  <a:schemeClr val="tx1"/>
+                </a:solidFill>
+                <a:latin typeface="+mn-lt"/>
+                <a:ea typeface="+mn-ea"/>
+                <a:cs typeface="+mn-cs"/>
+              </a:defRPr>
+            </a:lvl5pPr>
+            <a:lvl6pPr marL="2514600" indent="-228600" algn="l" defTabSz="914400" rtl="0" eaLnBrk="1" latinLnBrk="0" hangingPunct="1">
+              <a:lnSpc>
+                <a:spcPct val="90000"/>
+              </a:lnSpc>
+              <a:spcBef>
+                <a:spcPts val="500"/>
+              </a:spcBef>
+              <a:buFont typeface="Arial" panose="020B0604020202020204" pitchFamily="34" charset="0"/>
+              <a:buChar char="•"/>
+              <a:defRPr sz="1800" kern="1200">
+                <a:solidFill>
+                  <a:schemeClr val="tx1"/>
+                </a:solidFill>
+                <a:latin typeface="+mn-lt"/>
+                <a:ea typeface="+mn-ea"/>
+                <a:cs typeface="+mn-cs"/>
+              </a:defRPr>
+            </a:lvl6pPr>
+            <a:lvl7pPr marL="2971800" indent="-228600" algn="l" defTabSz="914400" rtl="0" eaLnBrk="1" latinLnBrk="0" hangingPunct="1">
+              <a:lnSpc>
+                <a:spcPct val="90000"/>
+              </a:lnSpc>
+              <a:spcBef>
+                <a:spcPts val="500"/>
+              </a:spcBef>
+              <a:buFont typeface="Arial" panose="020B0604020202020204" pitchFamily="34" charset="0"/>
+              <a:buChar char="•"/>
+              <a:defRPr sz="1800" kern="1200">
+                <a:solidFill>
+                  <a:schemeClr val="tx1"/>
+                </a:solidFill>
+                <a:latin typeface="+mn-lt"/>
+                <a:ea typeface="+mn-ea"/>
+                <a:cs typeface="+mn-cs"/>
+              </a:defRPr>
+            </a:lvl7pPr>
+            <a:lvl8pPr marL="3429000" indent="-228600" algn="l" defTabSz="914400" rtl="0" eaLnBrk="1" latinLnBrk="0" hangingPunct="1">
+              <a:lnSpc>
+                <a:spcPct val="90000"/>
+              </a:lnSpc>
+              <a:spcBef>
+                <a:spcPts val="500"/>
+              </a:spcBef>
+              <a:buFont typeface="Arial" panose="020B0604020202020204" pitchFamily="34" charset="0"/>
+              <a:buChar char="•"/>
+              <a:defRPr sz="1800" kern="1200">
+                <a:solidFill>
+                  <a:schemeClr val="tx1"/>
+                </a:solidFill>
+                <a:latin typeface="+mn-lt"/>
+                <a:ea typeface="+mn-ea"/>
+                <a:cs typeface="+mn-cs"/>
+              </a:defRPr>
+            </a:lvl8pPr>
+            <a:lvl9pPr marL="3886200" indent="-228600" algn="l" defTabSz="914400" rtl="0" eaLnBrk="1" latinLnBrk="0" hangingPunct="1">
+              <a:lnSpc>
+                <a:spcPct val="90000"/>
+              </a:lnSpc>
+              <a:spcBef>
+                <a:spcPts val="500"/>
+              </a:spcBef>
+              <a:buFont typeface="Arial" panose="020B0604020202020204" pitchFamily="34" charset="0"/>
+              <a:buChar char="•"/>
+              <a:defRPr sz="1800" kern="1200">
+                <a:solidFill>
+                  <a:schemeClr val="tx1"/>
+                </a:solidFill>
+                <a:latin typeface="+mn-lt"/>
+                <a:ea typeface="+mn-ea"/>
+                <a:cs typeface="+mn-cs"/>
+              </a:defRPr>
+            </a:lvl9pPr>
+          </a:lstStyle>
+          <a:p>
+            <a:pPr marL="0" indent="0" algn="ctr">
+              <a:buNone/>
+            </a:pPr>
+            <a:endParaRPr lang="pt-BR" sz="7000" b="1" dirty="0" smtClean="0">
+              <a:solidFill>
+                <a:srgbClr val="FFFF00"/>
+              </a:solidFill>
+              <a:latin typeface="Times New Roman" panose="02020603050405020304" pitchFamily="18" charset="0"/>
+              <a:cs typeface="Times New Roman" panose="02020603050405020304" pitchFamily="18" charset="0"/>
+            </a:endParaRPr>
+          </a:p>
+          <a:p>
+            <a:pPr algn="ctr"/>
+            <a:r>
+              <a:rPr lang="pt-BR" sz="7000" b="1" dirty="0" smtClean="0">
+                <a:solidFill>
+                  <a:srgbClr val="FF0000"/>
+                </a:solidFill>
+                <a:latin typeface="Times New Roman" panose="02020603050405020304" pitchFamily="18" charset="0"/>
+                <a:cs typeface="Times New Roman" panose="02020603050405020304" pitchFamily="18" charset="0"/>
+              </a:rPr>
+              <a:t>Surefire</a:t>
+            </a:r>
+          </a:p>
+        </p:txBody>
+      </p:sp>
+      <p:sp>
+        <p:nvSpPr>
+          <p:cNvPr id="6" name="Espace réservé du contenu 2"/>
+          <p:cNvSpPr txBox="1">
+            <a:spLocks/>
+          </p:cNvSpPr>
+          <p:nvPr/>
+        </p:nvSpPr>
+        <p:spPr>
+          <a:xfrm>
+            <a:off x="3155558" y="4714922"/>
+            <a:ext cx="5599527" cy="1991850"/>
+          </a:xfrm>
+          <a:prstGeom prst="rect">
+            <a:avLst/>
+          </a:prstGeom>
+        </p:spPr>
+        <p:txBody>
+          <a:bodyPr vert="horz" lIns="91440" tIns="45720" rIns="91440" bIns="45720" rtlCol="0">
+            <a:noAutofit/>
+          </a:bodyPr>
+          <a:lstStyle>
+            <a:lvl1pPr marL="228600" indent="-228600" algn="l" defTabSz="914400" rtl="0" eaLnBrk="1" latinLnBrk="0" hangingPunct="1">
+              <a:lnSpc>
+                <a:spcPct val="90000"/>
+              </a:lnSpc>
+              <a:spcBef>
+                <a:spcPts val="1000"/>
+              </a:spcBef>
+              <a:buFont typeface="Arial" panose="020B0604020202020204" pitchFamily="34" charset="0"/>
+              <a:buChar char="•"/>
+              <a:defRPr sz="2800" kern="1200">
+                <a:solidFill>
+                  <a:schemeClr val="tx1"/>
+                </a:solidFill>
+                <a:latin typeface="+mn-lt"/>
+                <a:ea typeface="+mn-ea"/>
+                <a:cs typeface="+mn-cs"/>
+              </a:defRPr>
+            </a:lvl1pPr>
+            <a:lvl2pPr marL="685800" indent="-228600" algn="l" defTabSz="914400" rtl="0" eaLnBrk="1" latinLnBrk="0" hangingPunct="1">
+              <a:lnSpc>
+                <a:spcPct val="90000"/>
+              </a:lnSpc>
+              <a:spcBef>
+                <a:spcPts val="500"/>
+              </a:spcBef>
+              <a:buFont typeface="Arial" panose="020B0604020202020204" pitchFamily="34" charset="0"/>
+              <a:buChar char="•"/>
+              <a:defRPr sz="2400" kern="1200">
+                <a:solidFill>
+                  <a:schemeClr val="tx1"/>
+                </a:solidFill>
+                <a:latin typeface="+mn-lt"/>
+                <a:ea typeface="+mn-ea"/>
+                <a:cs typeface="+mn-cs"/>
+              </a:defRPr>
+            </a:lvl2pPr>
+            <a:lvl3pPr marL="1143000" indent="-228600" algn="l" defTabSz="914400" rtl="0" eaLnBrk="1" latinLnBrk="0" hangingPunct="1">
+              <a:lnSpc>
+                <a:spcPct val="90000"/>
+              </a:lnSpc>
+              <a:spcBef>
+                <a:spcPts val="500"/>
+              </a:spcBef>
+              <a:buFont typeface="Arial" panose="020B0604020202020204" pitchFamily="34" charset="0"/>
+              <a:buChar char="•"/>
+              <a:defRPr sz="2000" kern="1200">
+                <a:solidFill>
+                  <a:schemeClr val="tx1"/>
+                </a:solidFill>
+                <a:latin typeface="+mn-lt"/>
+                <a:ea typeface="+mn-ea"/>
+                <a:cs typeface="+mn-cs"/>
+              </a:defRPr>
+            </a:lvl3pPr>
+            <a:lvl4pPr marL="1600200" indent="-228600" algn="l" defTabSz="914400" rtl="0" eaLnBrk="1" latinLnBrk="0" hangingPunct="1">
+              <a:lnSpc>
+                <a:spcPct val="90000"/>
+              </a:lnSpc>
+              <a:spcBef>
+                <a:spcPts val="500"/>
+              </a:spcBef>
+              <a:buFont typeface="Arial" panose="020B0604020202020204" pitchFamily="34" charset="0"/>
+              <a:buChar char="•"/>
+              <a:defRPr sz="1800" kern="1200">
+                <a:solidFill>
+                  <a:schemeClr val="tx1"/>
+                </a:solidFill>
+                <a:latin typeface="+mn-lt"/>
+                <a:ea typeface="+mn-ea"/>
+                <a:cs typeface="+mn-cs"/>
+              </a:defRPr>
+            </a:lvl4pPr>
+            <a:lvl5pPr marL="2057400" indent="-228600" algn="l" defTabSz="914400" rtl="0" eaLnBrk="1" latinLnBrk="0" hangingPunct="1">
+              <a:lnSpc>
+                <a:spcPct val="90000"/>
+              </a:lnSpc>
+              <a:spcBef>
+                <a:spcPts val="500"/>
+              </a:spcBef>
+              <a:buFont typeface="Arial" panose="020B0604020202020204" pitchFamily="34" charset="0"/>
+              <a:buChar char="•"/>
+              <a:defRPr sz="1800" kern="1200">
+                <a:solidFill>
+                  <a:schemeClr val="tx1"/>
+                </a:solidFill>
+                <a:latin typeface="+mn-lt"/>
+                <a:ea typeface="+mn-ea"/>
+                <a:cs typeface="+mn-cs"/>
+              </a:defRPr>
+            </a:lvl5pPr>
+            <a:lvl6pPr marL="2514600" indent="-228600" algn="l" defTabSz="914400" rtl="0" eaLnBrk="1" latinLnBrk="0" hangingPunct="1">
+              <a:lnSpc>
+                <a:spcPct val="90000"/>
+              </a:lnSpc>
+              <a:spcBef>
+                <a:spcPts val="500"/>
+              </a:spcBef>
+              <a:buFont typeface="Arial" panose="020B0604020202020204" pitchFamily="34" charset="0"/>
+              <a:buChar char="•"/>
+              <a:defRPr sz="1800" kern="1200">
+                <a:solidFill>
+                  <a:schemeClr val="tx1"/>
+                </a:solidFill>
+                <a:latin typeface="+mn-lt"/>
+                <a:ea typeface="+mn-ea"/>
+                <a:cs typeface="+mn-cs"/>
+              </a:defRPr>
+            </a:lvl6pPr>
+            <a:lvl7pPr marL="2971800" indent="-228600" algn="l" defTabSz="914400" rtl="0" eaLnBrk="1" latinLnBrk="0" hangingPunct="1">
+              <a:lnSpc>
+                <a:spcPct val="90000"/>
+              </a:lnSpc>
+              <a:spcBef>
+                <a:spcPts val="500"/>
+              </a:spcBef>
+              <a:buFont typeface="Arial" panose="020B0604020202020204" pitchFamily="34" charset="0"/>
+              <a:buChar char="•"/>
+              <a:defRPr sz="1800" kern="1200">
+                <a:solidFill>
+                  <a:schemeClr val="tx1"/>
+                </a:solidFill>
+                <a:latin typeface="+mn-lt"/>
+                <a:ea typeface="+mn-ea"/>
+                <a:cs typeface="+mn-cs"/>
+              </a:defRPr>
+            </a:lvl7pPr>
+            <a:lvl8pPr marL="3429000" indent="-228600" algn="l" defTabSz="914400" rtl="0" eaLnBrk="1" latinLnBrk="0" hangingPunct="1">
+              <a:lnSpc>
+                <a:spcPct val="90000"/>
+              </a:lnSpc>
+              <a:spcBef>
+                <a:spcPts val="500"/>
+              </a:spcBef>
+              <a:buFont typeface="Arial" panose="020B0604020202020204" pitchFamily="34" charset="0"/>
+              <a:buChar char="•"/>
+              <a:defRPr sz="1800" kern="1200">
+                <a:solidFill>
+                  <a:schemeClr val="tx1"/>
+                </a:solidFill>
+                <a:latin typeface="+mn-lt"/>
+                <a:ea typeface="+mn-ea"/>
+                <a:cs typeface="+mn-cs"/>
+              </a:defRPr>
+            </a:lvl8pPr>
+            <a:lvl9pPr marL="3886200" indent="-228600" algn="l" defTabSz="914400" rtl="0" eaLnBrk="1" latinLnBrk="0" hangingPunct="1">
+              <a:lnSpc>
+                <a:spcPct val="90000"/>
+              </a:lnSpc>
+              <a:spcBef>
+                <a:spcPts val="500"/>
+              </a:spcBef>
+              <a:buFont typeface="Arial" panose="020B0604020202020204" pitchFamily="34" charset="0"/>
+              <a:buChar char="•"/>
+              <a:defRPr sz="1800" kern="1200">
+                <a:solidFill>
+                  <a:schemeClr val="tx1"/>
+                </a:solidFill>
+                <a:latin typeface="+mn-lt"/>
+                <a:ea typeface="+mn-ea"/>
+                <a:cs typeface="+mn-cs"/>
+              </a:defRPr>
+            </a:lvl9pPr>
+          </a:lstStyle>
+          <a:p>
+            <a:pPr algn="ctr"/>
+            <a:endParaRPr lang="pt-BR" sz="7000" b="1" dirty="0" smtClean="0">
+              <a:solidFill>
+                <a:srgbClr val="FFFF00"/>
+              </a:solidFill>
+              <a:latin typeface="Times New Roman" panose="02020603050405020304" pitchFamily="18" charset="0"/>
+              <a:cs typeface="Times New Roman" panose="02020603050405020304" pitchFamily="18" charset="0"/>
+            </a:endParaRPr>
+          </a:p>
+          <a:p>
+            <a:pPr algn="ctr"/>
+            <a:r>
+              <a:rPr lang="pt-BR" sz="7000" b="1" dirty="0" smtClean="0">
+                <a:solidFill>
+                  <a:srgbClr val="FF0000"/>
+                </a:solidFill>
+                <a:latin typeface="Times New Roman" panose="02020603050405020304" pitchFamily="18" charset="0"/>
+                <a:cs typeface="Times New Roman" panose="02020603050405020304" pitchFamily="18" charset="0"/>
+              </a:rPr>
+              <a:t>JXR</a:t>
+            </a:r>
+            <a:endParaRPr lang="pt-BR" sz="7000" b="1" dirty="0" smtClean="0">
+              <a:solidFill>
+                <a:srgbClr val="FF0000"/>
+              </a:solidFill>
+              <a:latin typeface="Times New Roman" panose="02020603050405020304" pitchFamily="18" charset="0"/>
+              <a:cs typeface="Times New Roman" panose="02020603050405020304" pitchFamily="18" charset="0"/>
+            </a:endParaRPr>
+          </a:p>
+        </p:txBody>
+      </p:sp>
+    </p:spTree>
+    <p:extLst>
+      <p:ext uri="{BB962C8B-B14F-4D97-AF65-F5344CB8AC3E}">
+        <p14:creationId xmlns:p14="http://schemas.microsoft.com/office/powerpoint/2010/main" val="1879425374"/>
+      </p:ext>
+    </p:extLst>
+  </p:cSld>
+  <p:clrMapOvr>
+    <a:masterClrMapping/>
+  </p:clrMapOvr>
+  <p:timing>
+    <p:tnLst>
+      <p:par>
+        <p:cTn id="1" dur="indefinite" restart="never" nodeType="tmRoot"/>
+      </p:par>
+    </p:tnLst>
+  </p:timing>
+</p:sld>
+</file>
+
+<file path=ppt/slides/slide19.xml><?xml version="1.0" encoding="utf-8"?>
+<p:sld xmlns:a="http://schemas.openxmlformats.org/drawingml/2006/main" xmlns:r="http://schemas.openxmlformats.org/officeDocument/2006/relationships" xmlns:p="http://schemas.openxmlformats.org/presentationml/2006/main">
+  <p:cSld>
+    <p:spTree>
+      <p:nvGrpSpPr>
+        <p:cNvPr id="1" name=""/>
+        <p:cNvGrpSpPr/>
+        <p:nvPr/>
+      </p:nvGrpSpPr>
+      <p:grpSpPr>
+        <a:xfrm>
+          <a:off x="0" y="0"/>
+          <a:ext cx="0" cy="0"/>
+          <a:chOff x="0" y="0"/>
+          <a:chExt cx="0" cy="0"/>
+        </a:xfrm>
+      </p:grpSpPr>
+      <p:sp>
+        <p:nvSpPr>
+          <p:cNvPr id="2" name="Titre 1"/>
+          <p:cNvSpPr>
+            <a:spLocks noGrp="1"/>
+          </p:cNvSpPr>
+          <p:nvPr>
+            <p:ph type="title"/>
+          </p:nvPr>
+        </p:nvSpPr>
+        <p:spPr>
+          <a:xfrm>
+            <a:off x="833511" y="95273"/>
+            <a:ext cx="10515600" cy="1086413"/>
+          </a:xfrm>
+        </p:spPr>
+        <p:txBody>
+          <a:bodyPr>
+            <a:normAutofit/>
+          </a:bodyPr>
+          <a:lstStyle/>
+          <a:p>
+            <a:pPr algn="ctr"/>
+            <a:r>
+              <a:rPr lang="fr-FR" b="1" dirty="0" smtClean="0">
+                <a:solidFill>
+                  <a:srgbClr val="FF0000"/>
+                </a:solidFill>
+                <a:latin typeface="Times New Roman" panose="02020603050405020304" pitchFamily="18" charset="0"/>
+                <a:cs typeface="Times New Roman" panose="02020603050405020304" pitchFamily="18" charset="0"/>
+              </a:rPr>
+              <a:t>GIT REPORT (2/2)</a:t>
+            </a:r>
+            <a:endParaRPr lang="fr-FR" b="1" dirty="0">
+              <a:solidFill>
+                <a:srgbClr val="FF0000"/>
+              </a:solidFill>
+              <a:latin typeface="Times New Roman" panose="02020603050405020304" pitchFamily="18" charset="0"/>
+              <a:cs typeface="Times New Roman" panose="02020603050405020304" pitchFamily="18" charset="0"/>
+            </a:endParaRPr>
+          </a:p>
+        </p:txBody>
+      </p:sp>
+      <p:pic>
+        <p:nvPicPr>
+          <p:cNvPr id="4" name="Espace réservé du contenu 3"/>
+          <p:cNvPicPr>
+            <a:picLocks noGrp="1" noChangeAspect="1"/>
+          </p:cNvPicPr>
+          <p:nvPr>
+            <p:ph idx="1"/>
+          </p:nvPr>
+        </p:nvPicPr>
+        <p:blipFill>
+          <a:blip r:embed="rId2">
+            <a:extLst>
+              <a:ext uri="{28A0092B-C50C-407E-A947-70E740481C1C}">
+                <a14:useLocalDpi xmlns:a14="http://schemas.microsoft.com/office/drawing/2010/main" val="0"/>
+              </a:ext>
+            </a:extLst>
+          </a:blip>
+          <a:stretch>
+            <a:fillRect/>
+          </a:stretch>
+        </p:blipFill>
+        <p:spPr>
+          <a:xfrm>
+            <a:off x="998807" y="1026940"/>
+            <a:ext cx="10649242" cy="5556740"/>
+          </a:xfrm>
+        </p:spPr>
+      </p:pic>
+    </p:spTree>
+    <p:extLst>
+      <p:ext uri="{BB962C8B-B14F-4D97-AF65-F5344CB8AC3E}">
+        <p14:creationId xmlns:p14="http://schemas.microsoft.com/office/powerpoint/2010/main" val="2367544845"/>
+      </p:ext>
+    </p:extLst>
+  </p:cSld>
+  <p:clrMapOvr>
+    <a:masterClrMapping/>
+  </p:clrMapOvr>
+  <p:timing>
+    <p:tnLst>
+      <p:par>
+        <p:cTn id="1" dur="indefinite" restart="never" nodeType="tmRoot"/>
+      </p:par>
+    </p:tnLst>
+  </p:timing>
 </p:sld>
 </file>
 
@@ -4440,6 +5313,723 @@
   <p:clrMapOvr>
     <a:masterClrMapping/>
   </p:clrMapOvr>
+  <p:timing>
+    <p:tnLst>
+      <p:par>
+        <p:cTn id="1" dur="indefinite" restart="never" nodeType="tmRoot"/>
+      </p:par>
+    </p:tnLst>
+  </p:timing>
+</p:sld>
+</file>
+
+<file path=ppt/slides/slide20.xml><?xml version="1.0" encoding="utf-8"?>
+<p:sld xmlns:a="http://schemas.openxmlformats.org/drawingml/2006/main" xmlns:r="http://schemas.openxmlformats.org/officeDocument/2006/relationships" xmlns:p="http://schemas.openxmlformats.org/presentationml/2006/main">
+  <p:cSld>
+    <p:spTree>
+      <p:nvGrpSpPr>
+        <p:cNvPr id="1" name=""/>
+        <p:cNvGrpSpPr/>
+        <p:nvPr/>
+      </p:nvGrpSpPr>
+      <p:grpSpPr>
+        <a:xfrm>
+          <a:off x="0" y="0"/>
+          <a:ext cx="0" cy="0"/>
+          <a:chOff x="0" y="0"/>
+          <a:chExt cx="0" cy="0"/>
+        </a:xfrm>
+      </p:grpSpPr>
+      <p:sp>
+        <p:nvSpPr>
+          <p:cNvPr id="2" name="Titre 1"/>
+          <p:cNvSpPr>
+            <a:spLocks noGrp="1"/>
+          </p:cNvSpPr>
+          <p:nvPr>
+            <p:ph type="title"/>
+          </p:nvPr>
+        </p:nvSpPr>
+        <p:spPr/>
+        <p:txBody>
+          <a:bodyPr>
+            <a:normAutofit/>
+          </a:bodyPr>
+          <a:lstStyle/>
+          <a:p>
+            <a:pPr algn="ctr"/>
+            <a:r>
+              <a:rPr lang="fr-FR" sz="5000" b="1" dirty="0" smtClean="0">
+                <a:solidFill>
+                  <a:srgbClr val="FF0000"/>
+                </a:solidFill>
+                <a:latin typeface="Times New Roman" panose="02020603050405020304" pitchFamily="18" charset="0"/>
+                <a:cs typeface="Times New Roman" panose="02020603050405020304" pitchFamily="18" charset="0"/>
+              </a:rPr>
+              <a:t>STRENGTH AND WEAKNESS</a:t>
+            </a:r>
+            <a:endParaRPr lang="fr-FR" sz="5000" b="1" dirty="0">
+              <a:solidFill>
+                <a:srgbClr val="FF0000"/>
+              </a:solidFill>
+              <a:latin typeface="Times New Roman" panose="02020603050405020304" pitchFamily="18" charset="0"/>
+              <a:cs typeface="Times New Roman" panose="02020603050405020304" pitchFamily="18" charset="0"/>
+            </a:endParaRPr>
+          </a:p>
+        </p:txBody>
+      </p:sp>
+      <p:sp>
+        <p:nvSpPr>
+          <p:cNvPr id="3" name="Espace réservé du contenu 2"/>
+          <p:cNvSpPr>
+            <a:spLocks noGrp="1"/>
+          </p:cNvSpPr>
+          <p:nvPr>
+            <p:ph idx="1"/>
+          </p:nvPr>
+        </p:nvSpPr>
+        <p:spPr>
+          <a:xfrm>
+            <a:off x="528711" y="1859502"/>
+            <a:ext cx="4915486" cy="4583502"/>
+          </a:xfrm>
+        </p:spPr>
+        <p:txBody>
+          <a:bodyPr/>
+          <a:lstStyle/>
+          <a:p>
+            <a:pPr algn="ctr">
+              <a:buFont typeface="Wingdings" panose="05000000000000000000" pitchFamily="2" charset="2"/>
+              <a:buChar char="J"/>
+            </a:pPr>
+            <a:r>
+              <a:rPr lang="fr-FR" sz="4500" b="1" dirty="0" smtClean="0">
+                <a:solidFill>
+                  <a:srgbClr val="00B050"/>
+                </a:solidFill>
+                <a:latin typeface="Times New Roman" panose="02020603050405020304" pitchFamily="18" charset="0"/>
+                <a:cs typeface="Times New Roman" panose="02020603050405020304" pitchFamily="18" charset="0"/>
+              </a:rPr>
+              <a:t>STRENGTH </a:t>
+            </a:r>
+            <a:r>
+              <a:rPr lang="fr-FR" sz="4500" b="1" dirty="0" smtClean="0">
+                <a:latin typeface="Times New Roman" panose="02020603050405020304" pitchFamily="18" charset="0"/>
+                <a:cs typeface="Times New Roman" panose="02020603050405020304" pitchFamily="18" charset="0"/>
+              </a:rPr>
+              <a:t>                            </a:t>
+            </a:r>
+          </a:p>
+          <a:p>
+            <a:pPr marL="0" indent="0" algn="ctr">
+              <a:buNone/>
+            </a:pPr>
+            <a:r>
+              <a:rPr lang="fr-FR" sz="4500" dirty="0" err="1" smtClean="0">
+                <a:latin typeface="Times New Roman" panose="02020603050405020304" pitchFamily="18" charset="0"/>
+                <a:cs typeface="Times New Roman" panose="02020603050405020304" pitchFamily="18" charset="0"/>
+              </a:rPr>
+              <a:t>Kegne</a:t>
+            </a:r>
+            <a:r>
+              <a:rPr lang="fr-FR" sz="4500" dirty="0" smtClean="0">
+                <a:latin typeface="Times New Roman" panose="02020603050405020304" pitchFamily="18" charset="0"/>
+                <a:cs typeface="Times New Roman" panose="02020603050405020304" pitchFamily="18" charset="0"/>
+              </a:rPr>
+              <a:t> </a:t>
+            </a:r>
+            <a:r>
+              <a:rPr lang="fr-FR" sz="4500" dirty="0" err="1" smtClean="0">
+                <a:latin typeface="Times New Roman" panose="02020603050405020304" pitchFamily="18" charset="0"/>
+                <a:cs typeface="Times New Roman" panose="02020603050405020304" pitchFamily="18" charset="0"/>
+              </a:rPr>
+              <a:t>Heidy</a:t>
+            </a:r>
+            <a:r>
+              <a:rPr lang="fr-FR" sz="4500" dirty="0" smtClean="0">
+                <a:latin typeface="Times New Roman" panose="02020603050405020304" pitchFamily="18" charset="0"/>
+                <a:cs typeface="Times New Roman" panose="02020603050405020304" pitchFamily="18" charset="0"/>
+              </a:rPr>
+              <a:t> </a:t>
+            </a:r>
+          </a:p>
+          <a:p>
+            <a:pPr marL="0" indent="0" algn="ctr">
+              <a:buNone/>
+            </a:pPr>
+            <a:r>
+              <a:rPr lang="fr-FR" sz="4500" dirty="0" err="1" smtClean="0">
+                <a:latin typeface="Times New Roman" panose="02020603050405020304" pitchFamily="18" charset="0"/>
+                <a:cs typeface="Times New Roman" panose="02020603050405020304" pitchFamily="18" charset="0"/>
+              </a:rPr>
+              <a:t>Nodjimadji</a:t>
+            </a:r>
+            <a:r>
+              <a:rPr lang="fr-FR" sz="4500" dirty="0" smtClean="0">
+                <a:latin typeface="Times New Roman" panose="02020603050405020304" pitchFamily="18" charset="0"/>
+                <a:cs typeface="Times New Roman" panose="02020603050405020304" pitchFamily="18" charset="0"/>
+              </a:rPr>
+              <a:t> </a:t>
+            </a:r>
+            <a:r>
+              <a:rPr lang="fr-FR" sz="4500" dirty="0" err="1" smtClean="0">
+                <a:latin typeface="Times New Roman" panose="02020603050405020304" pitchFamily="18" charset="0"/>
+                <a:cs typeface="Times New Roman" panose="02020603050405020304" pitchFamily="18" charset="0"/>
+              </a:rPr>
+              <a:t>Souar</a:t>
+            </a:r>
+            <a:endParaRPr lang="fr-FR" sz="4500" dirty="0" smtClean="0">
+              <a:latin typeface="Times New Roman" panose="02020603050405020304" pitchFamily="18" charset="0"/>
+              <a:cs typeface="Times New Roman" panose="02020603050405020304" pitchFamily="18" charset="0"/>
+            </a:endParaRPr>
+          </a:p>
+          <a:p>
+            <a:pPr marL="0" indent="0" algn="ctr">
+              <a:buNone/>
+            </a:pPr>
+            <a:r>
+              <a:rPr lang="fr-FR" sz="4500" dirty="0" err="1" smtClean="0">
+                <a:latin typeface="Times New Roman" panose="02020603050405020304" pitchFamily="18" charset="0"/>
+                <a:cs typeface="Times New Roman" panose="02020603050405020304" pitchFamily="18" charset="0"/>
+              </a:rPr>
+              <a:t>Fenyom</a:t>
+            </a:r>
+            <a:r>
+              <a:rPr lang="fr-FR" sz="4500" dirty="0" smtClean="0">
+                <a:latin typeface="Times New Roman" panose="02020603050405020304" pitchFamily="18" charset="0"/>
+                <a:cs typeface="Times New Roman" panose="02020603050405020304" pitchFamily="18" charset="0"/>
+              </a:rPr>
+              <a:t> Bryan</a:t>
+            </a:r>
+          </a:p>
+          <a:p>
+            <a:pPr marL="0" indent="0" algn="ctr">
+              <a:buNone/>
+            </a:pPr>
+            <a:r>
+              <a:rPr lang="fr-FR" sz="4500" dirty="0" err="1" smtClean="0">
+                <a:latin typeface="Times New Roman" panose="02020603050405020304" pitchFamily="18" charset="0"/>
+                <a:cs typeface="Times New Roman" panose="02020603050405020304" pitchFamily="18" charset="0"/>
+              </a:rPr>
+              <a:t>Nguessie</a:t>
+            </a:r>
+            <a:r>
+              <a:rPr lang="fr-FR" sz="4500" dirty="0" smtClean="0">
+                <a:latin typeface="Times New Roman" panose="02020603050405020304" pitchFamily="18" charset="0"/>
+                <a:cs typeface="Times New Roman" panose="02020603050405020304" pitchFamily="18" charset="0"/>
+              </a:rPr>
+              <a:t> Fabiola</a:t>
+            </a:r>
+            <a:endParaRPr lang="fr-FR" sz="4500" dirty="0">
+              <a:latin typeface="Times New Roman" panose="02020603050405020304" pitchFamily="18" charset="0"/>
+              <a:cs typeface="Times New Roman" panose="02020603050405020304" pitchFamily="18" charset="0"/>
+            </a:endParaRPr>
+          </a:p>
+          <a:p>
+            <a:pPr marL="0" indent="0">
+              <a:buNone/>
+            </a:pPr>
+            <a:endParaRPr lang="fr-FR" dirty="0" smtClean="0">
+              <a:latin typeface="Times New Roman" panose="02020603050405020304" pitchFamily="18" charset="0"/>
+              <a:cs typeface="Times New Roman" panose="02020603050405020304" pitchFamily="18" charset="0"/>
+            </a:endParaRPr>
+          </a:p>
+        </p:txBody>
+      </p:sp>
+      <p:sp>
+        <p:nvSpPr>
+          <p:cNvPr id="4" name="Espace réservé du contenu 2"/>
+          <p:cNvSpPr txBox="1">
+            <a:spLocks/>
+          </p:cNvSpPr>
+          <p:nvPr/>
+        </p:nvSpPr>
+        <p:spPr>
+          <a:xfrm>
+            <a:off x="6645812" y="1859502"/>
+            <a:ext cx="4426634" cy="4351338"/>
+          </a:xfrm>
+          <a:prstGeom prst="rect">
+            <a:avLst/>
+          </a:prstGeom>
+        </p:spPr>
+        <p:txBody>
+          <a:bodyPr vert="horz" lIns="91440" tIns="45720" rIns="91440" bIns="45720" rtlCol="0">
+            <a:normAutofit/>
+          </a:bodyPr>
+          <a:lstStyle>
+            <a:lvl1pPr marL="228600" indent="-228600" algn="l" defTabSz="914400" rtl="0" eaLnBrk="1" latinLnBrk="0" hangingPunct="1">
+              <a:lnSpc>
+                <a:spcPct val="90000"/>
+              </a:lnSpc>
+              <a:spcBef>
+                <a:spcPts val="1000"/>
+              </a:spcBef>
+              <a:buFont typeface="Arial" panose="020B0604020202020204" pitchFamily="34" charset="0"/>
+              <a:buChar char="•"/>
+              <a:defRPr sz="2800" kern="1200">
+                <a:solidFill>
+                  <a:schemeClr val="tx1"/>
+                </a:solidFill>
+                <a:latin typeface="+mn-lt"/>
+                <a:ea typeface="+mn-ea"/>
+                <a:cs typeface="+mn-cs"/>
+              </a:defRPr>
+            </a:lvl1pPr>
+            <a:lvl2pPr marL="685800" indent="-228600" algn="l" defTabSz="914400" rtl="0" eaLnBrk="1" latinLnBrk="0" hangingPunct="1">
+              <a:lnSpc>
+                <a:spcPct val="90000"/>
+              </a:lnSpc>
+              <a:spcBef>
+                <a:spcPts val="500"/>
+              </a:spcBef>
+              <a:buFont typeface="Arial" panose="020B0604020202020204" pitchFamily="34" charset="0"/>
+              <a:buChar char="•"/>
+              <a:defRPr sz="2400" kern="1200">
+                <a:solidFill>
+                  <a:schemeClr val="tx1"/>
+                </a:solidFill>
+                <a:latin typeface="+mn-lt"/>
+                <a:ea typeface="+mn-ea"/>
+                <a:cs typeface="+mn-cs"/>
+              </a:defRPr>
+            </a:lvl2pPr>
+            <a:lvl3pPr marL="1143000" indent="-228600" algn="l" defTabSz="914400" rtl="0" eaLnBrk="1" latinLnBrk="0" hangingPunct="1">
+              <a:lnSpc>
+                <a:spcPct val="90000"/>
+              </a:lnSpc>
+              <a:spcBef>
+                <a:spcPts val="500"/>
+              </a:spcBef>
+              <a:buFont typeface="Arial" panose="020B0604020202020204" pitchFamily="34" charset="0"/>
+              <a:buChar char="•"/>
+              <a:defRPr sz="2000" kern="1200">
+                <a:solidFill>
+                  <a:schemeClr val="tx1"/>
+                </a:solidFill>
+                <a:latin typeface="+mn-lt"/>
+                <a:ea typeface="+mn-ea"/>
+                <a:cs typeface="+mn-cs"/>
+              </a:defRPr>
+            </a:lvl3pPr>
+            <a:lvl4pPr marL="1600200" indent="-228600" algn="l" defTabSz="914400" rtl="0" eaLnBrk="1" latinLnBrk="0" hangingPunct="1">
+              <a:lnSpc>
+                <a:spcPct val="90000"/>
+              </a:lnSpc>
+              <a:spcBef>
+                <a:spcPts val="500"/>
+              </a:spcBef>
+              <a:buFont typeface="Arial" panose="020B0604020202020204" pitchFamily="34" charset="0"/>
+              <a:buChar char="•"/>
+              <a:defRPr sz="1800" kern="1200">
+                <a:solidFill>
+                  <a:schemeClr val="tx1"/>
+                </a:solidFill>
+                <a:latin typeface="+mn-lt"/>
+                <a:ea typeface="+mn-ea"/>
+                <a:cs typeface="+mn-cs"/>
+              </a:defRPr>
+            </a:lvl4pPr>
+            <a:lvl5pPr marL="2057400" indent="-228600" algn="l" defTabSz="914400" rtl="0" eaLnBrk="1" latinLnBrk="0" hangingPunct="1">
+              <a:lnSpc>
+                <a:spcPct val="90000"/>
+              </a:lnSpc>
+              <a:spcBef>
+                <a:spcPts val="500"/>
+              </a:spcBef>
+              <a:buFont typeface="Arial" panose="020B0604020202020204" pitchFamily="34" charset="0"/>
+              <a:buChar char="•"/>
+              <a:defRPr sz="1800" kern="1200">
+                <a:solidFill>
+                  <a:schemeClr val="tx1"/>
+                </a:solidFill>
+                <a:latin typeface="+mn-lt"/>
+                <a:ea typeface="+mn-ea"/>
+                <a:cs typeface="+mn-cs"/>
+              </a:defRPr>
+            </a:lvl5pPr>
+            <a:lvl6pPr marL="2514600" indent="-228600" algn="l" defTabSz="914400" rtl="0" eaLnBrk="1" latinLnBrk="0" hangingPunct="1">
+              <a:lnSpc>
+                <a:spcPct val="90000"/>
+              </a:lnSpc>
+              <a:spcBef>
+                <a:spcPts val="500"/>
+              </a:spcBef>
+              <a:buFont typeface="Arial" panose="020B0604020202020204" pitchFamily="34" charset="0"/>
+              <a:buChar char="•"/>
+              <a:defRPr sz="1800" kern="1200">
+                <a:solidFill>
+                  <a:schemeClr val="tx1"/>
+                </a:solidFill>
+                <a:latin typeface="+mn-lt"/>
+                <a:ea typeface="+mn-ea"/>
+                <a:cs typeface="+mn-cs"/>
+              </a:defRPr>
+            </a:lvl6pPr>
+            <a:lvl7pPr marL="2971800" indent="-228600" algn="l" defTabSz="914400" rtl="0" eaLnBrk="1" latinLnBrk="0" hangingPunct="1">
+              <a:lnSpc>
+                <a:spcPct val="90000"/>
+              </a:lnSpc>
+              <a:spcBef>
+                <a:spcPts val="500"/>
+              </a:spcBef>
+              <a:buFont typeface="Arial" panose="020B0604020202020204" pitchFamily="34" charset="0"/>
+              <a:buChar char="•"/>
+              <a:defRPr sz="1800" kern="1200">
+                <a:solidFill>
+                  <a:schemeClr val="tx1"/>
+                </a:solidFill>
+                <a:latin typeface="+mn-lt"/>
+                <a:ea typeface="+mn-ea"/>
+                <a:cs typeface="+mn-cs"/>
+              </a:defRPr>
+            </a:lvl7pPr>
+            <a:lvl8pPr marL="3429000" indent="-228600" algn="l" defTabSz="914400" rtl="0" eaLnBrk="1" latinLnBrk="0" hangingPunct="1">
+              <a:lnSpc>
+                <a:spcPct val="90000"/>
+              </a:lnSpc>
+              <a:spcBef>
+                <a:spcPts val="500"/>
+              </a:spcBef>
+              <a:buFont typeface="Arial" panose="020B0604020202020204" pitchFamily="34" charset="0"/>
+              <a:buChar char="•"/>
+              <a:defRPr sz="1800" kern="1200">
+                <a:solidFill>
+                  <a:schemeClr val="tx1"/>
+                </a:solidFill>
+                <a:latin typeface="+mn-lt"/>
+                <a:ea typeface="+mn-ea"/>
+                <a:cs typeface="+mn-cs"/>
+              </a:defRPr>
+            </a:lvl8pPr>
+            <a:lvl9pPr marL="3886200" indent="-228600" algn="l" defTabSz="914400" rtl="0" eaLnBrk="1" latinLnBrk="0" hangingPunct="1">
+              <a:lnSpc>
+                <a:spcPct val="90000"/>
+              </a:lnSpc>
+              <a:spcBef>
+                <a:spcPts val="500"/>
+              </a:spcBef>
+              <a:buFont typeface="Arial" panose="020B0604020202020204" pitchFamily="34" charset="0"/>
+              <a:buChar char="•"/>
+              <a:defRPr sz="1800" kern="1200">
+                <a:solidFill>
+                  <a:schemeClr val="tx1"/>
+                </a:solidFill>
+                <a:latin typeface="+mn-lt"/>
+                <a:ea typeface="+mn-ea"/>
+                <a:cs typeface="+mn-cs"/>
+              </a:defRPr>
+            </a:lvl9pPr>
+          </a:lstStyle>
+          <a:p>
+            <a:pPr algn="ctr">
+              <a:buFont typeface="Wingdings" panose="05000000000000000000" pitchFamily="2" charset="2"/>
+              <a:buChar char="L"/>
+            </a:pPr>
+            <a:r>
+              <a:rPr lang="fr-FR" sz="4500" b="1" dirty="0" smtClean="0">
+                <a:solidFill>
+                  <a:srgbClr val="FF0000"/>
+                </a:solidFill>
+                <a:latin typeface="Times New Roman" panose="02020603050405020304" pitchFamily="18" charset="0"/>
+                <a:cs typeface="Times New Roman" panose="02020603050405020304" pitchFamily="18" charset="0"/>
+              </a:rPr>
+              <a:t>WEAKNESS</a:t>
+            </a:r>
+            <a:r>
+              <a:rPr lang="fr-FR" sz="4500" b="1" dirty="0" smtClean="0">
+                <a:latin typeface="Times New Roman" panose="02020603050405020304" pitchFamily="18" charset="0"/>
+                <a:cs typeface="Times New Roman" panose="02020603050405020304" pitchFamily="18" charset="0"/>
+              </a:rPr>
+              <a:t>                          </a:t>
+            </a:r>
+          </a:p>
+          <a:p>
+            <a:pPr marL="0" indent="0" algn="ctr">
+              <a:buFont typeface="Arial" panose="020B0604020202020204" pitchFamily="34" charset="0"/>
+              <a:buNone/>
+            </a:pPr>
+            <a:r>
+              <a:rPr lang="fr-FR" sz="4500" dirty="0" err="1" smtClean="0">
+                <a:latin typeface="Times New Roman" panose="02020603050405020304" pitchFamily="18" charset="0"/>
+                <a:cs typeface="Times New Roman" panose="02020603050405020304" pitchFamily="18" charset="0"/>
+              </a:rPr>
+              <a:t>Kegne</a:t>
+            </a:r>
+            <a:r>
+              <a:rPr lang="fr-FR" sz="4500" dirty="0" smtClean="0">
+                <a:latin typeface="Times New Roman" panose="02020603050405020304" pitchFamily="18" charset="0"/>
+                <a:cs typeface="Times New Roman" panose="02020603050405020304" pitchFamily="18" charset="0"/>
+              </a:rPr>
+              <a:t> </a:t>
+            </a:r>
+            <a:r>
+              <a:rPr lang="fr-FR" sz="4500" dirty="0" err="1" smtClean="0">
+                <a:latin typeface="Times New Roman" panose="02020603050405020304" pitchFamily="18" charset="0"/>
+                <a:cs typeface="Times New Roman" panose="02020603050405020304" pitchFamily="18" charset="0"/>
+              </a:rPr>
+              <a:t>Heidy</a:t>
+            </a:r>
+            <a:r>
+              <a:rPr lang="fr-FR" sz="4500" dirty="0" smtClean="0">
+                <a:latin typeface="Times New Roman" panose="02020603050405020304" pitchFamily="18" charset="0"/>
+                <a:cs typeface="Times New Roman" panose="02020603050405020304" pitchFamily="18" charset="0"/>
+              </a:rPr>
+              <a:t> </a:t>
+            </a:r>
+          </a:p>
+          <a:p>
+            <a:pPr marL="0" indent="0" algn="ctr">
+              <a:buFont typeface="Arial" panose="020B0604020202020204" pitchFamily="34" charset="0"/>
+              <a:buNone/>
+            </a:pPr>
+            <a:r>
+              <a:rPr lang="fr-FR" sz="4500" dirty="0" err="1" smtClean="0">
+                <a:latin typeface="Times New Roman" panose="02020603050405020304" pitchFamily="18" charset="0"/>
+                <a:cs typeface="Times New Roman" panose="02020603050405020304" pitchFamily="18" charset="0"/>
+              </a:rPr>
+              <a:t>Nodjimadji</a:t>
+            </a:r>
+            <a:r>
+              <a:rPr lang="fr-FR" sz="4500" dirty="0" smtClean="0">
+                <a:latin typeface="Times New Roman" panose="02020603050405020304" pitchFamily="18" charset="0"/>
+                <a:cs typeface="Times New Roman" panose="02020603050405020304" pitchFamily="18" charset="0"/>
+              </a:rPr>
+              <a:t> </a:t>
+            </a:r>
+            <a:r>
+              <a:rPr lang="fr-FR" sz="4500" dirty="0" err="1" smtClean="0">
+                <a:latin typeface="Times New Roman" panose="02020603050405020304" pitchFamily="18" charset="0"/>
+                <a:cs typeface="Times New Roman" panose="02020603050405020304" pitchFamily="18" charset="0"/>
+              </a:rPr>
+              <a:t>Souar</a:t>
+            </a:r>
+            <a:endParaRPr lang="fr-FR" sz="4500" dirty="0" smtClean="0">
+              <a:latin typeface="Times New Roman" panose="02020603050405020304" pitchFamily="18" charset="0"/>
+              <a:cs typeface="Times New Roman" panose="02020603050405020304" pitchFamily="18" charset="0"/>
+            </a:endParaRPr>
+          </a:p>
+          <a:p>
+            <a:pPr marL="0" indent="0" algn="ctr">
+              <a:buFont typeface="Arial" panose="020B0604020202020204" pitchFamily="34" charset="0"/>
+              <a:buNone/>
+            </a:pPr>
+            <a:r>
+              <a:rPr lang="fr-FR" sz="4500" dirty="0" err="1" smtClean="0">
+                <a:latin typeface="Times New Roman" panose="02020603050405020304" pitchFamily="18" charset="0"/>
+                <a:cs typeface="Times New Roman" panose="02020603050405020304" pitchFamily="18" charset="0"/>
+              </a:rPr>
+              <a:t>Fenyom</a:t>
+            </a:r>
+            <a:r>
+              <a:rPr lang="fr-FR" sz="4500" dirty="0" smtClean="0">
+                <a:latin typeface="Times New Roman" panose="02020603050405020304" pitchFamily="18" charset="0"/>
+                <a:cs typeface="Times New Roman" panose="02020603050405020304" pitchFamily="18" charset="0"/>
+              </a:rPr>
+              <a:t> Bryan</a:t>
+            </a:r>
+          </a:p>
+          <a:p>
+            <a:pPr marL="0" indent="0" algn="ctr">
+              <a:buFont typeface="Arial" panose="020B0604020202020204" pitchFamily="34" charset="0"/>
+              <a:buNone/>
+            </a:pPr>
+            <a:r>
+              <a:rPr lang="fr-FR" sz="4500" dirty="0" err="1" smtClean="0">
+                <a:latin typeface="Times New Roman" panose="02020603050405020304" pitchFamily="18" charset="0"/>
+                <a:cs typeface="Times New Roman" panose="02020603050405020304" pitchFamily="18" charset="0"/>
+              </a:rPr>
+              <a:t>Nguessie</a:t>
+            </a:r>
+            <a:r>
+              <a:rPr lang="fr-FR" sz="4500" dirty="0" smtClean="0">
+                <a:latin typeface="Times New Roman" panose="02020603050405020304" pitchFamily="18" charset="0"/>
+                <a:cs typeface="Times New Roman" panose="02020603050405020304" pitchFamily="18" charset="0"/>
+              </a:rPr>
+              <a:t> Fabiola</a:t>
+            </a:r>
+          </a:p>
+          <a:p>
+            <a:pPr marL="0" indent="0">
+              <a:buFont typeface="Arial" panose="020B0604020202020204" pitchFamily="34" charset="0"/>
+              <a:buNone/>
+            </a:pPr>
+            <a:endParaRPr lang="fr-FR" dirty="0" smtClean="0">
+              <a:latin typeface="Times New Roman" panose="02020603050405020304" pitchFamily="18" charset="0"/>
+              <a:cs typeface="Times New Roman" panose="02020603050405020304" pitchFamily="18" charset="0"/>
+            </a:endParaRPr>
+          </a:p>
+        </p:txBody>
+      </p:sp>
+    </p:spTree>
+    <p:extLst>
+      <p:ext uri="{BB962C8B-B14F-4D97-AF65-F5344CB8AC3E}">
+        <p14:creationId xmlns:p14="http://schemas.microsoft.com/office/powerpoint/2010/main" val="89503924"/>
+      </p:ext>
+    </p:extLst>
+  </p:cSld>
+  <p:clrMapOvr>
+    <a:masterClrMapping/>
+  </p:clrMapOvr>
+  <p:timing>
+    <p:tnLst>
+      <p:par>
+        <p:cTn id="1" dur="indefinite" restart="never" nodeType="tmRoot"/>
+      </p:par>
+    </p:tnLst>
+  </p:timing>
+</p:sld>
+</file>
+
+<file path=ppt/slides/slide21.xml><?xml version="1.0" encoding="utf-8"?>
+<p:sld xmlns:a="http://schemas.openxmlformats.org/drawingml/2006/main" xmlns:r="http://schemas.openxmlformats.org/officeDocument/2006/relationships" xmlns:p="http://schemas.openxmlformats.org/presentationml/2006/main">
+  <p:cSld>
+    <p:spTree>
+      <p:nvGrpSpPr>
+        <p:cNvPr id="1" name=""/>
+        <p:cNvGrpSpPr/>
+        <p:nvPr/>
+      </p:nvGrpSpPr>
+      <p:grpSpPr>
+        <a:xfrm>
+          <a:off x="0" y="0"/>
+          <a:ext cx="0" cy="0"/>
+          <a:chOff x="0" y="0"/>
+          <a:chExt cx="0" cy="0"/>
+        </a:xfrm>
+      </p:grpSpPr>
+      <p:pic>
+        <p:nvPicPr>
+          <p:cNvPr id="5" name="Image 4"/>
+          <p:cNvPicPr>
+            <a:picLocks noChangeAspect="1"/>
+          </p:cNvPicPr>
+          <p:nvPr/>
+        </p:nvPicPr>
+        <p:blipFill rotWithShape="1">
+          <a:blip r:embed="rId2" cstate="print">
+            <a:extLst>
+              <a:ext uri="{28A0092B-C50C-407E-A947-70E740481C1C}">
+                <a14:useLocalDpi xmlns:a14="http://schemas.microsoft.com/office/drawing/2010/main" val="0"/>
+              </a:ext>
+            </a:extLst>
+          </a:blip>
+          <a:srcRect b="7855"/>
+          <a:stretch/>
+        </p:blipFill>
+        <p:spPr>
+          <a:xfrm>
+            <a:off x="0" y="0"/>
+            <a:ext cx="12192000" cy="6858000"/>
+          </a:xfrm>
+          <a:prstGeom prst="rect">
+            <a:avLst/>
+          </a:prstGeom>
+        </p:spPr>
+      </p:pic>
+      <p:sp>
+        <p:nvSpPr>
+          <p:cNvPr id="3" name="Espace réservé du contenu 2"/>
+          <p:cNvSpPr>
+            <a:spLocks noGrp="1"/>
+          </p:cNvSpPr>
+          <p:nvPr>
+            <p:ph idx="1"/>
+          </p:nvPr>
+        </p:nvSpPr>
+        <p:spPr>
+          <a:xfrm>
+            <a:off x="838200" y="2514942"/>
+            <a:ext cx="10515600" cy="3871790"/>
+          </a:xfrm>
+        </p:spPr>
+        <p:txBody>
+          <a:bodyPr>
+            <a:normAutofit/>
+          </a:bodyPr>
+          <a:lstStyle/>
+          <a:p>
+            <a:pPr>
+              <a:buFont typeface="Wingdings" panose="05000000000000000000" pitchFamily="2" charset="2"/>
+              <a:buChar char="q"/>
+            </a:pPr>
+            <a:r>
+              <a:rPr lang="fr-FR" sz="4000" dirty="0" smtClean="0">
+                <a:latin typeface="Times New Roman" panose="02020603050405020304" pitchFamily="18" charset="0"/>
+                <a:cs typeface="Times New Roman" panose="02020603050405020304" pitchFamily="18" charset="0"/>
+              </a:rPr>
+              <a:t>Difficulties encounter during the projet</a:t>
+            </a:r>
+          </a:p>
+          <a:p>
+            <a:pPr>
+              <a:buFont typeface="Wingdings" panose="05000000000000000000" pitchFamily="2" charset="2"/>
+              <a:buChar char="q"/>
+            </a:pPr>
+            <a:endParaRPr lang="fr-FR" sz="4000" dirty="0" smtClean="0">
+              <a:latin typeface="Times New Roman" panose="02020603050405020304" pitchFamily="18" charset="0"/>
+              <a:cs typeface="Times New Roman" panose="02020603050405020304" pitchFamily="18" charset="0"/>
+            </a:endParaRPr>
+          </a:p>
+          <a:p>
+            <a:pPr>
+              <a:buFont typeface="Wingdings" panose="05000000000000000000" pitchFamily="2" charset="2"/>
+              <a:buChar char="q"/>
+            </a:pPr>
+            <a:r>
+              <a:rPr lang="fr-FR" sz="4000" dirty="0" smtClean="0">
+                <a:latin typeface="Times New Roman" panose="02020603050405020304" pitchFamily="18" charset="0"/>
+                <a:cs typeface="Times New Roman" panose="02020603050405020304" pitchFamily="18" charset="0"/>
+              </a:rPr>
+              <a:t>Reasons for the difficulties</a:t>
+            </a:r>
+          </a:p>
+          <a:p>
+            <a:pPr>
+              <a:buFont typeface="Wingdings" panose="05000000000000000000" pitchFamily="2" charset="2"/>
+              <a:buChar char="q"/>
+            </a:pPr>
+            <a:endParaRPr lang="fr-FR" sz="4000" dirty="0" smtClean="0">
+              <a:latin typeface="Times New Roman" panose="02020603050405020304" pitchFamily="18" charset="0"/>
+              <a:cs typeface="Times New Roman" panose="02020603050405020304" pitchFamily="18" charset="0"/>
+            </a:endParaRPr>
+          </a:p>
+          <a:p>
+            <a:pPr>
+              <a:buFont typeface="Wingdings" panose="05000000000000000000" pitchFamily="2" charset="2"/>
+              <a:buChar char="q"/>
+            </a:pPr>
+            <a:r>
+              <a:rPr lang="fr-FR" sz="4000" dirty="0" smtClean="0">
+                <a:latin typeface="Times New Roman" panose="02020603050405020304" pitchFamily="18" charset="0"/>
+                <a:cs typeface="Times New Roman" panose="02020603050405020304" pitchFamily="18" charset="0"/>
+              </a:rPr>
+              <a:t>How well can you remedy to the situation</a:t>
+            </a:r>
+            <a:endParaRPr lang="fr-FR" sz="4000" dirty="0">
+              <a:latin typeface="Times New Roman" panose="02020603050405020304" pitchFamily="18" charset="0"/>
+              <a:cs typeface="Times New Roman" panose="02020603050405020304" pitchFamily="18" charset="0"/>
+            </a:endParaRPr>
+          </a:p>
+        </p:txBody>
+      </p:sp>
+    </p:spTree>
+    <p:extLst>
+      <p:ext uri="{BB962C8B-B14F-4D97-AF65-F5344CB8AC3E}">
+        <p14:creationId xmlns:p14="http://schemas.microsoft.com/office/powerpoint/2010/main" val="2302074517"/>
+      </p:ext>
+    </p:extLst>
+  </p:cSld>
+  <p:clrMapOvr>
+    <a:masterClrMapping/>
+  </p:clrMapOvr>
+  <p:timing>
+    <p:tnLst>
+      <p:par>
+        <p:cTn id="1" dur="indefinite" restart="never" nodeType="tmRoot"/>
+      </p:par>
+    </p:tnLst>
+  </p:timing>
 </p:sld>
 </file>
 
@@ -6434,6 +8024,13 @@
   <p:clrMapOvr>
     <a:masterClrMapping/>
   </p:clrMapOvr>
+  <p:timing>
+    <p:tnLst>
+      <p:par>
+        <p:cTn id="1" dur="indefinite" restart="never" nodeType="tmRoot"/>
+      </p:par>
+    </p:tnLst>
+  </p:timing>
 </p:sld>
 </file>
 
@@ -6466,7 +8063,7 @@
         </p:nvSpPr>
         <p:spPr>
           <a:xfrm>
-            <a:off x="838200" y="0"/>
+            <a:off x="838200" y="109343"/>
             <a:ext cx="10515600" cy="1325563"/>
           </a:xfrm>
         </p:spPr>
@@ -6478,334 +8075,172 @@
           <a:p>
             <a:pPr algn="ctr"/>
             <a:r>
-              <a:rPr lang="fr-FR" b="1" dirty="0" smtClean="0">
+              <a:rPr lang="fr-FR" sz="5000" b="1" dirty="0">
                 <a:solidFill>
                   <a:srgbClr val="FF0000"/>
                 </a:solidFill>
                 <a:latin typeface="Times New Roman" panose="02020603050405020304" pitchFamily="18" charset="0"/>
                 <a:cs typeface="Times New Roman" panose="02020603050405020304" pitchFamily="18" charset="0"/>
               </a:rPr>
+              <a:t>TABLE OF CONTENT</a:t>
+            </a:r>
+          </a:p>
+        </p:txBody>
+      </p:sp>
+      <p:sp>
+        <p:nvSpPr>
+          <p:cNvPr id="3" name="Espace réservé du contenu 2"/>
+          <p:cNvSpPr>
+            <a:spLocks noGrp="1"/>
+          </p:cNvSpPr>
+          <p:nvPr>
+            <p:ph idx="1"/>
+          </p:nvPr>
+        </p:nvSpPr>
+        <p:spPr>
+          <a:xfrm>
+            <a:off x="838200" y="1434906"/>
+            <a:ext cx="10515600" cy="5148774"/>
+          </a:xfrm>
+        </p:spPr>
+        <p:txBody>
+          <a:bodyPr>
+            <a:normAutofit lnSpcReduction="10000"/>
+          </a:bodyPr>
+          <a:lstStyle/>
+          <a:p>
+            <a:pPr marL="514350" indent="-514350">
+              <a:buFont typeface="+mj-lt"/>
+              <a:buAutoNum type="arabicPeriod"/>
+            </a:pPr>
+            <a:r>
+              <a:rPr lang="fr-FR" sz="4000" b="1" dirty="0" smtClean="0">
+                <a:latin typeface="Times New Roman" panose="02020603050405020304" pitchFamily="18" charset="0"/>
+                <a:cs typeface="Times New Roman" panose="02020603050405020304" pitchFamily="18" charset="0"/>
+              </a:rPr>
               <a:t>PROJECT PRESENTATION</a:t>
             </a:r>
-            <a:endParaRPr lang="fr-FR" b="1" dirty="0">
-              <a:solidFill>
-                <a:srgbClr val="FF0000"/>
-              </a:solidFill>
+          </a:p>
+          <a:p>
+            <a:pPr marL="514350" indent="-514350">
+              <a:buFont typeface="+mj-lt"/>
+              <a:buAutoNum type="arabicPeriod"/>
+            </a:pPr>
+            <a:r>
+              <a:rPr lang="fr-FR" sz="4000" b="1" smtClean="0">
+                <a:latin typeface="Times New Roman" panose="02020603050405020304" pitchFamily="18" charset="0"/>
+                <a:cs typeface="Times New Roman" panose="02020603050405020304" pitchFamily="18" charset="0"/>
+              </a:rPr>
+              <a:t>GANTT </a:t>
+            </a:r>
+            <a:endParaRPr lang="fr-FR" sz="4000" b="1" dirty="0" smtClean="0">
               <a:latin typeface="Times New Roman" panose="02020603050405020304" pitchFamily="18" charset="0"/>
               <a:cs typeface="Times New Roman" panose="02020603050405020304" pitchFamily="18" charset="0"/>
             </a:endParaRPr>
           </a:p>
-        </p:txBody>
-      </p:sp>
-      <p:sp>
-        <p:nvSpPr>
-          <p:cNvPr id="3" name="Espace réservé du contenu 2"/>
-          <p:cNvSpPr>
-            <a:spLocks noGrp="1"/>
-          </p:cNvSpPr>
-          <p:nvPr>
-            <p:ph idx="1"/>
-          </p:nvPr>
-        </p:nvSpPr>
-        <p:spPr>
-          <a:xfrm>
-            <a:off x="140677" y="1084862"/>
-            <a:ext cx="11760591" cy="5358141"/>
-          </a:xfrm>
-        </p:spPr>
-        <p:txBody>
-          <a:bodyPr>
-            <a:normAutofit fontScale="77500" lnSpcReduction="20000"/>
-          </a:bodyPr>
-          <a:lstStyle/>
           <a:p>
             <a:pPr marL="514350" indent="-514350">
               <a:buFont typeface="+mj-lt"/>
               <a:buAutoNum type="arabicPeriod"/>
             </a:pPr>
             <a:r>
-              <a:rPr lang="en-US" sz="3200" b="1" dirty="0" smtClean="0">
-                <a:solidFill>
-                  <a:srgbClr val="FF0000"/>
-                </a:solidFill>
-                <a:latin typeface="Times New Roman" panose="02020603050405020304" pitchFamily="18" charset="0"/>
-                <a:cs typeface="Times New Roman" panose="02020603050405020304" pitchFamily="18" charset="0"/>
-              </a:rPr>
-              <a:t>CONTEXT</a:t>
-            </a:r>
-            <a:endParaRPr lang="en-US" sz="3200" b="1" dirty="0">
-              <a:solidFill>
-                <a:srgbClr val="FF0000"/>
-              </a:solidFill>
-              <a:latin typeface="Times New Roman" panose="02020603050405020304" pitchFamily="18" charset="0"/>
-              <a:cs typeface="Times New Roman" panose="02020603050405020304" pitchFamily="18" charset="0"/>
-            </a:endParaRPr>
-          </a:p>
-          <a:p>
-            <a:pPr marL="0" indent="0">
-              <a:lnSpc>
-                <a:spcPct val="120000"/>
-              </a:lnSpc>
-              <a:buNone/>
-            </a:pPr>
-            <a:r>
-              <a:rPr lang="en-US" dirty="0" smtClean="0">
-                <a:latin typeface="Times New Roman" panose="02020603050405020304" pitchFamily="18" charset="0"/>
-                <a:cs typeface="Times New Roman" panose="02020603050405020304" pitchFamily="18" charset="0"/>
-              </a:rPr>
-              <a:t>It's </a:t>
-            </a:r>
-            <a:r>
-              <a:rPr lang="en-US" dirty="0">
-                <a:latin typeface="Times New Roman" panose="02020603050405020304" pitchFamily="18" charset="0"/>
-                <a:cs typeface="Times New Roman" panose="02020603050405020304" pitchFamily="18" charset="0"/>
-              </a:rPr>
-              <a:t>about rewriting an old game (1984) Boulder Dash created by Peter Liepa and Chris Gray, </a:t>
-            </a:r>
-            <a:r>
-              <a:rPr lang="en-US" dirty="0" smtClean="0">
-                <a:latin typeface="Times New Roman" panose="02020603050405020304" pitchFamily="18" charset="0"/>
-                <a:cs typeface="Times New Roman" panose="02020603050405020304" pitchFamily="18" charset="0"/>
-              </a:rPr>
-              <a:t>about which the </a:t>
-            </a:r>
-            <a:r>
-              <a:rPr lang="en-US" dirty="0">
-                <a:latin typeface="Times New Roman" panose="02020603050405020304" pitchFamily="18" charset="0"/>
-                <a:cs typeface="Times New Roman" panose="02020603050405020304" pitchFamily="18" charset="0"/>
-              </a:rPr>
-              <a:t>principle of the game is to collect a defined number of diamonds to open a passage to </a:t>
-            </a:r>
-            <a:r>
-              <a:rPr lang="en-US" dirty="0" smtClean="0">
-                <a:latin typeface="Times New Roman" panose="02020603050405020304" pitchFamily="18" charset="0"/>
-                <a:cs typeface="Times New Roman" panose="02020603050405020304" pitchFamily="18" charset="0"/>
-              </a:rPr>
-              <a:t>the next </a:t>
-            </a:r>
-            <a:r>
-              <a:rPr lang="en-US" dirty="0">
-                <a:latin typeface="Times New Roman" panose="02020603050405020304" pitchFamily="18" charset="0"/>
-                <a:cs typeface="Times New Roman" panose="02020603050405020304" pitchFamily="18" charset="0"/>
-              </a:rPr>
-              <a:t>level. The character, nicknamed Rockford, must dig the earth to make his way. </a:t>
-            </a:r>
-            <a:r>
-              <a:rPr lang="en-US" dirty="0" smtClean="0">
-                <a:latin typeface="Times New Roman" panose="02020603050405020304" pitchFamily="18" charset="0"/>
-                <a:cs typeface="Times New Roman" panose="02020603050405020304" pitchFamily="18" charset="0"/>
-              </a:rPr>
-              <a:t>He will </a:t>
-            </a:r>
-            <a:r>
-              <a:rPr lang="en-US" dirty="0">
-                <a:latin typeface="Times New Roman" panose="02020603050405020304" pitchFamily="18" charset="0"/>
-                <a:cs typeface="Times New Roman" panose="02020603050405020304" pitchFamily="18" charset="0"/>
-              </a:rPr>
-              <a:t>have to be careful not to be crushed by a rock or a diamond but also not </a:t>
-            </a:r>
-            <a:r>
-              <a:rPr lang="en-US" dirty="0" smtClean="0">
-                <a:latin typeface="Times New Roman" panose="02020603050405020304" pitchFamily="18" charset="0"/>
-                <a:cs typeface="Times New Roman" panose="02020603050405020304" pitchFamily="18" charset="0"/>
-              </a:rPr>
-              <a:t>to make </a:t>
-            </a:r>
-            <a:r>
-              <a:rPr lang="en-US" dirty="0">
-                <a:latin typeface="Times New Roman" panose="02020603050405020304" pitchFamily="18" charset="0"/>
-                <a:cs typeface="Times New Roman" panose="02020603050405020304" pitchFamily="18" charset="0"/>
-              </a:rPr>
-              <a:t>enemies </a:t>
-            </a:r>
-            <a:r>
-              <a:rPr lang="en-US" dirty="0" smtClean="0">
-                <a:latin typeface="Times New Roman" panose="02020603050405020304" pitchFamily="18" charset="0"/>
-                <a:cs typeface="Times New Roman" panose="02020603050405020304" pitchFamily="18" charset="0"/>
-              </a:rPr>
-              <a:t>touch.</a:t>
-            </a:r>
-          </a:p>
-          <a:p>
-            <a:pPr marL="0" indent="0">
-              <a:buNone/>
-            </a:pPr>
-            <a:endParaRPr lang="en-US" dirty="0">
-              <a:latin typeface="Times New Roman" panose="02020603050405020304" pitchFamily="18" charset="0"/>
-              <a:cs typeface="Times New Roman" panose="02020603050405020304" pitchFamily="18" charset="0"/>
-            </a:endParaRPr>
+              <a:rPr lang="fr-FR" sz="4000" b="1" dirty="0" smtClean="0">
+                <a:latin typeface="Times New Roman" panose="02020603050405020304" pitchFamily="18" charset="0"/>
+                <a:cs typeface="Times New Roman" panose="02020603050405020304" pitchFamily="18" charset="0"/>
+              </a:rPr>
+              <a:t>DESCRIPTION OF TOOLS USED</a:t>
+            </a:r>
           </a:p>
           <a:p>
             <a:pPr marL="514350" indent="-514350">
               <a:buFont typeface="+mj-lt"/>
-              <a:buAutoNum type="arabicPeriod" startAt="2"/>
-            </a:pPr>
-            <a:r>
-              <a:rPr lang="en-US" sz="3200" b="1" dirty="0" smtClean="0">
-                <a:solidFill>
-                  <a:srgbClr val="FF0000"/>
-                </a:solidFill>
-                <a:latin typeface="Times New Roman" panose="02020603050405020304" pitchFamily="18" charset="0"/>
-                <a:cs typeface="Times New Roman" panose="02020603050405020304" pitchFamily="18" charset="0"/>
-              </a:rPr>
-              <a:t>OBJECTIVES</a:t>
-            </a:r>
-          </a:p>
-          <a:p>
-            <a:r>
-              <a:rPr lang="en-US" dirty="0">
-                <a:latin typeface="Times New Roman" panose="02020603050405020304" pitchFamily="18" charset="0"/>
-                <a:cs typeface="Times New Roman" panose="02020603050405020304" pitchFamily="18" charset="0"/>
-              </a:rPr>
-              <a:t>Rewrite an old game named Lorann</a:t>
-            </a:r>
-          </a:p>
-          <a:p>
-            <a:pPr>
-              <a:lnSpc>
-                <a:spcPct val="100000"/>
-              </a:lnSpc>
-            </a:pPr>
-            <a:r>
-              <a:rPr lang="en-US" dirty="0">
-                <a:latin typeface="Times New Roman" panose="02020603050405020304" pitchFamily="18" charset="0"/>
-                <a:cs typeface="Times New Roman" panose="02020603050405020304" pitchFamily="18" charset="0"/>
-              </a:rPr>
-              <a:t>Lorann have to pick up some </a:t>
-            </a:r>
-            <a:r>
-              <a:rPr lang="en-US" dirty="0" smtClean="0">
-                <a:latin typeface="Times New Roman" panose="02020603050405020304" pitchFamily="18" charset="0"/>
-                <a:cs typeface="Times New Roman" panose="02020603050405020304" pitchFamily="18" charset="0"/>
-              </a:rPr>
-              <a:t>objects, especially diamonds </a:t>
-            </a:r>
-            <a:r>
-              <a:rPr lang="en-US" dirty="0">
-                <a:latin typeface="Times New Roman" panose="02020603050405020304" pitchFamily="18" charset="0"/>
-                <a:cs typeface="Times New Roman" panose="02020603050405020304" pitchFamily="18" charset="0"/>
-              </a:rPr>
-              <a:t>to finish the level, and fight </a:t>
-            </a:r>
-            <a:r>
-              <a:rPr lang="en-US" dirty="0" smtClean="0">
-                <a:latin typeface="Times New Roman" panose="02020603050405020304" pitchFamily="18" charset="0"/>
-                <a:cs typeface="Times New Roman" panose="02020603050405020304" pitchFamily="18" charset="0"/>
-              </a:rPr>
-              <a:t>monsters to gain more diamonds</a:t>
-            </a:r>
-            <a:endParaRPr lang="en-US" dirty="0">
-              <a:latin typeface="Times New Roman" panose="02020603050405020304" pitchFamily="18" charset="0"/>
-              <a:cs typeface="Times New Roman" panose="02020603050405020304" pitchFamily="18" charset="0"/>
-            </a:endParaRPr>
-          </a:p>
-          <a:p>
-            <a:pPr>
-              <a:lnSpc>
-                <a:spcPct val="100000"/>
-              </a:lnSpc>
-            </a:pPr>
-            <a:r>
-              <a:rPr lang="en-US" dirty="0">
-                <a:latin typeface="Times New Roman" panose="02020603050405020304" pitchFamily="18" charset="0"/>
-                <a:cs typeface="Times New Roman" panose="02020603050405020304" pitchFamily="18" charset="0"/>
-              </a:rPr>
-              <a:t>It must be a Maven Project </a:t>
-            </a:r>
-            <a:r>
-              <a:rPr lang="en-US" dirty="0" smtClean="0">
-                <a:latin typeface="Times New Roman" panose="02020603050405020304" pitchFamily="18" charset="0"/>
-                <a:cs typeface="Times New Roman" panose="02020603050405020304" pitchFamily="18" charset="0"/>
-              </a:rPr>
-              <a:t>written </a:t>
-            </a:r>
-            <a:r>
-              <a:rPr lang="en-US" dirty="0">
-                <a:latin typeface="Times New Roman" panose="02020603050405020304" pitchFamily="18" charset="0"/>
-                <a:cs typeface="Times New Roman" panose="02020603050405020304" pitchFamily="18" charset="0"/>
-              </a:rPr>
-              <a:t>in JAVA language, and composed of five levels.</a:t>
-            </a:r>
-          </a:p>
-          <a:p>
-            <a:pPr>
-              <a:lnSpc>
-                <a:spcPct val="100000"/>
-              </a:lnSpc>
-            </a:pPr>
-            <a:r>
-              <a:rPr lang="en-US" dirty="0" smtClean="0">
-                <a:latin typeface="Times New Roman" panose="02020603050405020304" pitchFamily="18" charset="0"/>
-                <a:cs typeface="Times New Roman" panose="02020603050405020304" pitchFamily="18" charset="0"/>
-              </a:rPr>
-              <a:t>Use of a database</a:t>
-            </a:r>
-            <a:r>
-              <a:rPr lang="en-US" dirty="0">
-                <a:latin typeface="Times New Roman" panose="02020603050405020304" pitchFamily="18" charset="0"/>
-                <a:cs typeface="Times New Roman" panose="02020603050405020304" pitchFamily="18" charset="0"/>
-              </a:rPr>
-              <a:t> </a:t>
-            </a:r>
-            <a:r>
-              <a:rPr lang="en-US" dirty="0" smtClean="0">
-                <a:latin typeface="Times New Roman" panose="02020603050405020304" pitchFamily="18" charset="0"/>
-                <a:cs typeface="Times New Roman" panose="02020603050405020304" pitchFamily="18" charset="0"/>
-              </a:rPr>
-              <a:t>to access different levels</a:t>
-            </a:r>
-          </a:p>
-          <a:p>
-            <a:pPr>
-              <a:lnSpc>
-                <a:spcPct val="100000"/>
-              </a:lnSpc>
-            </a:pPr>
-            <a:r>
-              <a:rPr lang="en-US" dirty="0" smtClean="0">
-                <a:latin typeface="Times New Roman" panose="02020603050405020304" pitchFamily="18" charset="0"/>
-                <a:cs typeface="Times New Roman" panose="02020603050405020304" pitchFamily="18" charset="0"/>
-              </a:rPr>
-              <a:t>Player’s displacement/movement</a:t>
-            </a:r>
-          </a:p>
-          <a:p>
-            <a:pPr>
-              <a:lnSpc>
-                <a:spcPct val="100000"/>
-              </a:lnSpc>
-            </a:pPr>
-            <a:r>
-              <a:rPr lang="en-US" dirty="0" smtClean="0">
-                <a:latin typeface="Times New Roman" panose="02020603050405020304" pitchFamily="18" charset="0"/>
-                <a:cs typeface="Times New Roman" panose="02020603050405020304" pitchFamily="18" charset="0"/>
-              </a:rPr>
-              <a:t>Class Diagram</a:t>
-            </a:r>
-          </a:p>
-          <a:p>
-            <a:pPr>
-              <a:lnSpc>
-                <a:spcPct val="100000"/>
-              </a:lnSpc>
-            </a:pPr>
-            <a:endParaRPr lang="en-US" dirty="0" smtClean="0">
-              <a:latin typeface="Times New Roman" panose="02020603050405020304" pitchFamily="18" charset="0"/>
-              <a:cs typeface="Times New Roman" panose="02020603050405020304" pitchFamily="18" charset="0"/>
-            </a:endParaRPr>
+              <a:buAutoNum type="arabicPeriod"/>
+            </a:pPr>
+            <a:r>
+              <a:rPr lang="fr-FR" sz="4000" b="1" dirty="0" smtClean="0">
+                <a:latin typeface="Times New Roman" panose="02020603050405020304" pitchFamily="18" charset="0"/>
+                <a:cs typeface="Times New Roman" panose="02020603050405020304" pitchFamily="18" charset="0"/>
+              </a:rPr>
+              <a:t>APPLICATION PRESENTATION</a:t>
+            </a:r>
+          </a:p>
+          <a:p>
+            <a:pPr marL="514350" indent="-514350">
+              <a:buFont typeface="+mj-lt"/>
+              <a:buAutoNum type="arabicPeriod"/>
+            </a:pPr>
+            <a:r>
+              <a:rPr lang="fr-FR" sz="4000" b="1" dirty="0" smtClean="0">
+                <a:latin typeface="Times New Roman" panose="02020603050405020304" pitchFamily="18" charset="0"/>
+                <a:cs typeface="Times New Roman" panose="02020603050405020304" pitchFamily="18" charset="0"/>
+              </a:rPr>
+              <a:t>UML DIAGRAMS</a:t>
+            </a:r>
+          </a:p>
+          <a:p>
+            <a:pPr marL="514350" indent="-514350">
+              <a:buFont typeface="+mj-lt"/>
+              <a:buAutoNum type="arabicPeriod"/>
+            </a:pPr>
+            <a:r>
+              <a:rPr lang="fr-FR" sz="4000" b="1" dirty="0" smtClean="0">
+                <a:latin typeface="Times New Roman" panose="02020603050405020304" pitchFamily="18" charset="0"/>
+                <a:cs typeface="Times New Roman" panose="02020603050405020304" pitchFamily="18" charset="0"/>
+              </a:rPr>
+              <a:t>REPORTS</a:t>
+            </a:r>
+          </a:p>
+          <a:p>
+            <a:pPr marL="514350" indent="-514350">
+              <a:buFont typeface="+mj-lt"/>
+              <a:buAutoNum type="arabicPeriod"/>
+            </a:pPr>
+            <a:r>
+              <a:rPr lang="fr-FR" sz="4000" b="1" dirty="0" smtClean="0">
+                <a:latin typeface="Times New Roman" panose="02020603050405020304" pitchFamily="18" charset="0"/>
+                <a:cs typeface="Times New Roman" panose="02020603050405020304" pitchFamily="18" charset="0"/>
+              </a:rPr>
+              <a:t>STRENGTH AND WEAKNESS</a:t>
+            </a:r>
+          </a:p>
+          <a:p>
+            <a:pPr marL="514350" indent="-514350">
+              <a:buFont typeface="+mj-lt"/>
+              <a:buAutoNum type="arabicPeriod"/>
+            </a:pPr>
+            <a:r>
+              <a:rPr lang="fr-FR" sz="4000" b="1" dirty="0" smtClean="0">
+                <a:latin typeface="Times New Roman" panose="02020603050405020304" pitchFamily="18" charset="0"/>
+                <a:cs typeface="Times New Roman" panose="02020603050405020304" pitchFamily="18" charset="0"/>
+              </a:rPr>
+              <a:t>CONCLUSION</a:t>
+            </a:r>
+          </a:p>
+          <a:p>
+            <a:endParaRPr lang="fr-FR" dirty="0" smtClean="0"/>
+          </a:p>
+          <a:p>
+            <a:endParaRPr lang="fr-FR" dirty="0"/>
           </a:p>
         </p:txBody>
       </p:sp>
     </p:spTree>
     <p:extLst>
       <p:ext uri="{BB962C8B-B14F-4D97-AF65-F5344CB8AC3E}">
-        <p14:creationId xmlns:p14="http://schemas.microsoft.com/office/powerpoint/2010/main" val="1832589894"/>
+        <p14:creationId xmlns:p14="http://schemas.microsoft.com/office/powerpoint/2010/main" val="1256479061"/>
       </p:ext>
     </p:extLst>
   </p:cSld>
   <p:clrMapOvr>
     <a:masterClrMapping/>
   </p:clrMapOvr>
+  <p:timing>
+    <p:tnLst>
+      <p:par>
+        <p:cTn id="1" dur="indefinite" restart="never" nodeType="tmRoot"/>
+      </p:par>
+    </p:tnLst>
+  </p:timing>
 </p:sld>
 </file>
 
@@ -6836,9 +8271,16 @@
             <p:ph type="title"/>
           </p:nvPr>
         </p:nvSpPr>
-        <p:spPr/>
-        <p:txBody>
-          <a:bodyPr/>
+        <p:spPr>
+          <a:xfrm>
+            <a:off x="838200" y="0"/>
+            <a:ext cx="10515600" cy="1325563"/>
+          </a:xfrm>
+        </p:spPr>
+        <p:txBody>
+          <a:bodyPr>
+            <a:normAutofit/>
+          </a:bodyPr>
           <a:lstStyle/>
           <a:p>
             <a:pPr algn="ctr"/>
@@ -6850,7 +8292,7 @@
                 <a:latin typeface="Times New Roman" panose="02020603050405020304" pitchFamily="18" charset="0"/>
                 <a:cs typeface="Times New Roman" panose="02020603050405020304" pitchFamily="18" charset="0"/>
               </a:rPr>
-              <a:t>GANTT</a:t>
+              <a:t>PROJECT PRESENTATION</a:t>
             </a:r>
             <a:endParaRPr lang="fr-FR" b="1" dirty="0">
               <a:solidFill>
@@ -6872,16 +8314,440 @@
             <p:ph idx="1"/>
           </p:nvPr>
         </p:nvSpPr>
-        <p:spPr/>
+        <p:spPr>
+          <a:xfrm>
+            <a:off x="140677" y="1084862"/>
+            <a:ext cx="11760591" cy="5358141"/>
+          </a:xfrm>
+        </p:spPr>
+        <p:txBody>
+          <a:bodyPr>
+            <a:normAutofit fontScale="77500" lnSpcReduction="20000"/>
+          </a:bodyPr>
+          <a:lstStyle/>
+          <a:p>
+            <a:pPr marL="514350" indent="-514350">
+              <a:buFont typeface="+mj-lt"/>
+              <a:buAutoNum type="arabicPeriod"/>
+            </a:pPr>
+            <a:r>
+              <a:rPr lang="en-US" sz="3200" b="1" dirty="0" smtClean="0">
+                <a:solidFill>
+                  <a:srgbClr val="FF0000"/>
+                </a:solidFill>
+                <a:latin typeface="Times New Roman" panose="02020603050405020304" pitchFamily="18" charset="0"/>
+                <a:cs typeface="Times New Roman" panose="02020603050405020304" pitchFamily="18" charset="0"/>
+              </a:rPr>
+              <a:t>CONTEXT</a:t>
+            </a:r>
+            <a:endParaRPr lang="en-US" sz="3200" b="1" dirty="0">
+              <a:solidFill>
+                <a:srgbClr val="FF0000"/>
+              </a:solidFill>
+              <a:latin typeface="Times New Roman" panose="02020603050405020304" pitchFamily="18" charset="0"/>
+              <a:cs typeface="Times New Roman" panose="02020603050405020304" pitchFamily="18" charset="0"/>
+            </a:endParaRPr>
+          </a:p>
+          <a:p>
+            <a:pPr marL="0" indent="0">
+              <a:lnSpc>
+                <a:spcPct val="120000"/>
+              </a:lnSpc>
+              <a:buNone/>
+            </a:pPr>
+            <a:r>
+              <a:rPr lang="en-US" dirty="0" smtClean="0">
+                <a:latin typeface="Times New Roman" panose="02020603050405020304" pitchFamily="18" charset="0"/>
+                <a:cs typeface="Times New Roman" panose="02020603050405020304" pitchFamily="18" charset="0"/>
+              </a:rPr>
+              <a:t>It's </a:t>
+            </a:r>
+            <a:r>
+              <a:rPr lang="en-US" dirty="0">
+                <a:latin typeface="Times New Roman" panose="02020603050405020304" pitchFamily="18" charset="0"/>
+                <a:cs typeface="Times New Roman" panose="02020603050405020304" pitchFamily="18" charset="0"/>
+              </a:rPr>
+              <a:t>about rewriting an old game (1984) Boulder Dash created by Peter Liepa and Chris Gray, </a:t>
+            </a:r>
+            <a:r>
+              <a:rPr lang="en-US" dirty="0" smtClean="0">
+                <a:latin typeface="Times New Roman" panose="02020603050405020304" pitchFamily="18" charset="0"/>
+                <a:cs typeface="Times New Roman" panose="02020603050405020304" pitchFamily="18" charset="0"/>
+              </a:rPr>
+              <a:t>about which the </a:t>
+            </a:r>
+            <a:r>
+              <a:rPr lang="en-US" dirty="0">
+                <a:latin typeface="Times New Roman" panose="02020603050405020304" pitchFamily="18" charset="0"/>
+                <a:cs typeface="Times New Roman" panose="02020603050405020304" pitchFamily="18" charset="0"/>
+              </a:rPr>
+              <a:t>principle of the game is to collect a defined number of diamonds to open a passage to </a:t>
+            </a:r>
+            <a:r>
+              <a:rPr lang="en-US" dirty="0" smtClean="0">
+                <a:latin typeface="Times New Roman" panose="02020603050405020304" pitchFamily="18" charset="0"/>
+                <a:cs typeface="Times New Roman" panose="02020603050405020304" pitchFamily="18" charset="0"/>
+              </a:rPr>
+              <a:t>the next </a:t>
+            </a:r>
+            <a:r>
+              <a:rPr lang="en-US" dirty="0">
+                <a:latin typeface="Times New Roman" panose="02020603050405020304" pitchFamily="18" charset="0"/>
+                <a:cs typeface="Times New Roman" panose="02020603050405020304" pitchFamily="18" charset="0"/>
+              </a:rPr>
+              <a:t>level. The character, nicknamed Rockford, must dig the earth to make his way. </a:t>
+            </a:r>
+            <a:r>
+              <a:rPr lang="en-US" dirty="0" smtClean="0">
+                <a:latin typeface="Times New Roman" panose="02020603050405020304" pitchFamily="18" charset="0"/>
+                <a:cs typeface="Times New Roman" panose="02020603050405020304" pitchFamily="18" charset="0"/>
+              </a:rPr>
+              <a:t>He will </a:t>
+            </a:r>
+            <a:r>
+              <a:rPr lang="en-US" dirty="0">
+                <a:latin typeface="Times New Roman" panose="02020603050405020304" pitchFamily="18" charset="0"/>
+                <a:cs typeface="Times New Roman" panose="02020603050405020304" pitchFamily="18" charset="0"/>
+              </a:rPr>
+              <a:t>have to be careful not to be crushed by a rock or a diamond but also not </a:t>
+            </a:r>
+            <a:r>
+              <a:rPr lang="en-US" dirty="0" smtClean="0">
+                <a:latin typeface="Times New Roman" panose="02020603050405020304" pitchFamily="18" charset="0"/>
+                <a:cs typeface="Times New Roman" panose="02020603050405020304" pitchFamily="18" charset="0"/>
+              </a:rPr>
+              <a:t>to make </a:t>
+            </a:r>
+            <a:r>
+              <a:rPr lang="en-US" dirty="0">
+                <a:latin typeface="Times New Roman" panose="02020603050405020304" pitchFamily="18" charset="0"/>
+                <a:cs typeface="Times New Roman" panose="02020603050405020304" pitchFamily="18" charset="0"/>
+              </a:rPr>
+              <a:t>enemies </a:t>
+            </a:r>
+            <a:r>
+              <a:rPr lang="en-US" dirty="0" smtClean="0">
+                <a:latin typeface="Times New Roman" panose="02020603050405020304" pitchFamily="18" charset="0"/>
+                <a:cs typeface="Times New Roman" panose="02020603050405020304" pitchFamily="18" charset="0"/>
+              </a:rPr>
+              <a:t>touch.</a:t>
+            </a:r>
+          </a:p>
+          <a:p>
+            <a:pPr marL="0" indent="0">
+              <a:buNone/>
+            </a:pPr>
+            <a:endParaRPr lang="en-US" dirty="0">
+              <a:latin typeface="Times New Roman" panose="02020603050405020304" pitchFamily="18" charset="0"/>
+              <a:cs typeface="Times New Roman" panose="02020603050405020304" pitchFamily="18" charset="0"/>
+            </a:endParaRPr>
+          </a:p>
+          <a:p>
+            <a:pPr marL="514350" indent="-514350">
+              <a:buFont typeface="+mj-lt"/>
+              <a:buAutoNum type="arabicPeriod" startAt="2"/>
+            </a:pPr>
+            <a:r>
+              <a:rPr lang="en-US" sz="3200" b="1" dirty="0" smtClean="0">
+                <a:solidFill>
+                  <a:srgbClr val="FF0000"/>
+                </a:solidFill>
+                <a:latin typeface="Times New Roman" panose="02020603050405020304" pitchFamily="18" charset="0"/>
+                <a:cs typeface="Times New Roman" panose="02020603050405020304" pitchFamily="18" charset="0"/>
+              </a:rPr>
+              <a:t>OBJECTIVES</a:t>
+            </a:r>
+          </a:p>
+          <a:p>
+            <a:r>
+              <a:rPr lang="en-US" dirty="0">
+                <a:latin typeface="Times New Roman" panose="02020603050405020304" pitchFamily="18" charset="0"/>
+                <a:cs typeface="Times New Roman" panose="02020603050405020304" pitchFamily="18" charset="0"/>
+              </a:rPr>
+              <a:t>Rewrite an old game named Lorann</a:t>
+            </a:r>
+          </a:p>
+          <a:p>
+            <a:pPr>
+              <a:lnSpc>
+                <a:spcPct val="100000"/>
+              </a:lnSpc>
+            </a:pPr>
+            <a:r>
+              <a:rPr lang="en-US" dirty="0">
+                <a:latin typeface="Times New Roman" panose="02020603050405020304" pitchFamily="18" charset="0"/>
+                <a:cs typeface="Times New Roman" panose="02020603050405020304" pitchFamily="18" charset="0"/>
+              </a:rPr>
+              <a:t>Lorann have to pick up some </a:t>
+            </a:r>
+            <a:r>
+              <a:rPr lang="en-US" dirty="0" smtClean="0">
+                <a:latin typeface="Times New Roman" panose="02020603050405020304" pitchFamily="18" charset="0"/>
+                <a:cs typeface="Times New Roman" panose="02020603050405020304" pitchFamily="18" charset="0"/>
+              </a:rPr>
+              <a:t>objects, especially diamonds </a:t>
+            </a:r>
+            <a:r>
+              <a:rPr lang="en-US" dirty="0">
+                <a:latin typeface="Times New Roman" panose="02020603050405020304" pitchFamily="18" charset="0"/>
+                <a:cs typeface="Times New Roman" panose="02020603050405020304" pitchFamily="18" charset="0"/>
+              </a:rPr>
+              <a:t>to finish the level, and fight </a:t>
+            </a:r>
+            <a:r>
+              <a:rPr lang="en-US" dirty="0" smtClean="0">
+                <a:latin typeface="Times New Roman" panose="02020603050405020304" pitchFamily="18" charset="0"/>
+                <a:cs typeface="Times New Roman" panose="02020603050405020304" pitchFamily="18" charset="0"/>
+              </a:rPr>
+              <a:t>monsters to gain more diamonds</a:t>
+            </a:r>
+            <a:endParaRPr lang="en-US" dirty="0">
+              <a:latin typeface="Times New Roman" panose="02020603050405020304" pitchFamily="18" charset="0"/>
+              <a:cs typeface="Times New Roman" panose="02020603050405020304" pitchFamily="18" charset="0"/>
+            </a:endParaRPr>
+          </a:p>
+          <a:p>
+            <a:pPr>
+              <a:lnSpc>
+                <a:spcPct val="100000"/>
+              </a:lnSpc>
+            </a:pPr>
+            <a:r>
+              <a:rPr lang="en-US" dirty="0">
+                <a:latin typeface="Times New Roman" panose="02020603050405020304" pitchFamily="18" charset="0"/>
+                <a:cs typeface="Times New Roman" panose="02020603050405020304" pitchFamily="18" charset="0"/>
+              </a:rPr>
+              <a:t>It must be a Maven Project </a:t>
+            </a:r>
+            <a:r>
+              <a:rPr lang="en-US" dirty="0" smtClean="0">
+                <a:latin typeface="Times New Roman" panose="02020603050405020304" pitchFamily="18" charset="0"/>
+                <a:cs typeface="Times New Roman" panose="02020603050405020304" pitchFamily="18" charset="0"/>
+              </a:rPr>
+              <a:t>written </a:t>
+            </a:r>
+            <a:r>
+              <a:rPr lang="en-US" dirty="0">
+                <a:latin typeface="Times New Roman" panose="02020603050405020304" pitchFamily="18" charset="0"/>
+                <a:cs typeface="Times New Roman" panose="02020603050405020304" pitchFamily="18" charset="0"/>
+              </a:rPr>
+              <a:t>in JAVA language, and composed of five levels.</a:t>
+            </a:r>
+          </a:p>
+          <a:p>
+            <a:pPr>
+              <a:lnSpc>
+                <a:spcPct val="100000"/>
+              </a:lnSpc>
+            </a:pPr>
+            <a:r>
+              <a:rPr lang="en-US" dirty="0" smtClean="0">
+                <a:latin typeface="Times New Roman" panose="02020603050405020304" pitchFamily="18" charset="0"/>
+                <a:cs typeface="Times New Roman" panose="02020603050405020304" pitchFamily="18" charset="0"/>
+              </a:rPr>
+              <a:t>Use of a database</a:t>
+            </a:r>
+            <a:r>
+              <a:rPr lang="en-US" dirty="0">
+                <a:latin typeface="Times New Roman" panose="02020603050405020304" pitchFamily="18" charset="0"/>
+                <a:cs typeface="Times New Roman" panose="02020603050405020304" pitchFamily="18" charset="0"/>
+              </a:rPr>
+              <a:t> </a:t>
+            </a:r>
+            <a:r>
+              <a:rPr lang="en-US" dirty="0" smtClean="0">
+                <a:latin typeface="Times New Roman" panose="02020603050405020304" pitchFamily="18" charset="0"/>
+                <a:cs typeface="Times New Roman" panose="02020603050405020304" pitchFamily="18" charset="0"/>
+              </a:rPr>
+              <a:t>to access different levels</a:t>
+            </a:r>
+          </a:p>
+          <a:p>
+            <a:pPr>
+              <a:lnSpc>
+                <a:spcPct val="100000"/>
+              </a:lnSpc>
+            </a:pPr>
+            <a:r>
+              <a:rPr lang="en-US" dirty="0" smtClean="0">
+                <a:latin typeface="Times New Roman" panose="02020603050405020304" pitchFamily="18" charset="0"/>
+                <a:cs typeface="Times New Roman" panose="02020603050405020304" pitchFamily="18" charset="0"/>
+              </a:rPr>
+              <a:t>Player’s displacement/movement</a:t>
+            </a:r>
+          </a:p>
+          <a:p>
+            <a:pPr>
+              <a:lnSpc>
+                <a:spcPct val="100000"/>
+              </a:lnSpc>
+            </a:pPr>
+            <a:r>
+              <a:rPr lang="en-US" dirty="0" smtClean="0">
+                <a:latin typeface="Times New Roman" panose="02020603050405020304" pitchFamily="18" charset="0"/>
+                <a:cs typeface="Times New Roman" panose="02020603050405020304" pitchFamily="18" charset="0"/>
+              </a:rPr>
+              <a:t>Class Diagram</a:t>
+            </a:r>
+          </a:p>
+          <a:p>
+            <a:pPr>
+              <a:lnSpc>
+                <a:spcPct val="100000"/>
+              </a:lnSpc>
+            </a:pPr>
+            <a:endParaRPr lang="en-US" dirty="0" smtClean="0">
+              <a:latin typeface="Times New Roman" panose="02020603050405020304" pitchFamily="18" charset="0"/>
+              <a:cs typeface="Times New Roman" panose="02020603050405020304" pitchFamily="18" charset="0"/>
+            </a:endParaRPr>
+          </a:p>
+        </p:txBody>
+      </p:sp>
+    </p:spTree>
+    <p:extLst>
+      <p:ext uri="{BB962C8B-B14F-4D97-AF65-F5344CB8AC3E}">
+        <p14:creationId xmlns:p14="http://schemas.microsoft.com/office/powerpoint/2010/main" val="1832589894"/>
+      </p:ext>
+    </p:extLst>
+  </p:cSld>
+  <p:clrMapOvr>
+    <a:masterClrMapping/>
+  </p:clrMapOvr>
+  <p:timing>
+    <p:tnLst>
+      <p:par>
+        <p:cTn id="1" dur="indefinite" restart="never" nodeType="tmRoot"/>
+      </p:par>
+    </p:tnLst>
+  </p:timing>
+</p:sld>
+</file>
+
+<file path=ppt/slides/slide6.xml><?xml version="1.0" encoding="utf-8"?>
+<p:sld xmlns:a="http://schemas.openxmlformats.org/drawingml/2006/main" xmlns:r="http://schemas.openxmlformats.org/officeDocument/2006/relationships" xmlns:p="http://schemas.openxmlformats.org/presentationml/2006/main">
+  <p:cSld>
+    <p:spTree>
+      <p:nvGrpSpPr>
+        <p:cNvPr id="1" name=""/>
+        <p:cNvGrpSpPr/>
+        <p:nvPr/>
+      </p:nvGrpSpPr>
+      <p:grpSpPr>
+        <a:xfrm>
+          <a:off x="0" y="0"/>
+          <a:ext cx="0" cy="0"/>
+          <a:chOff x="0" y="0"/>
+          <a:chExt cx="0" cy="0"/>
+        </a:xfrm>
+      </p:grpSpPr>
+      <p:pic>
+        <p:nvPicPr>
+          <p:cNvPr id="1026" name="Picture 2" descr="4 mauvaises utilisations d'un diagramme de Gantt en gestion de projet"/>
+          <p:cNvPicPr>
+            <a:picLocks noChangeAspect="1" noChangeArrowheads="1"/>
+          </p:cNvPicPr>
+          <p:nvPr/>
+        </p:nvPicPr>
+        <p:blipFill>
+          <a:blip r:embed="rId2">
+            <a:extLst>
+              <a:ext uri="{28A0092B-C50C-407E-A947-70E740481C1C}">
+                <a14:useLocalDpi xmlns:a14="http://schemas.microsoft.com/office/drawing/2010/main" val="0"/>
+              </a:ext>
+            </a:extLst>
+          </a:blip>
+          <a:srcRect/>
+          <a:stretch>
+            <a:fillRect/>
+          </a:stretch>
+        </p:blipFill>
+        <p:spPr bwMode="auto">
+          <a:xfrm>
+            <a:off x="0" y="0"/>
+            <a:ext cx="12192000" cy="6858000"/>
+          </a:xfrm>
+          <a:prstGeom prst="rect">
+            <a:avLst/>
+          </a:prstGeom>
+          <a:noFill/>
+          <a:extLst>
+            <a:ext uri="{909E8E84-426E-40DD-AFC4-6F175D3DCCD1}">
+              <a14:hiddenFill xmlns:a14="http://schemas.microsoft.com/office/drawing/2010/main">
+                <a:solidFill>
+                  <a:srgbClr val="FFFFFF"/>
+                </a:solidFill>
+              </a14:hiddenFill>
+            </a:ext>
+          </a:extLst>
+        </p:spPr>
+      </p:pic>
+      <p:sp>
+        <p:nvSpPr>
+          <p:cNvPr id="2" name="Titre 1"/>
+          <p:cNvSpPr>
+            <a:spLocks noGrp="1"/>
+          </p:cNvSpPr>
+          <p:nvPr>
+            <p:ph type="title"/>
+          </p:nvPr>
+        </p:nvSpPr>
+        <p:spPr>
+          <a:xfrm>
+            <a:off x="824132" y="146381"/>
+            <a:ext cx="10515600" cy="902030"/>
+          </a:xfrm>
+        </p:spPr>
         <p:txBody>
           <a:bodyPr/>
           <a:lstStyle/>
           <a:p>
-            <a:pPr marL="0" indent="0">
-              <a:buNone/>
-            </a:pPr>
-            <a:r>
-              <a:rPr lang="fr-FR" dirty="0" smtClean="0">
+            <a:pPr algn="ctr"/>
+            <a:r>
+              <a:rPr lang="fr-FR" b="1" dirty="0" smtClean="0">
+                <a:solidFill>
+                  <a:srgbClr val="FF0000"/>
+                </a:solidFill>
+                <a:latin typeface="Times New Roman" panose="02020603050405020304" pitchFamily="18" charset="0"/>
+                <a:cs typeface="Times New Roman" panose="02020603050405020304" pitchFamily="18" charset="0"/>
+              </a:rPr>
+              <a:t>GANTT (1/2)</a:t>
+            </a:r>
+            <a:endParaRPr lang="fr-FR" b="1" dirty="0">
+              <a:solidFill>
+                <a:srgbClr val="FF0000"/>
+              </a:solidFill>
+              <a:latin typeface="Times New Roman" panose="02020603050405020304" pitchFamily="18" charset="0"/>
+              <a:cs typeface="Times New Roman" panose="02020603050405020304" pitchFamily="18" charset="0"/>
+            </a:endParaRPr>
+          </a:p>
+        </p:txBody>
+      </p:sp>
+      <p:sp>
+        <p:nvSpPr>
+          <p:cNvPr id="3" name="Espace réservé du contenu 2"/>
+          <p:cNvSpPr>
+            <a:spLocks noGrp="1"/>
+          </p:cNvSpPr>
+          <p:nvPr>
+            <p:ph idx="1"/>
+          </p:nvPr>
+        </p:nvSpPr>
+        <p:spPr>
+          <a:xfrm>
+            <a:off x="570914" y="1048411"/>
+            <a:ext cx="10515600" cy="4351338"/>
+          </a:xfrm>
+        </p:spPr>
+        <p:txBody>
+          <a:bodyPr/>
+          <a:lstStyle/>
+          <a:p>
+            <a:pPr marL="514350" indent="-514350">
+              <a:buFont typeface="+mj-lt"/>
+              <a:buAutoNum type="arabicPeriod"/>
+            </a:pPr>
+            <a:r>
+              <a:rPr lang="fr-FR" b="1" dirty="0" smtClean="0">
                 <a:latin typeface="Times New Roman" panose="02020603050405020304" pitchFamily="18" charset="0"/>
                 <a:cs typeface="Times New Roman" panose="02020603050405020304" pitchFamily="18" charset="0"/>
               </a:rPr>
@@ -6915,24 +8781,38 @@
               <a:cs typeface="Times New Roman" panose="02020603050405020304" pitchFamily="18" charset="0"/>
             </a:endParaRPr>
           </a:p>
-          <a:p>
-            <a:pPr marL="0" indent="0">
-              <a:buNone/>
-            </a:pPr>
-            <a:r>
-              <a:rPr lang="fr-FR" dirty="0" smtClean="0">
-                <a:latin typeface="Times New Roman" panose="02020603050405020304" pitchFamily="18" charset="0"/>
-                <a:cs typeface="Times New Roman" panose="02020603050405020304" pitchFamily="18" charset="0"/>
-              </a:rPr>
-              <a:t>Final and Real Planning</a:t>
-            </a:r>
-            <a:endParaRPr lang="fr-FR" dirty="0">
-              <a:latin typeface="Times New Roman" panose="02020603050405020304" pitchFamily="18" charset="0"/>
-              <a:cs typeface="Times New Roman" panose="02020603050405020304" pitchFamily="18" charset="0"/>
-            </a:endParaRPr>
-          </a:p>
-        </p:txBody>
-      </p:sp>
+        </p:txBody>
+      </p:sp>
+      <p:pic>
+        <p:nvPicPr>
+          <p:cNvPr id="7" name="Image 6"/>
+          <p:cNvPicPr>
+            <a:picLocks noChangeAspect="1"/>
+          </p:cNvPicPr>
+          <p:nvPr/>
+        </p:nvPicPr>
+        <p:blipFill>
+          <a:blip r:embed="rId3">
+            <a:extLst>
+              <a:ext uri="{28A0092B-C50C-407E-A947-70E740481C1C}">
+                <a14:useLocalDpi xmlns:a14="http://schemas.microsoft.com/office/drawing/2010/main" val="0"/>
+              </a:ext>
+            </a:extLst>
+          </a:blip>
+          <a:stretch>
+            <a:fillRect/>
+          </a:stretch>
+        </p:blipFill>
+        <p:spPr>
+          <a:xfrm>
+            <a:off x="570914" y="1564355"/>
+            <a:ext cx="10768818" cy="4979543"/>
+          </a:xfrm>
+          <a:prstGeom prst="rect">
+            <a:avLst/>
+          </a:prstGeom>
+        </p:spPr>
+      </p:pic>
     </p:spTree>
     <p:extLst>
       <p:ext uri="{BB962C8B-B14F-4D97-AF65-F5344CB8AC3E}">
@@ -6943,10 +8823,200 @@
   <p:clrMapOvr>
     <a:masterClrMapping/>
   </p:clrMapOvr>
+  <p:timing>
+    <p:tnLst>
+      <p:par>
+        <p:cTn id="1" dur="indefinite" restart="never" nodeType="tmRoot"/>
+      </p:par>
+    </p:tnLst>
+  </p:timing>
 </p:sld>
 </file>
 
-<file path=ppt/slides/slide6.xml><?xml version="1.0" encoding="utf-8"?>
+<file path=ppt/slides/slide7.xml><?xml version="1.0" encoding="utf-8"?>
+<p:sld xmlns:a="http://schemas.openxmlformats.org/drawingml/2006/main" xmlns:r="http://schemas.openxmlformats.org/officeDocument/2006/relationships" xmlns:p="http://schemas.openxmlformats.org/presentationml/2006/main">
+  <p:cSld>
+    <p:spTree>
+      <p:nvGrpSpPr>
+        <p:cNvPr id="1" name=""/>
+        <p:cNvGrpSpPr/>
+        <p:nvPr/>
+      </p:nvGrpSpPr>
+      <p:grpSpPr>
+        <a:xfrm>
+          <a:off x="0" y="0"/>
+          <a:ext cx="0" cy="0"/>
+          <a:chOff x="0" y="0"/>
+          <a:chExt cx="0" cy="0"/>
+        </a:xfrm>
+      </p:grpSpPr>
+      <p:pic>
+        <p:nvPicPr>
+          <p:cNvPr id="2050" name="Picture 2" descr="4 mauvaises utilisations d'un diagramme de Gantt en gestion de projet"/>
+          <p:cNvPicPr>
+            <a:picLocks noChangeAspect="1" noChangeArrowheads="1"/>
+          </p:cNvPicPr>
+          <p:nvPr/>
+        </p:nvPicPr>
+        <p:blipFill>
+          <a:blip r:embed="rId2">
+            <a:extLst>
+              <a:ext uri="{28A0092B-C50C-407E-A947-70E740481C1C}">
+                <a14:useLocalDpi xmlns:a14="http://schemas.microsoft.com/office/drawing/2010/main" val="0"/>
+              </a:ext>
+            </a:extLst>
+          </a:blip>
+          <a:srcRect/>
+          <a:stretch>
+            <a:fillRect/>
+          </a:stretch>
+        </p:blipFill>
+        <p:spPr bwMode="auto">
+          <a:xfrm>
+            <a:off x="0" y="0"/>
+            <a:ext cx="12192000" cy="6858000"/>
+          </a:xfrm>
+          <a:prstGeom prst="rect">
+            <a:avLst/>
+          </a:prstGeom>
+          <a:noFill/>
+          <a:extLst>
+            <a:ext uri="{909E8E84-426E-40DD-AFC4-6F175D3DCCD1}">
+              <a14:hiddenFill xmlns:a14="http://schemas.microsoft.com/office/drawing/2010/main">
+                <a:solidFill>
+                  <a:srgbClr val="FFFFFF"/>
+                </a:solidFill>
+              </a14:hiddenFill>
+            </a:ext>
+          </a:extLst>
+        </p:spPr>
+      </p:pic>
+      <p:sp>
+        <p:nvSpPr>
+          <p:cNvPr id="2" name="Titre 1"/>
+          <p:cNvSpPr>
+            <a:spLocks noGrp="1"/>
+          </p:cNvSpPr>
+          <p:nvPr>
+            <p:ph type="title"/>
+          </p:nvPr>
+        </p:nvSpPr>
+        <p:spPr>
+          <a:xfrm>
+            <a:off x="838200" y="168177"/>
+            <a:ext cx="10515600" cy="1196389"/>
+          </a:xfrm>
+        </p:spPr>
+        <p:txBody>
+          <a:bodyPr/>
+          <a:lstStyle/>
+          <a:p>
+            <a:pPr algn="ctr"/>
+            <a:r>
+              <a:rPr lang="fr-FR" b="1" dirty="0" smtClean="0">
+                <a:solidFill>
+                  <a:srgbClr val="FF0000"/>
+                </a:solidFill>
+                <a:latin typeface="Times New Roman" panose="02020603050405020304" pitchFamily="18" charset="0"/>
+                <a:cs typeface="Times New Roman" panose="02020603050405020304" pitchFamily="18" charset="0"/>
+              </a:rPr>
+              <a:t>GANTT(2/2)</a:t>
+            </a:r>
+            <a:endParaRPr lang="fr-FR" dirty="0"/>
+          </a:p>
+        </p:txBody>
+      </p:sp>
+      <p:sp>
+        <p:nvSpPr>
+          <p:cNvPr id="3" name="Espace réservé du contenu 2"/>
+          <p:cNvSpPr>
+            <a:spLocks noGrp="1"/>
+          </p:cNvSpPr>
+          <p:nvPr>
+            <p:ph idx="1"/>
+          </p:nvPr>
+        </p:nvSpPr>
+        <p:spPr>
+          <a:xfrm>
+            <a:off x="838200" y="1209821"/>
+            <a:ext cx="10515600" cy="4909625"/>
+          </a:xfrm>
+        </p:spPr>
+        <p:txBody>
+          <a:bodyPr/>
+          <a:lstStyle/>
+          <a:p>
+            <a:pPr marL="514350" indent="-514350">
+              <a:buFont typeface="+mj-lt"/>
+              <a:buAutoNum type="arabicPeriod" startAt="2"/>
+            </a:pPr>
+            <a:r>
+              <a:rPr lang="fr-FR" b="1" dirty="0">
+                <a:latin typeface="Times New Roman" panose="02020603050405020304" pitchFamily="18" charset="0"/>
+                <a:cs typeface="Times New Roman" panose="02020603050405020304" pitchFamily="18" charset="0"/>
+              </a:rPr>
+              <a:t>Final and Real Planning</a:t>
+            </a:r>
+          </a:p>
+          <a:p>
+            <a:pPr marL="0" indent="0">
+              <a:buNone/>
+            </a:pPr>
+            <a:endParaRPr lang="fr-FR" dirty="0"/>
+          </a:p>
+        </p:txBody>
+      </p:sp>
+      <p:pic>
+        <p:nvPicPr>
+          <p:cNvPr id="4" name="Image 3"/>
+          <p:cNvPicPr>
+            <a:picLocks noChangeAspect="1"/>
+          </p:cNvPicPr>
+          <p:nvPr/>
+        </p:nvPicPr>
+        <p:blipFill>
+          <a:blip r:embed="rId3">
+            <a:extLst>
+              <a:ext uri="{28A0092B-C50C-407E-A947-70E740481C1C}">
+                <a14:useLocalDpi xmlns:a14="http://schemas.microsoft.com/office/drawing/2010/main" val="0"/>
+              </a:ext>
+            </a:extLst>
+          </a:blip>
+          <a:stretch>
+            <a:fillRect/>
+          </a:stretch>
+        </p:blipFill>
+        <p:spPr>
+          <a:xfrm>
+            <a:off x="295421" y="1713051"/>
+            <a:ext cx="11648049" cy="4997237"/>
+          </a:xfrm>
+          <a:prstGeom prst="rect">
+            <a:avLst/>
+          </a:prstGeom>
+        </p:spPr>
+      </p:pic>
+    </p:spTree>
+    <p:extLst>
+      <p:ext uri="{BB962C8B-B14F-4D97-AF65-F5344CB8AC3E}">
+        <p14:creationId xmlns:p14="http://schemas.microsoft.com/office/powerpoint/2010/main" val="628049575"/>
+      </p:ext>
+    </p:extLst>
+  </p:cSld>
+  <p:clrMapOvr>
+    <a:masterClrMapping/>
+  </p:clrMapOvr>
+  <p:timing>
+    <p:tnLst>
+      <p:par>
+        <p:cTn id="1" dur="indefinite" restart="never" nodeType="tmRoot"/>
+      </p:par>
+    </p:tnLst>
+  </p:timing>
+</p:sld>
+</file>
+
+<file path=ppt/slides/slide8.xml><?xml version="1.0" encoding="utf-8"?>
 <p:sld xmlns:a="http://schemas.openxmlformats.org/drawingml/2006/main" xmlns:r="http://schemas.openxmlformats.org/officeDocument/2006/relationships" xmlns:p="http://schemas.openxmlformats.org/presentationml/2006/main">
   <p:cSld>
     <p:spTree>
@@ -7232,7 +9302,7 @@
         </p:blipFill>
         <p:spPr>
           <a:xfrm>
-            <a:off x="5733755" y="5048210"/>
+            <a:off x="6096000" y="5145784"/>
             <a:ext cx="3420208" cy="1526820"/>
           </a:xfrm>
           <a:prstGeom prst="rect">
@@ -7279,10 +9349,17 @@
   <p:clrMapOvr>
     <a:masterClrMapping/>
   </p:clrMapOvr>
+  <p:timing>
+    <p:tnLst>
+      <p:par>
+        <p:cTn id="1" dur="indefinite" restart="never" nodeType="tmRoot"/>
+      </p:par>
+    </p:tnLst>
+  </p:timing>
 </p:sld>
 </file>
 
-<file path=ppt/slides/slide7.xml><?xml version="1.0" encoding="utf-8"?>
+<file path=ppt/slides/slide9.xml><?xml version="1.0" encoding="utf-8"?>
 <p:sld xmlns:a="http://schemas.openxmlformats.org/drawingml/2006/main" xmlns:r="http://schemas.openxmlformats.org/officeDocument/2006/relationships" xmlns:p="http://schemas.openxmlformats.org/presentationml/2006/main">
   <p:cSld>
     <p:spTree>
@@ -7299,42 +9376,6 @@
           <a:chExt cx="0" cy="0"/>
         </a:xfrm>
       </p:grpSpPr>
-      <p:sp>
-        <p:nvSpPr>
-          <p:cNvPr id="2" name="Titre 1"/>
-          <p:cNvSpPr>
-            <a:spLocks noGrp="1"/>
-          </p:cNvSpPr>
-          <p:nvPr>
-            <p:ph type="title"/>
-          </p:nvPr>
-        </p:nvSpPr>
-        <p:spPr/>
-        <p:txBody>
-          <a:bodyPr/>
-          <a:lstStyle/>
-          <a:p>
-            <a:pPr algn="ctr"/>
-            <a:r>
-              <a:rPr lang="fr-FR" b="1" dirty="0" smtClean="0">
-                <a:solidFill>
-                  <a:srgbClr val="FF0000"/>
-                </a:solidFill>
-                <a:latin typeface="Times New Roman" panose="02020603050405020304" pitchFamily="18" charset="0"/>
-                <a:cs typeface="Times New Roman" panose="02020603050405020304" pitchFamily="18" charset="0"/>
-              </a:rPr>
-              <a:t>APPLICATION PRESENTATION</a:t>
-            </a:r>
-            <a:endParaRPr lang="fr-FR" b="1" dirty="0">
-              <a:solidFill>
-                <a:srgbClr val="FF0000"/>
-              </a:solidFill>
-              <a:latin typeface="Times New Roman" panose="02020603050405020304" pitchFamily="18" charset="0"/>
-              <a:cs typeface="Times New Roman" panose="02020603050405020304" pitchFamily="18" charset="0"/>
-            </a:endParaRPr>
-          </a:p>
-        </p:txBody>
-      </p:sp>
       <p:pic>
         <p:nvPicPr>
           <p:cNvPr id="4" name="Espace réservé du contenu 3"/>
@@ -7353,16 +9394,56 @@
               </a:ext>
             </a:extLst>
           </a:blip>
-          <a:srcRect r="6154"/>
           <a:stretch/>
         </p:blipFill>
         <p:spPr>
           <a:xfrm>
-            <a:off x="2150012" y="1690688"/>
-            <a:ext cx="7891976" cy="4710112"/>
+            <a:off x="0" y="0"/>
+            <a:ext cx="12192000" cy="6858000"/>
           </a:xfrm>
         </p:spPr>
       </p:pic>
+      <p:sp>
+        <p:nvSpPr>
+          <p:cNvPr id="2" name="Titre 1"/>
+          <p:cNvSpPr>
+            <a:spLocks noGrp="1"/>
+          </p:cNvSpPr>
+          <p:nvPr>
+            <p:ph type="title"/>
+          </p:nvPr>
+        </p:nvSpPr>
+        <p:spPr>
+          <a:xfrm>
+            <a:off x="838200" y="0"/>
+            <a:ext cx="10515600" cy="748153"/>
+          </a:xfrm>
+        </p:spPr>
+        <p:txBody>
+          <a:bodyPr/>
+          <a:lstStyle/>
+          <a:p>
+            <a:pPr algn="ctr"/>
+            <a:r>
+              <a:rPr lang="fr-FR" b="1" dirty="0" smtClean="0">
+                <a:solidFill>
+                  <a:srgbClr val="FF0000"/>
+                </a:solidFill>
+                <a:latin typeface="Times New Roman" panose="02020603050405020304" pitchFamily="18" charset="0"/>
+                <a:cs typeface="Times New Roman" panose="02020603050405020304" pitchFamily="18" charset="0"/>
+              </a:rPr>
+              <a:t>APPLICATION PRESENTATION</a:t>
+            </a:r>
+            <a:endParaRPr lang="fr-FR" b="1" dirty="0">
+              <a:solidFill>
+                <a:srgbClr val="FF0000"/>
+              </a:solidFill>
+              <a:latin typeface="Times New Roman" panose="02020603050405020304" pitchFamily="18" charset="0"/>
+              <a:cs typeface="Times New Roman" panose="02020603050405020304" pitchFamily="18" charset="0"/>
+            </a:endParaRPr>
+          </a:p>
+        </p:txBody>
+      </p:sp>
       <p:pic>
         <p:nvPicPr>
           <p:cNvPr id="5" name="Image 4"/>
@@ -7384,8 +9465,8 @@
         </p:blipFill>
         <p:spPr>
           <a:xfrm>
-            <a:off x="5176911" y="2335237"/>
-            <a:ext cx="2433709" cy="1561514"/>
+            <a:off x="4403188" y="970669"/>
+            <a:ext cx="3474720" cy="2082020"/>
           </a:xfrm>
           <a:prstGeom prst="rect">
             <a:avLst/>
@@ -7402,253 +9483,13 @@
   <p:clrMapOvr>
     <a:masterClrMapping/>
   </p:clrMapOvr>
-</p:sld>
-</file>
-
-<file path=ppt/slides/slide8.xml><?xml version="1.0" encoding="utf-8"?>
-<p:sld xmlns:a="http://schemas.openxmlformats.org/drawingml/2006/main" xmlns:r="http://schemas.openxmlformats.org/officeDocument/2006/relationships" xmlns:p="http://schemas.openxmlformats.org/presentationml/2006/main">
-  <p:cSld>
-    <p:spTree>
-      <p:nvGrpSpPr>
-        <p:cNvPr id="1" name=""/>
-        <p:cNvGrpSpPr/>
-        <p:nvPr/>
-      </p:nvGrpSpPr>
-      <p:grpSpPr>
-        <a:xfrm>
-          <a:off x="0" y="0"/>
-          <a:ext cx="0" cy="0"/>
-          <a:chOff x="0" y="0"/>
-          <a:chExt cx="0" cy="0"/>
-        </a:xfrm>
-      </p:grpSpPr>
-      <p:sp>
-        <p:nvSpPr>
-          <p:cNvPr id="2" name="Titre 1"/>
-          <p:cNvSpPr>
-            <a:spLocks noGrp="1"/>
-          </p:cNvSpPr>
-          <p:nvPr>
-            <p:ph type="title"/>
-          </p:nvPr>
-        </p:nvSpPr>
-        <p:spPr/>
-        <p:txBody>
-          <a:bodyPr/>
-          <a:lstStyle/>
-          <a:p>
-            <a:pPr algn="ctr"/>
-            <a:r>
-              <a:rPr lang="fr-FR" b="1" dirty="0" smtClean="0">
-                <a:solidFill>
-                  <a:srgbClr val="FF0000"/>
-                </a:solidFill>
-                <a:latin typeface="Times New Roman" panose="02020603050405020304" pitchFamily="18" charset="0"/>
-                <a:cs typeface="Times New Roman" panose="02020603050405020304" pitchFamily="18" charset="0"/>
-              </a:rPr>
-              <a:t>UML DIAGRAMS</a:t>
-            </a:r>
-            <a:endParaRPr lang="fr-FR" b="1" dirty="0">
-              <a:solidFill>
-                <a:srgbClr val="FF0000"/>
-              </a:solidFill>
-              <a:latin typeface="Times New Roman" panose="02020603050405020304" pitchFamily="18" charset="0"/>
-              <a:cs typeface="Times New Roman" panose="02020603050405020304" pitchFamily="18" charset="0"/>
-            </a:endParaRPr>
-          </a:p>
-        </p:txBody>
-      </p:sp>
-      <p:sp>
-        <p:nvSpPr>
-          <p:cNvPr id="3" name="Espace réservé du contenu 2"/>
-          <p:cNvSpPr>
-            <a:spLocks noGrp="1"/>
-          </p:cNvSpPr>
-          <p:nvPr>
-            <p:ph idx="1"/>
-          </p:nvPr>
-        </p:nvSpPr>
-        <p:spPr/>
-        <p:txBody>
-          <a:bodyPr/>
-          <a:lstStyle/>
-          <a:p>
-            <a:r>
-              <a:rPr lang="pt-BR" b="1" dirty="0">
-                <a:latin typeface="Times New Roman" panose="02020603050405020304" pitchFamily="18" charset="0"/>
-                <a:cs typeface="Times New Roman" panose="02020603050405020304" pitchFamily="18" charset="0"/>
-              </a:rPr>
-              <a:t>Class </a:t>
-            </a:r>
-            <a:r>
-              <a:rPr lang="pt-BR" b="1" dirty="0" smtClean="0">
-                <a:latin typeface="Times New Roman" panose="02020603050405020304" pitchFamily="18" charset="0"/>
-                <a:cs typeface="Times New Roman" panose="02020603050405020304" pitchFamily="18" charset="0"/>
-              </a:rPr>
-              <a:t>diagrams</a:t>
-            </a:r>
-          </a:p>
-          <a:p>
-            <a:endParaRPr lang="pt-BR" b="1" dirty="0">
-              <a:latin typeface="Times New Roman" panose="02020603050405020304" pitchFamily="18" charset="0"/>
-              <a:cs typeface="Times New Roman" panose="02020603050405020304" pitchFamily="18" charset="0"/>
-            </a:endParaRPr>
-          </a:p>
-          <a:p>
-            <a:r>
-              <a:rPr lang="pt-BR" b="1" dirty="0">
-                <a:latin typeface="Times New Roman" panose="02020603050405020304" pitchFamily="18" charset="0"/>
-                <a:cs typeface="Times New Roman" panose="02020603050405020304" pitchFamily="18" charset="0"/>
-              </a:rPr>
-              <a:t>Package </a:t>
-            </a:r>
-            <a:r>
-              <a:rPr lang="pt-BR" b="1" dirty="0" smtClean="0">
-                <a:latin typeface="Times New Roman" panose="02020603050405020304" pitchFamily="18" charset="0"/>
-                <a:cs typeface="Times New Roman" panose="02020603050405020304" pitchFamily="18" charset="0"/>
-              </a:rPr>
-              <a:t>diagram</a:t>
-            </a:r>
-          </a:p>
-          <a:p>
-            <a:endParaRPr lang="pt-BR" b="1" dirty="0">
-              <a:latin typeface="Times New Roman" panose="02020603050405020304" pitchFamily="18" charset="0"/>
-              <a:cs typeface="Times New Roman" panose="02020603050405020304" pitchFamily="18" charset="0"/>
-            </a:endParaRPr>
-          </a:p>
-          <a:p>
-            <a:r>
-              <a:rPr lang="pt-BR" b="1" dirty="0">
-                <a:latin typeface="Times New Roman" panose="02020603050405020304" pitchFamily="18" charset="0"/>
-                <a:cs typeface="Times New Roman" panose="02020603050405020304" pitchFamily="18" charset="0"/>
-              </a:rPr>
-              <a:t>Sequence </a:t>
-            </a:r>
-            <a:r>
-              <a:rPr lang="pt-BR" b="1" dirty="0" smtClean="0">
-                <a:latin typeface="Times New Roman" panose="02020603050405020304" pitchFamily="18" charset="0"/>
-                <a:cs typeface="Times New Roman" panose="02020603050405020304" pitchFamily="18" charset="0"/>
-              </a:rPr>
-              <a:t>diagram</a:t>
-            </a:r>
-          </a:p>
-          <a:p>
-            <a:endParaRPr lang="pt-BR" b="1" dirty="0">
-              <a:latin typeface="Times New Roman" panose="02020603050405020304" pitchFamily="18" charset="0"/>
-              <a:cs typeface="Times New Roman" panose="02020603050405020304" pitchFamily="18" charset="0"/>
-            </a:endParaRPr>
-          </a:p>
-          <a:p>
-            <a:r>
-              <a:rPr lang="pt-BR" b="1" dirty="0">
-                <a:latin typeface="Times New Roman" panose="02020603050405020304" pitchFamily="18" charset="0"/>
-                <a:cs typeface="Times New Roman" panose="02020603050405020304" pitchFamily="18" charset="0"/>
-              </a:rPr>
-              <a:t>Component diagram</a:t>
-            </a:r>
-          </a:p>
-          <a:p>
-            <a:endParaRPr lang="fr-FR" dirty="0"/>
-          </a:p>
-        </p:txBody>
-      </p:sp>
-    </p:spTree>
-    <p:extLst>
-      <p:ext uri="{BB962C8B-B14F-4D97-AF65-F5344CB8AC3E}">
-        <p14:creationId xmlns:p14="http://schemas.microsoft.com/office/powerpoint/2010/main" val="1758608868"/>
-      </p:ext>
-    </p:extLst>
-  </p:cSld>
-  <p:clrMapOvr>
-    <a:masterClrMapping/>
-  </p:clrMapOvr>
-</p:sld>
-</file>
-
-<file path=ppt/slides/slide9.xml><?xml version="1.0" encoding="utf-8"?>
-<p:sld xmlns:a="http://schemas.openxmlformats.org/drawingml/2006/main" xmlns:r="http://schemas.openxmlformats.org/officeDocument/2006/relationships" xmlns:p="http://schemas.openxmlformats.org/presentationml/2006/main">
-  <p:cSld>
-    <p:spTree>
-      <p:nvGrpSpPr>
-        <p:cNvPr id="1" name=""/>
-        <p:cNvGrpSpPr/>
-        <p:nvPr/>
-      </p:nvGrpSpPr>
-      <p:grpSpPr>
-        <a:xfrm>
-          <a:off x="0" y="0"/>
-          <a:ext cx="0" cy="0"/>
-          <a:chOff x="0" y="0"/>
-          <a:chExt cx="0" cy="0"/>
-        </a:xfrm>
-      </p:grpSpPr>
-      <p:sp>
-        <p:nvSpPr>
-          <p:cNvPr id="2" name="Titre 1"/>
-          <p:cNvSpPr>
-            <a:spLocks noGrp="1"/>
-          </p:cNvSpPr>
-          <p:nvPr>
-            <p:ph type="title"/>
-          </p:nvPr>
-        </p:nvSpPr>
-        <p:spPr/>
-        <p:txBody>
-          <a:bodyPr>
-            <a:normAutofit/>
-          </a:bodyPr>
-          <a:lstStyle/>
-          <a:p>
-            <a:pPr algn="ctr"/>
-            <a:r>
-              <a:rPr lang="fr-FR" b="1" dirty="0">
-                <a:solidFill>
-                  <a:srgbClr val="FF0000"/>
-                </a:solidFill>
-                <a:latin typeface="Times New Roman" panose="02020603050405020304" pitchFamily="18" charset="0"/>
-                <a:cs typeface="Times New Roman" panose="02020603050405020304" pitchFamily="18" charset="0"/>
-              </a:rPr>
-              <a:t>CLASS DIAGRAM</a:t>
-            </a:r>
-            <a:endParaRPr lang="fr-FR" b="1" dirty="0">
-              <a:solidFill>
-                <a:srgbClr val="FF0000"/>
-              </a:solidFill>
-              <a:latin typeface="Times New Roman" panose="02020603050405020304" pitchFamily="18" charset="0"/>
-              <a:cs typeface="Times New Roman" panose="02020603050405020304" pitchFamily="18" charset="0"/>
-            </a:endParaRPr>
-          </a:p>
-        </p:txBody>
-      </p:sp>
-      <p:sp>
-        <p:nvSpPr>
-          <p:cNvPr id="3" name="Espace réservé du contenu 2"/>
-          <p:cNvSpPr>
-            <a:spLocks noGrp="1"/>
-          </p:cNvSpPr>
-          <p:nvPr>
-            <p:ph idx="1"/>
-          </p:nvPr>
-        </p:nvSpPr>
-        <p:spPr/>
-        <p:txBody>
-          <a:bodyPr/>
-          <a:lstStyle/>
-          <a:p>
-            <a:endParaRPr lang="fr-FR" dirty="0"/>
-          </a:p>
-        </p:txBody>
-      </p:sp>
-    </p:spTree>
-    <p:extLst>
-      <p:ext uri="{BB962C8B-B14F-4D97-AF65-F5344CB8AC3E}">
-        <p14:creationId xmlns:p14="http://schemas.microsoft.com/office/powerpoint/2010/main" val="3767860512"/>
-      </p:ext>
-    </p:extLst>
-  </p:cSld>
-  <p:clrMapOvr>
-    <a:masterClrMapping/>
-  </p:clrMapOvr>
+  <p:timing>
+    <p:tnLst>
+      <p:par>
+        <p:cTn id="1" dur="indefinite" restart="never" nodeType="tmRoot"/>
+      </p:par>
+    </p:tnLst>
+  </p:timing>
 </p:sld>
 </file>
 

--- a/masterpom/PROJET UML.pptx
+++ b/masterpom/PROJET UML.pptx
@@ -263,7 +263,7 @@
           <a:p>
             <a:fld id="{E158301B-182D-4E61-84B6-FF5DDCCEA702}" type="datetimeFigureOut">
               <a:rPr lang="fr-FR" smtClean="0"/>
-              <a:t>03/06/2020</a:t>
+              <a:t>04/06/2020</a:t>
             </a:fld>
             <a:endParaRPr lang="fr-FR"/>
           </a:p>
@@ -433,7 +433,7 @@
           <a:p>
             <a:fld id="{E158301B-182D-4E61-84B6-FF5DDCCEA702}" type="datetimeFigureOut">
               <a:rPr lang="fr-FR" smtClean="0"/>
-              <a:t>03/06/2020</a:t>
+              <a:t>04/06/2020</a:t>
             </a:fld>
             <a:endParaRPr lang="fr-FR"/>
           </a:p>
@@ -613,7 +613,7 @@
           <a:p>
             <a:fld id="{E158301B-182D-4E61-84B6-FF5DDCCEA702}" type="datetimeFigureOut">
               <a:rPr lang="fr-FR" smtClean="0"/>
-              <a:t>03/06/2020</a:t>
+              <a:t>04/06/2020</a:t>
             </a:fld>
             <a:endParaRPr lang="fr-FR"/>
           </a:p>
@@ -783,7 +783,7 @@
           <a:p>
             <a:fld id="{E158301B-182D-4E61-84B6-FF5DDCCEA702}" type="datetimeFigureOut">
               <a:rPr lang="fr-FR" smtClean="0"/>
-              <a:t>03/06/2020</a:t>
+              <a:t>04/06/2020</a:t>
             </a:fld>
             <a:endParaRPr lang="fr-FR"/>
           </a:p>
@@ -1029,7 +1029,7 @@
           <a:p>
             <a:fld id="{E158301B-182D-4E61-84B6-FF5DDCCEA702}" type="datetimeFigureOut">
               <a:rPr lang="fr-FR" smtClean="0"/>
-              <a:t>03/06/2020</a:t>
+              <a:t>04/06/2020</a:t>
             </a:fld>
             <a:endParaRPr lang="fr-FR"/>
           </a:p>
@@ -1261,7 +1261,7 @@
           <a:p>
             <a:fld id="{E158301B-182D-4E61-84B6-FF5DDCCEA702}" type="datetimeFigureOut">
               <a:rPr lang="fr-FR" smtClean="0"/>
-              <a:t>03/06/2020</a:t>
+              <a:t>04/06/2020</a:t>
             </a:fld>
             <a:endParaRPr lang="fr-FR"/>
           </a:p>
@@ -1628,7 +1628,7 @@
           <a:p>
             <a:fld id="{E158301B-182D-4E61-84B6-FF5DDCCEA702}" type="datetimeFigureOut">
               <a:rPr lang="fr-FR" smtClean="0"/>
-              <a:t>03/06/2020</a:t>
+              <a:t>04/06/2020</a:t>
             </a:fld>
             <a:endParaRPr lang="fr-FR"/>
           </a:p>
@@ -1746,7 +1746,7 @@
           <a:p>
             <a:fld id="{E158301B-182D-4E61-84B6-FF5DDCCEA702}" type="datetimeFigureOut">
               <a:rPr lang="fr-FR" smtClean="0"/>
-              <a:t>03/06/2020</a:t>
+              <a:t>04/06/2020</a:t>
             </a:fld>
             <a:endParaRPr lang="fr-FR"/>
           </a:p>
@@ -1841,7 +1841,7 @@
           <a:p>
             <a:fld id="{E158301B-182D-4E61-84B6-FF5DDCCEA702}" type="datetimeFigureOut">
               <a:rPr lang="fr-FR" smtClean="0"/>
-              <a:t>03/06/2020</a:t>
+              <a:t>04/06/2020</a:t>
             </a:fld>
             <a:endParaRPr lang="fr-FR"/>
           </a:p>
@@ -2118,7 +2118,7 @@
           <a:p>
             <a:fld id="{E158301B-182D-4E61-84B6-FF5DDCCEA702}" type="datetimeFigureOut">
               <a:rPr lang="fr-FR" smtClean="0"/>
-              <a:t>03/06/2020</a:t>
+              <a:t>04/06/2020</a:t>
             </a:fld>
             <a:endParaRPr lang="fr-FR"/>
           </a:p>
@@ -2371,7 +2371,7 @@
           <a:p>
             <a:fld id="{E158301B-182D-4E61-84B6-FF5DDCCEA702}" type="datetimeFigureOut">
               <a:rPr lang="fr-FR" smtClean="0"/>
-              <a:t>03/06/2020</a:t>
+              <a:t>04/06/2020</a:t>
             </a:fld>
             <a:endParaRPr lang="fr-FR"/>
           </a:p>
@@ -2584,7 +2584,7 @@
           <a:p>
             <a:fld id="{E158301B-182D-4E61-84B6-FF5DDCCEA702}" type="datetimeFigureOut">
               <a:rPr lang="fr-FR" smtClean="0"/>
-              <a:t>03/06/2020</a:t>
+              <a:t>04/06/2020</a:t>
             </a:fld>
             <a:endParaRPr lang="fr-FR"/>
           </a:p>
@@ -4974,13 +4974,6 @@
               </a:rPr>
               <a:t>JXR</a:t>
             </a:r>
-            <a:endParaRPr lang="pt-BR" sz="7000" b="1" dirty="0" smtClean="0">
-              <a:solidFill>
-                <a:srgbClr val="FF0000"/>
-              </a:solidFill>
-              <a:latin typeface="Times New Roman" panose="02020603050405020304" pitchFamily="18" charset="0"/>
-              <a:cs typeface="Times New Roman" panose="02020603050405020304" pitchFamily="18" charset="0"/>
-            </a:endParaRPr>
           </a:p>
         </p:txBody>
       </p:sp>
@@ -9085,7 +9078,7 @@
           </p:nvPr>
         </p:nvPicPr>
         <p:blipFill rotWithShape="1">
-          <a:blip r:embed="rId2">
+          <a:blip r:embed="rId2" cstate="print">
             <a:extLst>
               <a:ext uri="{28A0092B-C50C-407E-A947-70E740481C1C}">
                 <a14:useLocalDpi xmlns:a14="http://schemas.microsoft.com/office/drawing/2010/main" val="0"/>
@@ -9111,7 +9104,7 @@
           <p:nvPr/>
         </p:nvPicPr>
         <p:blipFill rotWithShape="1">
-          <a:blip r:embed="rId3">
+          <a:blip r:embed="rId3" cstate="print">
             <a:extLst>
               <a:ext uri="{28A0092B-C50C-407E-A947-70E740481C1C}">
                 <a14:useLocalDpi xmlns:a14="http://schemas.microsoft.com/office/drawing/2010/main" val="0"/>
